--- a/slides/figures.pptx
+++ b/slides/figures.pptx
@@ -7,6 +7,8 @@
   <p:sldIdLst>
     <p:sldId id="256" r:id="rId2"/>
     <p:sldId id="257" r:id="rId3"/>
+    <p:sldId id="258" r:id="rId4"/>
+    <p:sldId id="259" r:id="rId5"/>
   </p:sldIdLst>
   <p:sldSz cx="12192000" cy="6858000"/>
   <p:notesSz cx="6858000" cy="9144000"/>
@@ -105,19 +107,1406 @@
       </a:defRPr>
     </a:lvl9pPr>
   </p:defaultTextStyle>
+  <p:extLst>
+    <p:ext uri="{EFAFB233-063F-42B5-8137-9DF3F51BA10A}">
+      <p15:sldGuideLst xmlns:p15="http://schemas.microsoft.com/office/powerpoint/2012/main"/>
+    </p:ext>
+  </p:extLst>
 </p:presentation>
-</file>
-
-<file path=ppt/revisionInfo.xml><?xml version="1.0" encoding="utf-8"?>
-<p1510:revInfo xmlns:a="http://schemas.openxmlformats.org/drawingml/2006/main" xmlns:r="http://schemas.openxmlformats.org/officeDocument/2006/relationships" xmlns:p1510="http://schemas.microsoft.com/office/powerpoint/2015/10/main">
-  <p1510:revLst>
-    <p1510:client id="{2496DBF5-AC24-419B-AB4F-1F28A297C19E}" v="21" dt="2024-10-22T16:14:49.301"/>
-  </p1510:revLst>
-</p1510:revInfo>
 </file>
 
 <file path=ppt/changesInfos/changesInfo1.xml><?xml version="1.0" encoding="utf-8"?>
 <pc:chgInfo xmlns:a="http://schemas.openxmlformats.org/drawingml/2006/main" xmlns:r="http://schemas.openxmlformats.org/officeDocument/2006/relationships" xmlns:ac="http://schemas.microsoft.com/office/drawing/2013/main/command" xmlns:pc="http://schemas.microsoft.com/office/powerpoint/2013/main/command">
+  <pc:docChgLst>
+    <pc:chgData name="Matteo Francia" userId="fbe833e6-b551-4418-a2a7-4d1023d25bd4" providerId="ADAL" clId="{9BDAC726-A033-456D-871E-61EBD8BAEF58}"/>
+    <pc:docChg chg="undo custSel addSld modSld">
+      <pc:chgData name="Matteo Francia" userId="fbe833e6-b551-4418-a2a7-4d1023d25bd4" providerId="ADAL" clId="{9BDAC726-A033-456D-871E-61EBD8BAEF58}" dt="2024-11-11T11:50:46.073" v="282" actId="208"/>
+      <pc:docMkLst>
+        <pc:docMk/>
+      </pc:docMkLst>
+      <pc:sldChg chg="modSp mod">
+        <pc:chgData name="Matteo Francia" userId="fbe833e6-b551-4418-a2a7-4d1023d25bd4" providerId="ADAL" clId="{9BDAC726-A033-456D-871E-61EBD8BAEF58}" dt="2024-11-11T11:33:02.195" v="35" actId="108"/>
+        <pc:sldMkLst>
+          <pc:docMk/>
+          <pc:sldMk cId="72074510" sldId="256"/>
+        </pc:sldMkLst>
+        <pc:spChg chg="mod">
+          <ac:chgData name="Matteo Francia" userId="fbe833e6-b551-4418-a2a7-4d1023d25bd4" providerId="ADAL" clId="{9BDAC726-A033-456D-871E-61EBD8BAEF58}" dt="2024-11-11T11:32:59.816" v="34" actId="108"/>
+          <ac:spMkLst>
+            <pc:docMk/>
+            <pc:sldMk cId="72074510" sldId="256"/>
+            <ac:spMk id="4" creationId="{51EC9244-86F6-F299-E2E6-626A07D075F1}"/>
+          </ac:spMkLst>
+        </pc:spChg>
+        <pc:spChg chg="mod">
+          <ac:chgData name="Matteo Francia" userId="fbe833e6-b551-4418-a2a7-4d1023d25bd4" providerId="ADAL" clId="{9BDAC726-A033-456D-871E-61EBD8BAEF58}" dt="2024-11-11T11:32:59.816" v="34" actId="108"/>
+          <ac:spMkLst>
+            <pc:docMk/>
+            <pc:sldMk cId="72074510" sldId="256"/>
+            <ac:spMk id="5" creationId="{7568BEF7-A3A7-1746-B032-32AE58E9C463}"/>
+          </ac:spMkLst>
+        </pc:spChg>
+        <pc:spChg chg="mod">
+          <ac:chgData name="Matteo Francia" userId="fbe833e6-b551-4418-a2a7-4d1023d25bd4" providerId="ADAL" clId="{9BDAC726-A033-456D-871E-61EBD8BAEF58}" dt="2024-11-11T11:32:59.816" v="34" actId="108"/>
+          <ac:spMkLst>
+            <pc:docMk/>
+            <pc:sldMk cId="72074510" sldId="256"/>
+            <ac:spMk id="6" creationId="{ED0BEB88-59DF-4B98-E0CA-0A16BD942581}"/>
+          </ac:spMkLst>
+        </pc:spChg>
+        <pc:spChg chg="mod">
+          <ac:chgData name="Matteo Francia" userId="fbe833e6-b551-4418-a2a7-4d1023d25bd4" providerId="ADAL" clId="{9BDAC726-A033-456D-871E-61EBD8BAEF58}" dt="2024-11-11T11:32:59.816" v="34" actId="108"/>
+          <ac:spMkLst>
+            <pc:docMk/>
+            <pc:sldMk cId="72074510" sldId="256"/>
+            <ac:spMk id="7" creationId="{AB9A9194-1378-429F-2043-52ADE4F7EFD8}"/>
+          </ac:spMkLst>
+        </pc:spChg>
+        <pc:spChg chg="mod">
+          <ac:chgData name="Matteo Francia" userId="fbe833e6-b551-4418-a2a7-4d1023d25bd4" providerId="ADAL" clId="{9BDAC726-A033-456D-871E-61EBD8BAEF58}" dt="2024-11-11T11:33:02.195" v="35" actId="108"/>
+          <ac:spMkLst>
+            <pc:docMk/>
+            <pc:sldMk cId="72074510" sldId="256"/>
+            <ac:spMk id="26" creationId="{83AABF5E-4020-ABDA-2F35-24E8597D9858}"/>
+          </ac:spMkLst>
+        </pc:spChg>
+      </pc:sldChg>
+      <pc:sldChg chg="addSp delSp modSp new mod">
+        <pc:chgData name="Matteo Francia" userId="fbe833e6-b551-4418-a2a7-4d1023d25bd4" providerId="ADAL" clId="{9BDAC726-A033-456D-871E-61EBD8BAEF58}" dt="2024-11-11T11:33:36.884" v="63" actId="1076"/>
+        <pc:sldMkLst>
+          <pc:docMk/>
+          <pc:sldMk cId="1651640705" sldId="258"/>
+        </pc:sldMkLst>
+        <pc:spChg chg="del">
+          <ac:chgData name="Matteo Francia" userId="fbe833e6-b551-4418-a2a7-4d1023d25bd4" providerId="ADAL" clId="{9BDAC726-A033-456D-871E-61EBD8BAEF58}" dt="2024-11-11T11:31:32.835" v="2" actId="478"/>
+          <ac:spMkLst>
+            <pc:docMk/>
+            <pc:sldMk cId="1651640705" sldId="258"/>
+            <ac:spMk id="2" creationId="{FD39C6E5-FA28-4D0A-A233-535681ECA9B7}"/>
+          </ac:spMkLst>
+        </pc:spChg>
+        <pc:spChg chg="del">
+          <ac:chgData name="Matteo Francia" userId="fbe833e6-b551-4418-a2a7-4d1023d25bd4" providerId="ADAL" clId="{9BDAC726-A033-456D-871E-61EBD8BAEF58}" dt="2024-11-11T11:31:31.325" v="1" actId="931"/>
+          <ac:spMkLst>
+            <pc:docMk/>
+            <pc:sldMk cId="1651640705" sldId="258"/>
+            <ac:spMk id="3" creationId="{A6B97518-0497-438F-9254-DBB772DFDD29}"/>
+          </ac:spMkLst>
+        </pc:spChg>
+        <pc:spChg chg="add del mod">
+          <ac:chgData name="Matteo Francia" userId="fbe833e6-b551-4418-a2a7-4d1023d25bd4" providerId="ADAL" clId="{9BDAC726-A033-456D-871E-61EBD8BAEF58}" dt="2024-11-11T11:33:07.424" v="38" actId="478"/>
+          <ac:spMkLst>
+            <pc:docMk/>
+            <pc:sldMk cId="1651640705" sldId="258"/>
+            <ac:spMk id="28" creationId="{74920AF0-CB5A-4E3D-9B26-2B26A4ACC9CC}"/>
+          </ac:spMkLst>
+        </pc:spChg>
+        <pc:spChg chg="add mod">
+          <ac:chgData name="Matteo Francia" userId="fbe833e6-b551-4418-a2a7-4d1023d25bd4" providerId="ADAL" clId="{9BDAC726-A033-456D-871E-61EBD8BAEF58}" dt="2024-11-11T11:33:36.884" v="63" actId="1076"/>
+          <ac:spMkLst>
+            <pc:docMk/>
+            <pc:sldMk cId="1651640705" sldId="258"/>
+            <ac:spMk id="29" creationId="{AC58C6CE-FDB5-4F47-8533-39B2E51B6482}"/>
+          </ac:spMkLst>
+        </pc:spChg>
+        <pc:spChg chg="add mod">
+          <ac:chgData name="Matteo Francia" userId="fbe833e6-b551-4418-a2a7-4d1023d25bd4" providerId="ADAL" clId="{9BDAC726-A033-456D-871E-61EBD8BAEF58}" dt="2024-11-11T11:33:36.884" v="63" actId="1076"/>
+          <ac:spMkLst>
+            <pc:docMk/>
+            <pc:sldMk cId="1651640705" sldId="258"/>
+            <ac:spMk id="30" creationId="{08B909C4-A73F-4E84-BA37-3D48F33E93D0}"/>
+          </ac:spMkLst>
+        </pc:spChg>
+        <pc:picChg chg="add mod">
+          <ac:chgData name="Matteo Francia" userId="fbe833e6-b551-4418-a2a7-4d1023d25bd4" providerId="ADAL" clId="{9BDAC726-A033-456D-871E-61EBD8BAEF58}" dt="2024-11-11T11:32:10.813" v="22" actId="1076"/>
+          <ac:picMkLst>
+            <pc:docMk/>
+            <pc:sldMk cId="1651640705" sldId="258"/>
+            <ac:picMk id="5" creationId="{25354B72-0695-4CE1-BC93-259B21368047}"/>
+          </ac:picMkLst>
+        </pc:picChg>
+        <pc:picChg chg="add mod">
+          <ac:chgData name="Matteo Francia" userId="fbe833e6-b551-4418-a2a7-4d1023d25bd4" providerId="ADAL" clId="{9BDAC726-A033-456D-871E-61EBD8BAEF58}" dt="2024-11-11T11:32:10.813" v="22" actId="1076"/>
+          <ac:picMkLst>
+            <pc:docMk/>
+            <pc:sldMk cId="1651640705" sldId="258"/>
+            <ac:picMk id="6" creationId="{2CA40D56-91DC-438F-93AB-2A5A1DAF89F2}"/>
+          </ac:picMkLst>
+        </pc:picChg>
+        <pc:picChg chg="add mod">
+          <ac:chgData name="Matteo Francia" userId="fbe833e6-b551-4418-a2a7-4d1023d25bd4" providerId="ADAL" clId="{9BDAC726-A033-456D-871E-61EBD8BAEF58}" dt="2024-11-11T11:32:10.813" v="22" actId="1076"/>
+          <ac:picMkLst>
+            <pc:docMk/>
+            <pc:sldMk cId="1651640705" sldId="258"/>
+            <ac:picMk id="7" creationId="{6BB6A669-55DF-4023-8A22-E2928E4D2314}"/>
+          </ac:picMkLst>
+        </pc:picChg>
+        <pc:picChg chg="add del mod">
+          <ac:chgData name="Matteo Francia" userId="fbe833e6-b551-4418-a2a7-4d1023d25bd4" providerId="ADAL" clId="{9BDAC726-A033-456D-871E-61EBD8BAEF58}" dt="2024-11-11T11:32:00.607" v="17" actId="478"/>
+          <ac:picMkLst>
+            <pc:docMk/>
+            <pc:sldMk cId="1651640705" sldId="258"/>
+            <ac:picMk id="8" creationId="{2BE540EC-256C-49B2-8EC4-6C693A03832E}"/>
+          </ac:picMkLst>
+        </pc:picChg>
+        <pc:picChg chg="add del mod">
+          <ac:chgData name="Matteo Francia" userId="fbe833e6-b551-4418-a2a7-4d1023d25bd4" providerId="ADAL" clId="{9BDAC726-A033-456D-871E-61EBD8BAEF58}" dt="2024-11-11T11:32:00.607" v="17" actId="478"/>
+          <ac:picMkLst>
+            <pc:docMk/>
+            <pc:sldMk cId="1651640705" sldId="258"/>
+            <ac:picMk id="9" creationId="{BDC041FA-18B6-4D47-9816-A18AFB6B3C6E}"/>
+          </ac:picMkLst>
+        </pc:picChg>
+        <pc:picChg chg="add del mod">
+          <ac:chgData name="Matteo Francia" userId="fbe833e6-b551-4418-a2a7-4d1023d25bd4" providerId="ADAL" clId="{9BDAC726-A033-456D-871E-61EBD8BAEF58}" dt="2024-11-11T11:32:00.607" v="17" actId="478"/>
+          <ac:picMkLst>
+            <pc:docMk/>
+            <pc:sldMk cId="1651640705" sldId="258"/>
+            <ac:picMk id="10" creationId="{5B963060-F0D3-4657-B186-61CC982002AA}"/>
+          </ac:picMkLst>
+        </pc:picChg>
+        <pc:picChg chg="add mod">
+          <ac:chgData name="Matteo Francia" userId="fbe833e6-b551-4418-a2a7-4d1023d25bd4" providerId="ADAL" clId="{9BDAC726-A033-456D-871E-61EBD8BAEF58}" dt="2024-11-11T11:32:10.813" v="22" actId="1076"/>
+          <ac:picMkLst>
+            <pc:docMk/>
+            <pc:sldMk cId="1651640705" sldId="258"/>
+            <ac:picMk id="11" creationId="{EE12E139-4D65-4DD9-BA34-B168798D520E}"/>
+          </ac:picMkLst>
+        </pc:picChg>
+        <pc:picChg chg="add mod">
+          <ac:chgData name="Matteo Francia" userId="fbe833e6-b551-4418-a2a7-4d1023d25bd4" providerId="ADAL" clId="{9BDAC726-A033-456D-871E-61EBD8BAEF58}" dt="2024-11-11T11:32:10.813" v="22" actId="1076"/>
+          <ac:picMkLst>
+            <pc:docMk/>
+            <pc:sldMk cId="1651640705" sldId="258"/>
+            <ac:picMk id="12" creationId="{FFE63218-16C8-47DB-AD6A-D7001087D59D}"/>
+          </ac:picMkLst>
+        </pc:picChg>
+        <pc:picChg chg="add mod">
+          <ac:chgData name="Matteo Francia" userId="fbe833e6-b551-4418-a2a7-4d1023d25bd4" providerId="ADAL" clId="{9BDAC726-A033-456D-871E-61EBD8BAEF58}" dt="2024-11-11T11:32:10.813" v="22" actId="1076"/>
+          <ac:picMkLst>
+            <pc:docMk/>
+            <pc:sldMk cId="1651640705" sldId="258"/>
+            <ac:picMk id="13" creationId="{6E0761F1-1A1F-40D2-B8CB-CC0E66EC5DBF}"/>
+          </ac:picMkLst>
+        </pc:picChg>
+        <pc:picChg chg="add mod">
+          <ac:chgData name="Matteo Francia" userId="fbe833e6-b551-4418-a2a7-4d1023d25bd4" providerId="ADAL" clId="{9BDAC726-A033-456D-871E-61EBD8BAEF58}" dt="2024-11-11T11:32:10.813" v="22" actId="1076"/>
+          <ac:picMkLst>
+            <pc:docMk/>
+            <pc:sldMk cId="1651640705" sldId="258"/>
+            <ac:picMk id="14" creationId="{8026CD18-7277-4E70-8BAE-66EBDA4652E0}"/>
+          </ac:picMkLst>
+        </pc:picChg>
+        <pc:picChg chg="add mod">
+          <ac:chgData name="Matteo Francia" userId="fbe833e6-b551-4418-a2a7-4d1023d25bd4" providerId="ADAL" clId="{9BDAC726-A033-456D-871E-61EBD8BAEF58}" dt="2024-11-11T11:32:10.813" v="22" actId="1076"/>
+          <ac:picMkLst>
+            <pc:docMk/>
+            <pc:sldMk cId="1651640705" sldId="258"/>
+            <ac:picMk id="15" creationId="{27C393C9-F356-458C-B817-86B485DD1BDB}"/>
+          </ac:picMkLst>
+        </pc:picChg>
+        <pc:picChg chg="add mod">
+          <ac:chgData name="Matteo Francia" userId="fbe833e6-b551-4418-a2a7-4d1023d25bd4" providerId="ADAL" clId="{9BDAC726-A033-456D-871E-61EBD8BAEF58}" dt="2024-11-11T11:32:10.813" v="22" actId="1076"/>
+          <ac:picMkLst>
+            <pc:docMk/>
+            <pc:sldMk cId="1651640705" sldId="258"/>
+            <ac:picMk id="16" creationId="{74D96D01-1000-4E37-8020-53978D91A627}"/>
+          </ac:picMkLst>
+        </pc:picChg>
+        <pc:picChg chg="add mod">
+          <ac:chgData name="Matteo Francia" userId="fbe833e6-b551-4418-a2a7-4d1023d25bd4" providerId="ADAL" clId="{9BDAC726-A033-456D-871E-61EBD8BAEF58}" dt="2024-11-11T11:32:14.743" v="24" actId="1076"/>
+          <ac:picMkLst>
+            <pc:docMk/>
+            <pc:sldMk cId="1651640705" sldId="258"/>
+            <ac:picMk id="17" creationId="{496489C3-D5A5-4E41-80B7-ED27687B3917}"/>
+          </ac:picMkLst>
+        </pc:picChg>
+        <pc:picChg chg="add mod">
+          <ac:chgData name="Matteo Francia" userId="fbe833e6-b551-4418-a2a7-4d1023d25bd4" providerId="ADAL" clId="{9BDAC726-A033-456D-871E-61EBD8BAEF58}" dt="2024-11-11T11:32:14.743" v="24" actId="1076"/>
+          <ac:picMkLst>
+            <pc:docMk/>
+            <pc:sldMk cId="1651640705" sldId="258"/>
+            <ac:picMk id="18" creationId="{95B72A46-1E15-4ED2-A404-B2D0A21247C0}"/>
+          </ac:picMkLst>
+        </pc:picChg>
+        <pc:picChg chg="add mod">
+          <ac:chgData name="Matteo Francia" userId="fbe833e6-b551-4418-a2a7-4d1023d25bd4" providerId="ADAL" clId="{9BDAC726-A033-456D-871E-61EBD8BAEF58}" dt="2024-11-11T11:32:14.743" v="24" actId="1076"/>
+          <ac:picMkLst>
+            <pc:docMk/>
+            <pc:sldMk cId="1651640705" sldId="258"/>
+            <ac:picMk id="19" creationId="{C91139F3-B701-4792-B233-9431743B2FF1}"/>
+          </ac:picMkLst>
+        </pc:picChg>
+        <pc:picChg chg="add mod">
+          <ac:chgData name="Matteo Francia" userId="fbe833e6-b551-4418-a2a7-4d1023d25bd4" providerId="ADAL" clId="{9BDAC726-A033-456D-871E-61EBD8BAEF58}" dt="2024-11-11T11:32:14.743" v="24" actId="1076"/>
+          <ac:picMkLst>
+            <pc:docMk/>
+            <pc:sldMk cId="1651640705" sldId="258"/>
+            <ac:picMk id="20" creationId="{F9E2EBDC-6D29-4155-9E0D-825C53A4875D}"/>
+          </ac:picMkLst>
+        </pc:picChg>
+        <pc:picChg chg="add mod">
+          <ac:chgData name="Matteo Francia" userId="fbe833e6-b551-4418-a2a7-4d1023d25bd4" providerId="ADAL" clId="{9BDAC726-A033-456D-871E-61EBD8BAEF58}" dt="2024-11-11T11:32:14.743" v="24" actId="1076"/>
+          <ac:picMkLst>
+            <pc:docMk/>
+            <pc:sldMk cId="1651640705" sldId="258"/>
+            <ac:picMk id="21" creationId="{FDD15944-1902-4698-8EAD-323DACFA3639}"/>
+          </ac:picMkLst>
+        </pc:picChg>
+        <pc:picChg chg="add mod">
+          <ac:chgData name="Matteo Francia" userId="fbe833e6-b551-4418-a2a7-4d1023d25bd4" providerId="ADAL" clId="{9BDAC726-A033-456D-871E-61EBD8BAEF58}" dt="2024-11-11T11:32:14.743" v="24" actId="1076"/>
+          <ac:picMkLst>
+            <pc:docMk/>
+            <pc:sldMk cId="1651640705" sldId="258"/>
+            <ac:picMk id="22" creationId="{7BA8C936-143C-48E0-AD45-70E0D9360954}"/>
+          </ac:picMkLst>
+        </pc:picChg>
+        <pc:picChg chg="add mod">
+          <ac:chgData name="Matteo Francia" userId="fbe833e6-b551-4418-a2a7-4d1023d25bd4" providerId="ADAL" clId="{9BDAC726-A033-456D-871E-61EBD8BAEF58}" dt="2024-11-11T11:32:14.743" v="24" actId="1076"/>
+          <ac:picMkLst>
+            <pc:docMk/>
+            <pc:sldMk cId="1651640705" sldId="258"/>
+            <ac:picMk id="23" creationId="{F99F17D8-6B64-442E-BFC2-10E8DF16AA30}"/>
+          </ac:picMkLst>
+        </pc:picChg>
+        <pc:picChg chg="add mod">
+          <ac:chgData name="Matteo Francia" userId="fbe833e6-b551-4418-a2a7-4d1023d25bd4" providerId="ADAL" clId="{9BDAC726-A033-456D-871E-61EBD8BAEF58}" dt="2024-11-11T11:32:14.743" v="24" actId="1076"/>
+          <ac:picMkLst>
+            <pc:docMk/>
+            <pc:sldMk cId="1651640705" sldId="258"/>
+            <ac:picMk id="24" creationId="{02FEFE06-DF07-47C0-826B-FF8E3B69273F}"/>
+          </ac:picMkLst>
+        </pc:picChg>
+        <pc:picChg chg="add mod">
+          <ac:chgData name="Matteo Francia" userId="fbe833e6-b551-4418-a2a7-4d1023d25bd4" providerId="ADAL" clId="{9BDAC726-A033-456D-871E-61EBD8BAEF58}" dt="2024-11-11T11:32:14.743" v="24" actId="1076"/>
+          <ac:picMkLst>
+            <pc:docMk/>
+            <pc:sldMk cId="1651640705" sldId="258"/>
+            <ac:picMk id="25" creationId="{5450A997-67F0-4922-8A06-B859D0E73DB7}"/>
+          </ac:picMkLst>
+        </pc:picChg>
+        <pc:picChg chg="add mod">
+          <ac:chgData name="Matteo Francia" userId="fbe833e6-b551-4418-a2a7-4d1023d25bd4" providerId="ADAL" clId="{9BDAC726-A033-456D-871E-61EBD8BAEF58}" dt="2024-11-11T11:33:27.405" v="60" actId="1037"/>
+          <ac:picMkLst>
+            <pc:docMk/>
+            <pc:sldMk cId="1651640705" sldId="258"/>
+            <ac:picMk id="26" creationId="{AE5C3461-E825-4307-9DA2-A19A9DAB8DCC}"/>
+          </ac:picMkLst>
+        </pc:picChg>
+        <pc:picChg chg="add mod">
+          <ac:chgData name="Matteo Francia" userId="fbe833e6-b551-4418-a2a7-4d1023d25bd4" providerId="ADAL" clId="{9BDAC726-A033-456D-871E-61EBD8BAEF58}" dt="2024-11-11T11:33:27.405" v="60" actId="1037"/>
+          <ac:picMkLst>
+            <pc:docMk/>
+            <pc:sldMk cId="1651640705" sldId="258"/>
+            <ac:picMk id="27" creationId="{3CE3DB5F-C8EB-4615-A380-4DBFF86FE4BF}"/>
+          </ac:picMkLst>
+        </pc:picChg>
+      </pc:sldChg>
+      <pc:sldChg chg="addSp delSp modSp new mod">
+        <pc:chgData name="Matteo Francia" userId="fbe833e6-b551-4418-a2a7-4d1023d25bd4" providerId="ADAL" clId="{9BDAC726-A033-456D-871E-61EBD8BAEF58}" dt="2024-11-11T11:50:46.073" v="282" actId="208"/>
+        <pc:sldMkLst>
+          <pc:docMk/>
+          <pc:sldMk cId="2694379406" sldId="259"/>
+        </pc:sldMkLst>
+        <pc:spChg chg="del">
+          <ac:chgData name="Matteo Francia" userId="fbe833e6-b551-4418-a2a7-4d1023d25bd4" providerId="ADAL" clId="{9BDAC726-A033-456D-871E-61EBD8BAEF58}" dt="2024-11-11T11:43:36.492" v="65" actId="478"/>
+          <ac:spMkLst>
+            <pc:docMk/>
+            <pc:sldMk cId="2694379406" sldId="259"/>
+            <ac:spMk id="2" creationId="{10121C8E-110A-40A7-B39D-B162DE9350E5}"/>
+          </ac:spMkLst>
+        </pc:spChg>
+        <pc:spChg chg="del">
+          <ac:chgData name="Matteo Francia" userId="fbe833e6-b551-4418-a2a7-4d1023d25bd4" providerId="ADAL" clId="{9BDAC726-A033-456D-871E-61EBD8BAEF58}" dt="2024-11-11T11:43:36.492" v="65" actId="478"/>
+          <ac:spMkLst>
+            <pc:docMk/>
+            <pc:sldMk cId="2694379406" sldId="259"/>
+            <ac:spMk id="3" creationId="{0E657DC8-E0DE-4F39-A6D4-EDB7FF38C3AB}"/>
+          </ac:spMkLst>
+        </pc:spChg>
+        <pc:spChg chg="add del mod">
+          <ac:chgData name="Matteo Francia" userId="fbe833e6-b551-4418-a2a7-4d1023d25bd4" providerId="ADAL" clId="{9BDAC726-A033-456D-871E-61EBD8BAEF58}" dt="2024-11-11T11:43:40.674" v="69"/>
+          <ac:spMkLst>
+            <pc:docMk/>
+            <pc:sldMk cId="2694379406" sldId="259"/>
+            <ac:spMk id="5" creationId="{F52DDF54-874C-4011-89D3-0D8D449F3087}"/>
+          </ac:spMkLst>
+        </pc:spChg>
+        <pc:spChg chg="del mod">
+          <ac:chgData name="Matteo Francia" userId="fbe833e6-b551-4418-a2a7-4d1023d25bd4" providerId="ADAL" clId="{9BDAC726-A033-456D-871E-61EBD8BAEF58}" dt="2024-11-11T11:44:31.951" v="73" actId="478"/>
+          <ac:spMkLst>
+            <pc:docMk/>
+            <pc:sldMk cId="2694379406" sldId="259"/>
+            <ac:spMk id="9" creationId="{5721B39D-EFB5-4572-ACC6-3E68078508F4}"/>
+          </ac:spMkLst>
+        </pc:spChg>
+        <pc:spChg chg="mod topLvl">
+          <ac:chgData name="Matteo Francia" userId="fbe833e6-b551-4418-a2a7-4d1023d25bd4" providerId="ADAL" clId="{9BDAC726-A033-456D-871E-61EBD8BAEF58}" dt="2024-11-11T11:48:37.697" v="228" actId="14100"/>
+          <ac:spMkLst>
+            <pc:docMk/>
+            <pc:sldMk cId="2694379406" sldId="259"/>
+            <ac:spMk id="12" creationId="{211268BA-2B33-4A25-B544-E9E5287F4667}"/>
+          </ac:spMkLst>
+        </pc:spChg>
+        <pc:spChg chg="mod topLvl">
+          <ac:chgData name="Matteo Francia" userId="fbe833e6-b551-4418-a2a7-4d1023d25bd4" providerId="ADAL" clId="{9BDAC726-A033-456D-871E-61EBD8BAEF58}" dt="2024-11-11T11:46:47.566" v="177" actId="2711"/>
+          <ac:spMkLst>
+            <pc:docMk/>
+            <pc:sldMk cId="2694379406" sldId="259"/>
+            <ac:spMk id="14" creationId="{576F34F9-F186-4FA5-AABF-86E1ED7D783C}"/>
+          </ac:spMkLst>
+        </pc:spChg>
+        <pc:spChg chg="mod ord topLvl">
+          <ac:chgData name="Matteo Francia" userId="fbe833e6-b551-4418-a2a7-4d1023d25bd4" providerId="ADAL" clId="{9BDAC726-A033-456D-871E-61EBD8BAEF58}" dt="2024-11-11T11:47:48.788" v="202" actId="14100"/>
+          <ac:spMkLst>
+            <pc:docMk/>
+            <pc:sldMk cId="2694379406" sldId="259"/>
+            <ac:spMk id="15" creationId="{F612E016-15D9-4B54-9DA5-77529AB01408}"/>
+          </ac:spMkLst>
+        </pc:spChg>
+        <pc:spChg chg="mod topLvl">
+          <ac:chgData name="Matteo Francia" userId="fbe833e6-b551-4418-a2a7-4d1023d25bd4" providerId="ADAL" clId="{9BDAC726-A033-456D-871E-61EBD8BAEF58}" dt="2024-11-11T11:46:47.566" v="177" actId="2711"/>
+          <ac:spMkLst>
+            <pc:docMk/>
+            <pc:sldMk cId="2694379406" sldId="259"/>
+            <ac:spMk id="16" creationId="{E1F2A5B2-6076-4852-96A1-46AA22CE535A}"/>
+          </ac:spMkLst>
+        </pc:spChg>
+        <pc:spChg chg="mod topLvl">
+          <ac:chgData name="Matteo Francia" userId="fbe833e6-b551-4418-a2a7-4d1023d25bd4" providerId="ADAL" clId="{9BDAC726-A033-456D-871E-61EBD8BAEF58}" dt="2024-11-11T11:46:47.566" v="177" actId="2711"/>
+          <ac:spMkLst>
+            <pc:docMk/>
+            <pc:sldMk cId="2694379406" sldId="259"/>
+            <ac:spMk id="17" creationId="{18410403-DBDE-4CA4-9CD7-9AF0190A01B1}"/>
+          </ac:spMkLst>
+        </pc:spChg>
+        <pc:spChg chg="mod topLvl">
+          <ac:chgData name="Matteo Francia" userId="fbe833e6-b551-4418-a2a7-4d1023d25bd4" providerId="ADAL" clId="{9BDAC726-A033-456D-871E-61EBD8BAEF58}" dt="2024-11-11T11:46:47.566" v="177" actId="2711"/>
+          <ac:spMkLst>
+            <pc:docMk/>
+            <pc:sldMk cId="2694379406" sldId="259"/>
+            <ac:spMk id="18" creationId="{B90E7608-2C97-4104-9C8C-1FE4B651CB0D}"/>
+          </ac:spMkLst>
+        </pc:spChg>
+        <pc:spChg chg="mod">
+          <ac:chgData name="Matteo Francia" userId="fbe833e6-b551-4418-a2a7-4d1023d25bd4" providerId="ADAL" clId="{9BDAC726-A033-456D-871E-61EBD8BAEF58}" dt="2024-11-11T11:46:47.566" v="177" actId="2711"/>
+          <ac:spMkLst>
+            <pc:docMk/>
+            <pc:sldMk cId="2694379406" sldId="259"/>
+            <ac:spMk id="20" creationId="{4EC54494-3603-4A3C-BA28-01776F43CCFE}"/>
+          </ac:spMkLst>
+        </pc:spChg>
+        <pc:spChg chg="mod">
+          <ac:chgData name="Matteo Francia" userId="fbe833e6-b551-4418-a2a7-4d1023d25bd4" providerId="ADAL" clId="{9BDAC726-A033-456D-871E-61EBD8BAEF58}" dt="2024-11-11T11:46:47.566" v="177" actId="2711"/>
+          <ac:spMkLst>
+            <pc:docMk/>
+            <pc:sldMk cId="2694379406" sldId="259"/>
+            <ac:spMk id="24" creationId="{48E65077-0116-41EB-9ED9-96F7DE76A772}"/>
+          </ac:spMkLst>
+        </pc:spChg>
+        <pc:spChg chg="mod">
+          <ac:chgData name="Matteo Francia" userId="fbe833e6-b551-4418-a2a7-4d1023d25bd4" providerId="ADAL" clId="{9BDAC726-A033-456D-871E-61EBD8BAEF58}" dt="2024-11-11T11:46:47.566" v="177" actId="2711"/>
+          <ac:spMkLst>
+            <pc:docMk/>
+            <pc:sldMk cId="2694379406" sldId="259"/>
+            <ac:spMk id="25" creationId="{B0335D2F-84AE-4E0F-B4D2-C5951BD1DDED}"/>
+          </ac:spMkLst>
+        </pc:spChg>
+        <pc:spChg chg="mod">
+          <ac:chgData name="Matteo Francia" userId="fbe833e6-b551-4418-a2a7-4d1023d25bd4" providerId="ADAL" clId="{9BDAC726-A033-456D-871E-61EBD8BAEF58}" dt="2024-11-11T11:46:47.566" v="177" actId="2711"/>
+          <ac:spMkLst>
+            <pc:docMk/>
+            <pc:sldMk cId="2694379406" sldId="259"/>
+            <ac:spMk id="28" creationId="{E6C6827C-67F1-4F93-BD55-274839FE56D3}"/>
+          </ac:spMkLst>
+        </pc:spChg>
+        <pc:spChg chg="mod">
+          <ac:chgData name="Matteo Francia" userId="fbe833e6-b551-4418-a2a7-4d1023d25bd4" providerId="ADAL" clId="{9BDAC726-A033-456D-871E-61EBD8BAEF58}" dt="2024-11-11T11:46:47.566" v="177" actId="2711"/>
+          <ac:spMkLst>
+            <pc:docMk/>
+            <pc:sldMk cId="2694379406" sldId="259"/>
+            <ac:spMk id="31" creationId="{46237F4A-8FF5-4748-9F25-5978447F40AE}"/>
+          </ac:spMkLst>
+        </pc:spChg>
+        <pc:spChg chg="mod">
+          <ac:chgData name="Matteo Francia" userId="fbe833e6-b551-4418-a2a7-4d1023d25bd4" providerId="ADAL" clId="{9BDAC726-A033-456D-871E-61EBD8BAEF58}" dt="2024-11-11T11:46:47.566" v="177" actId="2711"/>
+          <ac:spMkLst>
+            <pc:docMk/>
+            <pc:sldMk cId="2694379406" sldId="259"/>
+            <ac:spMk id="35" creationId="{4E15EC3A-F853-4808-8739-B2519379E9EB}"/>
+          </ac:spMkLst>
+        </pc:spChg>
+        <pc:spChg chg="mod">
+          <ac:chgData name="Matteo Francia" userId="fbe833e6-b551-4418-a2a7-4d1023d25bd4" providerId="ADAL" clId="{9BDAC726-A033-456D-871E-61EBD8BAEF58}" dt="2024-11-11T11:46:47.566" v="177" actId="2711"/>
+          <ac:spMkLst>
+            <pc:docMk/>
+            <pc:sldMk cId="2694379406" sldId="259"/>
+            <ac:spMk id="36" creationId="{1CA65269-7FAA-4DED-AE6E-CD69302C65F9}"/>
+          </ac:spMkLst>
+        </pc:spChg>
+        <pc:spChg chg="mod">
+          <ac:chgData name="Matteo Francia" userId="fbe833e6-b551-4418-a2a7-4d1023d25bd4" providerId="ADAL" clId="{9BDAC726-A033-456D-871E-61EBD8BAEF58}" dt="2024-11-11T11:46:47.566" v="177" actId="2711"/>
+          <ac:spMkLst>
+            <pc:docMk/>
+            <pc:sldMk cId="2694379406" sldId="259"/>
+            <ac:spMk id="40" creationId="{C1898AA7-BF2A-4038-A9D0-F862221DBAF6}"/>
+          </ac:spMkLst>
+        </pc:spChg>
+        <pc:spChg chg="mod">
+          <ac:chgData name="Matteo Francia" userId="fbe833e6-b551-4418-a2a7-4d1023d25bd4" providerId="ADAL" clId="{9BDAC726-A033-456D-871E-61EBD8BAEF58}" dt="2024-11-11T11:46:47.566" v="177" actId="2711"/>
+          <ac:spMkLst>
+            <pc:docMk/>
+            <pc:sldMk cId="2694379406" sldId="259"/>
+            <ac:spMk id="41" creationId="{2A8F39AA-558C-4A15-8420-4412ED9E8439}"/>
+          </ac:spMkLst>
+        </pc:spChg>
+        <pc:spChg chg="del mod topLvl">
+          <ac:chgData name="Matteo Francia" userId="fbe833e6-b551-4418-a2a7-4d1023d25bd4" providerId="ADAL" clId="{9BDAC726-A033-456D-871E-61EBD8BAEF58}" dt="2024-11-11T11:49:15.660" v="232" actId="478"/>
+          <ac:spMkLst>
+            <pc:docMk/>
+            <pc:sldMk cId="2694379406" sldId="259"/>
+            <ac:spMk id="44" creationId="{1C3E4365-57D6-43F4-BC1D-7C9635490D1B}"/>
+          </ac:spMkLst>
+        </pc:spChg>
+        <pc:spChg chg="mod">
+          <ac:chgData name="Matteo Francia" userId="fbe833e6-b551-4418-a2a7-4d1023d25bd4" providerId="ADAL" clId="{9BDAC726-A033-456D-871E-61EBD8BAEF58}" dt="2024-11-11T11:46:47.566" v="177" actId="2711"/>
+          <ac:spMkLst>
+            <pc:docMk/>
+            <pc:sldMk cId="2694379406" sldId="259"/>
+            <ac:spMk id="48" creationId="{BBE65653-ED16-41DC-9D9E-BCEE51610CB9}"/>
+          </ac:spMkLst>
+        </pc:spChg>
+        <pc:spChg chg="mod">
+          <ac:chgData name="Matteo Francia" userId="fbe833e6-b551-4418-a2a7-4d1023d25bd4" providerId="ADAL" clId="{9BDAC726-A033-456D-871E-61EBD8BAEF58}" dt="2024-11-11T11:46:47.566" v="177" actId="2711"/>
+          <ac:spMkLst>
+            <pc:docMk/>
+            <pc:sldMk cId="2694379406" sldId="259"/>
+            <ac:spMk id="49" creationId="{2B0E2676-3499-4807-96E1-03522CBC60AA}"/>
+          </ac:spMkLst>
+        </pc:spChg>
+        <pc:spChg chg="mod">
+          <ac:chgData name="Matteo Francia" userId="fbe833e6-b551-4418-a2a7-4d1023d25bd4" providerId="ADAL" clId="{9BDAC726-A033-456D-871E-61EBD8BAEF58}" dt="2024-11-11T11:46:47.566" v="177" actId="2711"/>
+          <ac:spMkLst>
+            <pc:docMk/>
+            <pc:sldMk cId="2694379406" sldId="259"/>
+            <ac:spMk id="52" creationId="{CDB3948B-D741-4209-B250-1F0E105E2A90}"/>
+          </ac:spMkLst>
+        </pc:spChg>
+        <pc:spChg chg="mod">
+          <ac:chgData name="Matteo Francia" userId="fbe833e6-b551-4418-a2a7-4d1023d25bd4" providerId="ADAL" clId="{9BDAC726-A033-456D-871E-61EBD8BAEF58}" dt="2024-11-11T11:46:47.566" v="177" actId="2711"/>
+          <ac:spMkLst>
+            <pc:docMk/>
+            <pc:sldMk cId="2694379406" sldId="259"/>
+            <ac:spMk id="55" creationId="{8DE85678-7DDD-40C2-95F3-B74D67166D6A}"/>
+          </ac:spMkLst>
+        </pc:spChg>
+        <pc:spChg chg="mod">
+          <ac:chgData name="Matteo Francia" userId="fbe833e6-b551-4418-a2a7-4d1023d25bd4" providerId="ADAL" clId="{9BDAC726-A033-456D-871E-61EBD8BAEF58}" dt="2024-11-11T11:46:47.566" v="177" actId="2711"/>
+          <ac:spMkLst>
+            <pc:docMk/>
+            <pc:sldMk cId="2694379406" sldId="259"/>
+            <ac:spMk id="59" creationId="{01DED75F-0F21-4CA6-9412-7027FBE95692}"/>
+          </ac:spMkLst>
+        </pc:spChg>
+        <pc:spChg chg="mod">
+          <ac:chgData name="Matteo Francia" userId="fbe833e6-b551-4418-a2a7-4d1023d25bd4" providerId="ADAL" clId="{9BDAC726-A033-456D-871E-61EBD8BAEF58}" dt="2024-11-11T11:46:47.566" v="177" actId="2711"/>
+          <ac:spMkLst>
+            <pc:docMk/>
+            <pc:sldMk cId="2694379406" sldId="259"/>
+            <ac:spMk id="60" creationId="{3A766CBD-2ADE-485C-9FBD-A96F0A4662DB}"/>
+          </ac:spMkLst>
+        </pc:spChg>
+        <pc:spChg chg="mod">
+          <ac:chgData name="Matteo Francia" userId="fbe833e6-b551-4418-a2a7-4d1023d25bd4" providerId="ADAL" clId="{9BDAC726-A033-456D-871E-61EBD8BAEF58}" dt="2024-11-11T11:46:47.566" v="177" actId="2711"/>
+          <ac:spMkLst>
+            <pc:docMk/>
+            <pc:sldMk cId="2694379406" sldId="259"/>
+            <ac:spMk id="64" creationId="{C1957ECA-9618-45DC-A434-CB5121FA41E0}"/>
+          </ac:spMkLst>
+        </pc:spChg>
+        <pc:spChg chg="mod">
+          <ac:chgData name="Matteo Francia" userId="fbe833e6-b551-4418-a2a7-4d1023d25bd4" providerId="ADAL" clId="{9BDAC726-A033-456D-871E-61EBD8BAEF58}" dt="2024-11-11T11:46:47.566" v="177" actId="2711"/>
+          <ac:spMkLst>
+            <pc:docMk/>
+            <pc:sldMk cId="2694379406" sldId="259"/>
+            <ac:spMk id="65" creationId="{26EA561C-2A66-43C8-AFBF-FD934F22E47A}"/>
+          </ac:spMkLst>
+        </pc:spChg>
+        <pc:spChg chg="mod">
+          <ac:chgData name="Matteo Francia" userId="fbe833e6-b551-4418-a2a7-4d1023d25bd4" providerId="ADAL" clId="{9BDAC726-A033-456D-871E-61EBD8BAEF58}" dt="2024-11-11T11:46:47.566" v="177" actId="2711"/>
+          <ac:spMkLst>
+            <pc:docMk/>
+            <pc:sldMk cId="2694379406" sldId="259"/>
+            <ac:spMk id="69" creationId="{DC91A805-4452-45A1-ACF3-92B724C629DB}"/>
+          </ac:spMkLst>
+        </pc:spChg>
+        <pc:spChg chg="mod">
+          <ac:chgData name="Matteo Francia" userId="fbe833e6-b551-4418-a2a7-4d1023d25bd4" providerId="ADAL" clId="{9BDAC726-A033-456D-871E-61EBD8BAEF58}" dt="2024-11-11T11:46:47.566" v="177" actId="2711"/>
+          <ac:spMkLst>
+            <pc:docMk/>
+            <pc:sldMk cId="2694379406" sldId="259"/>
+            <ac:spMk id="70" creationId="{14D5ADF9-6C94-484E-8641-71200AFFFB0C}"/>
+          </ac:spMkLst>
+        </pc:spChg>
+        <pc:spChg chg="mod">
+          <ac:chgData name="Matteo Francia" userId="fbe833e6-b551-4418-a2a7-4d1023d25bd4" providerId="ADAL" clId="{9BDAC726-A033-456D-871E-61EBD8BAEF58}" dt="2024-11-11T11:46:47.566" v="177" actId="2711"/>
+          <ac:spMkLst>
+            <pc:docMk/>
+            <pc:sldMk cId="2694379406" sldId="259"/>
+            <ac:spMk id="73" creationId="{D8378B40-08C1-4AA4-B414-A333F8983ACD}"/>
+          </ac:spMkLst>
+        </pc:spChg>
+        <pc:spChg chg="mod">
+          <ac:chgData name="Matteo Francia" userId="fbe833e6-b551-4418-a2a7-4d1023d25bd4" providerId="ADAL" clId="{9BDAC726-A033-456D-871E-61EBD8BAEF58}" dt="2024-11-11T11:46:47.566" v="177" actId="2711"/>
+          <ac:spMkLst>
+            <pc:docMk/>
+            <pc:sldMk cId="2694379406" sldId="259"/>
+            <ac:spMk id="77" creationId="{59630903-8748-4AB7-864E-A1F8F64F7A89}"/>
+          </ac:spMkLst>
+        </pc:spChg>
+        <pc:spChg chg="mod">
+          <ac:chgData name="Matteo Francia" userId="fbe833e6-b551-4418-a2a7-4d1023d25bd4" providerId="ADAL" clId="{9BDAC726-A033-456D-871E-61EBD8BAEF58}" dt="2024-11-11T11:46:47.566" v="177" actId="2711"/>
+          <ac:spMkLst>
+            <pc:docMk/>
+            <pc:sldMk cId="2694379406" sldId="259"/>
+            <ac:spMk id="78" creationId="{A784AB42-EE99-4392-8531-6E46A6899986}"/>
+          </ac:spMkLst>
+        </pc:spChg>
+        <pc:spChg chg="mod">
+          <ac:chgData name="Matteo Francia" userId="fbe833e6-b551-4418-a2a7-4d1023d25bd4" providerId="ADAL" clId="{9BDAC726-A033-456D-871E-61EBD8BAEF58}" dt="2024-11-11T11:46:47.566" v="177" actId="2711"/>
+          <ac:spMkLst>
+            <pc:docMk/>
+            <pc:sldMk cId="2694379406" sldId="259"/>
+            <ac:spMk id="81" creationId="{C2770C52-4806-4DDB-8A14-6DBC01E5707C}"/>
+          </ac:spMkLst>
+        </pc:spChg>
+        <pc:spChg chg="mod">
+          <ac:chgData name="Matteo Francia" userId="fbe833e6-b551-4418-a2a7-4d1023d25bd4" providerId="ADAL" clId="{9BDAC726-A033-456D-871E-61EBD8BAEF58}" dt="2024-11-11T11:46:47.566" v="177" actId="2711"/>
+          <ac:spMkLst>
+            <pc:docMk/>
+            <pc:sldMk cId="2694379406" sldId="259"/>
+            <ac:spMk id="84" creationId="{20168C60-5754-4F3E-A56B-17DFB098D1A0}"/>
+          </ac:spMkLst>
+        </pc:spChg>
+        <pc:spChg chg="mod">
+          <ac:chgData name="Matteo Francia" userId="fbe833e6-b551-4418-a2a7-4d1023d25bd4" providerId="ADAL" clId="{9BDAC726-A033-456D-871E-61EBD8BAEF58}" dt="2024-11-11T11:46:47.566" v="177" actId="2711"/>
+          <ac:spMkLst>
+            <pc:docMk/>
+            <pc:sldMk cId="2694379406" sldId="259"/>
+            <ac:spMk id="87" creationId="{11112A6F-8801-44F9-AC6C-B2F632B3C960}"/>
+          </ac:spMkLst>
+        </pc:spChg>
+        <pc:spChg chg="mod">
+          <ac:chgData name="Matteo Francia" userId="fbe833e6-b551-4418-a2a7-4d1023d25bd4" providerId="ADAL" clId="{9BDAC726-A033-456D-871E-61EBD8BAEF58}" dt="2024-11-11T11:46:47.566" v="177" actId="2711"/>
+          <ac:spMkLst>
+            <pc:docMk/>
+            <pc:sldMk cId="2694379406" sldId="259"/>
+            <ac:spMk id="90" creationId="{5C0E6F12-8A13-477D-8912-40A770A86EAD}"/>
+          </ac:spMkLst>
+        </pc:spChg>
+        <pc:spChg chg="mod">
+          <ac:chgData name="Matteo Francia" userId="fbe833e6-b551-4418-a2a7-4d1023d25bd4" providerId="ADAL" clId="{9BDAC726-A033-456D-871E-61EBD8BAEF58}" dt="2024-11-11T11:46:47.566" v="177" actId="2711"/>
+          <ac:spMkLst>
+            <pc:docMk/>
+            <pc:sldMk cId="2694379406" sldId="259"/>
+            <ac:spMk id="93" creationId="{32E249E6-2EB8-4201-A413-0B69A2ACB3E2}"/>
+          </ac:spMkLst>
+        </pc:spChg>
+        <pc:spChg chg="mod topLvl">
+          <ac:chgData name="Matteo Francia" userId="fbe833e6-b551-4418-a2a7-4d1023d25bd4" providerId="ADAL" clId="{9BDAC726-A033-456D-871E-61EBD8BAEF58}" dt="2024-11-11T11:50:46.073" v="282" actId="208"/>
+          <ac:spMkLst>
+            <pc:docMk/>
+            <pc:sldMk cId="2694379406" sldId="259"/>
+            <ac:spMk id="95" creationId="{5341FE33-9C6C-4272-9CE0-C4527F38589C}"/>
+          </ac:spMkLst>
+        </pc:spChg>
+        <pc:spChg chg="mod">
+          <ac:chgData name="Matteo Francia" userId="fbe833e6-b551-4418-a2a7-4d1023d25bd4" providerId="ADAL" clId="{9BDAC726-A033-456D-871E-61EBD8BAEF58}" dt="2024-11-11T11:46:47.566" v="177" actId="2711"/>
+          <ac:spMkLst>
+            <pc:docMk/>
+            <pc:sldMk cId="2694379406" sldId="259"/>
+            <ac:spMk id="97" creationId="{56546BE4-F8CF-428C-8C9F-D4740229AFD9}"/>
+          </ac:spMkLst>
+        </pc:spChg>
+        <pc:spChg chg="mod">
+          <ac:chgData name="Matteo Francia" userId="fbe833e6-b551-4418-a2a7-4d1023d25bd4" providerId="ADAL" clId="{9BDAC726-A033-456D-871E-61EBD8BAEF58}" dt="2024-11-11T11:46:47.566" v="177" actId="2711"/>
+          <ac:spMkLst>
+            <pc:docMk/>
+            <pc:sldMk cId="2694379406" sldId="259"/>
+            <ac:spMk id="98" creationId="{ACA454BD-A0B9-4E86-AC87-2DA1537143CD}"/>
+          </ac:spMkLst>
+        </pc:spChg>
+        <pc:spChg chg="mod">
+          <ac:chgData name="Matteo Francia" userId="fbe833e6-b551-4418-a2a7-4d1023d25bd4" providerId="ADAL" clId="{9BDAC726-A033-456D-871E-61EBD8BAEF58}" dt="2024-11-11T11:46:47.566" v="177" actId="2711"/>
+          <ac:spMkLst>
+            <pc:docMk/>
+            <pc:sldMk cId="2694379406" sldId="259"/>
+            <ac:spMk id="101" creationId="{E5E3D9C9-59A7-44DE-8B07-901CF2C80DD4}"/>
+          </ac:spMkLst>
+        </pc:spChg>
+        <pc:spChg chg="mod">
+          <ac:chgData name="Matteo Francia" userId="fbe833e6-b551-4418-a2a7-4d1023d25bd4" providerId="ADAL" clId="{9BDAC726-A033-456D-871E-61EBD8BAEF58}" dt="2024-11-11T11:46:47.566" v="177" actId="2711"/>
+          <ac:spMkLst>
+            <pc:docMk/>
+            <pc:sldMk cId="2694379406" sldId="259"/>
+            <ac:spMk id="102" creationId="{9EAEE185-40BC-4B45-B462-119A451A41F3}"/>
+          </ac:spMkLst>
+        </pc:spChg>
+        <pc:spChg chg="mod">
+          <ac:chgData name="Matteo Francia" userId="fbe833e6-b551-4418-a2a7-4d1023d25bd4" providerId="ADAL" clId="{9BDAC726-A033-456D-871E-61EBD8BAEF58}" dt="2024-11-11T11:46:47.566" v="177" actId="2711"/>
+          <ac:spMkLst>
+            <pc:docMk/>
+            <pc:sldMk cId="2694379406" sldId="259"/>
+            <ac:spMk id="105" creationId="{0656E898-BABE-4720-8A47-846C650CBFFA}"/>
+          </ac:spMkLst>
+        </pc:spChg>
+        <pc:spChg chg="mod">
+          <ac:chgData name="Matteo Francia" userId="fbe833e6-b551-4418-a2a7-4d1023d25bd4" providerId="ADAL" clId="{9BDAC726-A033-456D-871E-61EBD8BAEF58}" dt="2024-11-11T11:46:47.566" v="177" actId="2711"/>
+          <ac:spMkLst>
+            <pc:docMk/>
+            <pc:sldMk cId="2694379406" sldId="259"/>
+            <ac:spMk id="108" creationId="{D3A03B75-D2BD-43AF-B0FE-785D560D7139}"/>
+          </ac:spMkLst>
+        </pc:spChg>
+        <pc:spChg chg="mod topLvl">
+          <ac:chgData name="Matteo Francia" userId="fbe833e6-b551-4418-a2a7-4d1023d25bd4" providerId="ADAL" clId="{9BDAC726-A033-456D-871E-61EBD8BAEF58}" dt="2024-11-11T11:48:47.358" v="231" actId="1036"/>
+          <ac:spMkLst>
+            <pc:docMk/>
+            <pc:sldMk cId="2694379406" sldId="259"/>
+            <ac:spMk id="110" creationId="{842ACBC5-A855-429A-86EA-CCB1C594F7B7}"/>
+          </ac:spMkLst>
+        </pc:spChg>
+        <pc:spChg chg="mod">
+          <ac:chgData name="Matteo Francia" userId="fbe833e6-b551-4418-a2a7-4d1023d25bd4" providerId="ADAL" clId="{9BDAC726-A033-456D-871E-61EBD8BAEF58}" dt="2024-11-11T11:44:44.801" v="76" actId="571"/>
+          <ac:spMkLst>
+            <pc:docMk/>
+            <pc:sldMk cId="2694379406" sldId="259"/>
+            <ac:spMk id="112" creationId="{018E1C47-EBC6-41C1-BB93-9190C83A9BD9}"/>
+          </ac:spMkLst>
+        </pc:spChg>
+        <pc:spChg chg="mod">
+          <ac:chgData name="Matteo Francia" userId="fbe833e6-b551-4418-a2a7-4d1023d25bd4" providerId="ADAL" clId="{9BDAC726-A033-456D-871E-61EBD8BAEF58}" dt="2024-11-11T11:44:44.801" v="76" actId="571"/>
+          <ac:spMkLst>
+            <pc:docMk/>
+            <pc:sldMk cId="2694379406" sldId="259"/>
+            <ac:spMk id="115" creationId="{BADEB6F7-7941-4579-A915-EE674778B0D3}"/>
+          </ac:spMkLst>
+        </pc:spChg>
+        <pc:spChg chg="mod">
+          <ac:chgData name="Matteo Francia" userId="fbe833e6-b551-4418-a2a7-4d1023d25bd4" providerId="ADAL" clId="{9BDAC726-A033-456D-871E-61EBD8BAEF58}" dt="2024-11-11T11:44:44.801" v="76" actId="571"/>
+          <ac:spMkLst>
+            <pc:docMk/>
+            <pc:sldMk cId="2694379406" sldId="259"/>
+            <ac:spMk id="120" creationId="{935DFE6E-3727-44D2-8F69-9C35ED91EBEB}"/>
+          </ac:spMkLst>
+        </pc:spChg>
+        <pc:spChg chg="mod">
+          <ac:chgData name="Matteo Francia" userId="fbe833e6-b551-4418-a2a7-4d1023d25bd4" providerId="ADAL" clId="{9BDAC726-A033-456D-871E-61EBD8BAEF58}" dt="2024-11-11T11:44:44.801" v="76" actId="571"/>
+          <ac:spMkLst>
+            <pc:docMk/>
+            <pc:sldMk cId="2694379406" sldId="259"/>
+            <ac:spMk id="121" creationId="{22124A58-15E0-4A70-ADBE-E9E05D2DB443}"/>
+          </ac:spMkLst>
+        </pc:spChg>
+        <pc:spChg chg="mod">
+          <ac:chgData name="Matteo Francia" userId="fbe833e6-b551-4418-a2a7-4d1023d25bd4" providerId="ADAL" clId="{9BDAC726-A033-456D-871E-61EBD8BAEF58}" dt="2024-11-11T11:44:44.801" v="76" actId="571"/>
+          <ac:spMkLst>
+            <pc:docMk/>
+            <pc:sldMk cId="2694379406" sldId="259"/>
+            <ac:spMk id="125" creationId="{619100B4-D9B5-41BB-8A0D-007A08149343}"/>
+          </ac:spMkLst>
+        </pc:spChg>
+        <pc:spChg chg="mod">
+          <ac:chgData name="Matteo Francia" userId="fbe833e6-b551-4418-a2a7-4d1023d25bd4" providerId="ADAL" clId="{9BDAC726-A033-456D-871E-61EBD8BAEF58}" dt="2024-11-11T11:44:44.801" v="76" actId="571"/>
+          <ac:spMkLst>
+            <pc:docMk/>
+            <pc:sldMk cId="2694379406" sldId="259"/>
+            <ac:spMk id="126" creationId="{EC521891-62FE-4D34-9840-672B80E4ACCF}"/>
+          </ac:spMkLst>
+        </pc:spChg>
+        <pc:spChg chg="mod">
+          <ac:chgData name="Matteo Francia" userId="fbe833e6-b551-4418-a2a7-4d1023d25bd4" providerId="ADAL" clId="{9BDAC726-A033-456D-871E-61EBD8BAEF58}" dt="2024-11-11T11:45:13.421" v="130" actId="571"/>
+          <ac:spMkLst>
+            <pc:docMk/>
+            <pc:sldMk cId="2694379406" sldId="259"/>
+            <ac:spMk id="128" creationId="{CABA1601-D0EB-4B23-9EAE-78B59AEA811C}"/>
+          </ac:spMkLst>
+        </pc:spChg>
+        <pc:spChg chg="mod">
+          <ac:chgData name="Matteo Francia" userId="fbe833e6-b551-4418-a2a7-4d1023d25bd4" providerId="ADAL" clId="{9BDAC726-A033-456D-871E-61EBD8BAEF58}" dt="2024-11-11T11:45:13.421" v="130" actId="571"/>
+          <ac:spMkLst>
+            <pc:docMk/>
+            <pc:sldMk cId="2694379406" sldId="259"/>
+            <ac:spMk id="133" creationId="{BE76694C-6A58-4424-807C-5D931BEC127F}"/>
+          </ac:spMkLst>
+        </pc:spChg>
+        <pc:spChg chg="mod">
+          <ac:chgData name="Matteo Francia" userId="fbe833e6-b551-4418-a2a7-4d1023d25bd4" providerId="ADAL" clId="{9BDAC726-A033-456D-871E-61EBD8BAEF58}" dt="2024-11-11T11:45:13.421" v="130" actId="571"/>
+          <ac:spMkLst>
+            <pc:docMk/>
+            <pc:sldMk cId="2694379406" sldId="259"/>
+            <ac:spMk id="134" creationId="{38559C3F-CF68-4ABA-8BE5-3EACAEDB162F}"/>
+          </ac:spMkLst>
+        </pc:spChg>
+        <pc:spChg chg="add mod">
+          <ac:chgData name="Matteo Francia" userId="fbe833e6-b551-4418-a2a7-4d1023d25bd4" providerId="ADAL" clId="{9BDAC726-A033-456D-871E-61EBD8BAEF58}" dt="2024-11-11T11:50:46.073" v="282" actId="208"/>
+          <ac:spMkLst>
+            <pc:docMk/>
+            <pc:sldMk cId="2694379406" sldId="259"/>
+            <ac:spMk id="135" creationId="{9F4400B5-795B-441E-8865-FC0B6DF8D92D}"/>
+          </ac:spMkLst>
+        </pc:spChg>
+        <pc:spChg chg="add mod">
+          <ac:chgData name="Matteo Francia" userId="fbe833e6-b551-4418-a2a7-4d1023d25bd4" providerId="ADAL" clId="{9BDAC726-A033-456D-871E-61EBD8BAEF58}" dt="2024-11-11T11:49:35.863" v="242" actId="1037"/>
+          <ac:spMkLst>
+            <pc:docMk/>
+            <pc:sldMk cId="2694379406" sldId="259"/>
+            <ac:spMk id="137" creationId="{9AB47202-0F8F-4AD4-9B93-02480CBE3557}"/>
+          </ac:spMkLst>
+        </pc:spChg>
+        <pc:spChg chg="add mod">
+          <ac:chgData name="Matteo Francia" userId="fbe833e6-b551-4418-a2a7-4d1023d25bd4" providerId="ADAL" clId="{9BDAC726-A033-456D-871E-61EBD8BAEF58}" dt="2024-11-11T11:50:16.507" v="272" actId="20577"/>
+          <ac:spMkLst>
+            <pc:docMk/>
+            <pc:sldMk cId="2694379406" sldId="259"/>
+            <ac:spMk id="139" creationId="{0F808CDE-3FFC-4B5A-BC9C-6BCEC9C99999}"/>
+          </ac:spMkLst>
+        </pc:spChg>
+        <pc:spChg chg="add mod">
+          <ac:chgData name="Matteo Francia" userId="fbe833e6-b551-4418-a2a7-4d1023d25bd4" providerId="ADAL" clId="{9BDAC726-A033-456D-871E-61EBD8BAEF58}" dt="2024-11-11T11:50:24.418" v="280" actId="20577"/>
+          <ac:spMkLst>
+            <pc:docMk/>
+            <pc:sldMk cId="2694379406" sldId="259"/>
+            <ac:spMk id="140" creationId="{929C9CFE-6B57-458B-9565-A18DE4DB0A4C}"/>
+          </ac:spMkLst>
+        </pc:spChg>
+        <pc:grpChg chg="del mod">
+          <ac:chgData name="Matteo Francia" userId="fbe833e6-b551-4418-a2a7-4d1023d25bd4" providerId="ADAL" clId="{9BDAC726-A033-456D-871E-61EBD8BAEF58}" dt="2024-11-11T11:44:26.156" v="71" actId="27803"/>
+          <ac:grpSpMkLst>
+            <pc:docMk/>
+            <pc:sldMk cId="2694379406" sldId="259"/>
+            <ac:grpSpMk id="8" creationId="{4DE912BA-957C-46D2-A74D-BD6F7BE03896}"/>
+          </ac:grpSpMkLst>
+        </pc:grpChg>
+        <pc:grpChg chg="del mod">
+          <ac:chgData name="Matteo Francia" userId="fbe833e6-b551-4418-a2a7-4d1023d25bd4" providerId="ADAL" clId="{9BDAC726-A033-456D-871E-61EBD8BAEF58}" dt="2024-11-11T11:44:30.193" v="72" actId="165"/>
+          <ac:grpSpMkLst>
+            <pc:docMk/>
+            <pc:sldMk cId="2694379406" sldId="259"/>
+            <ac:grpSpMk id="10" creationId="{FD3EC926-F414-4FF9-9CD0-3BA64CD862D4}"/>
+          </ac:grpSpMkLst>
+        </pc:grpChg>
+        <pc:grpChg chg="del mod topLvl">
+          <ac:chgData name="Matteo Francia" userId="fbe833e6-b551-4418-a2a7-4d1023d25bd4" providerId="ADAL" clId="{9BDAC726-A033-456D-871E-61EBD8BAEF58}" dt="2024-11-11T11:48:27.482" v="221" actId="478"/>
+          <ac:grpSpMkLst>
+            <pc:docMk/>
+            <pc:sldMk cId="2694379406" sldId="259"/>
+            <ac:grpSpMk id="11" creationId="{DD95AF50-9940-4469-8F4D-D2112025953B}"/>
+          </ac:grpSpMkLst>
+        </pc:grpChg>
+        <pc:grpChg chg="mod topLvl">
+          <ac:chgData name="Matteo Francia" userId="fbe833e6-b551-4418-a2a7-4d1023d25bd4" providerId="ADAL" clId="{9BDAC726-A033-456D-871E-61EBD8BAEF58}" dt="2024-11-11T11:44:59.754" v="87" actId="1035"/>
+          <ac:grpSpMkLst>
+            <pc:docMk/>
+            <pc:sldMk cId="2694379406" sldId="259"/>
+            <ac:grpSpMk id="19" creationId="{175E38A3-F3B3-4123-B937-B4458D5872C9}"/>
+          </ac:grpSpMkLst>
+        </pc:grpChg>
+        <pc:grpChg chg="mod topLvl">
+          <ac:chgData name="Matteo Francia" userId="fbe833e6-b551-4418-a2a7-4d1023d25bd4" providerId="ADAL" clId="{9BDAC726-A033-456D-871E-61EBD8BAEF58}" dt="2024-11-11T11:45:10.261" v="128" actId="1037"/>
+          <ac:grpSpMkLst>
+            <pc:docMk/>
+            <pc:sldMk cId="2694379406" sldId="259"/>
+            <ac:grpSpMk id="22" creationId="{3D54061A-93D1-4736-8472-736E1E64495C}"/>
+          </ac:grpSpMkLst>
+        </pc:grpChg>
+        <pc:grpChg chg="mod">
+          <ac:chgData name="Matteo Francia" userId="fbe833e6-b551-4418-a2a7-4d1023d25bd4" providerId="ADAL" clId="{9BDAC726-A033-456D-871E-61EBD8BAEF58}" dt="2024-11-11T11:44:30.193" v="72" actId="165"/>
+          <ac:grpSpMkLst>
+            <pc:docMk/>
+            <pc:sldMk cId="2694379406" sldId="259"/>
+            <ac:grpSpMk id="23" creationId="{5791C244-D19C-498E-B5C5-E562AA75207A}"/>
+          </ac:grpSpMkLst>
+        </pc:grpChg>
+        <pc:grpChg chg="mod topLvl">
+          <ac:chgData name="Matteo Francia" userId="fbe833e6-b551-4418-a2a7-4d1023d25bd4" providerId="ADAL" clId="{9BDAC726-A033-456D-871E-61EBD8BAEF58}" dt="2024-11-11T11:45:19.633" v="131" actId="408"/>
+          <ac:grpSpMkLst>
+            <pc:docMk/>
+            <pc:sldMk cId="2694379406" sldId="259"/>
+            <ac:grpSpMk id="27" creationId="{F82AE91F-7315-4FFA-9660-105CCA00873D}"/>
+          </ac:grpSpMkLst>
+        </pc:grpChg>
+        <pc:grpChg chg="mod topLvl">
+          <ac:chgData name="Matteo Francia" userId="fbe833e6-b551-4418-a2a7-4d1023d25bd4" providerId="ADAL" clId="{9BDAC726-A033-456D-871E-61EBD8BAEF58}" dt="2024-11-11T11:49:23.566" v="236" actId="1076"/>
+          <ac:grpSpMkLst>
+            <pc:docMk/>
+            <pc:sldMk cId="2694379406" sldId="259"/>
+            <ac:grpSpMk id="30" creationId="{AF34AB16-D1A6-447A-82C5-E5F0B27643E3}"/>
+          </ac:grpSpMkLst>
+        </pc:grpChg>
+        <pc:grpChg chg="mod topLvl">
+          <ac:chgData name="Matteo Francia" userId="fbe833e6-b551-4418-a2a7-4d1023d25bd4" providerId="ADAL" clId="{9BDAC726-A033-456D-871E-61EBD8BAEF58}" dt="2024-11-11T11:45:19.633" v="131" actId="408"/>
+          <ac:grpSpMkLst>
+            <pc:docMk/>
+            <pc:sldMk cId="2694379406" sldId="259"/>
+            <ac:grpSpMk id="33" creationId="{DFAC40C7-631A-4A64-BE3B-4FCCF8655C5E}"/>
+          </ac:grpSpMkLst>
+        </pc:grpChg>
+        <pc:grpChg chg="mod">
+          <ac:chgData name="Matteo Francia" userId="fbe833e6-b551-4418-a2a7-4d1023d25bd4" providerId="ADAL" clId="{9BDAC726-A033-456D-871E-61EBD8BAEF58}" dt="2024-11-11T11:44:30.193" v="72" actId="165"/>
+          <ac:grpSpMkLst>
+            <pc:docMk/>
+            <pc:sldMk cId="2694379406" sldId="259"/>
+            <ac:grpSpMk id="34" creationId="{2AA76011-A98C-4205-8F32-E6ED5933C01C}"/>
+          </ac:grpSpMkLst>
+        </pc:grpChg>
+        <pc:grpChg chg="mod topLvl">
+          <ac:chgData name="Matteo Francia" userId="fbe833e6-b551-4418-a2a7-4d1023d25bd4" providerId="ADAL" clId="{9BDAC726-A033-456D-871E-61EBD8BAEF58}" dt="2024-11-11T11:44:59.754" v="87" actId="1035"/>
+          <ac:grpSpMkLst>
+            <pc:docMk/>
+            <pc:sldMk cId="2694379406" sldId="259"/>
+            <ac:grpSpMk id="38" creationId="{86907B1B-39BF-401A-B68B-68F9881727E8}"/>
+          </ac:grpSpMkLst>
+        </pc:grpChg>
+        <pc:grpChg chg="mod">
+          <ac:chgData name="Matteo Francia" userId="fbe833e6-b551-4418-a2a7-4d1023d25bd4" providerId="ADAL" clId="{9BDAC726-A033-456D-871E-61EBD8BAEF58}" dt="2024-11-11T11:44:30.193" v="72" actId="165"/>
+          <ac:grpSpMkLst>
+            <pc:docMk/>
+            <pc:sldMk cId="2694379406" sldId="259"/>
+            <ac:grpSpMk id="39" creationId="{32D0D1C9-4952-424E-AD7E-C642FB16BCC5}"/>
+          </ac:grpSpMkLst>
+        </pc:grpChg>
+        <pc:grpChg chg="del mod topLvl">
+          <ac:chgData name="Matteo Francia" userId="fbe833e6-b551-4418-a2a7-4d1023d25bd4" providerId="ADAL" clId="{9BDAC726-A033-456D-871E-61EBD8BAEF58}" dt="2024-11-11T11:49:15.660" v="232" actId="478"/>
+          <ac:grpSpMkLst>
+            <pc:docMk/>
+            <pc:sldMk cId="2694379406" sldId="259"/>
+            <ac:grpSpMk id="43" creationId="{9703FE68-FD33-4896-88A7-91576E2C9724}"/>
+          </ac:grpSpMkLst>
+        </pc:grpChg>
+        <pc:grpChg chg="mod topLvl">
+          <ac:chgData name="Matteo Francia" userId="fbe833e6-b551-4418-a2a7-4d1023d25bd4" providerId="ADAL" clId="{9BDAC726-A033-456D-871E-61EBD8BAEF58}" dt="2024-11-11T11:45:19.633" v="131" actId="408"/>
+          <ac:grpSpMkLst>
+            <pc:docMk/>
+            <pc:sldMk cId="2694379406" sldId="259"/>
+            <ac:grpSpMk id="46" creationId="{9DACB378-4AA6-480D-B889-A5B68845E4ED}"/>
+          </ac:grpSpMkLst>
+        </pc:grpChg>
+        <pc:grpChg chg="mod">
+          <ac:chgData name="Matteo Francia" userId="fbe833e6-b551-4418-a2a7-4d1023d25bd4" providerId="ADAL" clId="{9BDAC726-A033-456D-871E-61EBD8BAEF58}" dt="2024-11-11T11:44:30.193" v="72" actId="165"/>
+          <ac:grpSpMkLst>
+            <pc:docMk/>
+            <pc:sldMk cId="2694379406" sldId="259"/>
+            <ac:grpSpMk id="47" creationId="{C9C4FDD3-C0BF-497F-A9A6-7761D5CA2EE5}"/>
+          </ac:grpSpMkLst>
+        </pc:grpChg>
+        <pc:grpChg chg="mod topLvl">
+          <ac:chgData name="Matteo Francia" userId="fbe833e6-b551-4418-a2a7-4d1023d25bd4" providerId="ADAL" clId="{9BDAC726-A033-456D-871E-61EBD8BAEF58}" dt="2024-11-11T11:44:30.193" v="72" actId="165"/>
+          <ac:grpSpMkLst>
+            <pc:docMk/>
+            <pc:sldMk cId="2694379406" sldId="259"/>
+            <ac:grpSpMk id="51" creationId="{F9249F4B-1E79-4784-9811-233A57EE9B12}"/>
+          </ac:grpSpMkLst>
+        </pc:grpChg>
+        <pc:grpChg chg="mod topLvl">
+          <ac:chgData name="Matteo Francia" userId="fbe833e6-b551-4418-a2a7-4d1023d25bd4" providerId="ADAL" clId="{9BDAC726-A033-456D-871E-61EBD8BAEF58}" dt="2024-11-11T11:44:30.193" v="72" actId="165"/>
+          <ac:grpSpMkLst>
+            <pc:docMk/>
+            <pc:sldMk cId="2694379406" sldId="259"/>
+            <ac:grpSpMk id="54" creationId="{E4572841-4E9F-4249-BCF4-F033207B91F5}"/>
+          </ac:grpSpMkLst>
+        </pc:grpChg>
+        <pc:grpChg chg="mod topLvl">
+          <ac:chgData name="Matteo Francia" userId="fbe833e6-b551-4418-a2a7-4d1023d25bd4" providerId="ADAL" clId="{9BDAC726-A033-456D-871E-61EBD8BAEF58}" dt="2024-11-11T11:45:10.261" v="128" actId="1037"/>
+          <ac:grpSpMkLst>
+            <pc:docMk/>
+            <pc:sldMk cId="2694379406" sldId="259"/>
+            <ac:grpSpMk id="57" creationId="{1A61289C-D90B-49E2-9B17-03EAA0A51B6D}"/>
+          </ac:grpSpMkLst>
+        </pc:grpChg>
+        <pc:grpChg chg="mod">
+          <ac:chgData name="Matteo Francia" userId="fbe833e6-b551-4418-a2a7-4d1023d25bd4" providerId="ADAL" clId="{9BDAC726-A033-456D-871E-61EBD8BAEF58}" dt="2024-11-11T11:44:30.193" v="72" actId="165"/>
+          <ac:grpSpMkLst>
+            <pc:docMk/>
+            <pc:sldMk cId="2694379406" sldId="259"/>
+            <ac:grpSpMk id="58" creationId="{0E074D11-DC88-40BC-A00D-BCEF9A310853}"/>
+          </ac:grpSpMkLst>
+        </pc:grpChg>
+        <pc:grpChg chg="mod topLvl">
+          <ac:chgData name="Matteo Francia" userId="fbe833e6-b551-4418-a2a7-4d1023d25bd4" providerId="ADAL" clId="{9BDAC726-A033-456D-871E-61EBD8BAEF58}" dt="2024-11-11T11:45:10.261" v="128" actId="1037"/>
+          <ac:grpSpMkLst>
+            <pc:docMk/>
+            <pc:sldMk cId="2694379406" sldId="259"/>
+            <ac:grpSpMk id="62" creationId="{7DE49BF3-F11B-4CC9-B3DD-AB4A6192C282}"/>
+          </ac:grpSpMkLst>
+        </pc:grpChg>
+        <pc:grpChg chg="mod">
+          <ac:chgData name="Matteo Francia" userId="fbe833e6-b551-4418-a2a7-4d1023d25bd4" providerId="ADAL" clId="{9BDAC726-A033-456D-871E-61EBD8BAEF58}" dt="2024-11-11T11:44:30.193" v="72" actId="165"/>
+          <ac:grpSpMkLst>
+            <pc:docMk/>
+            <pc:sldMk cId="2694379406" sldId="259"/>
+            <ac:grpSpMk id="63" creationId="{F3F5232F-EA33-4383-A229-637B55C21FF2}"/>
+          </ac:grpSpMkLst>
+        </pc:grpChg>
+        <pc:grpChg chg="mod topLvl">
+          <ac:chgData name="Matteo Francia" userId="fbe833e6-b551-4418-a2a7-4d1023d25bd4" providerId="ADAL" clId="{9BDAC726-A033-456D-871E-61EBD8BAEF58}" dt="2024-11-11T11:45:10.261" v="128" actId="1037"/>
+          <ac:grpSpMkLst>
+            <pc:docMk/>
+            <pc:sldMk cId="2694379406" sldId="259"/>
+            <ac:grpSpMk id="67" creationId="{E677BACD-EC1A-4931-BBAB-CA6462F05B58}"/>
+          </ac:grpSpMkLst>
+        </pc:grpChg>
+        <pc:grpChg chg="mod">
+          <ac:chgData name="Matteo Francia" userId="fbe833e6-b551-4418-a2a7-4d1023d25bd4" providerId="ADAL" clId="{9BDAC726-A033-456D-871E-61EBD8BAEF58}" dt="2024-11-11T11:44:30.193" v="72" actId="165"/>
+          <ac:grpSpMkLst>
+            <pc:docMk/>
+            <pc:sldMk cId="2694379406" sldId="259"/>
+            <ac:grpSpMk id="68" creationId="{68F6DF64-8791-4DF3-822D-02FCECF4AD99}"/>
+          </ac:grpSpMkLst>
+        </pc:grpChg>
+        <pc:grpChg chg="mod topLvl">
+          <ac:chgData name="Matteo Francia" userId="fbe833e6-b551-4418-a2a7-4d1023d25bd4" providerId="ADAL" clId="{9BDAC726-A033-456D-871E-61EBD8BAEF58}" dt="2024-11-11T11:48:11.333" v="208" actId="14100"/>
+          <ac:grpSpMkLst>
+            <pc:docMk/>
+            <pc:sldMk cId="2694379406" sldId="259"/>
+            <ac:grpSpMk id="72" creationId="{28C50968-6E96-4AAC-878E-BE0C1B67E115}"/>
+          </ac:grpSpMkLst>
+        </pc:grpChg>
+        <pc:grpChg chg="mod topLvl">
+          <ac:chgData name="Matteo Francia" userId="fbe833e6-b551-4418-a2a7-4d1023d25bd4" providerId="ADAL" clId="{9BDAC726-A033-456D-871E-61EBD8BAEF58}" dt="2024-11-11T11:44:59.754" v="87" actId="1035"/>
+          <ac:grpSpMkLst>
+            <pc:docMk/>
+            <pc:sldMk cId="2694379406" sldId="259"/>
+            <ac:grpSpMk id="75" creationId="{7B4ADCF1-1F95-46A3-A0A8-1F4F221345ED}"/>
+          </ac:grpSpMkLst>
+        </pc:grpChg>
+        <pc:grpChg chg="mod">
+          <ac:chgData name="Matteo Francia" userId="fbe833e6-b551-4418-a2a7-4d1023d25bd4" providerId="ADAL" clId="{9BDAC726-A033-456D-871E-61EBD8BAEF58}" dt="2024-11-11T11:44:30.193" v="72" actId="165"/>
+          <ac:grpSpMkLst>
+            <pc:docMk/>
+            <pc:sldMk cId="2694379406" sldId="259"/>
+            <ac:grpSpMk id="76" creationId="{2221B4EC-A58D-443F-8D81-550289218479}"/>
+          </ac:grpSpMkLst>
+        </pc:grpChg>
+        <pc:grpChg chg="mod topLvl">
+          <ac:chgData name="Matteo Francia" userId="fbe833e6-b551-4418-a2a7-4d1023d25bd4" providerId="ADAL" clId="{9BDAC726-A033-456D-871E-61EBD8BAEF58}" dt="2024-11-11T11:48:42.468" v="229" actId="1076"/>
+          <ac:grpSpMkLst>
+            <pc:docMk/>
+            <pc:sldMk cId="2694379406" sldId="259"/>
+            <ac:grpSpMk id="80" creationId="{5405B6C6-2023-4974-A1A5-1D7C7742411B}"/>
+          </ac:grpSpMkLst>
+        </pc:grpChg>
+        <pc:grpChg chg="mod topLvl">
+          <ac:chgData name="Matteo Francia" userId="fbe833e6-b551-4418-a2a7-4d1023d25bd4" providerId="ADAL" clId="{9BDAC726-A033-456D-871E-61EBD8BAEF58}" dt="2024-11-11T11:47:38.243" v="197" actId="1076"/>
+          <ac:grpSpMkLst>
+            <pc:docMk/>
+            <pc:sldMk cId="2694379406" sldId="259"/>
+            <ac:grpSpMk id="83" creationId="{D6BF2D32-A14B-4B15-BF90-5D1316781190}"/>
+          </ac:grpSpMkLst>
+        </pc:grpChg>
+        <pc:grpChg chg="mod topLvl">
+          <ac:chgData name="Matteo Francia" userId="fbe833e6-b551-4418-a2a7-4d1023d25bd4" providerId="ADAL" clId="{9BDAC726-A033-456D-871E-61EBD8BAEF58}" dt="2024-11-11T11:44:59.754" v="87" actId="1035"/>
+          <ac:grpSpMkLst>
+            <pc:docMk/>
+            <pc:sldMk cId="2694379406" sldId="259"/>
+            <ac:grpSpMk id="86" creationId="{49991AEE-0437-4647-ABE5-FF7483B78BD8}"/>
+          </ac:grpSpMkLst>
+        </pc:grpChg>
+        <pc:grpChg chg="mod topLvl">
+          <ac:chgData name="Matteo Francia" userId="fbe833e6-b551-4418-a2a7-4d1023d25bd4" providerId="ADAL" clId="{9BDAC726-A033-456D-871E-61EBD8BAEF58}" dt="2024-11-11T11:47:42.484" v="199" actId="1076"/>
+          <ac:grpSpMkLst>
+            <pc:docMk/>
+            <pc:sldMk cId="2694379406" sldId="259"/>
+            <ac:grpSpMk id="89" creationId="{97ECF057-FAF8-406F-9B21-3FECA81A923F}"/>
+          </ac:grpSpMkLst>
+        </pc:grpChg>
+        <pc:grpChg chg="mod topLvl">
+          <ac:chgData name="Matteo Francia" userId="fbe833e6-b551-4418-a2a7-4d1023d25bd4" providerId="ADAL" clId="{9BDAC726-A033-456D-871E-61EBD8BAEF58}" dt="2024-11-11T11:47:46.124" v="201" actId="1076"/>
+          <ac:grpSpMkLst>
+            <pc:docMk/>
+            <pc:sldMk cId="2694379406" sldId="259"/>
+            <ac:grpSpMk id="92" creationId="{59CFB8AC-36BA-47C9-8C2A-00FF03C5A39A}"/>
+          </ac:grpSpMkLst>
+        </pc:grpChg>
+        <pc:grpChg chg="mod topLvl">
+          <ac:chgData name="Matteo Francia" userId="fbe833e6-b551-4418-a2a7-4d1023d25bd4" providerId="ADAL" clId="{9BDAC726-A033-456D-871E-61EBD8BAEF58}" dt="2024-11-11T11:44:30.193" v="72" actId="165"/>
+          <ac:grpSpMkLst>
+            <pc:docMk/>
+            <pc:sldMk cId="2694379406" sldId="259"/>
+            <ac:grpSpMk id="96" creationId="{AB7412B0-0F4B-44C1-BEB2-201FE37C65E8}"/>
+          </ac:grpSpMkLst>
+        </pc:grpChg>
+        <pc:grpChg chg="del mod topLvl">
+          <ac:chgData name="Matteo Francia" userId="fbe833e6-b551-4418-a2a7-4d1023d25bd4" providerId="ADAL" clId="{9BDAC726-A033-456D-871E-61EBD8BAEF58}" dt="2024-11-11T11:47:59.665" v="205" actId="478"/>
+          <ac:grpSpMkLst>
+            <pc:docMk/>
+            <pc:sldMk cId="2694379406" sldId="259"/>
+            <ac:grpSpMk id="99" creationId="{3B2E8D56-3743-4239-AA84-133277998FC3}"/>
+          </ac:grpSpMkLst>
+        </pc:grpChg>
+        <pc:grpChg chg="mod topLvl">
+          <ac:chgData name="Matteo Francia" userId="fbe833e6-b551-4418-a2a7-4d1023d25bd4" providerId="ADAL" clId="{9BDAC726-A033-456D-871E-61EBD8BAEF58}" dt="2024-11-11T11:48:16.451" v="211" actId="1076"/>
+          <ac:grpSpMkLst>
+            <pc:docMk/>
+            <pc:sldMk cId="2694379406" sldId="259"/>
+            <ac:grpSpMk id="100" creationId="{DADE3712-3C72-457B-97E7-0490A28399E6}"/>
+          </ac:grpSpMkLst>
+        </pc:grpChg>
+        <pc:grpChg chg="mod topLvl">
+          <ac:chgData name="Matteo Francia" userId="fbe833e6-b551-4418-a2a7-4d1023d25bd4" providerId="ADAL" clId="{9BDAC726-A033-456D-871E-61EBD8BAEF58}" dt="2024-11-11T11:46:15.561" v="174" actId="1076"/>
+          <ac:grpSpMkLst>
+            <pc:docMk/>
+            <pc:sldMk cId="2694379406" sldId="259"/>
+            <ac:grpSpMk id="104" creationId="{B1B73002-C846-4F4A-A088-C1CABE06CF58}"/>
+          </ac:grpSpMkLst>
+        </pc:grpChg>
+        <pc:grpChg chg="del mod topLvl">
+          <ac:chgData name="Matteo Francia" userId="fbe833e6-b551-4418-a2a7-4d1023d25bd4" providerId="ADAL" clId="{9BDAC726-A033-456D-871E-61EBD8BAEF58}" dt="2024-11-11T11:47:11.262" v="188" actId="478"/>
+          <ac:grpSpMkLst>
+            <pc:docMk/>
+            <pc:sldMk cId="2694379406" sldId="259"/>
+            <ac:grpSpMk id="107" creationId="{FAE84F48-5BD0-43D0-898A-16C9753C3276}"/>
+          </ac:grpSpMkLst>
+        </pc:grpChg>
+        <pc:grpChg chg="add mod">
+          <ac:chgData name="Matteo Francia" userId="fbe833e6-b551-4418-a2a7-4d1023d25bd4" providerId="ADAL" clId="{9BDAC726-A033-456D-871E-61EBD8BAEF58}" dt="2024-11-11T11:44:44.801" v="76" actId="571"/>
+          <ac:grpSpMkLst>
+            <pc:docMk/>
+            <pc:sldMk cId="2694379406" sldId="259"/>
+            <ac:grpSpMk id="111" creationId="{3CB14F62-43C9-4719-ACF0-CBADEB675809}"/>
+          </ac:grpSpMkLst>
+        </pc:grpChg>
+        <pc:grpChg chg="add mod">
+          <ac:chgData name="Matteo Francia" userId="fbe833e6-b551-4418-a2a7-4d1023d25bd4" providerId="ADAL" clId="{9BDAC726-A033-456D-871E-61EBD8BAEF58}" dt="2024-11-11T11:44:44.801" v="76" actId="571"/>
+          <ac:grpSpMkLst>
+            <pc:docMk/>
+            <pc:sldMk cId="2694379406" sldId="259"/>
+            <ac:grpSpMk id="114" creationId="{D1B10309-DF97-4795-8F97-14071EBFB7BE}"/>
+          </ac:grpSpMkLst>
+        </pc:grpChg>
+        <pc:grpChg chg="add mod">
+          <ac:chgData name="Matteo Francia" userId="fbe833e6-b551-4418-a2a7-4d1023d25bd4" providerId="ADAL" clId="{9BDAC726-A033-456D-871E-61EBD8BAEF58}" dt="2024-11-11T11:44:44.801" v="76" actId="571"/>
+          <ac:grpSpMkLst>
+            <pc:docMk/>
+            <pc:sldMk cId="2694379406" sldId="259"/>
+            <ac:grpSpMk id="117" creationId="{11C90C17-A0AD-4655-AD6F-4AB48DD0E4D3}"/>
+          </ac:grpSpMkLst>
+        </pc:grpChg>
+        <pc:grpChg chg="mod">
+          <ac:chgData name="Matteo Francia" userId="fbe833e6-b551-4418-a2a7-4d1023d25bd4" providerId="ADAL" clId="{9BDAC726-A033-456D-871E-61EBD8BAEF58}" dt="2024-11-11T11:44:44.801" v="76" actId="571"/>
+          <ac:grpSpMkLst>
+            <pc:docMk/>
+            <pc:sldMk cId="2694379406" sldId="259"/>
+            <ac:grpSpMk id="118" creationId="{F0DF27D1-FEA2-4FCE-B511-F81C67E62009}"/>
+          </ac:grpSpMkLst>
+        </pc:grpChg>
+        <pc:grpChg chg="add mod">
+          <ac:chgData name="Matteo Francia" userId="fbe833e6-b551-4418-a2a7-4d1023d25bd4" providerId="ADAL" clId="{9BDAC726-A033-456D-871E-61EBD8BAEF58}" dt="2024-11-11T11:44:44.801" v="76" actId="571"/>
+          <ac:grpSpMkLst>
+            <pc:docMk/>
+            <pc:sldMk cId="2694379406" sldId="259"/>
+            <ac:grpSpMk id="122" creationId="{05A57B7D-46A2-4DB7-AB07-478BE4C11402}"/>
+          </ac:grpSpMkLst>
+        </pc:grpChg>
+        <pc:grpChg chg="mod">
+          <ac:chgData name="Matteo Francia" userId="fbe833e6-b551-4418-a2a7-4d1023d25bd4" providerId="ADAL" clId="{9BDAC726-A033-456D-871E-61EBD8BAEF58}" dt="2024-11-11T11:44:44.801" v="76" actId="571"/>
+          <ac:grpSpMkLst>
+            <pc:docMk/>
+            <pc:sldMk cId="2694379406" sldId="259"/>
+            <ac:grpSpMk id="123" creationId="{6A2C9DE8-2BFE-4DA3-82C6-D9BD8856E6DD}"/>
+          </ac:grpSpMkLst>
+        </pc:grpChg>
+        <pc:grpChg chg="add mod">
+          <ac:chgData name="Matteo Francia" userId="fbe833e6-b551-4418-a2a7-4d1023d25bd4" providerId="ADAL" clId="{9BDAC726-A033-456D-871E-61EBD8BAEF58}" dt="2024-11-11T11:45:13.421" v="130" actId="571"/>
+          <ac:grpSpMkLst>
+            <pc:docMk/>
+            <pc:sldMk cId="2694379406" sldId="259"/>
+            <ac:grpSpMk id="127" creationId="{6F7F84CB-FFE4-4651-99EC-5A5ED82EFBE8}"/>
+          </ac:grpSpMkLst>
+        </pc:grpChg>
+        <pc:grpChg chg="add mod">
+          <ac:chgData name="Matteo Francia" userId="fbe833e6-b551-4418-a2a7-4d1023d25bd4" providerId="ADAL" clId="{9BDAC726-A033-456D-871E-61EBD8BAEF58}" dt="2024-11-11T11:45:13.421" v="130" actId="571"/>
+          <ac:grpSpMkLst>
+            <pc:docMk/>
+            <pc:sldMk cId="2694379406" sldId="259"/>
+            <ac:grpSpMk id="130" creationId="{E4ECF098-3197-4833-9816-18DCFEE7EFF3}"/>
+          </ac:grpSpMkLst>
+        </pc:grpChg>
+        <pc:grpChg chg="mod">
+          <ac:chgData name="Matteo Francia" userId="fbe833e6-b551-4418-a2a7-4d1023d25bd4" providerId="ADAL" clId="{9BDAC726-A033-456D-871E-61EBD8BAEF58}" dt="2024-11-11T11:45:13.421" v="130" actId="571"/>
+          <ac:grpSpMkLst>
+            <pc:docMk/>
+            <pc:sldMk cId="2694379406" sldId="259"/>
+            <ac:grpSpMk id="131" creationId="{191C5CF9-B673-4FFE-A3AD-393CCFC7683F}"/>
+          </ac:grpSpMkLst>
+        </pc:grpChg>
+        <pc:picChg chg="add del mod">
+          <ac:chgData name="Matteo Francia" userId="fbe833e6-b551-4418-a2a7-4d1023d25bd4" providerId="ADAL" clId="{9BDAC726-A033-456D-871E-61EBD8BAEF58}" dt="2024-11-11T11:44:26.156" v="71" actId="27803"/>
+          <ac:picMkLst>
+            <pc:docMk/>
+            <pc:sldMk cId="2694379406" sldId="259"/>
+            <ac:picMk id="7" creationId="{FC78798B-A42B-4F8D-B444-D77EB4715851}"/>
+          </ac:picMkLst>
+        </pc:picChg>
+        <pc:picChg chg="del mod topLvl">
+          <ac:chgData name="Matteo Francia" userId="fbe833e6-b551-4418-a2a7-4d1023d25bd4" providerId="ADAL" clId="{9BDAC726-A033-456D-871E-61EBD8BAEF58}" dt="2024-11-11T11:48:27.482" v="221" actId="478"/>
+          <ac:picMkLst>
+            <pc:docMk/>
+            <pc:sldMk cId="2694379406" sldId="259"/>
+            <ac:picMk id="13" creationId="{AD6CC1AA-75CE-4724-98AE-BA79F3358392}"/>
+          </ac:picMkLst>
+        </pc:picChg>
+        <pc:picChg chg="mod">
+          <ac:chgData name="Matteo Francia" userId="fbe833e6-b551-4418-a2a7-4d1023d25bd4" providerId="ADAL" clId="{9BDAC726-A033-456D-871E-61EBD8BAEF58}" dt="2024-11-11T11:44:30.193" v="72" actId="165"/>
+          <ac:picMkLst>
+            <pc:docMk/>
+            <pc:sldMk cId="2694379406" sldId="259"/>
+            <ac:picMk id="21" creationId="{2EE1B88A-894A-4D71-ABB2-D2859051F582}"/>
+          </ac:picMkLst>
+        </pc:picChg>
+        <pc:picChg chg="mod">
+          <ac:chgData name="Matteo Francia" userId="fbe833e6-b551-4418-a2a7-4d1023d25bd4" providerId="ADAL" clId="{9BDAC726-A033-456D-871E-61EBD8BAEF58}" dt="2024-11-11T11:44:30.193" v="72" actId="165"/>
+          <ac:picMkLst>
+            <pc:docMk/>
+            <pc:sldMk cId="2694379406" sldId="259"/>
+            <ac:picMk id="26" creationId="{A7121EF8-69C0-4B6C-AC8B-475FCAAAE78A}"/>
+          </ac:picMkLst>
+        </pc:picChg>
+        <pc:picChg chg="mod">
+          <ac:chgData name="Matteo Francia" userId="fbe833e6-b551-4418-a2a7-4d1023d25bd4" providerId="ADAL" clId="{9BDAC726-A033-456D-871E-61EBD8BAEF58}" dt="2024-11-11T11:44:30.193" v="72" actId="165"/>
+          <ac:picMkLst>
+            <pc:docMk/>
+            <pc:sldMk cId="2694379406" sldId="259"/>
+            <ac:picMk id="29" creationId="{DB1E286C-D692-46DD-85A0-26D0C14EDD36}"/>
+          </ac:picMkLst>
+        </pc:picChg>
+        <pc:picChg chg="mod">
+          <ac:chgData name="Matteo Francia" userId="fbe833e6-b551-4418-a2a7-4d1023d25bd4" providerId="ADAL" clId="{9BDAC726-A033-456D-871E-61EBD8BAEF58}" dt="2024-11-11T11:44:30.193" v="72" actId="165"/>
+          <ac:picMkLst>
+            <pc:docMk/>
+            <pc:sldMk cId="2694379406" sldId="259"/>
+            <ac:picMk id="32" creationId="{7ED29AB6-478C-4DCC-A149-CC93E3AA166F}"/>
+          </ac:picMkLst>
+        </pc:picChg>
+        <pc:picChg chg="mod">
+          <ac:chgData name="Matteo Francia" userId="fbe833e6-b551-4418-a2a7-4d1023d25bd4" providerId="ADAL" clId="{9BDAC726-A033-456D-871E-61EBD8BAEF58}" dt="2024-11-11T11:44:30.193" v="72" actId="165"/>
+          <ac:picMkLst>
+            <pc:docMk/>
+            <pc:sldMk cId="2694379406" sldId="259"/>
+            <ac:picMk id="37" creationId="{B1EFE684-723C-4EC1-9694-50058829DE36}"/>
+          </ac:picMkLst>
+        </pc:picChg>
+        <pc:picChg chg="mod">
+          <ac:chgData name="Matteo Francia" userId="fbe833e6-b551-4418-a2a7-4d1023d25bd4" providerId="ADAL" clId="{9BDAC726-A033-456D-871E-61EBD8BAEF58}" dt="2024-11-11T11:44:30.193" v="72" actId="165"/>
+          <ac:picMkLst>
+            <pc:docMk/>
+            <pc:sldMk cId="2694379406" sldId="259"/>
+            <ac:picMk id="42" creationId="{6C375EFD-92FF-4A9F-B242-E5160F2DB58C}"/>
+          </ac:picMkLst>
+        </pc:picChg>
+        <pc:picChg chg="del mod topLvl">
+          <ac:chgData name="Matteo Francia" userId="fbe833e6-b551-4418-a2a7-4d1023d25bd4" providerId="ADAL" clId="{9BDAC726-A033-456D-871E-61EBD8BAEF58}" dt="2024-11-11T11:49:16.843" v="233" actId="478"/>
+          <ac:picMkLst>
+            <pc:docMk/>
+            <pc:sldMk cId="2694379406" sldId="259"/>
+            <ac:picMk id="45" creationId="{4B735D41-2313-4417-97A4-55A3D9ECC956}"/>
+          </ac:picMkLst>
+        </pc:picChg>
+        <pc:picChg chg="mod">
+          <ac:chgData name="Matteo Francia" userId="fbe833e6-b551-4418-a2a7-4d1023d25bd4" providerId="ADAL" clId="{9BDAC726-A033-456D-871E-61EBD8BAEF58}" dt="2024-11-11T11:44:30.193" v="72" actId="165"/>
+          <ac:picMkLst>
+            <pc:docMk/>
+            <pc:sldMk cId="2694379406" sldId="259"/>
+            <ac:picMk id="50" creationId="{D700CD72-ACED-482C-8AC8-04ACFF96634A}"/>
+          </ac:picMkLst>
+        </pc:picChg>
+        <pc:picChg chg="mod">
+          <ac:chgData name="Matteo Francia" userId="fbe833e6-b551-4418-a2a7-4d1023d25bd4" providerId="ADAL" clId="{9BDAC726-A033-456D-871E-61EBD8BAEF58}" dt="2024-11-11T11:44:30.193" v="72" actId="165"/>
+          <ac:picMkLst>
+            <pc:docMk/>
+            <pc:sldMk cId="2694379406" sldId="259"/>
+            <ac:picMk id="53" creationId="{2C339FAF-31B7-476A-AD12-36C9CFA2E466}"/>
+          </ac:picMkLst>
+        </pc:picChg>
+        <pc:picChg chg="mod">
+          <ac:chgData name="Matteo Francia" userId="fbe833e6-b551-4418-a2a7-4d1023d25bd4" providerId="ADAL" clId="{9BDAC726-A033-456D-871E-61EBD8BAEF58}" dt="2024-11-11T11:44:30.193" v="72" actId="165"/>
+          <ac:picMkLst>
+            <pc:docMk/>
+            <pc:sldMk cId="2694379406" sldId="259"/>
+            <ac:picMk id="56" creationId="{4085C9A0-135F-4555-BEA8-E30A8F0FD699}"/>
+          </ac:picMkLst>
+        </pc:picChg>
+        <pc:picChg chg="mod">
+          <ac:chgData name="Matteo Francia" userId="fbe833e6-b551-4418-a2a7-4d1023d25bd4" providerId="ADAL" clId="{9BDAC726-A033-456D-871E-61EBD8BAEF58}" dt="2024-11-11T11:44:30.193" v="72" actId="165"/>
+          <ac:picMkLst>
+            <pc:docMk/>
+            <pc:sldMk cId="2694379406" sldId="259"/>
+            <ac:picMk id="61" creationId="{60B20C85-7867-4126-8E24-B265C3E3E1DE}"/>
+          </ac:picMkLst>
+        </pc:picChg>
+        <pc:picChg chg="mod">
+          <ac:chgData name="Matteo Francia" userId="fbe833e6-b551-4418-a2a7-4d1023d25bd4" providerId="ADAL" clId="{9BDAC726-A033-456D-871E-61EBD8BAEF58}" dt="2024-11-11T11:44:30.193" v="72" actId="165"/>
+          <ac:picMkLst>
+            <pc:docMk/>
+            <pc:sldMk cId="2694379406" sldId="259"/>
+            <ac:picMk id="66" creationId="{964815D5-9F18-4B90-B0AF-64106FC71572}"/>
+          </ac:picMkLst>
+        </pc:picChg>
+        <pc:picChg chg="mod">
+          <ac:chgData name="Matteo Francia" userId="fbe833e6-b551-4418-a2a7-4d1023d25bd4" providerId="ADAL" clId="{9BDAC726-A033-456D-871E-61EBD8BAEF58}" dt="2024-11-11T11:44:30.193" v="72" actId="165"/>
+          <ac:picMkLst>
+            <pc:docMk/>
+            <pc:sldMk cId="2694379406" sldId="259"/>
+            <ac:picMk id="71" creationId="{92C10020-3A94-495D-BDDE-27B91D3F2731}"/>
+          </ac:picMkLst>
+        </pc:picChg>
+        <pc:picChg chg="mod">
+          <ac:chgData name="Matteo Francia" userId="fbe833e6-b551-4418-a2a7-4d1023d25bd4" providerId="ADAL" clId="{9BDAC726-A033-456D-871E-61EBD8BAEF58}" dt="2024-11-11T11:44:30.193" v="72" actId="165"/>
+          <ac:picMkLst>
+            <pc:docMk/>
+            <pc:sldMk cId="2694379406" sldId="259"/>
+            <ac:picMk id="74" creationId="{38110B98-3F86-44DA-BFFB-FF8960C46EE9}"/>
+          </ac:picMkLst>
+        </pc:picChg>
+        <pc:picChg chg="mod">
+          <ac:chgData name="Matteo Francia" userId="fbe833e6-b551-4418-a2a7-4d1023d25bd4" providerId="ADAL" clId="{9BDAC726-A033-456D-871E-61EBD8BAEF58}" dt="2024-11-11T11:44:30.193" v="72" actId="165"/>
+          <ac:picMkLst>
+            <pc:docMk/>
+            <pc:sldMk cId="2694379406" sldId="259"/>
+            <ac:picMk id="79" creationId="{D871145E-4248-45EA-8544-D5E51B90F702}"/>
+          </ac:picMkLst>
+        </pc:picChg>
+        <pc:picChg chg="mod">
+          <ac:chgData name="Matteo Francia" userId="fbe833e6-b551-4418-a2a7-4d1023d25bd4" providerId="ADAL" clId="{9BDAC726-A033-456D-871E-61EBD8BAEF58}" dt="2024-11-11T11:44:30.193" v="72" actId="165"/>
+          <ac:picMkLst>
+            <pc:docMk/>
+            <pc:sldMk cId="2694379406" sldId="259"/>
+            <ac:picMk id="82" creationId="{F26CEA65-9246-4DA7-B011-21D2C7A8CCF2}"/>
+          </ac:picMkLst>
+        </pc:picChg>
+        <pc:picChg chg="mod">
+          <ac:chgData name="Matteo Francia" userId="fbe833e6-b551-4418-a2a7-4d1023d25bd4" providerId="ADAL" clId="{9BDAC726-A033-456D-871E-61EBD8BAEF58}" dt="2024-11-11T11:44:30.193" v="72" actId="165"/>
+          <ac:picMkLst>
+            <pc:docMk/>
+            <pc:sldMk cId="2694379406" sldId="259"/>
+            <ac:picMk id="85" creationId="{481367BD-7391-4F7B-94F3-218FB5846C76}"/>
+          </ac:picMkLst>
+        </pc:picChg>
+        <pc:picChg chg="mod">
+          <ac:chgData name="Matteo Francia" userId="fbe833e6-b551-4418-a2a7-4d1023d25bd4" providerId="ADAL" clId="{9BDAC726-A033-456D-871E-61EBD8BAEF58}" dt="2024-11-11T11:44:30.193" v="72" actId="165"/>
+          <ac:picMkLst>
+            <pc:docMk/>
+            <pc:sldMk cId="2694379406" sldId="259"/>
+            <ac:picMk id="88" creationId="{4FE95AD0-D2F7-47F3-852C-60C82F756B0F}"/>
+          </ac:picMkLst>
+        </pc:picChg>
+        <pc:picChg chg="mod">
+          <ac:chgData name="Matteo Francia" userId="fbe833e6-b551-4418-a2a7-4d1023d25bd4" providerId="ADAL" clId="{9BDAC726-A033-456D-871E-61EBD8BAEF58}" dt="2024-11-11T11:44:30.193" v="72" actId="165"/>
+          <ac:picMkLst>
+            <pc:docMk/>
+            <pc:sldMk cId="2694379406" sldId="259"/>
+            <ac:picMk id="91" creationId="{57B1236E-2204-4293-81E5-AC18101FFBF5}"/>
+          </ac:picMkLst>
+        </pc:picChg>
+        <pc:picChg chg="mod">
+          <ac:chgData name="Matteo Francia" userId="fbe833e6-b551-4418-a2a7-4d1023d25bd4" providerId="ADAL" clId="{9BDAC726-A033-456D-871E-61EBD8BAEF58}" dt="2024-11-11T11:44:30.193" v="72" actId="165"/>
+          <ac:picMkLst>
+            <pc:docMk/>
+            <pc:sldMk cId="2694379406" sldId="259"/>
+            <ac:picMk id="94" creationId="{75A4FACE-BEDC-46E1-A74F-95E970567F7C}"/>
+          </ac:picMkLst>
+        </pc:picChg>
+        <pc:picChg chg="del mod topLvl">
+          <ac:chgData name="Matteo Francia" userId="fbe833e6-b551-4418-a2a7-4d1023d25bd4" providerId="ADAL" clId="{9BDAC726-A033-456D-871E-61EBD8BAEF58}" dt="2024-11-11T11:47:59.665" v="205" actId="478"/>
+          <ac:picMkLst>
+            <pc:docMk/>
+            <pc:sldMk cId="2694379406" sldId="259"/>
+            <ac:picMk id="103" creationId="{B8A1111F-3A48-432E-8473-2D3E50BFA1BF}"/>
+          </ac:picMkLst>
+        </pc:picChg>
+        <pc:picChg chg="mod">
+          <ac:chgData name="Matteo Francia" userId="fbe833e6-b551-4418-a2a7-4d1023d25bd4" providerId="ADAL" clId="{9BDAC726-A033-456D-871E-61EBD8BAEF58}" dt="2024-11-11T11:44:30.193" v="72" actId="165"/>
+          <ac:picMkLst>
+            <pc:docMk/>
+            <pc:sldMk cId="2694379406" sldId="259"/>
+            <ac:picMk id="106" creationId="{499145D4-15F2-403A-95C8-93E900EA4ED0}"/>
+          </ac:picMkLst>
+        </pc:picChg>
+        <pc:picChg chg="mod">
+          <ac:chgData name="Matteo Francia" userId="fbe833e6-b551-4418-a2a7-4d1023d25bd4" providerId="ADAL" clId="{9BDAC726-A033-456D-871E-61EBD8BAEF58}" dt="2024-11-11T11:44:30.193" v="72" actId="165"/>
+          <ac:picMkLst>
+            <pc:docMk/>
+            <pc:sldMk cId="2694379406" sldId="259"/>
+            <ac:picMk id="109" creationId="{0D457BC7-8CB7-42F4-8B4F-CC8DECAA83B1}"/>
+          </ac:picMkLst>
+        </pc:picChg>
+        <pc:picChg chg="mod">
+          <ac:chgData name="Matteo Francia" userId="fbe833e6-b551-4418-a2a7-4d1023d25bd4" providerId="ADAL" clId="{9BDAC726-A033-456D-871E-61EBD8BAEF58}" dt="2024-11-11T11:44:44.801" v="76" actId="571"/>
+          <ac:picMkLst>
+            <pc:docMk/>
+            <pc:sldMk cId="2694379406" sldId="259"/>
+            <ac:picMk id="113" creationId="{2ECB312C-FB48-4634-BDE9-B817673B78CC}"/>
+          </ac:picMkLst>
+        </pc:picChg>
+        <pc:picChg chg="mod">
+          <ac:chgData name="Matteo Francia" userId="fbe833e6-b551-4418-a2a7-4d1023d25bd4" providerId="ADAL" clId="{9BDAC726-A033-456D-871E-61EBD8BAEF58}" dt="2024-11-11T11:44:44.801" v="76" actId="571"/>
+          <ac:picMkLst>
+            <pc:docMk/>
+            <pc:sldMk cId="2694379406" sldId="259"/>
+            <ac:picMk id="116" creationId="{DFAFC51E-360C-4FEF-BB3F-E8B81F60503B}"/>
+          </ac:picMkLst>
+        </pc:picChg>
+        <pc:picChg chg="mod">
+          <ac:chgData name="Matteo Francia" userId="fbe833e6-b551-4418-a2a7-4d1023d25bd4" providerId="ADAL" clId="{9BDAC726-A033-456D-871E-61EBD8BAEF58}" dt="2024-11-11T11:44:44.801" v="76" actId="571"/>
+          <ac:picMkLst>
+            <pc:docMk/>
+            <pc:sldMk cId="2694379406" sldId="259"/>
+            <ac:picMk id="119" creationId="{25266F8F-1839-4682-AF77-C79521AEB6D6}"/>
+          </ac:picMkLst>
+        </pc:picChg>
+        <pc:picChg chg="mod">
+          <ac:chgData name="Matteo Francia" userId="fbe833e6-b551-4418-a2a7-4d1023d25bd4" providerId="ADAL" clId="{9BDAC726-A033-456D-871E-61EBD8BAEF58}" dt="2024-11-11T11:44:44.801" v="76" actId="571"/>
+          <ac:picMkLst>
+            <pc:docMk/>
+            <pc:sldMk cId="2694379406" sldId="259"/>
+            <ac:picMk id="124" creationId="{CC010F74-F9D8-4189-BF72-1835675657EB}"/>
+          </ac:picMkLst>
+        </pc:picChg>
+        <pc:picChg chg="mod">
+          <ac:chgData name="Matteo Francia" userId="fbe833e6-b551-4418-a2a7-4d1023d25bd4" providerId="ADAL" clId="{9BDAC726-A033-456D-871E-61EBD8BAEF58}" dt="2024-11-11T11:45:13.421" v="130" actId="571"/>
+          <ac:picMkLst>
+            <pc:docMk/>
+            <pc:sldMk cId="2694379406" sldId="259"/>
+            <ac:picMk id="129" creationId="{94F23DD6-A0BF-4160-9BFF-899080E00585}"/>
+          </ac:picMkLst>
+        </pc:picChg>
+        <pc:picChg chg="mod">
+          <ac:chgData name="Matteo Francia" userId="fbe833e6-b551-4418-a2a7-4d1023d25bd4" providerId="ADAL" clId="{9BDAC726-A033-456D-871E-61EBD8BAEF58}" dt="2024-11-11T11:45:13.421" v="130" actId="571"/>
+          <ac:picMkLst>
+            <pc:docMk/>
+            <pc:sldMk cId="2694379406" sldId="259"/>
+            <ac:picMk id="132" creationId="{9FCA4702-18CC-49C0-9D37-846DBF1D7AD5}"/>
+          </ac:picMkLst>
+        </pc:picChg>
+        <pc:picChg chg="add del mod">
+          <ac:chgData name="Matteo Francia" userId="fbe833e6-b551-4418-a2a7-4d1023d25bd4" providerId="ADAL" clId="{9BDAC726-A033-456D-871E-61EBD8BAEF58}" dt="2024-11-11T11:49:23.993" v="237"/>
+          <ac:picMkLst>
+            <pc:docMk/>
+            <pc:sldMk cId="2694379406" sldId="259"/>
+            <ac:picMk id="136" creationId="{EBD4393D-E954-4FDD-90B5-596877E4F938}"/>
+          </ac:picMkLst>
+        </pc:picChg>
+        <pc:picChg chg="add mod">
+          <ac:chgData name="Matteo Francia" userId="fbe833e6-b551-4418-a2a7-4d1023d25bd4" providerId="ADAL" clId="{9BDAC726-A033-456D-871E-61EBD8BAEF58}" dt="2024-11-11T11:49:35.863" v="242" actId="1037"/>
+          <ac:picMkLst>
+            <pc:docMk/>
+            <pc:sldMk cId="2694379406" sldId="259"/>
+            <ac:picMk id="138" creationId="{E3081473-0459-4607-A695-F8FE8D057164}"/>
+          </ac:picMkLst>
+        </pc:picChg>
+      </pc:sldChg>
+    </pc:docChg>
+  </pc:docChgLst>
   <pc:docChgLst>
     <pc:chgData name="Matteo Francia" userId="fbe833e6-b551-4418-a2a7-4d1023d25bd4" providerId="ADAL" clId="{2496DBF5-AC24-419B-AB4F-1F28A297C19E}"/>
     <pc:docChg chg="undo custSel addSld modSld">
@@ -1939,7 +3328,7 @@
           <a:p>
             <a:fld id="{E531EAE6-DB01-47E1-A442-261F67AA92F8}" type="datetimeFigureOut">
               <a:rPr lang="en-US" smtClean="0"/>
-              <a:t>10/22/2024</a:t>
+              <a:t>11/11/2024</a:t>
             </a:fld>
             <a:endParaRPr lang="en-US"/>
           </a:p>
@@ -1993,7 +3382,7 @@
           <a:p>
             <a:fld id="{AF9740C7-AC7A-4142-898F-BE565E35EF97}" type="slidenum">
               <a:rPr lang="en-US" smtClean="0"/>
-              <a:t>‹#›</a:t>
+              <a:t>‹N›</a:t>
             </a:fld>
             <a:endParaRPr lang="en-US"/>
           </a:p>
@@ -2137,7 +3526,7 @@
           <a:p>
             <a:fld id="{E531EAE6-DB01-47E1-A442-261F67AA92F8}" type="datetimeFigureOut">
               <a:rPr lang="en-US" smtClean="0"/>
-              <a:t>10/22/2024</a:t>
+              <a:t>11/11/2024</a:t>
             </a:fld>
             <a:endParaRPr lang="en-US"/>
           </a:p>
@@ -2191,7 +3580,7 @@
           <a:p>
             <a:fld id="{AF9740C7-AC7A-4142-898F-BE565E35EF97}" type="slidenum">
               <a:rPr lang="en-US" smtClean="0"/>
-              <a:t>‹#›</a:t>
+              <a:t>‹N›</a:t>
             </a:fld>
             <a:endParaRPr lang="en-US"/>
           </a:p>
@@ -2345,7 +3734,7 @@
           <a:p>
             <a:fld id="{E531EAE6-DB01-47E1-A442-261F67AA92F8}" type="datetimeFigureOut">
               <a:rPr lang="en-US" smtClean="0"/>
-              <a:t>10/22/2024</a:t>
+              <a:t>11/11/2024</a:t>
             </a:fld>
             <a:endParaRPr lang="en-US"/>
           </a:p>
@@ -2399,7 +3788,7 @@
           <a:p>
             <a:fld id="{AF9740C7-AC7A-4142-898F-BE565E35EF97}" type="slidenum">
               <a:rPr lang="en-US" smtClean="0"/>
-              <a:t>‹#›</a:t>
+              <a:t>‹N›</a:t>
             </a:fld>
             <a:endParaRPr lang="en-US"/>
           </a:p>
@@ -2543,7 +3932,7 @@
           <a:p>
             <a:fld id="{E531EAE6-DB01-47E1-A442-261F67AA92F8}" type="datetimeFigureOut">
               <a:rPr lang="en-US" smtClean="0"/>
-              <a:t>10/22/2024</a:t>
+              <a:t>11/11/2024</a:t>
             </a:fld>
             <a:endParaRPr lang="en-US"/>
           </a:p>
@@ -2597,7 +3986,7 @@
           <a:p>
             <a:fld id="{AF9740C7-AC7A-4142-898F-BE565E35EF97}" type="slidenum">
               <a:rPr lang="en-US" smtClean="0"/>
-              <a:t>‹#›</a:t>
+              <a:t>‹N›</a:t>
             </a:fld>
             <a:endParaRPr lang="en-US"/>
           </a:p>
@@ -2818,7 +4207,7 @@
           <a:p>
             <a:fld id="{E531EAE6-DB01-47E1-A442-261F67AA92F8}" type="datetimeFigureOut">
               <a:rPr lang="en-US" smtClean="0"/>
-              <a:t>10/22/2024</a:t>
+              <a:t>11/11/2024</a:t>
             </a:fld>
             <a:endParaRPr lang="en-US"/>
           </a:p>
@@ -2872,7 +4261,7 @@
           <a:p>
             <a:fld id="{AF9740C7-AC7A-4142-898F-BE565E35EF97}" type="slidenum">
               <a:rPr lang="en-US" smtClean="0"/>
-              <a:t>‹#›</a:t>
+              <a:t>‹N›</a:t>
             </a:fld>
             <a:endParaRPr lang="en-US"/>
           </a:p>
@@ -3083,7 +4472,7 @@
           <a:p>
             <a:fld id="{E531EAE6-DB01-47E1-A442-261F67AA92F8}" type="datetimeFigureOut">
               <a:rPr lang="en-US" smtClean="0"/>
-              <a:t>10/22/2024</a:t>
+              <a:t>11/11/2024</a:t>
             </a:fld>
             <a:endParaRPr lang="en-US"/>
           </a:p>
@@ -3137,7 +4526,7 @@
           <a:p>
             <a:fld id="{AF9740C7-AC7A-4142-898F-BE565E35EF97}" type="slidenum">
               <a:rPr lang="en-US" smtClean="0"/>
-              <a:t>‹#›</a:t>
+              <a:t>‹N›</a:t>
             </a:fld>
             <a:endParaRPr lang="en-US"/>
           </a:p>
@@ -3495,7 +4884,7 @@
           <a:p>
             <a:fld id="{E531EAE6-DB01-47E1-A442-261F67AA92F8}" type="datetimeFigureOut">
               <a:rPr lang="en-US" smtClean="0"/>
-              <a:t>10/22/2024</a:t>
+              <a:t>11/11/2024</a:t>
             </a:fld>
             <a:endParaRPr lang="en-US"/>
           </a:p>
@@ -3549,7 +4938,7 @@
           <a:p>
             <a:fld id="{AF9740C7-AC7A-4142-898F-BE565E35EF97}" type="slidenum">
               <a:rPr lang="en-US" smtClean="0"/>
-              <a:t>‹#›</a:t>
+              <a:t>‹N›</a:t>
             </a:fld>
             <a:endParaRPr lang="en-US"/>
           </a:p>
@@ -3636,7 +5025,7 @@
           <a:p>
             <a:fld id="{E531EAE6-DB01-47E1-A442-261F67AA92F8}" type="datetimeFigureOut">
               <a:rPr lang="en-US" smtClean="0"/>
-              <a:t>10/22/2024</a:t>
+              <a:t>11/11/2024</a:t>
             </a:fld>
             <a:endParaRPr lang="en-US"/>
           </a:p>
@@ -3690,7 +5079,7 @@
           <a:p>
             <a:fld id="{AF9740C7-AC7A-4142-898F-BE565E35EF97}" type="slidenum">
               <a:rPr lang="en-US" smtClean="0"/>
-              <a:t>‹#›</a:t>
+              <a:t>‹N›</a:t>
             </a:fld>
             <a:endParaRPr lang="en-US"/>
           </a:p>
@@ -3749,7 +5138,7 @@
           <a:p>
             <a:fld id="{E531EAE6-DB01-47E1-A442-261F67AA92F8}" type="datetimeFigureOut">
               <a:rPr lang="en-US" smtClean="0"/>
-              <a:t>10/22/2024</a:t>
+              <a:t>11/11/2024</a:t>
             </a:fld>
             <a:endParaRPr lang="en-US"/>
           </a:p>
@@ -3803,7 +5192,7 @@
           <a:p>
             <a:fld id="{AF9740C7-AC7A-4142-898F-BE565E35EF97}" type="slidenum">
               <a:rPr lang="en-US" smtClean="0"/>
-              <a:t>‹#›</a:t>
+              <a:t>‹N›</a:t>
             </a:fld>
             <a:endParaRPr lang="en-US"/>
           </a:p>
@@ -4060,7 +5449,7 @@
           <a:p>
             <a:fld id="{E531EAE6-DB01-47E1-A442-261F67AA92F8}" type="datetimeFigureOut">
               <a:rPr lang="en-US" smtClean="0"/>
-              <a:t>10/22/2024</a:t>
+              <a:t>11/11/2024</a:t>
             </a:fld>
             <a:endParaRPr lang="en-US"/>
           </a:p>
@@ -4114,7 +5503,7 @@
           <a:p>
             <a:fld id="{AF9740C7-AC7A-4142-898F-BE565E35EF97}" type="slidenum">
               <a:rPr lang="en-US" smtClean="0"/>
-              <a:t>‹#›</a:t>
+              <a:t>‹N›</a:t>
             </a:fld>
             <a:endParaRPr lang="en-US"/>
           </a:p>
@@ -4348,7 +5737,7 @@
           <a:p>
             <a:fld id="{E531EAE6-DB01-47E1-A442-261F67AA92F8}" type="datetimeFigureOut">
               <a:rPr lang="en-US" smtClean="0"/>
-              <a:t>10/22/2024</a:t>
+              <a:t>11/11/2024</a:t>
             </a:fld>
             <a:endParaRPr lang="en-US"/>
           </a:p>
@@ -4402,7 +5791,7 @@
           <a:p>
             <a:fld id="{AF9740C7-AC7A-4142-898F-BE565E35EF97}" type="slidenum">
               <a:rPr lang="en-US" smtClean="0"/>
-              <a:t>‹#›</a:t>
+              <a:t>‹N›</a:t>
             </a:fld>
             <a:endParaRPr lang="en-US"/>
           </a:p>
@@ -4589,7 +5978,7 @@
           <a:p>
             <a:fld id="{E531EAE6-DB01-47E1-A442-261F67AA92F8}" type="datetimeFigureOut">
               <a:rPr lang="en-US" smtClean="0"/>
-              <a:t>10/22/2024</a:t>
+              <a:t>11/11/2024</a:t>
             </a:fld>
             <a:endParaRPr lang="en-US"/>
           </a:p>
@@ -4679,7 +6068,7 @@
           <a:p>
             <a:fld id="{AF9740C7-AC7A-4142-898F-BE565E35EF97}" type="slidenum">
               <a:rPr lang="en-US" smtClean="0"/>
-              <a:t>‹#›</a:t>
+              <a:t>‹N›</a:t>
             </a:fld>
             <a:endParaRPr lang="en-US"/>
           </a:p>
@@ -5950,15 +7339,13 @@
           </a:prstGeom>
         </p:spPr>
         <p:style>
-          <a:lnRef idx="2">
-            <a:schemeClr val="accent1">
-              <a:shade val="15000"/>
-            </a:schemeClr>
+          <a:lnRef idx="0">
+            <a:schemeClr val="accent1"/>
           </a:lnRef>
-          <a:fillRef idx="1">
+          <a:fillRef idx="3">
             <a:schemeClr val="accent1"/>
           </a:fillRef>
-          <a:effectRef idx="0">
+          <a:effectRef idx="3">
             <a:schemeClr val="accent1"/>
           </a:effectRef>
           <a:fontRef idx="minor">
@@ -12702,6 +14089,7244 @@
     <p:extLst>
       <p:ext uri="{BB962C8B-B14F-4D97-AF65-F5344CB8AC3E}">
         <p14:creationId xmlns:p14="http://schemas.microsoft.com/office/powerpoint/2010/main" val="2799075634"/>
+      </p:ext>
+    </p:extLst>
+  </p:cSld>
+  <p:clrMapOvr>
+    <a:masterClrMapping/>
+  </p:clrMapOvr>
+</p:sld>
+</file>
+
+<file path=ppt/slides/slide3.xml><?xml version="1.0" encoding="utf-8"?>
+<p:sld xmlns:a="http://schemas.openxmlformats.org/drawingml/2006/main" xmlns:r="http://schemas.openxmlformats.org/officeDocument/2006/relationships" xmlns:p="http://schemas.openxmlformats.org/presentationml/2006/main">
+  <p:cSld>
+    <p:spTree>
+      <p:nvGrpSpPr>
+        <p:cNvPr id="1" name=""/>
+        <p:cNvGrpSpPr/>
+        <p:nvPr/>
+      </p:nvGrpSpPr>
+      <p:grpSpPr>
+        <a:xfrm>
+          <a:off x="0" y="0"/>
+          <a:ext cx="0" cy="0"/>
+          <a:chOff x="0" y="0"/>
+          <a:chExt cx="0" cy="0"/>
+        </a:xfrm>
+      </p:grpSpPr>
+      <p:pic>
+        <p:nvPicPr>
+          <p:cNvPr id="5" name="Segnaposto contenuto 4" descr="Documento con riempimento a tinta unita">
+            <a:extLst>
+              <a:ext uri="{FF2B5EF4-FFF2-40B4-BE49-F238E27FC236}">
+                <a16:creationId xmlns:a16="http://schemas.microsoft.com/office/drawing/2014/main" id="{25354B72-0695-4CE1-BC93-259B21368047}"/>
+              </a:ext>
+            </a:extLst>
+          </p:cNvPr>
+          <p:cNvPicPr>
+            <a:picLocks noGrp="1" noChangeAspect="1"/>
+          </p:cNvPicPr>
+          <p:nvPr>
+            <p:ph idx="1"/>
+          </p:nvPr>
+        </p:nvPicPr>
+        <p:blipFill>
+          <a:blip r:embed="rId2">
+            <a:extLst>
+              <a:ext uri="{28A0092B-C50C-407E-A947-70E740481C1C}">
+                <a14:useLocalDpi xmlns:a14="http://schemas.microsoft.com/office/drawing/2010/main" val="0"/>
+              </a:ext>
+              <a:ext uri="{96DAC541-7B7A-43D3-8B79-37D633B846F1}">
+                <asvg:svgBlip xmlns:asvg="http://schemas.microsoft.com/office/drawing/2016/SVG/main" r:embed="rId3"/>
+              </a:ext>
+            </a:extLst>
+          </a:blip>
+          <a:stretch>
+            <a:fillRect/>
+          </a:stretch>
+        </p:blipFill>
+        <p:spPr>
+          <a:xfrm>
+            <a:off x="1392638" y="420588"/>
+            <a:ext cx="914400" cy="914400"/>
+          </a:xfrm>
+        </p:spPr>
+      </p:pic>
+      <p:pic>
+        <p:nvPicPr>
+          <p:cNvPr id="6" name="Segnaposto contenuto 4" descr="Documento con riempimento a tinta unita">
+            <a:extLst>
+              <a:ext uri="{FF2B5EF4-FFF2-40B4-BE49-F238E27FC236}">
+                <a16:creationId xmlns:a16="http://schemas.microsoft.com/office/drawing/2014/main" id="{2CA40D56-91DC-438F-93AB-2A5A1DAF89F2}"/>
+              </a:ext>
+            </a:extLst>
+          </p:cNvPr>
+          <p:cNvPicPr>
+            <a:picLocks noChangeAspect="1"/>
+          </p:cNvPicPr>
+          <p:nvPr/>
+        </p:nvPicPr>
+        <p:blipFill>
+          <a:blip r:embed="rId2">
+            <a:extLst>
+              <a:ext uri="{28A0092B-C50C-407E-A947-70E740481C1C}">
+                <a14:useLocalDpi xmlns:a14="http://schemas.microsoft.com/office/drawing/2010/main" val="0"/>
+              </a:ext>
+              <a:ext uri="{96DAC541-7B7A-43D3-8B79-37D633B846F1}">
+                <asvg:svgBlip xmlns:asvg="http://schemas.microsoft.com/office/drawing/2016/SVG/main" r:embed="rId3"/>
+              </a:ext>
+            </a:extLst>
+          </a:blip>
+          <a:stretch>
+            <a:fillRect/>
+          </a:stretch>
+        </p:blipFill>
+        <p:spPr>
+          <a:xfrm>
+            <a:off x="589391" y="420588"/>
+            <a:ext cx="914400" cy="914400"/>
+          </a:xfrm>
+          <a:prstGeom prst="rect">
+            <a:avLst/>
+          </a:prstGeom>
+        </p:spPr>
+      </p:pic>
+      <p:pic>
+        <p:nvPicPr>
+          <p:cNvPr id="7" name="Segnaposto contenuto 4" descr="Documento con riempimento a tinta unita">
+            <a:extLst>
+              <a:ext uri="{FF2B5EF4-FFF2-40B4-BE49-F238E27FC236}">
+                <a16:creationId xmlns:a16="http://schemas.microsoft.com/office/drawing/2014/main" id="{6BB6A669-55DF-4023-8A22-E2928E4D2314}"/>
+              </a:ext>
+            </a:extLst>
+          </p:cNvPr>
+          <p:cNvPicPr>
+            <a:picLocks noChangeAspect="1"/>
+          </p:cNvPicPr>
+          <p:nvPr/>
+        </p:nvPicPr>
+        <p:blipFill>
+          <a:blip r:embed="rId2">
+            <a:extLst>
+              <a:ext uri="{28A0092B-C50C-407E-A947-70E740481C1C}">
+                <a14:useLocalDpi xmlns:a14="http://schemas.microsoft.com/office/drawing/2010/main" val="0"/>
+              </a:ext>
+              <a:ext uri="{96DAC541-7B7A-43D3-8B79-37D633B846F1}">
+                <asvg:svgBlip xmlns:asvg="http://schemas.microsoft.com/office/drawing/2016/SVG/main" r:embed="rId3"/>
+              </a:ext>
+            </a:extLst>
+          </a:blip>
+          <a:stretch>
+            <a:fillRect/>
+          </a:stretch>
+        </p:blipFill>
+        <p:spPr>
+          <a:xfrm>
+            <a:off x="2195885" y="420588"/>
+            <a:ext cx="914400" cy="914400"/>
+          </a:xfrm>
+          <a:prstGeom prst="rect">
+            <a:avLst/>
+          </a:prstGeom>
+        </p:spPr>
+      </p:pic>
+      <p:pic>
+        <p:nvPicPr>
+          <p:cNvPr id="11" name="Segnaposto contenuto 4" descr="Documento con riempimento a tinta unita">
+            <a:extLst>
+              <a:ext uri="{FF2B5EF4-FFF2-40B4-BE49-F238E27FC236}">
+                <a16:creationId xmlns:a16="http://schemas.microsoft.com/office/drawing/2014/main" id="{EE12E139-4D65-4DD9-BA34-B168798D520E}"/>
+              </a:ext>
+            </a:extLst>
+          </p:cNvPr>
+          <p:cNvPicPr>
+            <a:picLocks noChangeAspect="1"/>
+          </p:cNvPicPr>
+          <p:nvPr/>
+        </p:nvPicPr>
+        <p:blipFill>
+          <a:blip r:embed="rId2">
+            <a:extLst>
+              <a:ext uri="{28A0092B-C50C-407E-A947-70E740481C1C}">
+                <a14:useLocalDpi xmlns:a14="http://schemas.microsoft.com/office/drawing/2010/main" val="0"/>
+              </a:ext>
+              <a:ext uri="{96DAC541-7B7A-43D3-8B79-37D633B846F1}">
+                <asvg:svgBlip xmlns:asvg="http://schemas.microsoft.com/office/drawing/2016/SVG/main" r:embed="rId3"/>
+              </a:ext>
+            </a:extLst>
+          </a:blip>
+          <a:stretch>
+            <a:fillRect/>
+          </a:stretch>
+        </p:blipFill>
+        <p:spPr>
+          <a:xfrm>
+            <a:off x="1392638" y="1334988"/>
+            <a:ext cx="914400" cy="914400"/>
+          </a:xfrm>
+          <a:prstGeom prst="rect">
+            <a:avLst/>
+          </a:prstGeom>
+        </p:spPr>
+      </p:pic>
+      <p:pic>
+        <p:nvPicPr>
+          <p:cNvPr id="12" name="Segnaposto contenuto 4" descr="Documento con riempimento a tinta unita">
+            <a:extLst>
+              <a:ext uri="{FF2B5EF4-FFF2-40B4-BE49-F238E27FC236}">
+                <a16:creationId xmlns:a16="http://schemas.microsoft.com/office/drawing/2014/main" id="{FFE63218-16C8-47DB-AD6A-D7001087D59D}"/>
+              </a:ext>
+            </a:extLst>
+          </p:cNvPr>
+          <p:cNvPicPr>
+            <a:picLocks noChangeAspect="1"/>
+          </p:cNvPicPr>
+          <p:nvPr/>
+        </p:nvPicPr>
+        <p:blipFill>
+          <a:blip r:embed="rId2">
+            <a:extLst>
+              <a:ext uri="{28A0092B-C50C-407E-A947-70E740481C1C}">
+                <a14:useLocalDpi xmlns:a14="http://schemas.microsoft.com/office/drawing/2010/main" val="0"/>
+              </a:ext>
+              <a:ext uri="{96DAC541-7B7A-43D3-8B79-37D633B846F1}">
+                <asvg:svgBlip xmlns:asvg="http://schemas.microsoft.com/office/drawing/2016/SVG/main" r:embed="rId3"/>
+              </a:ext>
+            </a:extLst>
+          </a:blip>
+          <a:stretch>
+            <a:fillRect/>
+          </a:stretch>
+        </p:blipFill>
+        <p:spPr>
+          <a:xfrm>
+            <a:off x="589391" y="1334988"/>
+            <a:ext cx="914400" cy="914400"/>
+          </a:xfrm>
+          <a:prstGeom prst="rect">
+            <a:avLst/>
+          </a:prstGeom>
+        </p:spPr>
+      </p:pic>
+      <p:pic>
+        <p:nvPicPr>
+          <p:cNvPr id="13" name="Segnaposto contenuto 4" descr="Documento con riempimento a tinta unita">
+            <a:extLst>
+              <a:ext uri="{FF2B5EF4-FFF2-40B4-BE49-F238E27FC236}">
+                <a16:creationId xmlns:a16="http://schemas.microsoft.com/office/drawing/2014/main" id="{6E0761F1-1A1F-40D2-B8CB-CC0E66EC5DBF}"/>
+              </a:ext>
+            </a:extLst>
+          </p:cNvPr>
+          <p:cNvPicPr>
+            <a:picLocks noChangeAspect="1"/>
+          </p:cNvPicPr>
+          <p:nvPr/>
+        </p:nvPicPr>
+        <p:blipFill>
+          <a:blip r:embed="rId2">
+            <a:extLst>
+              <a:ext uri="{28A0092B-C50C-407E-A947-70E740481C1C}">
+                <a14:useLocalDpi xmlns:a14="http://schemas.microsoft.com/office/drawing/2010/main" val="0"/>
+              </a:ext>
+              <a:ext uri="{96DAC541-7B7A-43D3-8B79-37D633B846F1}">
+                <asvg:svgBlip xmlns:asvg="http://schemas.microsoft.com/office/drawing/2016/SVG/main" r:embed="rId3"/>
+              </a:ext>
+            </a:extLst>
+          </a:blip>
+          <a:stretch>
+            <a:fillRect/>
+          </a:stretch>
+        </p:blipFill>
+        <p:spPr>
+          <a:xfrm>
+            <a:off x="2195885" y="1334988"/>
+            <a:ext cx="914400" cy="914400"/>
+          </a:xfrm>
+          <a:prstGeom prst="rect">
+            <a:avLst/>
+          </a:prstGeom>
+        </p:spPr>
+      </p:pic>
+      <p:pic>
+        <p:nvPicPr>
+          <p:cNvPr id="14" name="Segnaposto contenuto 4" descr="Documento con riempimento a tinta unita">
+            <a:extLst>
+              <a:ext uri="{FF2B5EF4-FFF2-40B4-BE49-F238E27FC236}">
+                <a16:creationId xmlns:a16="http://schemas.microsoft.com/office/drawing/2014/main" id="{8026CD18-7277-4E70-8BAE-66EBDA4652E0}"/>
+              </a:ext>
+            </a:extLst>
+          </p:cNvPr>
+          <p:cNvPicPr>
+            <a:picLocks noChangeAspect="1"/>
+          </p:cNvPicPr>
+          <p:nvPr/>
+        </p:nvPicPr>
+        <p:blipFill>
+          <a:blip r:embed="rId2">
+            <a:extLst>
+              <a:ext uri="{28A0092B-C50C-407E-A947-70E740481C1C}">
+                <a14:useLocalDpi xmlns:a14="http://schemas.microsoft.com/office/drawing/2010/main" val="0"/>
+              </a:ext>
+              <a:ext uri="{96DAC541-7B7A-43D3-8B79-37D633B846F1}">
+                <asvg:svgBlip xmlns:asvg="http://schemas.microsoft.com/office/drawing/2016/SVG/main" r:embed="rId3"/>
+              </a:ext>
+            </a:extLst>
+          </a:blip>
+          <a:stretch>
+            <a:fillRect/>
+          </a:stretch>
+        </p:blipFill>
+        <p:spPr>
+          <a:xfrm>
+            <a:off x="1392638" y="2249388"/>
+            <a:ext cx="914400" cy="914400"/>
+          </a:xfrm>
+          <a:prstGeom prst="rect">
+            <a:avLst/>
+          </a:prstGeom>
+        </p:spPr>
+      </p:pic>
+      <p:pic>
+        <p:nvPicPr>
+          <p:cNvPr id="15" name="Segnaposto contenuto 4" descr="Documento con riempimento a tinta unita">
+            <a:extLst>
+              <a:ext uri="{FF2B5EF4-FFF2-40B4-BE49-F238E27FC236}">
+                <a16:creationId xmlns:a16="http://schemas.microsoft.com/office/drawing/2014/main" id="{27C393C9-F356-458C-B817-86B485DD1BDB}"/>
+              </a:ext>
+            </a:extLst>
+          </p:cNvPr>
+          <p:cNvPicPr>
+            <a:picLocks noChangeAspect="1"/>
+          </p:cNvPicPr>
+          <p:nvPr/>
+        </p:nvPicPr>
+        <p:blipFill>
+          <a:blip r:embed="rId2">
+            <a:extLst>
+              <a:ext uri="{28A0092B-C50C-407E-A947-70E740481C1C}">
+                <a14:useLocalDpi xmlns:a14="http://schemas.microsoft.com/office/drawing/2010/main" val="0"/>
+              </a:ext>
+              <a:ext uri="{96DAC541-7B7A-43D3-8B79-37D633B846F1}">
+                <asvg:svgBlip xmlns:asvg="http://schemas.microsoft.com/office/drawing/2016/SVG/main" r:embed="rId3"/>
+              </a:ext>
+            </a:extLst>
+          </a:blip>
+          <a:stretch>
+            <a:fillRect/>
+          </a:stretch>
+        </p:blipFill>
+        <p:spPr>
+          <a:xfrm>
+            <a:off x="589391" y="2249388"/>
+            <a:ext cx="914400" cy="914400"/>
+          </a:xfrm>
+          <a:prstGeom prst="rect">
+            <a:avLst/>
+          </a:prstGeom>
+        </p:spPr>
+      </p:pic>
+      <p:pic>
+        <p:nvPicPr>
+          <p:cNvPr id="16" name="Segnaposto contenuto 4" descr="Documento con riempimento a tinta unita">
+            <a:extLst>
+              <a:ext uri="{FF2B5EF4-FFF2-40B4-BE49-F238E27FC236}">
+                <a16:creationId xmlns:a16="http://schemas.microsoft.com/office/drawing/2014/main" id="{74D96D01-1000-4E37-8020-53978D91A627}"/>
+              </a:ext>
+            </a:extLst>
+          </p:cNvPr>
+          <p:cNvPicPr>
+            <a:picLocks noChangeAspect="1"/>
+          </p:cNvPicPr>
+          <p:nvPr/>
+        </p:nvPicPr>
+        <p:blipFill>
+          <a:blip r:embed="rId2">
+            <a:extLst>
+              <a:ext uri="{28A0092B-C50C-407E-A947-70E740481C1C}">
+                <a14:useLocalDpi xmlns:a14="http://schemas.microsoft.com/office/drawing/2010/main" val="0"/>
+              </a:ext>
+              <a:ext uri="{96DAC541-7B7A-43D3-8B79-37D633B846F1}">
+                <asvg:svgBlip xmlns:asvg="http://schemas.microsoft.com/office/drawing/2016/SVG/main" r:embed="rId3"/>
+              </a:ext>
+            </a:extLst>
+          </a:blip>
+          <a:stretch>
+            <a:fillRect/>
+          </a:stretch>
+        </p:blipFill>
+        <p:spPr>
+          <a:xfrm>
+            <a:off x="2195885" y="2249388"/>
+            <a:ext cx="914400" cy="914400"/>
+          </a:xfrm>
+          <a:prstGeom prst="rect">
+            <a:avLst/>
+          </a:prstGeom>
+        </p:spPr>
+      </p:pic>
+      <p:pic>
+        <p:nvPicPr>
+          <p:cNvPr id="17" name="Segnaposto contenuto 4" descr="Documento con riempimento a tinta unita">
+            <a:extLst>
+              <a:ext uri="{FF2B5EF4-FFF2-40B4-BE49-F238E27FC236}">
+                <a16:creationId xmlns:a16="http://schemas.microsoft.com/office/drawing/2014/main" id="{496489C3-D5A5-4E41-80B7-ED27687B3917}"/>
+              </a:ext>
+            </a:extLst>
+          </p:cNvPr>
+          <p:cNvPicPr>
+            <a:picLocks noChangeAspect="1"/>
+          </p:cNvPicPr>
+          <p:nvPr/>
+        </p:nvPicPr>
+        <p:blipFill>
+          <a:blip r:embed="rId2">
+            <a:extLst>
+              <a:ext uri="{28A0092B-C50C-407E-A947-70E740481C1C}">
+                <a14:useLocalDpi xmlns:a14="http://schemas.microsoft.com/office/drawing/2010/main" val="0"/>
+              </a:ext>
+              <a:ext uri="{96DAC541-7B7A-43D3-8B79-37D633B846F1}">
+                <asvg:svgBlip xmlns:asvg="http://schemas.microsoft.com/office/drawing/2016/SVG/main" r:embed="rId3"/>
+              </a:ext>
+            </a:extLst>
+          </a:blip>
+          <a:stretch>
+            <a:fillRect/>
+          </a:stretch>
+        </p:blipFill>
+        <p:spPr>
+          <a:xfrm>
+            <a:off x="1392638" y="3147054"/>
+            <a:ext cx="914400" cy="914400"/>
+          </a:xfrm>
+          <a:prstGeom prst="rect">
+            <a:avLst/>
+          </a:prstGeom>
+        </p:spPr>
+      </p:pic>
+      <p:pic>
+        <p:nvPicPr>
+          <p:cNvPr id="18" name="Segnaposto contenuto 4" descr="Documento con riempimento a tinta unita">
+            <a:extLst>
+              <a:ext uri="{FF2B5EF4-FFF2-40B4-BE49-F238E27FC236}">
+                <a16:creationId xmlns:a16="http://schemas.microsoft.com/office/drawing/2014/main" id="{95B72A46-1E15-4ED2-A404-B2D0A21247C0}"/>
+              </a:ext>
+            </a:extLst>
+          </p:cNvPr>
+          <p:cNvPicPr>
+            <a:picLocks noChangeAspect="1"/>
+          </p:cNvPicPr>
+          <p:nvPr/>
+        </p:nvPicPr>
+        <p:blipFill>
+          <a:blip r:embed="rId2">
+            <a:extLst>
+              <a:ext uri="{28A0092B-C50C-407E-A947-70E740481C1C}">
+                <a14:useLocalDpi xmlns:a14="http://schemas.microsoft.com/office/drawing/2010/main" val="0"/>
+              </a:ext>
+              <a:ext uri="{96DAC541-7B7A-43D3-8B79-37D633B846F1}">
+                <asvg:svgBlip xmlns:asvg="http://schemas.microsoft.com/office/drawing/2016/SVG/main" r:embed="rId3"/>
+              </a:ext>
+            </a:extLst>
+          </a:blip>
+          <a:stretch>
+            <a:fillRect/>
+          </a:stretch>
+        </p:blipFill>
+        <p:spPr>
+          <a:xfrm>
+            <a:off x="589391" y="3147054"/>
+            <a:ext cx="914400" cy="914400"/>
+          </a:xfrm>
+          <a:prstGeom prst="rect">
+            <a:avLst/>
+          </a:prstGeom>
+        </p:spPr>
+      </p:pic>
+      <p:pic>
+        <p:nvPicPr>
+          <p:cNvPr id="19" name="Segnaposto contenuto 4" descr="Documento con riempimento a tinta unita">
+            <a:extLst>
+              <a:ext uri="{FF2B5EF4-FFF2-40B4-BE49-F238E27FC236}">
+                <a16:creationId xmlns:a16="http://schemas.microsoft.com/office/drawing/2014/main" id="{C91139F3-B701-4792-B233-9431743B2FF1}"/>
+              </a:ext>
+            </a:extLst>
+          </p:cNvPr>
+          <p:cNvPicPr>
+            <a:picLocks noChangeAspect="1"/>
+          </p:cNvPicPr>
+          <p:nvPr/>
+        </p:nvPicPr>
+        <p:blipFill>
+          <a:blip r:embed="rId2">
+            <a:extLst>
+              <a:ext uri="{28A0092B-C50C-407E-A947-70E740481C1C}">
+                <a14:useLocalDpi xmlns:a14="http://schemas.microsoft.com/office/drawing/2010/main" val="0"/>
+              </a:ext>
+              <a:ext uri="{96DAC541-7B7A-43D3-8B79-37D633B846F1}">
+                <asvg:svgBlip xmlns:asvg="http://schemas.microsoft.com/office/drawing/2016/SVG/main" r:embed="rId3"/>
+              </a:ext>
+            </a:extLst>
+          </a:blip>
+          <a:stretch>
+            <a:fillRect/>
+          </a:stretch>
+        </p:blipFill>
+        <p:spPr>
+          <a:xfrm>
+            <a:off x="2195885" y="3147054"/>
+            <a:ext cx="914400" cy="914400"/>
+          </a:xfrm>
+          <a:prstGeom prst="rect">
+            <a:avLst/>
+          </a:prstGeom>
+        </p:spPr>
+      </p:pic>
+      <p:pic>
+        <p:nvPicPr>
+          <p:cNvPr id="20" name="Segnaposto contenuto 4" descr="Documento con riempimento a tinta unita">
+            <a:extLst>
+              <a:ext uri="{FF2B5EF4-FFF2-40B4-BE49-F238E27FC236}">
+                <a16:creationId xmlns:a16="http://schemas.microsoft.com/office/drawing/2014/main" id="{F9E2EBDC-6D29-4155-9E0D-825C53A4875D}"/>
+              </a:ext>
+            </a:extLst>
+          </p:cNvPr>
+          <p:cNvPicPr>
+            <a:picLocks noChangeAspect="1"/>
+          </p:cNvPicPr>
+          <p:nvPr/>
+        </p:nvPicPr>
+        <p:blipFill>
+          <a:blip r:embed="rId2">
+            <a:extLst>
+              <a:ext uri="{28A0092B-C50C-407E-A947-70E740481C1C}">
+                <a14:useLocalDpi xmlns:a14="http://schemas.microsoft.com/office/drawing/2010/main" val="0"/>
+              </a:ext>
+              <a:ext uri="{96DAC541-7B7A-43D3-8B79-37D633B846F1}">
+                <asvg:svgBlip xmlns:asvg="http://schemas.microsoft.com/office/drawing/2016/SVG/main" r:embed="rId3"/>
+              </a:ext>
+            </a:extLst>
+          </a:blip>
+          <a:stretch>
+            <a:fillRect/>
+          </a:stretch>
+        </p:blipFill>
+        <p:spPr>
+          <a:xfrm>
+            <a:off x="1392638" y="4061454"/>
+            <a:ext cx="914400" cy="914400"/>
+          </a:xfrm>
+          <a:prstGeom prst="rect">
+            <a:avLst/>
+          </a:prstGeom>
+        </p:spPr>
+      </p:pic>
+      <p:pic>
+        <p:nvPicPr>
+          <p:cNvPr id="21" name="Segnaposto contenuto 4" descr="Documento con riempimento a tinta unita">
+            <a:extLst>
+              <a:ext uri="{FF2B5EF4-FFF2-40B4-BE49-F238E27FC236}">
+                <a16:creationId xmlns:a16="http://schemas.microsoft.com/office/drawing/2014/main" id="{FDD15944-1902-4698-8EAD-323DACFA3639}"/>
+              </a:ext>
+            </a:extLst>
+          </p:cNvPr>
+          <p:cNvPicPr>
+            <a:picLocks noChangeAspect="1"/>
+          </p:cNvPicPr>
+          <p:nvPr/>
+        </p:nvPicPr>
+        <p:blipFill>
+          <a:blip r:embed="rId2">
+            <a:extLst>
+              <a:ext uri="{28A0092B-C50C-407E-A947-70E740481C1C}">
+                <a14:useLocalDpi xmlns:a14="http://schemas.microsoft.com/office/drawing/2010/main" val="0"/>
+              </a:ext>
+              <a:ext uri="{96DAC541-7B7A-43D3-8B79-37D633B846F1}">
+                <asvg:svgBlip xmlns:asvg="http://schemas.microsoft.com/office/drawing/2016/SVG/main" r:embed="rId3"/>
+              </a:ext>
+            </a:extLst>
+          </a:blip>
+          <a:stretch>
+            <a:fillRect/>
+          </a:stretch>
+        </p:blipFill>
+        <p:spPr>
+          <a:xfrm>
+            <a:off x="589391" y="4061454"/>
+            <a:ext cx="914400" cy="914400"/>
+          </a:xfrm>
+          <a:prstGeom prst="rect">
+            <a:avLst/>
+          </a:prstGeom>
+        </p:spPr>
+      </p:pic>
+      <p:pic>
+        <p:nvPicPr>
+          <p:cNvPr id="22" name="Segnaposto contenuto 4" descr="Documento con riempimento a tinta unita">
+            <a:extLst>
+              <a:ext uri="{FF2B5EF4-FFF2-40B4-BE49-F238E27FC236}">
+                <a16:creationId xmlns:a16="http://schemas.microsoft.com/office/drawing/2014/main" id="{7BA8C936-143C-48E0-AD45-70E0D9360954}"/>
+              </a:ext>
+            </a:extLst>
+          </p:cNvPr>
+          <p:cNvPicPr>
+            <a:picLocks noChangeAspect="1"/>
+          </p:cNvPicPr>
+          <p:nvPr/>
+        </p:nvPicPr>
+        <p:blipFill>
+          <a:blip r:embed="rId2">
+            <a:extLst>
+              <a:ext uri="{28A0092B-C50C-407E-A947-70E740481C1C}">
+                <a14:useLocalDpi xmlns:a14="http://schemas.microsoft.com/office/drawing/2010/main" val="0"/>
+              </a:ext>
+              <a:ext uri="{96DAC541-7B7A-43D3-8B79-37D633B846F1}">
+                <asvg:svgBlip xmlns:asvg="http://schemas.microsoft.com/office/drawing/2016/SVG/main" r:embed="rId3"/>
+              </a:ext>
+            </a:extLst>
+          </a:blip>
+          <a:stretch>
+            <a:fillRect/>
+          </a:stretch>
+        </p:blipFill>
+        <p:spPr>
+          <a:xfrm>
+            <a:off x="2195885" y="4061454"/>
+            <a:ext cx="914400" cy="914400"/>
+          </a:xfrm>
+          <a:prstGeom prst="rect">
+            <a:avLst/>
+          </a:prstGeom>
+        </p:spPr>
+      </p:pic>
+      <p:pic>
+        <p:nvPicPr>
+          <p:cNvPr id="23" name="Segnaposto contenuto 4" descr="Documento con riempimento a tinta unita">
+            <a:extLst>
+              <a:ext uri="{FF2B5EF4-FFF2-40B4-BE49-F238E27FC236}">
+                <a16:creationId xmlns:a16="http://schemas.microsoft.com/office/drawing/2014/main" id="{F99F17D8-6B64-442E-BFC2-10E8DF16AA30}"/>
+              </a:ext>
+            </a:extLst>
+          </p:cNvPr>
+          <p:cNvPicPr>
+            <a:picLocks noChangeAspect="1"/>
+          </p:cNvPicPr>
+          <p:nvPr/>
+        </p:nvPicPr>
+        <p:blipFill>
+          <a:blip r:embed="rId2">
+            <a:extLst>
+              <a:ext uri="{28A0092B-C50C-407E-A947-70E740481C1C}">
+                <a14:useLocalDpi xmlns:a14="http://schemas.microsoft.com/office/drawing/2010/main" val="0"/>
+              </a:ext>
+              <a:ext uri="{96DAC541-7B7A-43D3-8B79-37D633B846F1}">
+                <asvg:svgBlip xmlns:asvg="http://schemas.microsoft.com/office/drawing/2016/SVG/main" r:embed="rId3"/>
+              </a:ext>
+            </a:extLst>
+          </a:blip>
+          <a:stretch>
+            <a:fillRect/>
+          </a:stretch>
+        </p:blipFill>
+        <p:spPr>
+          <a:xfrm>
+            <a:off x="1392638" y="4975854"/>
+            <a:ext cx="914400" cy="914400"/>
+          </a:xfrm>
+          <a:prstGeom prst="rect">
+            <a:avLst/>
+          </a:prstGeom>
+        </p:spPr>
+      </p:pic>
+      <p:pic>
+        <p:nvPicPr>
+          <p:cNvPr id="24" name="Segnaposto contenuto 4" descr="Documento con riempimento a tinta unita">
+            <a:extLst>
+              <a:ext uri="{FF2B5EF4-FFF2-40B4-BE49-F238E27FC236}">
+                <a16:creationId xmlns:a16="http://schemas.microsoft.com/office/drawing/2014/main" id="{02FEFE06-DF07-47C0-826B-FF8E3B69273F}"/>
+              </a:ext>
+            </a:extLst>
+          </p:cNvPr>
+          <p:cNvPicPr>
+            <a:picLocks noChangeAspect="1"/>
+          </p:cNvPicPr>
+          <p:nvPr/>
+        </p:nvPicPr>
+        <p:blipFill>
+          <a:blip r:embed="rId2">
+            <a:extLst>
+              <a:ext uri="{28A0092B-C50C-407E-A947-70E740481C1C}">
+                <a14:useLocalDpi xmlns:a14="http://schemas.microsoft.com/office/drawing/2010/main" val="0"/>
+              </a:ext>
+              <a:ext uri="{96DAC541-7B7A-43D3-8B79-37D633B846F1}">
+                <asvg:svgBlip xmlns:asvg="http://schemas.microsoft.com/office/drawing/2016/SVG/main" r:embed="rId3"/>
+              </a:ext>
+            </a:extLst>
+          </a:blip>
+          <a:stretch>
+            <a:fillRect/>
+          </a:stretch>
+        </p:blipFill>
+        <p:spPr>
+          <a:xfrm>
+            <a:off x="589391" y="4975854"/>
+            <a:ext cx="914400" cy="914400"/>
+          </a:xfrm>
+          <a:prstGeom prst="rect">
+            <a:avLst/>
+          </a:prstGeom>
+        </p:spPr>
+      </p:pic>
+      <p:pic>
+        <p:nvPicPr>
+          <p:cNvPr id="25" name="Segnaposto contenuto 4" descr="Documento con riempimento a tinta unita">
+            <a:extLst>
+              <a:ext uri="{FF2B5EF4-FFF2-40B4-BE49-F238E27FC236}">
+                <a16:creationId xmlns:a16="http://schemas.microsoft.com/office/drawing/2014/main" id="{5450A997-67F0-4922-8A06-B859D0E73DB7}"/>
+              </a:ext>
+            </a:extLst>
+          </p:cNvPr>
+          <p:cNvPicPr>
+            <a:picLocks noChangeAspect="1"/>
+          </p:cNvPicPr>
+          <p:nvPr/>
+        </p:nvPicPr>
+        <p:blipFill>
+          <a:blip r:embed="rId2">
+            <a:extLst>
+              <a:ext uri="{28A0092B-C50C-407E-A947-70E740481C1C}">
+                <a14:useLocalDpi xmlns:a14="http://schemas.microsoft.com/office/drawing/2010/main" val="0"/>
+              </a:ext>
+              <a:ext uri="{96DAC541-7B7A-43D3-8B79-37D633B846F1}">
+                <asvg:svgBlip xmlns:asvg="http://schemas.microsoft.com/office/drawing/2016/SVG/main" r:embed="rId3"/>
+              </a:ext>
+            </a:extLst>
+          </a:blip>
+          <a:stretch>
+            <a:fillRect/>
+          </a:stretch>
+        </p:blipFill>
+        <p:spPr>
+          <a:xfrm>
+            <a:off x="2195885" y="4975854"/>
+            <a:ext cx="914400" cy="914400"/>
+          </a:xfrm>
+          <a:prstGeom prst="rect">
+            <a:avLst/>
+          </a:prstGeom>
+        </p:spPr>
+      </p:pic>
+      <p:pic>
+        <p:nvPicPr>
+          <p:cNvPr id="26" name="Segnaposto contenuto 4" descr="Documento con riempimento a tinta unita">
+            <a:extLst>
+              <a:ext uri="{FF2B5EF4-FFF2-40B4-BE49-F238E27FC236}">
+                <a16:creationId xmlns:a16="http://schemas.microsoft.com/office/drawing/2014/main" id="{AE5C3461-E825-4307-9DA2-A19A9DAB8DCC}"/>
+              </a:ext>
+            </a:extLst>
+          </p:cNvPr>
+          <p:cNvPicPr>
+            <a:picLocks noChangeAspect="1"/>
+          </p:cNvPicPr>
+          <p:nvPr/>
+        </p:nvPicPr>
+        <p:blipFill>
+          <a:blip r:embed="rId2">
+            <a:extLst>
+              <a:ext uri="{28A0092B-C50C-407E-A947-70E740481C1C}">
+                <a14:useLocalDpi xmlns:a14="http://schemas.microsoft.com/office/drawing/2010/main" val="0"/>
+              </a:ext>
+              <a:ext uri="{96DAC541-7B7A-43D3-8B79-37D633B846F1}">
+                <asvg:svgBlip xmlns:asvg="http://schemas.microsoft.com/office/drawing/2016/SVG/main" r:embed="rId3"/>
+              </a:ext>
+            </a:extLst>
+          </a:blip>
+          <a:stretch>
+            <a:fillRect/>
+          </a:stretch>
+        </p:blipFill>
+        <p:spPr>
+          <a:xfrm>
+            <a:off x="3940459" y="655398"/>
+            <a:ext cx="2273580" cy="2273580"/>
+          </a:xfrm>
+          <a:prstGeom prst="rect">
+            <a:avLst/>
+          </a:prstGeom>
+        </p:spPr>
+      </p:pic>
+      <p:pic>
+        <p:nvPicPr>
+          <p:cNvPr id="27" name="Segnaposto contenuto 4" descr="Documento con riempimento a tinta unita">
+            <a:extLst>
+              <a:ext uri="{FF2B5EF4-FFF2-40B4-BE49-F238E27FC236}">
+                <a16:creationId xmlns:a16="http://schemas.microsoft.com/office/drawing/2014/main" id="{3CE3DB5F-C8EB-4615-A380-4DBFF86FE4BF}"/>
+              </a:ext>
+            </a:extLst>
+          </p:cNvPr>
+          <p:cNvPicPr>
+            <a:picLocks noChangeAspect="1"/>
+          </p:cNvPicPr>
+          <p:nvPr/>
+        </p:nvPicPr>
+        <p:blipFill>
+          <a:blip r:embed="rId2">
+            <a:extLst>
+              <a:ext uri="{28A0092B-C50C-407E-A947-70E740481C1C}">
+                <a14:useLocalDpi xmlns:a14="http://schemas.microsoft.com/office/drawing/2010/main" val="0"/>
+              </a:ext>
+              <a:ext uri="{96DAC541-7B7A-43D3-8B79-37D633B846F1}">
+                <asvg:svgBlip xmlns:asvg="http://schemas.microsoft.com/office/drawing/2016/SVG/main" r:embed="rId3"/>
+              </a:ext>
+            </a:extLst>
+          </a:blip>
+          <a:stretch>
+            <a:fillRect/>
+          </a:stretch>
+        </p:blipFill>
+        <p:spPr>
+          <a:xfrm>
+            <a:off x="3940459" y="3381864"/>
+            <a:ext cx="2273580" cy="2273580"/>
+          </a:xfrm>
+          <a:prstGeom prst="rect">
+            <a:avLst/>
+          </a:prstGeom>
+        </p:spPr>
+      </p:pic>
+      <p:sp>
+        <p:nvSpPr>
+          <p:cNvPr id="29" name="Arrow: Right 25">
+            <a:extLst>
+              <a:ext uri="{FF2B5EF4-FFF2-40B4-BE49-F238E27FC236}">
+                <a16:creationId xmlns:a16="http://schemas.microsoft.com/office/drawing/2014/main" id="{AC58C6CE-FDB5-4F47-8533-39B2E51B6482}"/>
+              </a:ext>
+            </a:extLst>
+          </p:cNvPr>
+          <p:cNvSpPr/>
+          <p:nvPr/>
+        </p:nvSpPr>
+        <p:spPr>
+          <a:xfrm>
+            <a:off x="3110285" y="1518807"/>
+            <a:ext cx="1139982" cy="556154"/>
+          </a:xfrm>
+          <a:prstGeom prst="rightArrow">
+            <a:avLst/>
+          </a:prstGeom>
+        </p:spPr>
+        <p:style>
+          <a:lnRef idx="0">
+            <a:schemeClr val="accent1"/>
+          </a:lnRef>
+          <a:fillRef idx="3">
+            <a:schemeClr val="accent1"/>
+          </a:fillRef>
+          <a:effectRef idx="3">
+            <a:schemeClr val="accent1"/>
+          </a:effectRef>
+          <a:fontRef idx="minor">
+            <a:schemeClr val="lt1"/>
+          </a:fontRef>
+        </p:style>
+        <p:txBody>
+          <a:bodyPr rtlCol="0" anchor="ctr"/>
+          <a:lstStyle/>
+          <a:p>
+            <a:pPr algn="ctr"/>
+            <a:endParaRPr lang="en-US"/>
+          </a:p>
+        </p:txBody>
+      </p:sp>
+      <p:sp>
+        <p:nvSpPr>
+          <p:cNvPr id="30" name="Arrow: Right 25">
+            <a:extLst>
+              <a:ext uri="{FF2B5EF4-FFF2-40B4-BE49-F238E27FC236}">
+                <a16:creationId xmlns:a16="http://schemas.microsoft.com/office/drawing/2014/main" id="{08B909C4-A73F-4E84-BA37-3D48F33E93D0}"/>
+              </a:ext>
+            </a:extLst>
+          </p:cNvPr>
+          <p:cNvSpPr/>
+          <p:nvPr/>
+        </p:nvSpPr>
+        <p:spPr>
+          <a:xfrm>
+            <a:off x="3110285" y="4419700"/>
+            <a:ext cx="1139982" cy="556154"/>
+          </a:xfrm>
+          <a:prstGeom prst="rightArrow">
+            <a:avLst/>
+          </a:prstGeom>
+        </p:spPr>
+        <p:style>
+          <a:lnRef idx="0">
+            <a:schemeClr val="accent1"/>
+          </a:lnRef>
+          <a:fillRef idx="3">
+            <a:schemeClr val="accent1"/>
+          </a:fillRef>
+          <a:effectRef idx="3">
+            <a:schemeClr val="accent1"/>
+          </a:effectRef>
+          <a:fontRef idx="minor">
+            <a:schemeClr val="lt1"/>
+          </a:fontRef>
+        </p:style>
+        <p:txBody>
+          <a:bodyPr rtlCol="0" anchor="ctr"/>
+          <a:lstStyle/>
+          <a:p>
+            <a:pPr algn="ctr"/>
+            <a:endParaRPr lang="en-US"/>
+          </a:p>
+        </p:txBody>
+      </p:sp>
+    </p:spTree>
+    <p:extLst>
+      <p:ext uri="{BB962C8B-B14F-4D97-AF65-F5344CB8AC3E}">
+        <p14:creationId xmlns:p14="http://schemas.microsoft.com/office/powerpoint/2010/main" val="1651640705"/>
+      </p:ext>
+    </p:extLst>
+  </p:cSld>
+  <p:clrMapOvr>
+    <a:masterClrMapping/>
+  </p:clrMapOvr>
+</p:sld>
+</file>
+
+<file path=ppt/slides/slide4.xml><?xml version="1.0" encoding="utf-8"?>
+<p:sld xmlns:a="http://schemas.openxmlformats.org/drawingml/2006/main" xmlns:r="http://schemas.openxmlformats.org/officeDocument/2006/relationships" xmlns:p="http://schemas.openxmlformats.org/presentationml/2006/main">
+  <p:cSld>
+    <p:spTree>
+      <p:nvGrpSpPr>
+        <p:cNvPr id="1" name=""/>
+        <p:cNvGrpSpPr/>
+        <p:nvPr/>
+      </p:nvGrpSpPr>
+      <p:grpSpPr>
+        <a:xfrm>
+          <a:off x="0" y="0"/>
+          <a:ext cx="0" cy="0"/>
+          <a:chOff x="0" y="0"/>
+          <a:chExt cx="0" cy="0"/>
+        </a:xfrm>
+      </p:grpSpPr>
+      <p:sp>
+        <p:nvSpPr>
+          <p:cNvPr id="15" name="Figura a mano libera: forma 14">
+            <a:extLst>
+              <a:ext uri="{FF2B5EF4-FFF2-40B4-BE49-F238E27FC236}">
+                <a16:creationId xmlns:a16="http://schemas.microsoft.com/office/drawing/2014/main" id="{F612E016-15D9-4B54-9DA5-77529AB01408}"/>
+              </a:ext>
+            </a:extLst>
+          </p:cNvPr>
+          <p:cNvSpPr/>
+          <p:nvPr/>
+        </p:nvSpPr>
+        <p:spPr>
+          <a:xfrm>
+            <a:off x="4054319" y="633529"/>
+            <a:ext cx="7386575" cy="3364431"/>
+          </a:xfrm>
+          <a:custGeom>
+            <a:avLst/>
+            <a:gdLst>
+              <a:gd name="connsiteX0" fmla="*/ 0 w 7386575"/>
+              <a:gd name="connsiteY0" fmla="*/ 0 h 4564737"/>
+              <a:gd name="connsiteX1" fmla="*/ 7386576 w 7386575"/>
+              <a:gd name="connsiteY1" fmla="*/ 0 h 4564737"/>
+              <a:gd name="connsiteX2" fmla="*/ 7386576 w 7386575"/>
+              <a:gd name="connsiteY2" fmla="*/ 4564738 h 4564737"/>
+              <a:gd name="connsiteX3" fmla="*/ 0 w 7386575"/>
+              <a:gd name="connsiteY3" fmla="*/ 4564738 h 4564737"/>
+            </a:gdLst>
+            <a:ahLst/>
+            <a:cxnLst>
+              <a:cxn ang="0">
+                <a:pos x="connsiteX0" y="connsiteY0"/>
+              </a:cxn>
+              <a:cxn ang="0">
+                <a:pos x="connsiteX1" y="connsiteY1"/>
+              </a:cxn>
+              <a:cxn ang="0">
+                <a:pos x="connsiteX2" y="connsiteY2"/>
+              </a:cxn>
+              <a:cxn ang="0">
+                <a:pos x="connsiteX3" y="connsiteY3"/>
+              </a:cxn>
+            </a:cxnLst>
+            <a:rect l="l" t="t" r="r" b="b"/>
+            <a:pathLst>
+              <a:path w="7386575" h="4564737">
+                <a:moveTo>
+                  <a:pt x="0" y="0"/>
+                </a:moveTo>
+                <a:lnTo>
+                  <a:pt x="7386576" y="0"/>
+                </a:lnTo>
+                <a:lnTo>
+                  <a:pt x="7386576" y="4564738"/>
+                </a:lnTo>
+                <a:lnTo>
+                  <a:pt x="0" y="4564738"/>
+                </a:lnTo>
+                <a:close/>
+              </a:path>
+            </a:pathLst>
+          </a:custGeom>
+          <a:solidFill>
+            <a:srgbClr val="DAE8FC"/>
+          </a:solidFill>
+          <a:ln w="8300" cap="flat">
+            <a:solidFill>
+              <a:srgbClr val="6C8EBF"/>
+            </a:solidFill>
+            <a:prstDash val="solid"/>
+            <a:miter/>
+          </a:ln>
+        </p:spPr>
+        <p:txBody>
+          <a:bodyPr rtlCol="0" anchor="ctr"/>
+          <a:lstStyle/>
+          <a:p>
+            <a:endParaRPr lang="it-IT">
+              <a:latin typeface="Helvetica" panose="020B0604020202020204" pitchFamily="34" charset="0"/>
+              <a:cs typeface="Helvetica" panose="020B0604020202020204" pitchFamily="34" charset="0"/>
+            </a:endParaRPr>
+          </a:p>
+        </p:txBody>
+      </p:sp>
+      <p:sp>
+        <p:nvSpPr>
+          <p:cNvPr id="12" name="Figura a mano libera: forma 11">
+            <a:extLst>
+              <a:ext uri="{FF2B5EF4-FFF2-40B4-BE49-F238E27FC236}">
+                <a16:creationId xmlns:a16="http://schemas.microsoft.com/office/drawing/2014/main" id="{211268BA-2B33-4A25-B544-E9E5287F4667}"/>
+              </a:ext>
+            </a:extLst>
+          </p:cNvPr>
+          <p:cNvSpPr/>
+          <p:nvPr/>
+        </p:nvSpPr>
+        <p:spPr>
+          <a:xfrm>
+            <a:off x="3808078" y="4538898"/>
+            <a:ext cx="1388762" cy="845644"/>
+          </a:xfrm>
+          <a:custGeom>
+            <a:avLst/>
+            <a:gdLst>
+              <a:gd name="connsiteX0" fmla="*/ 0 w 2074880"/>
+              <a:gd name="connsiteY0" fmla="*/ 0 h 1327923"/>
+              <a:gd name="connsiteX1" fmla="*/ 2074881 w 2074880"/>
+              <a:gd name="connsiteY1" fmla="*/ 0 h 1327923"/>
+              <a:gd name="connsiteX2" fmla="*/ 2074881 w 2074880"/>
+              <a:gd name="connsiteY2" fmla="*/ 1327924 h 1327923"/>
+              <a:gd name="connsiteX3" fmla="*/ 0 w 2074880"/>
+              <a:gd name="connsiteY3" fmla="*/ 1327924 h 1327923"/>
+            </a:gdLst>
+            <a:ahLst/>
+            <a:cxnLst>
+              <a:cxn ang="0">
+                <a:pos x="connsiteX0" y="connsiteY0"/>
+              </a:cxn>
+              <a:cxn ang="0">
+                <a:pos x="connsiteX1" y="connsiteY1"/>
+              </a:cxn>
+              <a:cxn ang="0">
+                <a:pos x="connsiteX2" y="connsiteY2"/>
+              </a:cxn>
+              <a:cxn ang="0">
+                <a:pos x="connsiteX3" y="connsiteY3"/>
+              </a:cxn>
+            </a:cxnLst>
+            <a:rect l="l" t="t" r="r" b="b"/>
+            <a:pathLst>
+              <a:path w="2074880" h="1327923">
+                <a:moveTo>
+                  <a:pt x="0" y="0"/>
+                </a:moveTo>
+                <a:lnTo>
+                  <a:pt x="2074881" y="0"/>
+                </a:lnTo>
+                <a:lnTo>
+                  <a:pt x="2074881" y="1327924"/>
+                </a:lnTo>
+                <a:lnTo>
+                  <a:pt x="0" y="1327924"/>
+                </a:lnTo>
+                <a:close/>
+              </a:path>
+            </a:pathLst>
+          </a:custGeom>
+          <a:solidFill>
+            <a:srgbClr val="D5E8D4"/>
+          </a:solidFill>
+          <a:ln w="8300" cap="flat">
+            <a:solidFill>
+              <a:srgbClr val="82B366"/>
+            </a:solidFill>
+            <a:prstDash val="solid"/>
+            <a:miter/>
+          </a:ln>
+        </p:spPr>
+        <p:txBody>
+          <a:bodyPr rtlCol="0" anchor="ctr"/>
+          <a:lstStyle/>
+          <a:p>
+            <a:pPr algn="r"/>
+            <a:r>
+              <a:rPr lang="it-IT" sz="1100" dirty="0" err="1">
+                <a:latin typeface="Helvetica" panose="020B0604020202020204" pitchFamily="34" charset="0"/>
+                <a:cs typeface="Helvetica" panose="020B0604020202020204" pitchFamily="34" charset="0"/>
+              </a:rPr>
+              <a:t>Old</a:t>
+            </a:r>
+            <a:r>
+              <a:rPr lang="it-IT" sz="1100" dirty="0">
+                <a:latin typeface="Helvetica" panose="020B0604020202020204" pitchFamily="34" charset="0"/>
+                <a:cs typeface="Helvetica" panose="020B0604020202020204" pitchFamily="34" charset="0"/>
+              </a:rPr>
+              <a:t> DWH</a:t>
+            </a:r>
+          </a:p>
+        </p:txBody>
+      </p:sp>
+      <p:sp>
+        <p:nvSpPr>
+          <p:cNvPr id="14" name="Figura a mano libera: forma 13">
+            <a:extLst>
+              <a:ext uri="{FF2B5EF4-FFF2-40B4-BE49-F238E27FC236}">
+                <a16:creationId xmlns:a16="http://schemas.microsoft.com/office/drawing/2014/main" id="{576F34F9-F186-4FA5-AABF-86E1ED7D783C}"/>
+              </a:ext>
+            </a:extLst>
+          </p:cNvPr>
+          <p:cNvSpPr/>
+          <p:nvPr/>
+        </p:nvSpPr>
+        <p:spPr>
+          <a:xfrm>
+            <a:off x="912947" y="716280"/>
+            <a:ext cx="3070823" cy="2198149"/>
+          </a:xfrm>
+          <a:custGeom>
+            <a:avLst/>
+            <a:gdLst>
+              <a:gd name="connsiteX0" fmla="*/ 0 w 3070823"/>
+              <a:gd name="connsiteY0" fmla="*/ 0 h 2655847"/>
+              <a:gd name="connsiteX1" fmla="*/ 3070824 w 3070823"/>
+              <a:gd name="connsiteY1" fmla="*/ 0 h 2655847"/>
+              <a:gd name="connsiteX2" fmla="*/ 3070824 w 3070823"/>
+              <a:gd name="connsiteY2" fmla="*/ 2655848 h 2655847"/>
+              <a:gd name="connsiteX3" fmla="*/ 0 w 3070823"/>
+              <a:gd name="connsiteY3" fmla="*/ 2655848 h 2655847"/>
+            </a:gdLst>
+            <a:ahLst/>
+            <a:cxnLst>
+              <a:cxn ang="0">
+                <a:pos x="connsiteX0" y="connsiteY0"/>
+              </a:cxn>
+              <a:cxn ang="0">
+                <a:pos x="connsiteX1" y="connsiteY1"/>
+              </a:cxn>
+              <a:cxn ang="0">
+                <a:pos x="connsiteX2" y="connsiteY2"/>
+              </a:cxn>
+              <a:cxn ang="0">
+                <a:pos x="connsiteX3" y="connsiteY3"/>
+              </a:cxn>
+            </a:cxnLst>
+            <a:rect l="l" t="t" r="r" b="b"/>
+            <a:pathLst>
+              <a:path w="3070823" h="2655847">
+                <a:moveTo>
+                  <a:pt x="0" y="0"/>
+                </a:moveTo>
+                <a:lnTo>
+                  <a:pt x="3070824" y="0"/>
+                </a:lnTo>
+                <a:lnTo>
+                  <a:pt x="3070824" y="2655848"/>
+                </a:lnTo>
+                <a:lnTo>
+                  <a:pt x="0" y="2655848"/>
+                </a:lnTo>
+                <a:close/>
+              </a:path>
+            </a:pathLst>
+          </a:custGeom>
+          <a:solidFill>
+            <a:srgbClr val="E1D5E7"/>
+          </a:solidFill>
+          <a:ln w="8300" cap="flat">
+            <a:solidFill>
+              <a:srgbClr val="9673A6"/>
+            </a:solidFill>
+            <a:prstDash val="solid"/>
+            <a:miter/>
+          </a:ln>
+        </p:spPr>
+        <p:txBody>
+          <a:bodyPr rtlCol="0" anchor="ctr"/>
+          <a:lstStyle/>
+          <a:p>
+            <a:endParaRPr lang="it-IT">
+              <a:latin typeface="Helvetica" panose="020B0604020202020204" pitchFamily="34" charset="0"/>
+              <a:cs typeface="Helvetica" panose="020B0604020202020204" pitchFamily="34" charset="0"/>
+            </a:endParaRPr>
+          </a:p>
+        </p:txBody>
+      </p:sp>
+      <p:sp>
+        <p:nvSpPr>
+          <p:cNvPr id="16" name="Figura a mano libera: forma 15">
+            <a:extLst>
+              <a:ext uri="{FF2B5EF4-FFF2-40B4-BE49-F238E27FC236}">
+                <a16:creationId xmlns:a16="http://schemas.microsoft.com/office/drawing/2014/main" id="{E1F2A5B2-6076-4852-96A1-46AA22CE535A}"/>
+              </a:ext>
+            </a:extLst>
+          </p:cNvPr>
+          <p:cNvSpPr/>
+          <p:nvPr/>
+        </p:nvSpPr>
+        <p:spPr>
+          <a:xfrm>
+            <a:off x="8797494" y="716280"/>
+            <a:ext cx="2406861" cy="2198149"/>
+          </a:xfrm>
+          <a:custGeom>
+            <a:avLst/>
+            <a:gdLst>
+              <a:gd name="connsiteX0" fmla="*/ 0 w 2406861"/>
+              <a:gd name="connsiteY0" fmla="*/ 0 h 2240871"/>
+              <a:gd name="connsiteX1" fmla="*/ 2406862 w 2406861"/>
+              <a:gd name="connsiteY1" fmla="*/ 0 h 2240871"/>
+              <a:gd name="connsiteX2" fmla="*/ 2406862 w 2406861"/>
+              <a:gd name="connsiteY2" fmla="*/ 2240871 h 2240871"/>
+              <a:gd name="connsiteX3" fmla="*/ 0 w 2406861"/>
+              <a:gd name="connsiteY3" fmla="*/ 2240871 h 2240871"/>
+            </a:gdLst>
+            <a:ahLst/>
+            <a:cxnLst>
+              <a:cxn ang="0">
+                <a:pos x="connsiteX0" y="connsiteY0"/>
+              </a:cxn>
+              <a:cxn ang="0">
+                <a:pos x="connsiteX1" y="connsiteY1"/>
+              </a:cxn>
+              <a:cxn ang="0">
+                <a:pos x="connsiteX2" y="connsiteY2"/>
+              </a:cxn>
+              <a:cxn ang="0">
+                <a:pos x="connsiteX3" y="connsiteY3"/>
+              </a:cxn>
+            </a:cxnLst>
+            <a:rect l="l" t="t" r="r" b="b"/>
+            <a:pathLst>
+              <a:path w="2406861" h="2240871">
+                <a:moveTo>
+                  <a:pt x="0" y="0"/>
+                </a:moveTo>
+                <a:lnTo>
+                  <a:pt x="2406862" y="0"/>
+                </a:lnTo>
+                <a:lnTo>
+                  <a:pt x="2406862" y="2240871"/>
+                </a:lnTo>
+                <a:lnTo>
+                  <a:pt x="0" y="2240871"/>
+                </a:lnTo>
+                <a:close/>
+              </a:path>
+            </a:pathLst>
+          </a:custGeom>
+          <a:solidFill>
+            <a:srgbClr val="FFF2CC"/>
+          </a:solidFill>
+          <a:ln w="8300" cap="flat">
+            <a:solidFill>
+              <a:srgbClr val="D6B656"/>
+            </a:solidFill>
+            <a:prstDash val="solid"/>
+            <a:miter/>
+          </a:ln>
+        </p:spPr>
+        <p:txBody>
+          <a:bodyPr rtlCol="0" anchor="ctr"/>
+          <a:lstStyle/>
+          <a:p>
+            <a:endParaRPr lang="it-IT">
+              <a:latin typeface="Helvetica" panose="020B0604020202020204" pitchFamily="34" charset="0"/>
+              <a:cs typeface="Helvetica" panose="020B0604020202020204" pitchFamily="34" charset="0"/>
+            </a:endParaRPr>
+          </a:p>
+        </p:txBody>
+      </p:sp>
+      <p:sp>
+        <p:nvSpPr>
+          <p:cNvPr id="17" name="Figura a mano libera: forma 16">
+            <a:extLst>
+              <a:ext uri="{FF2B5EF4-FFF2-40B4-BE49-F238E27FC236}">
+                <a16:creationId xmlns:a16="http://schemas.microsoft.com/office/drawing/2014/main" id="{18410403-DBDE-4CA4-9CD7-9AF0190A01B1}"/>
+              </a:ext>
+            </a:extLst>
+          </p:cNvPr>
+          <p:cNvSpPr/>
+          <p:nvPr/>
+        </p:nvSpPr>
+        <p:spPr>
+          <a:xfrm>
+            <a:off x="6448729" y="716280"/>
+            <a:ext cx="2265769" cy="2198149"/>
+          </a:xfrm>
+          <a:custGeom>
+            <a:avLst/>
+            <a:gdLst>
+              <a:gd name="connsiteX0" fmla="*/ 0 w 2265769"/>
+              <a:gd name="connsiteY0" fmla="*/ 0 h 2240871"/>
+              <a:gd name="connsiteX1" fmla="*/ 2265770 w 2265769"/>
+              <a:gd name="connsiteY1" fmla="*/ 0 h 2240871"/>
+              <a:gd name="connsiteX2" fmla="*/ 2265770 w 2265769"/>
+              <a:gd name="connsiteY2" fmla="*/ 2240871 h 2240871"/>
+              <a:gd name="connsiteX3" fmla="*/ 0 w 2265769"/>
+              <a:gd name="connsiteY3" fmla="*/ 2240871 h 2240871"/>
+            </a:gdLst>
+            <a:ahLst/>
+            <a:cxnLst>
+              <a:cxn ang="0">
+                <a:pos x="connsiteX0" y="connsiteY0"/>
+              </a:cxn>
+              <a:cxn ang="0">
+                <a:pos x="connsiteX1" y="connsiteY1"/>
+              </a:cxn>
+              <a:cxn ang="0">
+                <a:pos x="connsiteX2" y="connsiteY2"/>
+              </a:cxn>
+              <a:cxn ang="0">
+                <a:pos x="connsiteX3" y="connsiteY3"/>
+              </a:cxn>
+            </a:cxnLst>
+            <a:rect l="l" t="t" r="r" b="b"/>
+            <a:pathLst>
+              <a:path w="2265769" h="2240871">
+                <a:moveTo>
+                  <a:pt x="0" y="0"/>
+                </a:moveTo>
+                <a:lnTo>
+                  <a:pt x="2265770" y="0"/>
+                </a:lnTo>
+                <a:lnTo>
+                  <a:pt x="2265770" y="2240871"/>
+                </a:lnTo>
+                <a:lnTo>
+                  <a:pt x="0" y="2240871"/>
+                </a:lnTo>
+                <a:close/>
+              </a:path>
+            </a:pathLst>
+          </a:custGeom>
+          <a:solidFill>
+            <a:srgbClr val="F5F5F5"/>
+          </a:solidFill>
+          <a:ln w="8300" cap="flat">
+            <a:solidFill>
+              <a:srgbClr val="666666"/>
+            </a:solidFill>
+            <a:prstDash val="solid"/>
+            <a:miter/>
+          </a:ln>
+        </p:spPr>
+        <p:txBody>
+          <a:bodyPr rtlCol="0" anchor="ctr"/>
+          <a:lstStyle/>
+          <a:p>
+            <a:endParaRPr lang="it-IT">
+              <a:latin typeface="Helvetica" panose="020B0604020202020204" pitchFamily="34" charset="0"/>
+              <a:cs typeface="Helvetica" panose="020B0604020202020204" pitchFamily="34" charset="0"/>
+            </a:endParaRPr>
+          </a:p>
+        </p:txBody>
+      </p:sp>
+      <p:sp>
+        <p:nvSpPr>
+          <p:cNvPr id="18" name="Figura a mano libera: forma 17">
+            <a:extLst>
+              <a:ext uri="{FF2B5EF4-FFF2-40B4-BE49-F238E27FC236}">
+                <a16:creationId xmlns:a16="http://schemas.microsoft.com/office/drawing/2014/main" id="{B90E7608-2C97-4104-9C8C-1FE4B651CB0D}"/>
+              </a:ext>
+            </a:extLst>
+          </p:cNvPr>
+          <p:cNvSpPr/>
+          <p:nvPr/>
+        </p:nvSpPr>
+        <p:spPr>
+          <a:xfrm>
+            <a:off x="4232756" y="716280"/>
+            <a:ext cx="2157876" cy="2198149"/>
+          </a:xfrm>
+          <a:custGeom>
+            <a:avLst/>
+            <a:gdLst>
+              <a:gd name="connsiteX0" fmla="*/ 0 w 2157876"/>
+              <a:gd name="connsiteY0" fmla="*/ 0 h 2240871"/>
+              <a:gd name="connsiteX1" fmla="*/ 2157876 w 2157876"/>
+              <a:gd name="connsiteY1" fmla="*/ 0 h 2240871"/>
+              <a:gd name="connsiteX2" fmla="*/ 2157876 w 2157876"/>
+              <a:gd name="connsiteY2" fmla="*/ 2240871 h 2240871"/>
+              <a:gd name="connsiteX3" fmla="*/ 0 w 2157876"/>
+              <a:gd name="connsiteY3" fmla="*/ 2240871 h 2240871"/>
+            </a:gdLst>
+            <a:ahLst/>
+            <a:cxnLst>
+              <a:cxn ang="0">
+                <a:pos x="connsiteX0" y="connsiteY0"/>
+              </a:cxn>
+              <a:cxn ang="0">
+                <a:pos x="connsiteX1" y="connsiteY1"/>
+              </a:cxn>
+              <a:cxn ang="0">
+                <a:pos x="connsiteX2" y="connsiteY2"/>
+              </a:cxn>
+              <a:cxn ang="0">
+                <a:pos x="connsiteX3" y="connsiteY3"/>
+              </a:cxn>
+            </a:cxnLst>
+            <a:rect l="l" t="t" r="r" b="b"/>
+            <a:pathLst>
+              <a:path w="2157876" h="2240871">
+                <a:moveTo>
+                  <a:pt x="0" y="0"/>
+                </a:moveTo>
+                <a:lnTo>
+                  <a:pt x="2157876" y="0"/>
+                </a:lnTo>
+                <a:lnTo>
+                  <a:pt x="2157876" y="2240871"/>
+                </a:lnTo>
+                <a:lnTo>
+                  <a:pt x="0" y="2240871"/>
+                </a:lnTo>
+                <a:close/>
+              </a:path>
+            </a:pathLst>
+          </a:custGeom>
+          <a:solidFill>
+            <a:srgbClr val="FFE6CC"/>
+          </a:solidFill>
+          <a:ln w="8300" cap="flat">
+            <a:solidFill>
+              <a:srgbClr val="D79B00"/>
+            </a:solidFill>
+            <a:prstDash val="solid"/>
+            <a:miter/>
+          </a:ln>
+        </p:spPr>
+        <p:txBody>
+          <a:bodyPr rtlCol="0" anchor="ctr"/>
+          <a:lstStyle/>
+          <a:p>
+            <a:endParaRPr lang="it-IT">
+              <a:latin typeface="Helvetica" panose="020B0604020202020204" pitchFamily="34" charset="0"/>
+              <a:cs typeface="Helvetica" panose="020B0604020202020204" pitchFamily="34" charset="0"/>
+            </a:endParaRPr>
+          </a:p>
+        </p:txBody>
+      </p:sp>
+      <p:grpSp>
+        <p:nvGrpSpPr>
+          <p:cNvPr id="19" name="Elemento grafico 6">
+            <a:extLst>
+              <a:ext uri="{FF2B5EF4-FFF2-40B4-BE49-F238E27FC236}">
+                <a16:creationId xmlns:a16="http://schemas.microsoft.com/office/drawing/2014/main" id="{175E38A3-F3B3-4123-B937-B4458D5872C9}"/>
+              </a:ext>
+            </a:extLst>
+          </p:cNvPr>
+          <p:cNvGrpSpPr/>
+          <p:nvPr/>
+        </p:nvGrpSpPr>
+        <p:grpSpPr>
+          <a:xfrm>
+            <a:off x="746957" y="1597952"/>
+            <a:ext cx="1161933" cy="663961"/>
+            <a:chOff x="746957" y="1337520"/>
+            <a:chExt cx="1161933" cy="663961"/>
+          </a:xfrm>
+          <a:solidFill>
+            <a:srgbClr val="FFFFFF"/>
+          </a:solidFill>
+        </p:grpSpPr>
+        <p:sp>
+          <p:nvSpPr>
+            <p:cNvPr id="20" name="Figura a mano libera: forma 19">
+              <a:extLst>
+                <a:ext uri="{FF2B5EF4-FFF2-40B4-BE49-F238E27FC236}">
+                  <a16:creationId xmlns:a16="http://schemas.microsoft.com/office/drawing/2014/main" id="{4EC54494-3603-4A3C-BA28-01776F43CCFE}"/>
+                </a:ext>
+              </a:extLst>
+            </p:cNvPr>
+            <p:cNvSpPr/>
+            <p:nvPr/>
+          </p:nvSpPr>
+          <p:spPr>
+            <a:xfrm>
+              <a:off x="746957" y="1337520"/>
+              <a:ext cx="1161933" cy="663961"/>
+            </a:xfrm>
+            <a:custGeom>
+              <a:avLst/>
+              <a:gdLst>
+                <a:gd name="connsiteX0" fmla="*/ 0 w 1161933"/>
+                <a:gd name="connsiteY0" fmla="*/ 0 h 663961"/>
+                <a:gd name="connsiteX1" fmla="*/ 995943 w 1161933"/>
+                <a:gd name="connsiteY1" fmla="*/ 0 h 663961"/>
+                <a:gd name="connsiteX2" fmla="*/ 1161933 w 1161933"/>
+                <a:gd name="connsiteY2" fmla="*/ 331981 h 663961"/>
+                <a:gd name="connsiteX3" fmla="*/ 995943 w 1161933"/>
+                <a:gd name="connsiteY3" fmla="*/ 663962 h 663961"/>
+                <a:gd name="connsiteX4" fmla="*/ 0 w 1161933"/>
+                <a:gd name="connsiteY4" fmla="*/ 663962 h 663961"/>
+                <a:gd name="connsiteX5" fmla="*/ 165990 w 1161933"/>
+                <a:gd name="connsiteY5" fmla="*/ 331981 h 663961"/>
+              </a:gdLst>
+              <a:ahLst/>
+              <a:cxnLst>
+                <a:cxn ang="0">
+                  <a:pos x="connsiteX0" y="connsiteY0"/>
+                </a:cxn>
+                <a:cxn ang="0">
+                  <a:pos x="connsiteX1" y="connsiteY1"/>
+                </a:cxn>
+                <a:cxn ang="0">
+                  <a:pos x="connsiteX2" y="connsiteY2"/>
+                </a:cxn>
+                <a:cxn ang="0">
+                  <a:pos x="connsiteX3" y="connsiteY3"/>
+                </a:cxn>
+                <a:cxn ang="0">
+                  <a:pos x="connsiteX4" y="connsiteY4"/>
+                </a:cxn>
+                <a:cxn ang="0">
+                  <a:pos x="connsiteX5" y="connsiteY5"/>
+                </a:cxn>
+              </a:cxnLst>
+              <a:rect l="l" t="t" r="r" b="b"/>
+              <a:pathLst>
+                <a:path w="1161933" h="663961">
+                  <a:moveTo>
+                    <a:pt x="0" y="0"/>
+                  </a:moveTo>
+                  <a:lnTo>
+                    <a:pt x="995943" y="0"/>
+                  </a:lnTo>
+                  <a:lnTo>
+                    <a:pt x="1161933" y="331981"/>
+                  </a:lnTo>
+                  <a:lnTo>
+                    <a:pt x="995943" y="663962"/>
+                  </a:lnTo>
+                  <a:lnTo>
+                    <a:pt x="0" y="663962"/>
+                  </a:lnTo>
+                  <a:lnTo>
+                    <a:pt x="165990" y="331981"/>
+                  </a:lnTo>
+                  <a:close/>
+                </a:path>
+              </a:pathLst>
+            </a:custGeom>
+            <a:solidFill>
+              <a:srgbClr val="FFFFFF"/>
+            </a:solidFill>
+            <a:ln w="8300" cap="flat">
+              <a:solidFill>
+                <a:srgbClr val="000000"/>
+              </a:solidFill>
+              <a:prstDash val="solid"/>
+              <a:miter/>
+            </a:ln>
+          </p:spPr>
+          <p:txBody>
+            <a:bodyPr rtlCol="0" anchor="ctr"/>
+            <a:lstStyle/>
+            <a:p>
+              <a:endParaRPr lang="it-IT">
+                <a:latin typeface="Helvetica" panose="020B0604020202020204" pitchFamily="34" charset="0"/>
+                <a:cs typeface="Helvetica" panose="020B0604020202020204" pitchFamily="34" charset="0"/>
+              </a:endParaRPr>
+            </a:p>
+          </p:txBody>
+        </p:sp>
+        <p:pic>
+          <p:nvPicPr>
+            <p:cNvPr id="21" name="Immagine 20">
+              <a:extLst>
+                <a:ext uri="{FF2B5EF4-FFF2-40B4-BE49-F238E27FC236}">
+                  <a16:creationId xmlns:a16="http://schemas.microsoft.com/office/drawing/2014/main" id="{2EE1B88A-894A-4D71-ABB2-D2859051F582}"/>
+                </a:ext>
+              </a:extLst>
+            </p:cNvPr>
+            <p:cNvPicPr>
+              <a:picLocks noChangeAspect="1"/>
+            </p:cNvPicPr>
+            <p:nvPr/>
+          </p:nvPicPr>
+          <p:blipFill>
+            <a:blip r:embed="rId2"/>
+            <a:stretch>
+              <a:fillRect/>
+            </a:stretch>
+          </p:blipFill>
+          <p:spPr>
+            <a:xfrm>
+              <a:off x="751106" y="1549157"/>
+              <a:ext cx="1145334" cy="265584"/>
+            </a:xfrm>
+            <a:custGeom>
+              <a:avLst/>
+              <a:gdLst>
+                <a:gd name="connsiteX0" fmla="*/ -1 w 1145334"/>
+                <a:gd name="connsiteY0" fmla="*/ -1 h 265584"/>
+                <a:gd name="connsiteX1" fmla="*/ 1145334 w 1145334"/>
+                <a:gd name="connsiteY1" fmla="*/ -1 h 265584"/>
+                <a:gd name="connsiteX2" fmla="*/ 1145334 w 1145334"/>
+                <a:gd name="connsiteY2" fmla="*/ 265584 h 265584"/>
+                <a:gd name="connsiteX3" fmla="*/ -1 w 1145334"/>
+                <a:gd name="connsiteY3" fmla="*/ 265584 h 265584"/>
+              </a:gdLst>
+              <a:ahLst/>
+              <a:cxnLst>
+                <a:cxn ang="0">
+                  <a:pos x="connsiteX0" y="connsiteY0"/>
+                </a:cxn>
+                <a:cxn ang="0">
+                  <a:pos x="connsiteX1" y="connsiteY1"/>
+                </a:cxn>
+                <a:cxn ang="0">
+                  <a:pos x="connsiteX2" y="connsiteY2"/>
+                </a:cxn>
+                <a:cxn ang="0">
+                  <a:pos x="connsiteX3" y="connsiteY3"/>
+                </a:cxn>
+              </a:cxnLst>
+              <a:rect l="l" t="t" r="r" b="b"/>
+              <a:pathLst>
+                <a:path w="1145334" h="265584">
+                  <a:moveTo>
+                    <a:pt x="-1" y="-1"/>
+                  </a:moveTo>
+                  <a:lnTo>
+                    <a:pt x="1145334" y="-1"/>
+                  </a:lnTo>
+                  <a:lnTo>
+                    <a:pt x="1145334" y="265584"/>
+                  </a:lnTo>
+                  <a:lnTo>
+                    <a:pt x="-1" y="265584"/>
+                  </a:lnTo>
+                  <a:close/>
+                </a:path>
+              </a:pathLst>
+            </a:custGeom>
+          </p:spPr>
+        </p:pic>
+      </p:grpSp>
+      <p:grpSp>
+        <p:nvGrpSpPr>
+          <p:cNvPr id="22" name="Elemento grafico 6">
+            <a:extLst>
+              <a:ext uri="{FF2B5EF4-FFF2-40B4-BE49-F238E27FC236}">
+                <a16:creationId xmlns:a16="http://schemas.microsoft.com/office/drawing/2014/main" id="{3D54061A-93D1-4736-8472-736E1E64495C}"/>
+              </a:ext>
+            </a:extLst>
+          </p:cNvPr>
+          <p:cNvGrpSpPr/>
+          <p:nvPr/>
+        </p:nvGrpSpPr>
+        <p:grpSpPr>
+          <a:xfrm>
+            <a:off x="-55880" y="1505094"/>
+            <a:ext cx="497971" cy="663961"/>
+            <a:chOff x="0" y="1088534"/>
+            <a:chExt cx="497971" cy="663961"/>
+          </a:xfrm>
+        </p:grpSpPr>
+        <p:grpSp>
+          <p:nvGrpSpPr>
+            <p:cNvPr id="23" name="Elemento grafico 6">
+              <a:extLst>
+                <a:ext uri="{FF2B5EF4-FFF2-40B4-BE49-F238E27FC236}">
+                  <a16:creationId xmlns:a16="http://schemas.microsoft.com/office/drawing/2014/main" id="{5791C244-D19C-498E-B5C5-E562AA75207A}"/>
+                </a:ext>
+              </a:extLst>
+            </p:cNvPr>
+            <p:cNvGrpSpPr/>
+            <p:nvPr/>
+          </p:nvGrpSpPr>
+          <p:grpSpPr>
+            <a:xfrm>
+              <a:off x="0" y="1088534"/>
+              <a:ext cx="497971" cy="663961"/>
+              <a:chOff x="0" y="1088534"/>
+              <a:chExt cx="497971" cy="663961"/>
+            </a:xfrm>
+          </p:grpSpPr>
+          <p:sp>
+            <p:nvSpPr>
+              <p:cNvPr id="24" name="Figura a mano libera: forma 23">
+                <a:extLst>
+                  <a:ext uri="{FF2B5EF4-FFF2-40B4-BE49-F238E27FC236}">
+                    <a16:creationId xmlns:a16="http://schemas.microsoft.com/office/drawing/2014/main" id="{48E65077-0116-41EB-9ED9-96F7DE76A772}"/>
+                  </a:ext>
+                </a:extLst>
+              </p:cNvPr>
+              <p:cNvSpPr/>
+              <p:nvPr/>
+            </p:nvSpPr>
+            <p:spPr>
+              <a:xfrm>
+                <a:off x="0" y="1088534"/>
+                <a:ext cx="497971" cy="663961"/>
+              </a:xfrm>
+              <a:custGeom>
+                <a:avLst/>
+                <a:gdLst>
+                  <a:gd name="connsiteX0" fmla="*/ 0 w 497971"/>
+                  <a:gd name="connsiteY0" fmla="*/ 124493 h 663961"/>
+                  <a:gd name="connsiteX1" fmla="*/ 248986 w 497971"/>
+                  <a:gd name="connsiteY1" fmla="*/ 0 h 663961"/>
+                  <a:gd name="connsiteX2" fmla="*/ 425019 w 497971"/>
+                  <a:gd name="connsiteY2" fmla="*/ 36435 h 663961"/>
+                  <a:gd name="connsiteX3" fmla="*/ 497971 w 497971"/>
+                  <a:gd name="connsiteY3" fmla="*/ 124493 h 663961"/>
+                  <a:gd name="connsiteX4" fmla="*/ 497971 w 497971"/>
+                  <a:gd name="connsiteY4" fmla="*/ 539469 h 663961"/>
+                  <a:gd name="connsiteX5" fmla="*/ 248986 w 497971"/>
+                  <a:gd name="connsiteY5" fmla="*/ 663962 h 663961"/>
+                  <a:gd name="connsiteX6" fmla="*/ 0 w 497971"/>
+                  <a:gd name="connsiteY6" fmla="*/ 539469 h 663961"/>
+                </a:gdLst>
+                <a:ahLst/>
+                <a:cxnLst>
+                  <a:cxn ang="0">
+                    <a:pos x="connsiteX0" y="connsiteY0"/>
+                  </a:cxn>
+                  <a:cxn ang="0">
+                    <a:pos x="connsiteX1" y="connsiteY1"/>
+                  </a:cxn>
+                  <a:cxn ang="0">
+                    <a:pos x="connsiteX2" y="connsiteY2"/>
+                  </a:cxn>
+                  <a:cxn ang="0">
+                    <a:pos x="connsiteX3" y="connsiteY3"/>
+                  </a:cxn>
+                  <a:cxn ang="0">
+                    <a:pos x="connsiteX4" y="connsiteY4"/>
+                  </a:cxn>
+                  <a:cxn ang="0">
+                    <a:pos x="connsiteX5" y="connsiteY5"/>
+                  </a:cxn>
+                  <a:cxn ang="0">
+                    <a:pos x="connsiteX6" y="connsiteY6"/>
+                  </a:cxn>
+                </a:cxnLst>
+                <a:rect l="l" t="t" r="r" b="b"/>
+                <a:pathLst>
+                  <a:path w="497971" h="663961">
+                    <a:moveTo>
+                      <a:pt x="0" y="124493"/>
+                    </a:moveTo>
+                    <a:cubicBezTo>
+                      <a:pt x="0" y="55773"/>
+                      <a:pt x="111463" y="0"/>
+                      <a:pt x="248986" y="0"/>
+                    </a:cubicBezTo>
+                    <a:cubicBezTo>
+                      <a:pt x="315050" y="0"/>
+                      <a:pt x="378375" y="13113"/>
+                      <a:pt x="425019" y="36435"/>
+                    </a:cubicBezTo>
+                    <a:cubicBezTo>
+                      <a:pt x="471745" y="59840"/>
+                      <a:pt x="497971" y="91461"/>
+                      <a:pt x="497971" y="124493"/>
+                    </a:cubicBezTo>
+                    <a:lnTo>
+                      <a:pt x="497971" y="539469"/>
+                    </a:lnTo>
+                    <a:cubicBezTo>
+                      <a:pt x="497971" y="608189"/>
+                      <a:pt x="386509" y="663962"/>
+                      <a:pt x="248986" y="663962"/>
+                    </a:cubicBezTo>
+                    <a:cubicBezTo>
+                      <a:pt x="111463" y="663962"/>
+                      <a:pt x="0" y="608189"/>
+                      <a:pt x="0" y="539469"/>
+                    </a:cubicBezTo>
+                    <a:close/>
+                  </a:path>
+                </a:pathLst>
+              </a:custGeom>
+              <a:solidFill>
+                <a:srgbClr val="FFFFFF"/>
+              </a:solidFill>
+              <a:ln w="8300" cap="flat">
+                <a:solidFill>
+                  <a:srgbClr val="000000"/>
+                </a:solidFill>
+                <a:prstDash val="solid"/>
+                <a:miter/>
+              </a:ln>
+            </p:spPr>
+            <p:txBody>
+              <a:bodyPr rtlCol="0" anchor="ctr"/>
+              <a:lstStyle/>
+              <a:p>
+                <a:endParaRPr lang="it-IT">
+                  <a:latin typeface="Helvetica" panose="020B0604020202020204" pitchFamily="34" charset="0"/>
+                  <a:cs typeface="Helvetica" panose="020B0604020202020204" pitchFamily="34" charset="0"/>
+                </a:endParaRPr>
+              </a:p>
+            </p:txBody>
+          </p:sp>
+          <p:sp>
+            <p:nvSpPr>
+              <p:cNvPr id="25" name="Figura a mano libera: forma 24">
+                <a:extLst>
+                  <a:ext uri="{FF2B5EF4-FFF2-40B4-BE49-F238E27FC236}">
+                    <a16:creationId xmlns:a16="http://schemas.microsoft.com/office/drawing/2014/main" id="{B0335D2F-84AE-4E0F-B4D2-C5951BD1DDED}"/>
+                  </a:ext>
+                </a:extLst>
+              </p:cNvPr>
+              <p:cNvSpPr/>
+              <p:nvPr/>
+            </p:nvSpPr>
+            <p:spPr>
+              <a:xfrm>
+                <a:off x="0" y="1213027"/>
+                <a:ext cx="497971" cy="124492"/>
+              </a:xfrm>
+              <a:custGeom>
+                <a:avLst/>
+                <a:gdLst>
+                  <a:gd name="connsiteX0" fmla="*/ 497971 w 497971"/>
+                  <a:gd name="connsiteY0" fmla="*/ 0 h 124492"/>
+                  <a:gd name="connsiteX1" fmla="*/ 248986 w 497971"/>
+                  <a:gd name="connsiteY1" fmla="*/ 124493 h 124492"/>
+                  <a:gd name="connsiteX2" fmla="*/ 0 w 497971"/>
+                  <a:gd name="connsiteY2" fmla="*/ 0 h 124492"/>
+                </a:gdLst>
+                <a:ahLst/>
+                <a:cxnLst>
+                  <a:cxn ang="0">
+                    <a:pos x="connsiteX0" y="connsiteY0"/>
+                  </a:cxn>
+                  <a:cxn ang="0">
+                    <a:pos x="connsiteX1" y="connsiteY1"/>
+                  </a:cxn>
+                  <a:cxn ang="0">
+                    <a:pos x="connsiteX2" y="connsiteY2"/>
+                  </a:cxn>
+                </a:cxnLst>
+                <a:rect l="l" t="t" r="r" b="b"/>
+                <a:pathLst>
+                  <a:path w="497971" h="124492">
+                    <a:moveTo>
+                      <a:pt x="497971" y="0"/>
+                    </a:moveTo>
+                    <a:cubicBezTo>
+                      <a:pt x="497971" y="68720"/>
+                      <a:pt x="386509" y="124493"/>
+                      <a:pt x="248986" y="124493"/>
+                    </a:cubicBezTo>
+                    <a:cubicBezTo>
+                      <a:pt x="111463" y="124493"/>
+                      <a:pt x="0" y="68720"/>
+                      <a:pt x="0" y="0"/>
+                    </a:cubicBezTo>
+                  </a:path>
+                </a:pathLst>
+              </a:custGeom>
+              <a:noFill/>
+              <a:ln w="8300" cap="flat">
+                <a:solidFill>
+                  <a:srgbClr val="000000"/>
+                </a:solidFill>
+                <a:prstDash val="solid"/>
+                <a:miter/>
+              </a:ln>
+            </p:spPr>
+            <p:txBody>
+              <a:bodyPr rtlCol="0" anchor="ctr"/>
+              <a:lstStyle/>
+              <a:p>
+                <a:endParaRPr lang="it-IT">
+                  <a:latin typeface="Helvetica" panose="020B0604020202020204" pitchFamily="34" charset="0"/>
+                  <a:cs typeface="Helvetica" panose="020B0604020202020204" pitchFamily="34" charset="0"/>
+                </a:endParaRPr>
+              </a:p>
+            </p:txBody>
+          </p:sp>
+        </p:grpSp>
+        <p:pic>
+          <p:nvPicPr>
+            <p:cNvPr id="26" name="Immagine 25">
+              <a:extLst>
+                <a:ext uri="{FF2B5EF4-FFF2-40B4-BE49-F238E27FC236}">
+                  <a16:creationId xmlns:a16="http://schemas.microsoft.com/office/drawing/2014/main" id="{A7121EF8-69C0-4B6C-AC8B-475FCAAAE78A}"/>
+                </a:ext>
+              </a:extLst>
+            </p:cNvPr>
+            <p:cNvPicPr>
+              <a:picLocks noChangeAspect="1"/>
+            </p:cNvPicPr>
+            <p:nvPr/>
+          </p:nvPicPr>
+          <p:blipFill>
+            <a:blip r:embed="rId3"/>
+            <a:stretch>
+              <a:fillRect/>
+            </a:stretch>
+          </p:blipFill>
+          <p:spPr>
+            <a:xfrm>
+              <a:off x="4149" y="1408066"/>
+              <a:ext cx="481372" cy="265584"/>
+            </a:xfrm>
+            <a:custGeom>
+              <a:avLst/>
+              <a:gdLst>
+                <a:gd name="connsiteX0" fmla="*/ -1 w 481372"/>
+                <a:gd name="connsiteY0" fmla="*/ -1 h 265584"/>
+                <a:gd name="connsiteX1" fmla="*/ 481372 w 481372"/>
+                <a:gd name="connsiteY1" fmla="*/ -1 h 265584"/>
+                <a:gd name="connsiteX2" fmla="*/ 481372 w 481372"/>
+                <a:gd name="connsiteY2" fmla="*/ 265584 h 265584"/>
+                <a:gd name="connsiteX3" fmla="*/ -1 w 481372"/>
+                <a:gd name="connsiteY3" fmla="*/ 265584 h 265584"/>
+              </a:gdLst>
+              <a:ahLst/>
+              <a:cxnLst>
+                <a:cxn ang="0">
+                  <a:pos x="connsiteX0" y="connsiteY0"/>
+                </a:cxn>
+                <a:cxn ang="0">
+                  <a:pos x="connsiteX1" y="connsiteY1"/>
+                </a:cxn>
+                <a:cxn ang="0">
+                  <a:pos x="connsiteX2" y="connsiteY2"/>
+                </a:cxn>
+                <a:cxn ang="0">
+                  <a:pos x="connsiteX3" y="connsiteY3"/>
+                </a:cxn>
+              </a:cxnLst>
+              <a:rect l="l" t="t" r="r" b="b"/>
+              <a:pathLst>
+                <a:path w="481372" h="265584">
+                  <a:moveTo>
+                    <a:pt x="-1" y="-1"/>
+                  </a:moveTo>
+                  <a:lnTo>
+                    <a:pt x="481372" y="-1"/>
+                  </a:lnTo>
+                  <a:lnTo>
+                    <a:pt x="481372" y="265584"/>
+                  </a:lnTo>
+                  <a:lnTo>
+                    <a:pt x="-1" y="265584"/>
+                  </a:lnTo>
+                  <a:close/>
+                </a:path>
+              </a:pathLst>
+            </a:custGeom>
+          </p:spPr>
+        </p:pic>
+      </p:grpSp>
+      <p:grpSp>
+        <p:nvGrpSpPr>
+          <p:cNvPr id="27" name="Elemento grafico 6">
+            <a:extLst>
+              <a:ext uri="{FF2B5EF4-FFF2-40B4-BE49-F238E27FC236}">
+                <a16:creationId xmlns:a16="http://schemas.microsoft.com/office/drawing/2014/main" id="{F82AE91F-7315-4FFA-9660-105CCA00873D}"/>
+              </a:ext>
+            </a:extLst>
+          </p:cNvPr>
+          <p:cNvGrpSpPr/>
+          <p:nvPr/>
+        </p:nvGrpSpPr>
+        <p:grpSpPr>
+          <a:xfrm>
+            <a:off x="3229896" y="1597952"/>
+            <a:ext cx="1493914" cy="663961"/>
+            <a:chOff x="3361307" y="2042979"/>
+            <a:chExt cx="1493914" cy="663961"/>
+          </a:xfrm>
+          <a:solidFill>
+            <a:srgbClr val="FFFFFF"/>
+          </a:solidFill>
+        </p:grpSpPr>
+        <p:sp>
+          <p:nvSpPr>
+            <p:cNvPr id="28" name="Figura a mano libera: forma 27">
+              <a:extLst>
+                <a:ext uri="{FF2B5EF4-FFF2-40B4-BE49-F238E27FC236}">
+                  <a16:creationId xmlns:a16="http://schemas.microsoft.com/office/drawing/2014/main" id="{E6C6827C-67F1-4F93-BD55-274839FE56D3}"/>
+                </a:ext>
+              </a:extLst>
+            </p:cNvPr>
+            <p:cNvSpPr/>
+            <p:nvPr/>
+          </p:nvSpPr>
+          <p:spPr>
+            <a:xfrm>
+              <a:off x="3361307" y="2042979"/>
+              <a:ext cx="1493914" cy="663961"/>
+            </a:xfrm>
+            <a:custGeom>
+              <a:avLst/>
+              <a:gdLst>
+                <a:gd name="connsiteX0" fmla="*/ 0 w 1493914"/>
+                <a:gd name="connsiteY0" fmla="*/ 0 h 663961"/>
+                <a:gd name="connsiteX1" fmla="*/ 1327924 w 1493914"/>
+                <a:gd name="connsiteY1" fmla="*/ 0 h 663961"/>
+                <a:gd name="connsiteX2" fmla="*/ 1493914 w 1493914"/>
+                <a:gd name="connsiteY2" fmla="*/ 331981 h 663961"/>
+                <a:gd name="connsiteX3" fmla="*/ 1327924 w 1493914"/>
+                <a:gd name="connsiteY3" fmla="*/ 663962 h 663961"/>
+                <a:gd name="connsiteX4" fmla="*/ 0 w 1493914"/>
+                <a:gd name="connsiteY4" fmla="*/ 663962 h 663961"/>
+                <a:gd name="connsiteX5" fmla="*/ 165990 w 1493914"/>
+                <a:gd name="connsiteY5" fmla="*/ 331981 h 663961"/>
+              </a:gdLst>
+              <a:ahLst/>
+              <a:cxnLst>
+                <a:cxn ang="0">
+                  <a:pos x="connsiteX0" y="connsiteY0"/>
+                </a:cxn>
+                <a:cxn ang="0">
+                  <a:pos x="connsiteX1" y="connsiteY1"/>
+                </a:cxn>
+                <a:cxn ang="0">
+                  <a:pos x="connsiteX2" y="connsiteY2"/>
+                </a:cxn>
+                <a:cxn ang="0">
+                  <a:pos x="connsiteX3" y="connsiteY3"/>
+                </a:cxn>
+                <a:cxn ang="0">
+                  <a:pos x="connsiteX4" y="connsiteY4"/>
+                </a:cxn>
+                <a:cxn ang="0">
+                  <a:pos x="connsiteX5" y="connsiteY5"/>
+                </a:cxn>
+              </a:cxnLst>
+              <a:rect l="l" t="t" r="r" b="b"/>
+              <a:pathLst>
+                <a:path w="1493914" h="663961">
+                  <a:moveTo>
+                    <a:pt x="0" y="0"/>
+                  </a:moveTo>
+                  <a:lnTo>
+                    <a:pt x="1327924" y="0"/>
+                  </a:lnTo>
+                  <a:lnTo>
+                    <a:pt x="1493914" y="331981"/>
+                  </a:lnTo>
+                  <a:lnTo>
+                    <a:pt x="1327924" y="663962"/>
+                  </a:lnTo>
+                  <a:lnTo>
+                    <a:pt x="0" y="663962"/>
+                  </a:lnTo>
+                  <a:lnTo>
+                    <a:pt x="165990" y="331981"/>
+                  </a:lnTo>
+                  <a:close/>
+                </a:path>
+              </a:pathLst>
+            </a:custGeom>
+            <a:solidFill>
+              <a:srgbClr val="FFFFFF"/>
+            </a:solidFill>
+            <a:ln w="8300" cap="flat">
+              <a:solidFill>
+                <a:srgbClr val="000000"/>
+              </a:solidFill>
+              <a:prstDash val="solid"/>
+              <a:miter/>
+            </a:ln>
+          </p:spPr>
+          <p:txBody>
+            <a:bodyPr rtlCol="0" anchor="ctr"/>
+            <a:lstStyle/>
+            <a:p>
+              <a:endParaRPr lang="it-IT">
+                <a:latin typeface="Helvetica" panose="020B0604020202020204" pitchFamily="34" charset="0"/>
+                <a:cs typeface="Helvetica" panose="020B0604020202020204" pitchFamily="34" charset="0"/>
+              </a:endParaRPr>
+            </a:p>
+          </p:txBody>
+        </p:sp>
+        <p:pic>
+          <p:nvPicPr>
+            <p:cNvPr id="29" name="Immagine 28">
+              <a:extLst>
+                <a:ext uri="{FF2B5EF4-FFF2-40B4-BE49-F238E27FC236}">
+                  <a16:creationId xmlns:a16="http://schemas.microsoft.com/office/drawing/2014/main" id="{DB1E286C-D692-46DD-85A0-26D0C14EDD36}"/>
+                </a:ext>
+              </a:extLst>
+            </p:cNvPr>
+            <p:cNvPicPr>
+              <a:picLocks noChangeAspect="1"/>
+            </p:cNvPicPr>
+            <p:nvPr/>
+          </p:nvPicPr>
+          <p:blipFill>
+            <a:blip r:embed="rId4"/>
+            <a:stretch>
+              <a:fillRect/>
+            </a:stretch>
+          </p:blipFill>
+          <p:spPr>
+            <a:xfrm>
+              <a:off x="3365456" y="2254617"/>
+              <a:ext cx="1477315" cy="265584"/>
+            </a:xfrm>
+            <a:custGeom>
+              <a:avLst/>
+              <a:gdLst>
+                <a:gd name="connsiteX0" fmla="*/ -1 w 1477315"/>
+                <a:gd name="connsiteY0" fmla="*/ -1 h 265584"/>
+                <a:gd name="connsiteX1" fmla="*/ 1477315 w 1477315"/>
+                <a:gd name="connsiteY1" fmla="*/ -1 h 265584"/>
+                <a:gd name="connsiteX2" fmla="*/ 1477315 w 1477315"/>
+                <a:gd name="connsiteY2" fmla="*/ 265584 h 265584"/>
+                <a:gd name="connsiteX3" fmla="*/ -1 w 1477315"/>
+                <a:gd name="connsiteY3" fmla="*/ 265584 h 265584"/>
+              </a:gdLst>
+              <a:ahLst/>
+              <a:cxnLst>
+                <a:cxn ang="0">
+                  <a:pos x="connsiteX0" y="connsiteY0"/>
+                </a:cxn>
+                <a:cxn ang="0">
+                  <a:pos x="connsiteX1" y="connsiteY1"/>
+                </a:cxn>
+                <a:cxn ang="0">
+                  <a:pos x="connsiteX2" y="connsiteY2"/>
+                </a:cxn>
+                <a:cxn ang="0">
+                  <a:pos x="connsiteX3" y="connsiteY3"/>
+                </a:cxn>
+              </a:cxnLst>
+              <a:rect l="l" t="t" r="r" b="b"/>
+              <a:pathLst>
+                <a:path w="1477315" h="265584">
+                  <a:moveTo>
+                    <a:pt x="-1" y="-1"/>
+                  </a:moveTo>
+                  <a:lnTo>
+                    <a:pt x="1477315" y="-1"/>
+                  </a:lnTo>
+                  <a:lnTo>
+                    <a:pt x="1477315" y="265584"/>
+                  </a:lnTo>
+                  <a:lnTo>
+                    <a:pt x="-1" y="265584"/>
+                  </a:lnTo>
+                  <a:close/>
+                </a:path>
+              </a:pathLst>
+            </a:custGeom>
+          </p:spPr>
+        </p:pic>
+      </p:grpSp>
+      <p:grpSp>
+        <p:nvGrpSpPr>
+          <p:cNvPr id="30" name="Elemento grafico 6">
+            <a:extLst>
+              <a:ext uri="{FF2B5EF4-FFF2-40B4-BE49-F238E27FC236}">
+                <a16:creationId xmlns:a16="http://schemas.microsoft.com/office/drawing/2014/main" id="{AF34AB16-D1A6-447A-82C5-E5F0B27643E3}"/>
+              </a:ext>
+            </a:extLst>
+          </p:cNvPr>
+          <p:cNvGrpSpPr/>
+          <p:nvPr/>
+        </p:nvGrpSpPr>
+        <p:grpSpPr>
+          <a:xfrm>
+            <a:off x="8347938" y="1597952"/>
+            <a:ext cx="995942" cy="663961"/>
+            <a:chOff x="8299523" y="1130032"/>
+            <a:chExt cx="995942" cy="663961"/>
+          </a:xfrm>
+          <a:solidFill>
+            <a:srgbClr val="FFFFFF"/>
+          </a:solidFill>
+        </p:grpSpPr>
+        <p:sp>
+          <p:nvSpPr>
+            <p:cNvPr id="31" name="Figura a mano libera: forma 30">
+              <a:extLst>
+                <a:ext uri="{FF2B5EF4-FFF2-40B4-BE49-F238E27FC236}">
+                  <a16:creationId xmlns:a16="http://schemas.microsoft.com/office/drawing/2014/main" id="{46237F4A-8FF5-4748-9F25-5978447F40AE}"/>
+                </a:ext>
+              </a:extLst>
+            </p:cNvPr>
+            <p:cNvSpPr/>
+            <p:nvPr/>
+          </p:nvSpPr>
+          <p:spPr>
+            <a:xfrm>
+              <a:off x="8299523" y="1130032"/>
+              <a:ext cx="995942" cy="663961"/>
+            </a:xfrm>
+            <a:custGeom>
+              <a:avLst/>
+              <a:gdLst>
+                <a:gd name="connsiteX0" fmla="*/ 0 w 995942"/>
+                <a:gd name="connsiteY0" fmla="*/ 0 h 663961"/>
+                <a:gd name="connsiteX1" fmla="*/ 829952 w 995942"/>
+                <a:gd name="connsiteY1" fmla="*/ 0 h 663961"/>
+                <a:gd name="connsiteX2" fmla="*/ 995943 w 995942"/>
+                <a:gd name="connsiteY2" fmla="*/ 331981 h 663961"/>
+                <a:gd name="connsiteX3" fmla="*/ 829952 w 995942"/>
+                <a:gd name="connsiteY3" fmla="*/ 663962 h 663961"/>
+                <a:gd name="connsiteX4" fmla="*/ 0 w 995942"/>
+                <a:gd name="connsiteY4" fmla="*/ 663962 h 663961"/>
+                <a:gd name="connsiteX5" fmla="*/ 165990 w 995942"/>
+                <a:gd name="connsiteY5" fmla="*/ 331981 h 663961"/>
+              </a:gdLst>
+              <a:ahLst/>
+              <a:cxnLst>
+                <a:cxn ang="0">
+                  <a:pos x="connsiteX0" y="connsiteY0"/>
+                </a:cxn>
+                <a:cxn ang="0">
+                  <a:pos x="connsiteX1" y="connsiteY1"/>
+                </a:cxn>
+                <a:cxn ang="0">
+                  <a:pos x="connsiteX2" y="connsiteY2"/>
+                </a:cxn>
+                <a:cxn ang="0">
+                  <a:pos x="connsiteX3" y="connsiteY3"/>
+                </a:cxn>
+                <a:cxn ang="0">
+                  <a:pos x="connsiteX4" y="connsiteY4"/>
+                </a:cxn>
+                <a:cxn ang="0">
+                  <a:pos x="connsiteX5" y="connsiteY5"/>
+                </a:cxn>
+              </a:cxnLst>
+              <a:rect l="l" t="t" r="r" b="b"/>
+              <a:pathLst>
+                <a:path w="995942" h="663961">
+                  <a:moveTo>
+                    <a:pt x="0" y="0"/>
+                  </a:moveTo>
+                  <a:lnTo>
+                    <a:pt x="829952" y="0"/>
+                  </a:lnTo>
+                  <a:lnTo>
+                    <a:pt x="995943" y="331981"/>
+                  </a:lnTo>
+                  <a:lnTo>
+                    <a:pt x="829952" y="663962"/>
+                  </a:lnTo>
+                  <a:lnTo>
+                    <a:pt x="0" y="663962"/>
+                  </a:lnTo>
+                  <a:lnTo>
+                    <a:pt x="165990" y="331981"/>
+                  </a:lnTo>
+                  <a:close/>
+                </a:path>
+              </a:pathLst>
+            </a:custGeom>
+            <a:solidFill>
+              <a:srgbClr val="FFFFFF"/>
+            </a:solidFill>
+            <a:ln w="8300" cap="flat">
+              <a:solidFill>
+                <a:srgbClr val="000000"/>
+              </a:solidFill>
+              <a:prstDash val="solid"/>
+              <a:miter/>
+            </a:ln>
+          </p:spPr>
+          <p:txBody>
+            <a:bodyPr rtlCol="0" anchor="ctr"/>
+            <a:lstStyle/>
+            <a:p>
+              <a:endParaRPr lang="it-IT">
+                <a:latin typeface="Helvetica" panose="020B0604020202020204" pitchFamily="34" charset="0"/>
+                <a:cs typeface="Helvetica" panose="020B0604020202020204" pitchFamily="34" charset="0"/>
+              </a:endParaRPr>
+            </a:p>
+          </p:txBody>
+        </p:sp>
+        <p:pic>
+          <p:nvPicPr>
+            <p:cNvPr id="32" name="Immagine 31">
+              <a:extLst>
+                <a:ext uri="{FF2B5EF4-FFF2-40B4-BE49-F238E27FC236}">
+                  <a16:creationId xmlns:a16="http://schemas.microsoft.com/office/drawing/2014/main" id="{7ED29AB6-478C-4DCC-A149-CC93E3AA166F}"/>
+                </a:ext>
+              </a:extLst>
+            </p:cNvPr>
+            <p:cNvPicPr>
+              <a:picLocks noChangeAspect="1"/>
+            </p:cNvPicPr>
+            <p:nvPr/>
+          </p:nvPicPr>
+          <p:blipFill>
+            <a:blip r:embed="rId5"/>
+            <a:stretch>
+              <a:fillRect/>
+            </a:stretch>
+          </p:blipFill>
+          <p:spPr>
+            <a:xfrm>
+              <a:off x="8303673" y="1403916"/>
+              <a:ext cx="979343" cy="141091"/>
+            </a:xfrm>
+            <a:custGeom>
+              <a:avLst/>
+              <a:gdLst>
+                <a:gd name="connsiteX0" fmla="*/ -1 w 979343"/>
+                <a:gd name="connsiteY0" fmla="*/ -1 h 141091"/>
+                <a:gd name="connsiteX1" fmla="*/ 979343 w 979343"/>
+                <a:gd name="connsiteY1" fmla="*/ -1 h 141091"/>
+                <a:gd name="connsiteX2" fmla="*/ 979343 w 979343"/>
+                <a:gd name="connsiteY2" fmla="*/ 141091 h 141091"/>
+                <a:gd name="connsiteX3" fmla="*/ -1 w 979343"/>
+                <a:gd name="connsiteY3" fmla="*/ 141091 h 141091"/>
+              </a:gdLst>
+              <a:ahLst/>
+              <a:cxnLst>
+                <a:cxn ang="0">
+                  <a:pos x="connsiteX0" y="connsiteY0"/>
+                </a:cxn>
+                <a:cxn ang="0">
+                  <a:pos x="connsiteX1" y="connsiteY1"/>
+                </a:cxn>
+                <a:cxn ang="0">
+                  <a:pos x="connsiteX2" y="connsiteY2"/>
+                </a:cxn>
+                <a:cxn ang="0">
+                  <a:pos x="connsiteX3" y="connsiteY3"/>
+                </a:cxn>
+              </a:cxnLst>
+              <a:rect l="l" t="t" r="r" b="b"/>
+              <a:pathLst>
+                <a:path w="979343" h="141091">
+                  <a:moveTo>
+                    <a:pt x="-1" y="-1"/>
+                  </a:moveTo>
+                  <a:lnTo>
+                    <a:pt x="979343" y="-1"/>
+                  </a:lnTo>
+                  <a:lnTo>
+                    <a:pt x="979343" y="141091"/>
+                  </a:lnTo>
+                  <a:lnTo>
+                    <a:pt x="-1" y="141091"/>
+                  </a:lnTo>
+                  <a:close/>
+                </a:path>
+              </a:pathLst>
+            </a:custGeom>
+          </p:spPr>
+        </p:pic>
+      </p:grpSp>
+      <p:grpSp>
+        <p:nvGrpSpPr>
+          <p:cNvPr id="33" name="Elemento grafico 6">
+            <a:extLst>
+              <a:ext uri="{FF2B5EF4-FFF2-40B4-BE49-F238E27FC236}">
+                <a16:creationId xmlns:a16="http://schemas.microsoft.com/office/drawing/2014/main" id="{DFAC40C7-631A-4A64-BE3B-4FCCF8655C5E}"/>
+              </a:ext>
+            </a:extLst>
+          </p:cNvPr>
+          <p:cNvGrpSpPr/>
+          <p:nvPr/>
+        </p:nvGrpSpPr>
+        <p:grpSpPr>
+          <a:xfrm>
+            <a:off x="5007378" y="1473459"/>
+            <a:ext cx="746957" cy="912947"/>
+            <a:chOff x="5062709" y="1918486"/>
+            <a:chExt cx="746957" cy="912947"/>
+          </a:xfrm>
+        </p:grpSpPr>
+        <p:grpSp>
+          <p:nvGrpSpPr>
+            <p:cNvPr id="34" name="Elemento grafico 6">
+              <a:extLst>
+                <a:ext uri="{FF2B5EF4-FFF2-40B4-BE49-F238E27FC236}">
+                  <a16:creationId xmlns:a16="http://schemas.microsoft.com/office/drawing/2014/main" id="{2AA76011-A98C-4205-8F32-E6ED5933C01C}"/>
+                </a:ext>
+              </a:extLst>
+            </p:cNvPr>
+            <p:cNvGrpSpPr/>
+            <p:nvPr/>
+          </p:nvGrpSpPr>
+          <p:grpSpPr>
+            <a:xfrm>
+              <a:off x="5062709" y="1918486"/>
+              <a:ext cx="746957" cy="912947"/>
+              <a:chOff x="5062709" y="1918486"/>
+              <a:chExt cx="746957" cy="912947"/>
+            </a:xfrm>
+          </p:grpSpPr>
+          <p:sp>
+            <p:nvSpPr>
+              <p:cNvPr id="35" name="Figura a mano libera: forma 34">
+                <a:extLst>
+                  <a:ext uri="{FF2B5EF4-FFF2-40B4-BE49-F238E27FC236}">
+                    <a16:creationId xmlns:a16="http://schemas.microsoft.com/office/drawing/2014/main" id="{4E15EC3A-F853-4808-8739-B2519379E9EB}"/>
+                  </a:ext>
+                </a:extLst>
+              </p:cNvPr>
+              <p:cNvSpPr/>
+              <p:nvPr/>
+            </p:nvSpPr>
+            <p:spPr>
+              <a:xfrm>
+                <a:off x="5062709" y="1918486"/>
+                <a:ext cx="746957" cy="912947"/>
+              </a:xfrm>
+              <a:custGeom>
+                <a:avLst/>
+                <a:gdLst>
+                  <a:gd name="connsiteX0" fmla="*/ 0 w 746957"/>
+                  <a:gd name="connsiteY0" fmla="*/ 124493 h 912947"/>
+                  <a:gd name="connsiteX1" fmla="*/ 373479 w 746957"/>
+                  <a:gd name="connsiteY1" fmla="*/ 0 h 912947"/>
+                  <a:gd name="connsiteX2" fmla="*/ 637569 w 746957"/>
+                  <a:gd name="connsiteY2" fmla="*/ 36435 h 912947"/>
+                  <a:gd name="connsiteX3" fmla="*/ 746957 w 746957"/>
+                  <a:gd name="connsiteY3" fmla="*/ 124493 h 912947"/>
+                  <a:gd name="connsiteX4" fmla="*/ 746957 w 746957"/>
+                  <a:gd name="connsiteY4" fmla="*/ 788455 h 912947"/>
+                  <a:gd name="connsiteX5" fmla="*/ 373479 w 746957"/>
+                  <a:gd name="connsiteY5" fmla="*/ 912948 h 912947"/>
+                  <a:gd name="connsiteX6" fmla="*/ 0 w 746957"/>
+                  <a:gd name="connsiteY6" fmla="*/ 788455 h 912947"/>
+                </a:gdLst>
+                <a:ahLst/>
+                <a:cxnLst>
+                  <a:cxn ang="0">
+                    <a:pos x="connsiteX0" y="connsiteY0"/>
+                  </a:cxn>
+                  <a:cxn ang="0">
+                    <a:pos x="connsiteX1" y="connsiteY1"/>
+                  </a:cxn>
+                  <a:cxn ang="0">
+                    <a:pos x="connsiteX2" y="connsiteY2"/>
+                  </a:cxn>
+                  <a:cxn ang="0">
+                    <a:pos x="connsiteX3" y="connsiteY3"/>
+                  </a:cxn>
+                  <a:cxn ang="0">
+                    <a:pos x="connsiteX4" y="connsiteY4"/>
+                  </a:cxn>
+                  <a:cxn ang="0">
+                    <a:pos x="connsiteX5" y="connsiteY5"/>
+                  </a:cxn>
+                  <a:cxn ang="0">
+                    <a:pos x="connsiteX6" y="connsiteY6"/>
+                  </a:cxn>
+                </a:cxnLst>
+                <a:rect l="l" t="t" r="r" b="b"/>
+                <a:pathLst>
+                  <a:path w="746957" h="912947">
+                    <a:moveTo>
+                      <a:pt x="0" y="124493"/>
+                    </a:moveTo>
+                    <a:cubicBezTo>
+                      <a:pt x="0" y="55773"/>
+                      <a:pt x="167236" y="0"/>
+                      <a:pt x="373479" y="0"/>
+                    </a:cubicBezTo>
+                    <a:cubicBezTo>
+                      <a:pt x="472492" y="0"/>
+                      <a:pt x="567521" y="13113"/>
+                      <a:pt x="637569" y="36435"/>
+                    </a:cubicBezTo>
+                    <a:cubicBezTo>
+                      <a:pt x="707617" y="59840"/>
+                      <a:pt x="746957" y="91461"/>
+                      <a:pt x="746957" y="124493"/>
+                    </a:cubicBezTo>
+                    <a:lnTo>
+                      <a:pt x="746957" y="788455"/>
+                    </a:lnTo>
+                    <a:cubicBezTo>
+                      <a:pt x="746957" y="857175"/>
+                      <a:pt x="579722" y="912948"/>
+                      <a:pt x="373479" y="912948"/>
+                    </a:cubicBezTo>
+                    <a:cubicBezTo>
+                      <a:pt x="167236" y="912948"/>
+                      <a:pt x="0" y="857175"/>
+                      <a:pt x="0" y="788455"/>
+                    </a:cubicBezTo>
+                    <a:close/>
+                  </a:path>
+                </a:pathLst>
+              </a:custGeom>
+              <a:solidFill>
+                <a:srgbClr val="FFFFFF"/>
+              </a:solidFill>
+              <a:ln w="8300" cap="flat">
+                <a:solidFill>
+                  <a:srgbClr val="000000"/>
+                </a:solidFill>
+                <a:prstDash val="solid"/>
+                <a:miter/>
+              </a:ln>
+            </p:spPr>
+            <p:txBody>
+              <a:bodyPr rtlCol="0" anchor="ctr"/>
+              <a:lstStyle/>
+              <a:p>
+                <a:endParaRPr lang="it-IT">
+                  <a:latin typeface="Helvetica" panose="020B0604020202020204" pitchFamily="34" charset="0"/>
+                  <a:cs typeface="Helvetica" panose="020B0604020202020204" pitchFamily="34" charset="0"/>
+                </a:endParaRPr>
+              </a:p>
+            </p:txBody>
+          </p:sp>
+          <p:sp>
+            <p:nvSpPr>
+              <p:cNvPr id="36" name="Figura a mano libera: forma 35">
+                <a:extLst>
+                  <a:ext uri="{FF2B5EF4-FFF2-40B4-BE49-F238E27FC236}">
+                    <a16:creationId xmlns:a16="http://schemas.microsoft.com/office/drawing/2014/main" id="{1CA65269-7FAA-4DED-AE6E-CD69302C65F9}"/>
+                  </a:ext>
+                </a:extLst>
+              </p:cNvPr>
+              <p:cNvSpPr/>
+              <p:nvPr/>
+            </p:nvSpPr>
+            <p:spPr>
+              <a:xfrm>
+                <a:off x="5062709" y="2042979"/>
+                <a:ext cx="746957" cy="124492"/>
+              </a:xfrm>
+              <a:custGeom>
+                <a:avLst/>
+                <a:gdLst>
+                  <a:gd name="connsiteX0" fmla="*/ 746957 w 746957"/>
+                  <a:gd name="connsiteY0" fmla="*/ 0 h 124492"/>
+                  <a:gd name="connsiteX1" fmla="*/ 373479 w 746957"/>
+                  <a:gd name="connsiteY1" fmla="*/ 124493 h 124492"/>
+                  <a:gd name="connsiteX2" fmla="*/ 0 w 746957"/>
+                  <a:gd name="connsiteY2" fmla="*/ 0 h 124492"/>
+                </a:gdLst>
+                <a:ahLst/>
+                <a:cxnLst>
+                  <a:cxn ang="0">
+                    <a:pos x="connsiteX0" y="connsiteY0"/>
+                  </a:cxn>
+                  <a:cxn ang="0">
+                    <a:pos x="connsiteX1" y="connsiteY1"/>
+                  </a:cxn>
+                  <a:cxn ang="0">
+                    <a:pos x="connsiteX2" y="connsiteY2"/>
+                  </a:cxn>
+                </a:cxnLst>
+                <a:rect l="l" t="t" r="r" b="b"/>
+                <a:pathLst>
+                  <a:path w="746957" h="124492">
+                    <a:moveTo>
+                      <a:pt x="746957" y="0"/>
+                    </a:moveTo>
+                    <a:cubicBezTo>
+                      <a:pt x="746957" y="68720"/>
+                      <a:pt x="579722" y="124493"/>
+                      <a:pt x="373479" y="124493"/>
+                    </a:cubicBezTo>
+                    <a:cubicBezTo>
+                      <a:pt x="167236" y="124493"/>
+                      <a:pt x="0" y="68720"/>
+                      <a:pt x="0" y="0"/>
+                    </a:cubicBezTo>
+                  </a:path>
+                </a:pathLst>
+              </a:custGeom>
+              <a:noFill/>
+              <a:ln w="8300" cap="flat">
+                <a:solidFill>
+                  <a:srgbClr val="000000"/>
+                </a:solidFill>
+                <a:prstDash val="solid"/>
+                <a:miter/>
+              </a:ln>
+            </p:spPr>
+            <p:txBody>
+              <a:bodyPr rtlCol="0" anchor="ctr"/>
+              <a:lstStyle/>
+              <a:p>
+                <a:endParaRPr lang="it-IT">
+                  <a:latin typeface="Helvetica" panose="020B0604020202020204" pitchFamily="34" charset="0"/>
+                  <a:cs typeface="Helvetica" panose="020B0604020202020204" pitchFamily="34" charset="0"/>
+                </a:endParaRPr>
+              </a:p>
+            </p:txBody>
+          </p:sp>
+        </p:grpSp>
+        <p:pic>
+          <p:nvPicPr>
+            <p:cNvPr id="37" name="Immagine 36">
+              <a:extLst>
+                <a:ext uri="{FF2B5EF4-FFF2-40B4-BE49-F238E27FC236}">
+                  <a16:creationId xmlns:a16="http://schemas.microsoft.com/office/drawing/2014/main" id="{B1EFE684-723C-4EC1-9694-50058829DE36}"/>
+                </a:ext>
+              </a:extLst>
+            </p:cNvPr>
+            <p:cNvPicPr>
+              <a:picLocks noChangeAspect="1"/>
+            </p:cNvPicPr>
+            <p:nvPr/>
+          </p:nvPicPr>
+          <p:blipFill>
+            <a:blip r:embed="rId6"/>
+            <a:stretch>
+              <a:fillRect/>
+            </a:stretch>
+          </p:blipFill>
+          <p:spPr>
+            <a:xfrm>
+              <a:off x="5066859" y="2304414"/>
+              <a:ext cx="730358" cy="381778"/>
+            </a:xfrm>
+            <a:custGeom>
+              <a:avLst/>
+              <a:gdLst>
+                <a:gd name="connsiteX0" fmla="*/ -1 w 730358"/>
+                <a:gd name="connsiteY0" fmla="*/ -1 h 381778"/>
+                <a:gd name="connsiteX1" fmla="*/ 730358 w 730358"/>
+                <a:gd name="connsiteY1" fmla="*/ -1 h 381778"/>
+                <a:gd name="connsiteX2" fmla="*/ 730358 w 730358"/>
+                <a:gd name="connsiteY2" fmla="*/ 381778 h 381778"/>
+                <a:gd name="connsiteX3" fmla="*/ -1 w 730358"/>
+                <a:gd name="connsiteY3" fmla="*/ 381778 h 381778"/>
+              </a:gdLst>
+              <a:ahLst/>
+              <a:cxnLst>
+                <a:cxn ang="0">
+                  <a:pos x="connsiteX0" y="connsiteY0"/>
+                </a:cxn>
+                <a:cxn ang="0">
+                  <a:pos x="connsiteX1" y="connsiteY1"/>
+                </a:cxn>
+                <a:cxn ang="0">
+                  <a:pos x="connsiteX2" y="connsiteY2"/>
+                </a:cxn>
+                <a:cxn ang="0">
+                  <a:pos x="connsiteX3" y="connsiteY3"/>
+                </a:cxn>
+              </a:cxnLst>
+              <a:rect l="l" t="t" r="r" b="b"/>
+              <a:pathLst>
+                <a:path w="730358" h="381778">
+                  <a:moveTo>
+                    <a:pt x="-1" y="-1"/>
+                  </a:moveTo>
+                  <a:lnTo>
+                    <a:pt x="730358" y="-1"/>
+                  </a:lnTo>
+                  <a:lnTo>
+                    <a:pt x="730358" y="381778"/>
+                  </a:lnTo>
+                  <a:lnTo>
+                    <a:pt x="-1" y="381778"/>
+                  </a:lnTo>
+                  <a:close/>
+                </a:path>
+              </a:pathLst>
+            </a:custGeom>
+          </p:spPr>
+        </p:pic>
+      </p:grpSp>
+      <p:grpSp>
+        <p:nvGrpSpPr>
+          <p:cNvPr id="38" name="Elemento grafico 6">
+            <a:extLst>
+              <a:ext uri="{FF2B5EF4-FFF2-40B4-BE49-F238E27FC236}">
+                <a16:creationId xmlns:a16="http://schemas.microsoft.com/office/drawing/2014/main" id="{86907B1B-39BF-401A-B68B-68F9881727E8}"/>
+              </a:ext>
+            </a:extLst>
+          </p:cNvPr>
+          <p:cNvGrpSpPr/>
+          <p:nvPr/>
+        </p:nvGrpSpPr>
+        <p:grpSpPr>
+          <a:xfrm>
+            <a:off x="9627447" y="1473459"/>
+            <a:ext cx="746957" cy="912947"/>
+            <a:chOff x="9627447" y="1918486"/>
+            <a:chExt cx="746957" cy="912947"/>
+          </a:xfrm>
+        </p:grpSpPr>
+        <p:grpSp>
+          <p:nvGrpSpPr>
+            <p:cNvPr id="39" name="Elemento grafico 6">
+              <a:extLst>
+                <a:ext uri="{FF2B5EF4-FFF2-40B4-BE49-F238E27FC236}">
+                  <a16:creationId xmlns:a16="http://schemas.microsoft.com/office/drawing/2014/main" id="{32D0D1C9-4952-424E-AD7E-C642FB16BCC5}"/>
+                </a:ext>
+              </a:extLst>
+            </p:cNvPr>
+            <p:cNvGrpSpPr/>
+            <p:nvPr/>
+          </p:nvGrpSpPr>
+          <p:grpSpPr>
+            <a:xfrm>
+              <a:off x="9627447" y="1918486"/>
+              <a:ext cx="746957" cy="912947"/>
+              <a:chOff x="9627447" y="1918486"/>
+              <a:chExt cx="746957" cy="912947"/>
+            </a:xfrm>
+          </p:grpSpPr>
+          <p:sp>
+            <p:nvSpPr>
+              <p:cNvPr id="40" name="Figura a mano libera: forma 39">
+                <a:extLst>
+                  <a:ext uri="{FF2B5EF4-FFF2-40B4-BE49-F238E27FC236}">
+                    <a16:creationId xmlns:a16="http://schemas.microsoft.com/office/drawing/2014/main" id="{C1898AA7-BF2A-4038-A9D0-F862221DBAF6}"/>
+                  </a:ext>
+                </a:extLst>
+              </p:cNvPr>
+              <p:cNvSpPr/>
+              <p:nvPr/>
+            </p:nvSpPr>
+            <p:spPr>
+              <a:xfrm>
+                <a:off x="9627447" y="1918486"/>
+                <a:ext cx="746957" cy="912947"/>
+              </a:xfrm>
+              <a:custGeom>
+                <a:avLst/>
+                <a:gdLst>
+                  <a:gd name="connsiteX0" fmla="*/ 0 w 746957"/>
+                  <a:gd name="connsiteY0" fmla="*/ 124493 h 912947"/>
+                  <a:gd name="connsiteX1" fmla="*/ 373479 w 746957"/>
+                  <a:gd name="connsiteY1" fmla="*/ 0 h 912947"/>
+                  <a:gd name="connsiteX2" fmla="*/ 637569 w 746957"/>
+                  <a:gd name="connsiteY2" fmla="*/ 36435 h 912947"/>
+                  <a:gd name="connsiteX3" fmla="*/ 746957 w 746957"/>
+                  <a:gd name="connsiteY3" fmla="*/ 124493 h 912947"/>
+                  <a:gd name="connsiteX4" fmla="*/ 746957 w 746957"/>
+                  <a:gd name="connsiteY4" fmla="*/ 788455 h 912947"/>
+                  <a:gd name="connsiteX5" fmla="*/ 373479 w 746957"/>
+                  <a:gd name="connsiteY5" fmla="*/ 912948 h 912947"/>
+                  <a:gd name="connsiteX6" fmla="*/ 0 w 746957"/>
+                  <a:gd name="connsiteY6" fmla="*/ 788455 h 912947"/>
+                </a:gdLst>
+                <a:ahLst/>
+                <a:cxnLst>
+                  <a:cxn ang="0">
+                    <a:pos x="connsiteX0" y="connsiteY0"/>
+                  </a:cxn>
+                  <a:cxn ang="0">
+                    <a:pos x="connsiteX1" y="connsiteY1"/>
+                  </a:cxn>
+                  <a:cxn ang="0">
+                    <a:pos x="connsiteX2" y="connsiteY2"/>
+                  </a:cxn>
+                  <a:cxn ang="0">
+                    <a:pos x="connsiteX3" y="connsiteY3"/>
+                  </a:cxn>
+                  <a:cxn ang="0">
+                    <a:pos x="connsiteX4" y="connsiteY4"/>
+                  </a:cxn>
+                  <a:cxn ang="0">
+                    <a:pos x="connsiteX5" y="connsiteY5"/>
+                  </a:cxn>
+                  <a:cxn ang="0">
+                    <a:pos x="connsiteX6" y="connsiteY6"/>
+                  </a:cxn>
+                </a:cxnLst>
+                <a:rect l="l" t="t" r="r" b="b"/>
+                <a:pathLst>
+                  <a:path w="746957" h="912947">
+                    <a:moveTo>
+                      <a:pt x="0" y="124493"/>
+                    </a:moveTo>
+                    <a:cubicBezTo>
+                      <a:pt x="0" y="55773"/>
+                      <a:pt x="167236" y="0"/>
+                      <a:pt x="373479" y="0"/>
+                    </a:cubicBezTo>
+                    <a:cubicBezTo>
+                      <a:pt x="472492" y="0"/>
+                      <a:pt x="567521" y="13113"/>
+                      <a:pt x="637569" y="36435"/>
+                    </a:cubicBezTo>
+                    <a:cubicBezTo>
+                      <a:pt x="707617" y="59840"/>
+                      <a:pt x="746957" y="91461"/>
+                      <a:pt x="746957" y="124493"/>
+                    </a:cubicBezTo>
+                    <a:lnTo>
+                      <a:pt x="746957" y="788455"/>
+                    </a:lnTo>
+                    <a:cubicBezTo>
+                      <a:pt x="746957" y="857175"/>
+                      <a:pt x="579722" y="912948"/>
+                      <a:pt x="373479" y="912948"/>
+                    </a:cubicBezTo>
+                    <a:cubicBezTo>
+                      <a:pt x="167236" y="912948"/>
+                      <a:pt x="0" y="857175"/>
+                      <a:pt x="0" y="788455"/>
+                    </a:cubicBezTo>
+                    <a:close/>
+                  </a:path>
+                </a:pathLst>
+              </a:custGeom>
+              <a:solidFill>
+                <a:srgbClr val="FFFFFF"/>
+              </a:solidFill>
+              <a:ln w="8300" cap="flat">
+                <a:solidFill>
+                  <a:srgbClr val="000000"/>
+                </a:solidFill>
+                <a:prstDash val="solid"/>
+                <a:miter/>
+              </a:ln>
+            </p:spPr>
+            <p:txBody>
+              <a:bodyPr rtlCol="0" anchor="ctr"/>
+              <a:lstStyle/>
+              <a:p>
+                <a:endParaRPr lang="it-IT">
+                  <a:latin typeface="Helvetica" panose="020B0604020202020204" pitchFamily="34" charset="0"/>
+                  <a:cs typeface="Helvetica" panose="020B0604020202020204" pitchFamily="34" charset="0"/>
+                </a:endParaRPr>
+              </a:p>
+            </p:txBody>
+          </p:sp>
+          <p:sp>
+            <p:nvSpPr>
+              <p:cNvPr id="41" name="Figura a mano libera: forma 40">
+                <a:extLst>
+                  <a:ext uri="{FF2B5EF4-FFF2-40B4-BE49-F238E27FC236}">
+                    <a16:creationId xmlns:a16="http://schemas.microsoft.com/office/drawing/2014/main" id="{2A8F39AA-558C-4A15-8420-4412ED9E8439}"/>
+                  </a:ext>
+                </a:extLst>
+              </p:cNvPr>
+              <p:cNvSpPr/>
+              <p:nvPr/>
+            </p:nvSpPr>
+            <p:spPr>
+              <a:xfrm>
+                <a:off x="9627447" y="2042979"/>
+                <a:ext cx="746957" cy="124492"/>
+              </a:xfrm>
+              <a:custGeom>
+                <a:avLst/>
+                <a:gdLst>
+                  <a:gd name="connsiteX0" fmla="*/ 746957 w 746957"/>
+                  <a:gd name="connsiteY0" fmla="*/ 0 h 124492"/>
+                  <a:gd name="connsiteX1" fmla="*/ 373479 w 746957"/>
+                  <a:gd name="connsiteY1" fmla="*/ 124493 h 124492"/>
+                  <a:gd name="connsiteX2" fmla="*/ 0 w 746957"/>
+                  <a:gd name="connsiteY2" fmla="*/ 0 h 124492"/>
+                </a:gdLst>
+                <a:ahLst/>
+                <a:cxnLst>
+                  <a:cxn ang="0">
+                    <a:pos x="connsiteX0" y="connsiteY0"/>
+                  </a:cxn>
+                  <a:cxn ang="0">
+                    <a:pos x="connsiteX1" y="connsiteY1"/>
+                  </a:cxn>
+                  <a:cxn ang="0">
+                    <a:pos x="connsiteX2" y="connsiteY2"/>
+                  </a:cxn>
+                </a:cxnLst>
+                <a:rect l="l" t="t" r="r" b="b"/>
+                <a:pathLst>
+                  <a:path w="746957" h="124492">
+                    <a:moveTo>
+                      <a:pt x="746957" y="0"/>
+                    </a:moveTo>
+                    <a:cubicBezTo>
+                      <a:pt x="746957" y="68720"/>
+                      <a:pt x="579722" y="124493"/>
+                      <a:pt x="373479" y="124493"/>
+                    </a:cubicBezTo>
+                    <a:cubicBezTo>
+                      <a:pt x="167236" y="124493"/>
+                      <a:pt x="0" y="68720"/>
+                      <a:pt x="0" y="0"/>
+                    </a:cubicBezTo>
+                  </a:path>
+                </a:pathLst>
+              </a:custGeom>
+              <a:noFill/>
+              <a:ln w="8300" cap="flat">
+                <a:solidFill>
+                  <a:srgbClr val="000000"/>
+                </a:solidFill>
+                <a:prstDash val="solid"/>
+                <a:miter/>
+              </a:ln>
+            </p:spPr>
+            <p:txBody>
+              <a:bodyPr rtlCol="0" anchor="ctr"/>
+              <a:lstStyle/>
+              <a:p>
+                <a:endParaRPr lang="it-IT">
+                  <a:latin typeface="Helvetica" panose="020B0604020202020204" pitchFamily="34" charset="0"/>
+                  <a:cs typeface="Helvetica" panose="020B0604020202020204" pitchFamily="34" charset="0"/>
+                </a:endParaRPr>
+              </a:p>
+            </p:txBody>
+          </p:sp>
+        </p:grpSp>
+        <p:pic>
+          <p:nvPicPr>
+            <p:cNvPr id="42" name="Immagine 41">
+              <a:extLst>
+                <a:ext uri="{FF2B5EF4-FFF2-40B4-BE49-F238E27FC236}">
+                  <a16:creationId xmlns:a16="http://schemas.microsoft.com/office/drawing/2014/main" id="{6C375EFD-92FF-4A9F-B242-E5160F2DB58C}"/>
+                </a:ext>
+              </a:extLst>
+            </p:cNvPr>
+            <p:cNvPicPr>
+              <a:picLocks noChangeAspect="1"/>
+            </p:cNvPicPr>
+            <p:nvPr/>
+          </p:nvPicPr>
+          <p:blipFill>
+            <a:blip r:embed="rId6"/>
+            <a:stretch>
+              <a:fillRect/>
+            </a:stretch>
+          </p:blipFill>
+          <p:spPr>
+            <a:xfrm>
+              <a:off x="9631597" y="2304414"/>
+              <a:ext cx="730358" cy="381778"/>
+            </a:xfrm>
+            <a:custGeom>
+              <a:avLst/>
+              <a:gdLst>
+                <a:gd name="connsiteX0" fmla="*/ -1 w 730358"/>
+                <a:gd name="connsiteY0" fmla="*/ -1 h 381778"/>
+                <a:gd name="connsiteX1" fmla="*/ 730358 w 730358"/>
+                <a:gd name="connsiteY1" fmla="*/ -1 h 381778"/>
+                <a:gd name="connsiteX2" fmla="*/ 730358 w 730358"/>
+                <a:gd name="connsiteY2" fmla="*/ 381778 h 381778"/>
+                <a:gd name="connsiteX3" fmla="*/ -1 w 730358"/>
+                <a:gd name="connsiteY3" fmla="*/ 381778 h 381778"/>
+              </a:gdLst>
+              <a:ahLst/>
+              <a:cxnLst>
+                <a:cxn ang="0">
+                  <a:pos x="connsiteX0" y="connsiteY0"/>
+                </a:cxn>
+                <a:cxn ang="0">
+                  <a:pos x="connsiteX1" y="connsiteY1"/>
+                </a:cxn>
+                <a:cxn ang="0">
+                  <a:pos x="connsiteX2" y="connsiteY2"/>
+                </a:cxn>
+                <a:cxn ang="0">
+                  <a:pos x="connsiteX3" y="connsiteY3"/>
+                </a:cxn>
+              </a:cxnLst>
+              <a:rect l="l" t="t" r="r" b="b"/>
+              <a:pathLst>
+                <a:path w="730358" h="381778">
+                  <a:moveTo>
+                    <a:pt x="-1" y="-1"/>
+                  </a:moveTo>
+                  <a:lnTo>
+                    <a:pt x="730358" y="-1"/>
+                  </a:lnTo>
+                  <a:lnTo>
+                    <a:pt x="730358" y="381778"/>
+                  </a:lnTo>
+                  <a:lnTo>
+                    <a:pt x="-1" y="381778"/>
+                  </a:lnTo>
+                  <a:close/>
+                </a:path>
+              </a:pathLst>
+            </a:custGeom>
+          </p:spPr>
+        </p:pic>
+      </p:grpSp>
+      <p:grpSp>
+        <p:nvGrpSpPr>
+          <p:cNvPr id="46" name="Elemento grafico 6">
+            <a:extLst>
+              <a:ext uri="{FF2B5EF4-FFF2-40B4-BE49-F238E27FC236}">
+                <a16:creationId xmlns:a16="http://schemas.microsoft.com/office/drawing/2014/main" id="{9DACB378-4AA6-480D-B889-A5B68845E4ED}"/>
+              </a:ext>
+            </a:extLst>
+          </p:cNvPr>
+          <p:cNvGrpSpPr/>
+          <p:nvPr/>
+        </p:nvGrpSpPr>
+        <p:grpSpPr>
+          <a:xfrm>
+            <a:off x="7317413" y="1473459"/>
+            <a:ext cx="746957" cy="912947"/>
+            <a:chOff x="7303580" y="1918486"/>
+            <a:chExt cx="746957" cy="912947"/>
+          </a:xfrm>
+        </p:grpSpPr>
+        <p:grpSp>
+          <p:nvGrpSpPr>
+            <p:cNvPr id="47" name="Elemento grafico 6">
+              <a:extLst>
+                <a:ext uri="{FF2B5EF4-FFF2-40B4-BE49-F238E27FC236}">
+                  <a16:creationId xmlns:a16="http://schemas.microsoft.com/office/drawing/2014/main" id="{C9C4FDD3-C0BF-497F-A9A6-7761D5CA2EE5}"/>
+                </a:ext>
+              </a:extLst>
+            </p:cNvPr>
+            <p:cNvGrpSpPr/>
+            <p:nvPr/>
+          </p:nvGrpSpPr>
+          <p:grpSpPr>
+            <a:xfrm>
+              <a:off x="7303580" y="1918486"/>
+              <a:ext cx="746957" cy="912947"/>
+              <a:chOff x="7303580" y="1918486"/>
+              <a:chExt cx="746957" cy="912947"/>
+            </a:xfrm>
+          </p:grpSpPr>
+          <p:sp>
+            <p:nvSpPr>
+              <p:cNvPr id="48" name="Figura a mano libera: forma 47">
+                <a:extLst>
+                  <a:ext uri="{FF2B5EF4-FFF2-40B4-BE49-F238E27FC236}">
+                    <a16:creationId xmlns:a16="http://schemas.microsoft.com/office/drawing/2014/main" id="{BBE65653-ED16-41DC-9D9E-BCEE51610CB9}"/>
+                  </a:ext>
+                </a:extLst>
+              </p:cNvPr>
+              <p:cNvSpPr/>
+              <p:nvPr/>
+            </p:nvSpPr>
+            <p:spPr>
+              <a:xfrm>
+                <a:off x="7303580" y="1918486"/>
+                <a:ext cx="746957" cy="912947"/>
+              </a:xfrm>
+              <a:custGeom>
+                <a:avLst/>
+                <a:gdLst>
+                  <a:gd name="connsiteX0" fmla="*/ 0 w 746957"/>
+                  <a:gd name="connsiteY0" fmla="*/ 124493 h 912947"/>
+                  <a:gd name="connsiteX1" fmla="*/ 373479 w 746957"/>
+                  <a:gd name="connsiteY1" fmla="*/ 0 h 912947"/>
+                  <a:gd name="connsiteX2" fmla="*/ 637569 w 746957"/>
+                  <a:gd name="connsiteY2" fmla="*/ 36435 h 912947"/>
+                  <a:gd name="connsiteX3" fmla="*/ 746957 w 746957"/>
+                  <a:gd name="connsiteY3" fmla="*/ 124493 h 912947"/>
+                  <a:gd name="connsiteX4" fmla="*/ 746957 w 746957"/>
+                  <a:gd name="connsiteY4" fmla="*/ 788455 h 912947"/>
+                  <a:gd name="connsiteX5" fmla="*/ 373479 w 746957"/>
+                  <a:gd name="connsiteY5" fmla="*/ 912948 h 912947"/>
+                  <a:gd name="connsiteX6" fmla="*/ 0 w 746957"/>
+                  <a:gd name="connsiteY6" fmla="*/ 788455 h 912947"/>
+                </a:gdLst>
+                <a:ahLst/>
+                <a:cxnLst>
+                  <a:cxn ang="0">
+                    <a:pos x="connsiteX0" y="connsiteY0"/>
+                  </a:cxn>
+                  <a:cxn ang="0">
+                    <a:pos x="connsiteX1" y="connsiteY1"/>
+                  </a:cxn>
+                  <a:cxn ang="0">
+                    <a:pos x="connsiteX2" y="connsiteY2"/>
+                  </a:cxn>
+                  <a:cxn ang="0">
+                    <a:pos x="connsiteX3" y="connsiteY3"/>
+                  </a:cxn>
+                  <a:cxn ang="0">
+                    <a:pos x="connsiteX4" y="connsiteY4"/>
+                  </a:cxn>
+                  <a:cxn ang="0">
+                    <a:pos x="connsiteX5" y="connsiteY5"/>
+                  </a:cxn>
+                  <a:cxn ang="0">
+                    <a:pos x="connsiteX6" y="connsiteY6"/>
+                  </a:cxn>
+                </a:cxnLst>
+                <a:rect l="l" t="t" r="r" b="b"/>
+                <a:pathLst>
+                  <a:path w="746957" h="912947">
+                    <a:moveTo>
+                      <a:pt x="0" y="124493"/>
+                    </a:moveTo>
+                    <a:cubicBezTo>
+                      <a:pt x="0" y="55773"/>
+                      <a:pt x="167236" y="0"/>
+                      <a:pt x="373479" y="0"/>
+                    </a:cubicBezTo>
+                    <a:cubicBezTo>
+                      <a:pt x="472492" y="0"/>
+                      <a:pt x="567521" y="13113"/>
+                      <a:pt x="637569" y="36435"/>
+                    </a:cubicBezTo>
+                    <a:cubicBezTo>
+                      <a:pt x="707617" y="59840"/>
+                      <a:pt x="746957" y="91461"/>
+                      <a:pt x="746957" y="124493"/>
+                    </a:cubicBezTo>
+                    <a:lnTo>
+                      <a:pt x="746957" y="788455"/>
+                    </a:lnTo>
+                    <a:cubicBezTo>
+                      <a:pt x="746957" y="857175"/>
+                      <a:pt x="579722" y="912948"/>
+                      <a:pt x="373479" y="912948"/>
+                    </a:cubicBezTo>
+                    <a:cubicBezTo>
+                      <a:pt x="167236" y="912948"/>
+                      <a:pt x="0" y="857175"/>
+                      <a:pt x="0" y="788455"/>
+                    </a:cubicBezTo>
+                    <a:close/>
+                  </a:path>
+                </a:pathLst>
+              </a:custGeom>
+              <a:solidFill>
+                <a:srgbClr val="FFFFFF"/>
+              </a:solidFill>
+              <a:ln w="8300" cap="flat">
+                <a:solidFill>
+                  <a:srgbClr val="000000"/>
+                </a:solidFill>
+                <a:prstDash val="solid"/>
+                <a:miter/>
+              </a:ln>
+            </p:spPr>
+            <p:txBody>
+              <a:bodyPr rtlCol="0" anchor="ctr"/>
+              <a:lstStyle/>
+              <a:p>
+                <a:endParaRPr lang="it-IT">
+                  <a:latin typeface="Helvetica" panose="020B0604020202020204" pitchFamily="34" charset="0"/>
+                  <a:cs typeface="Helvetica" panose="020B0604020202020204" pitchFamily="34" charset="0"/>
+                </a:endParaRPr>
+              </a:p>
+            </p:txBody>
+          </p:sp>
+          <p:sp>
+            <p:nvSpPr>
+              <p:cNvPr id="49" name="Figura a mano libera: forma 48">
+                <a:extLst>
+                  <a:ext uri="{FF2B5EF4-FFF2-40B4-BE49-F238E27FC236}">
+                    <a16:creationId xmlns:a16="http://schemas.microsoft.com/office/drawing/2014/main" id="{2B0E2676-3499-4807-96E1-03522CBC60AA}"/>
+                  </a:ext>
+                </a:extLst>
+              </p:cNvPr>
+              <p:cNvSpPr/>
+              <p:nvPr/>
+            </p:nvSpPr>
+            <p:spPr>
+              <a:xfrm>
+                <a:off x="7303580" y="2042979"/>
+                <a:ext cx="746957" cy="124492"/>
+              </a:xfrm>
+              <a:custGeom>
+                <a:avLst/>
+                <a:gdLst>
+                  <a:gd name="connsiteX0" fmla="*/ 746957 w 746957"/>
+                  <a:gd name="connsiteY0" fmla="*/ 0 h 124492"/>
+                  <a:gd name="connsiteX1" fmla="*/ 373479 w 746957"/>
+                  <a:gd name="connsiteY1" fmla="*/ 124493 h 124492"/>
+                  <a:gd name="connsiteX2" fmla="*/ 0 w 746957"/>
+                  <a:gd name="connsiteY2" fmla="*/ 0 h 124492"/>
+                </a:gdLst>
+                <a:ahLst/>
+                <a:cxnLst>
+                  <a:cxn ang="0">
+                    <a:pos x="connsiteX0" y="connsiteY0"/>
+                  </a:cxn>
+                  <a:cxn ang="0">
+                    <a:pos x="connsiteX1" y="connsiteY1"/>
+                  </a:cxn>
+                  <a:cxn ang="0">
+                    <a:pos x="connsiteX2" y="connsiteY2"/>
+                  </a:cxn>
+                </a:cxnLst>
+                <a:rect l="l" t="t" r="r" b="b"/>
+                <a:pathLst>
+                  <a:path w="746957" h="124492">
+                    <a:moveTo>
+                      <a:pt x="746957" y="0"/>
+                    </a:moveTo>
+                    <a:cubicBezTo>
+                      <a:pt x="746957" y="68720"/>
+                      <a:pt x="579722" y="124493"/>
+                      <a:pt x="373479" y="124493"/>
+                    </a:cubicBezTo>
+                    <a:cubicBezTo>
+                      <a:pt x="167236" y="124493"/>
+                      <a:pt x="0" y="68720"/>
+                      <a:pt x="0" y="0"/>
+                    </a:cubicBezTo>
+                  </a:path>
+                </a:pathLst>
+              </a:custGeom>
+              <a:noFill/>
+              <a:ln w="8300" cap="flat">
+                <a:solidFill>
+                  <a:srgbClr val="000000"/>
+                </a:solidFill>
+                <a:prstDash val="solid"/>
+                <a:miter/>
+              </a:ln>
+            </p:spPr>
+            <p:txBody>
+              <a:bodyPr rtlCol="0" anchor="ctr"/>
+              <a:lstStyle/>
+              <a:p>
+                <a:endParaRPr lang="it-IT">
+                  <a:latin typeface="Helvetica" panose="020B0604020202020204" pitchFamily="34" charset="0"/>
+                  <a:cs typeface="Helvetica" panose="020B0604020202020204" pitchFamily="34" charset="0"/>
+                </a:endParaRPr>
+              </a:p>
+            </p:txBody>
+          </p:sp>
+        </p:grpSp>
+        <p:pic>
+          <p:nvPicPr>
+            <p:cNvPr id="50" name="Immagine 49">
+              <a:extLst>
+                <a:ext uri="{FF2B5EF4-FFF2-40B4-BE49-F238E27FC236}">
+                  <a16:creationId xmlns:a16="http://schemas.microsoft.com/office/drawing/2014/main" id="{D700CD72-ACED-482C-8AC8-04ACFF96634A}"/>
+                </a:ext>
+              </a:extLst>
+            </p:cNvPr>
+            <p:cNvPicPr>
+              <a:picLocks noChangeAspect="1"/>
+            </p:cNvPicPr>
+            <p:nvPr/>
+          </p:nvPicPr>
+          <p:blipFill>
+            <a:blip r:embed="rId6"/>
+            <a:stretch>
+              <a:fillRect/>
+            </a:stretch>
+          </p:blipFill>
+          <p:spPr>
+            <a:xfrm>
+              <a:off x="7307730" y="2304414"/>
+              <a:ext cx="730358" cy="381778"/>
+            </a:xfrm>
+            <a:custGeom>
+              <a:avLst/>
+              <a:gdLst>
+                <a:gd name="connsiteX0" fmla="*/ -1 w 730358"/>
+                <a:gd name="connsiteY0" fmla="*/ -1 h 381778"/>
+                <a:gd name="connsiteX1" fmla="*/ 730358 w 730358"/>
+                <a:gd name="connsiteY1" fmla="*/ -1 h 381778"/>
+                <a:gd name="connsiteX2" fmla="*/ 730358 w 730358"/>
+                <a:gd name="connsiteY2" fmla="*/ 381778 h 381778"/>
+                <a:gd name="connsiteX3" fmla="*/ -1 w 730358"/>
+                <a:gd name="connsiteY3" fmla="*/ 381778 h 381778"/>
+              </a:gdLst>
+              <a:ahLst/>
+              <a:cxnLst>
+                <a:cxn ang="0">
+                  <a:pos x="connsiteX0" y="connsiteY0"/>
+                </a:cxn>
+                <a:cxn ang="0">
+                  <a:pos x="connsiteX1" y="connsiteY1"/>
+                </a:cxn>
+                <a:cxn ang="0">
+                  <a:pos x="connsiteX2" y="connsiteY2"/>
+                </a:cxn>
+                <a:cxn ang="0">
+                  <a:pos x="connsiteX3" y="connsiteY3"/>
+                </a:cxn>
+              </a:cxnLst>
+              <a:rect l="l" t="t" r="r" b="b"/>
+              <a:pathLst>
+                <a:path w="730358" h="381778">
+                  <a:moveTo>
+                    <a:pt x="-1" y="-1"/>
+                  </a:moveTo>
+                  <a:lnTo>
+                    <a:pt x="730358" y="-1"/>
+                  </a:lnTo>
+                  <a:lnTo>
+                    <a:pt x="730358" y="381778"/>
+                  </a:lnTo>
+                  <a:lnTo>
+                    <a:pt x="-1" y="381778"/>
+                  </a:lnTo>
+                  <a:close/>
+                </a:path>
+              </a:pathLst>
+            </a:custGeom>
+          </p:spPr>
+        </p:pic>
+      </p:grpSp>
+      <p:grpSp>
+        <p:nvGrpSpPr>
+          <p:cNvPr id="51" name="Elemento grafico 6">
+            <a:extLst>
+              <a:ext uri="{FF2B5EF4-FFF2-40B4-BE49-F238E27FC236}">
+                <a16:creationId xmlns:a16="http://schemas.microsoft.com/office/drawing/2014/main" id="{F9249F4B-1E79-4784-9811-233A57EE9B12}"/>
+              </a:ext>
+            </a:extLst>
+          </p:cNvPr>
+          <p:cNvGrpSpPr/>
+          <p:nvPr/>
+        </p:nvGrpSpPr>
+        <p:grpSpPr>
+          <a:xfrm>
+            <a:off x="10955371" y="839548"/>
+            <a:ext cx="995942" cy="663961"/>
+            <a:chOff x="10955371" y="839548"/>
+            <a:chExt cx="995942" cy="663961"/>
+          </a:xfrm>
+          <a:solidFill>
+            <a:srgbClr val="FFFFFF"/>
+          </a:solidFill>
+        </p:grpSpPr>
+        <p:sp>
+          <p:nvSpPr>
+            <p:cNvPr id="52" name="Figura a mano libera: forma 51">
+              <a:extLst>
+                <a:ext uri="{FF2B5EF4-FFF2-40B4-BE49-F238E27FC236}">
+                  <a16:creationId xmlns:a16="http://schemas.microsoft.com/office/drawing/2014/main" id="{CDB3948B-D741-4209-B250-1F0E105E2A90}"/>
+                </a:ext>
+              </a:extLst>
+            </p:cNvPr>
+            <p:cNvSpPr/>
+            <p:nvPr/>
+          </p:nvSpPr>
+          <p:spPr>
+            <a:xfrm>
+              <a:off x="10955371" y="839548"/>
+              <a:ext cx="995942" cy="663961"/>
+            </a:xfrm>
+            <a:custGeom>
+              <a:avLst/>
+              <a:gdLst>
+                <a:gd name="connsiteX0" fmla="*/ 0 w 995942"/>
+                <a:gd name="connsiteY0" fmla="*/ 0 h 663961"/>
+                <a:gd name="connsiteX1" fmla="*/ 829952 w 995942"/>
+                <a:gd name="connsiteY1" fmla="*/ 0 h 663961"/>
+                <a:gd name="connsiteX2" fmla="*/ 995943 w 995942"/>
+                <a:gd name="connsiteY2" fmla="*/ 331981 h 663961"/>
+                <a:gd name="connsiteX3" fmla="*/ 829952 w 995942"/>
+                <a:gd name="connsiteY3" fmla="*/ 663962 h 663961"/>
+                <a:gd name="connsiteX4" fmla="*/ 0 w 995942"/>
+                <a:gd name="connsiteY4" fmla="*/ 663962 h 663961"/>
+                <a:gd name="connsiteX5" fmla="*/ 165990 w 995942"/>
+                <a:gd name="connsiteY5" fmla="*/ 331981 h 663961"/>
+              </a:gdLst>
+              <a:ahLst/>
+              <a:cxnLst>
+                <a:cxn ang="0">
+                  <a:pos x="connsiteX0" y="connsiteY0"/>
+                </a:cxn>
+                <a:cxn ang="0">
+                  <a:pos x="connsiteX1" y="connsiteY1"/>
+                </a:cxn>
+                <a:cxn ang="0">
+                  <a:pos x="connsiteX2" y="connsiteY2"/>
+                </a:cxn>
+                <a:cxn ang="0">
+                  <a:pos x="connsiteX3" y="connsiteY3"/>
+                </a:cxn>
+                <a:cxn ang="0">
+                  <a:pos x="connsiteX4" y="connsiteY4"/>
+                </a:cxn>
+                <a:cxn ang="0">
+                  <a:pos x="connsiteX5" y="connsiteY5"/>
+                </a:cxn>
+              </a:cxnLst>
+              <a:rect l="l" t="t" r="r" b="b"/>
+              <a:pathLst>
+                <a:path w="995942" h="663961">
+                  <a:moveTo>
+                    <a:pt x="0" y="0"/>
+                  </a:moveTo>
+                  <a:lnTo>
+                    <a:pt x="829952" y="0"/>
+                  </a:lnTo>
+                  <a:lnTo>
+                    <a:pt x="995943" y="331981"/>
+                  </a:lnTo>
+                  <a:lnTo>
+                    <a:pt x="829952" y="663962"/>
+                  </a:lnTo>
+                  <a:lnTo>
+                    <a:pt x="0" y="663962"/>
+                  </a:lnTo>
+                  <a:lnTo>
+                    <a:pt x="165990" y="331981"/>
+                  </a:lnTo>
+                  <a:close/>
+                </a:path>
+              </a:pathLst>
+            </a:custGeom>
+            <a:solidFill>
+              <a:srgbClr val="FFFFFF"/>
+            </a:solidFill>
+            <a:ln w="8300" cap="flat">
+              <a:solidFill>
+                <a:srgbClr val="000000"/>
+              </a:solidFill>
+              <a:prstDash val="solid"/>
+              <a:miter/>
+            </a:ln>
+          </p:spPr>
+          <p:txBody>
+            <a:bodyPr rtlCol="0" anchor="ctr"/>
+            <a:lstStyle/>
+            <a:p>
+              <a:endParaRPr lang="it-IT">
+                <a:latin typeface="Helvetica" panose="020B0604020202020204" pitchFamily="34" charset="0"/>
+                <a:cs typeface="Helvetica" panose="020B0604020202020204" pitchFamily="34" charset="0"/>
+              </a:endParaRPr>
+            </a:p>
+          </p:txBody>
+        </p:sp>
+        <p:pic>
+          <p:nvPicPr>
+            <p:cNvPr id="53" name="Immagine 52">
+              <a:extLst>
+                <a:ext uri="{FF2B5EF4-FFF2-40B4-BE49-F238E27FC236}">
+                  <a16:creationId xmlns:a16="http://schemas.microsoft.com/office/drawing/2014/main" id="{2C339FAF-31B7-476A-AD12-36C9CFA2E466}"/>
+                </a:ext>
+              </a:extLst>
+            </p:cNvPr>
+            <p:cNvPicPr>
+              <a:picLocks noChangeAspect="1"/>
+            </p:cNvPicPr>
+            <p:nvPr/>
+          </p:nvPicPr>
+          <p:blipFill>
+            <a:blip r:embed="rId7"/>
+            <a:stretch>
+              <a:fillRect/>
+            </a:stretch>
+          </p:blipFill>
+          <p:spPr>
+            <a:xfrm>
+              <a:off x="10959520" y="1113433"/>
+              <a:ext cx="979343" cy="141091"/>
+            </a:xfrm>
+            <a:custGeom>
+              <a:avLst/>
+              <a:gdLst>
+                <a:gd name="connsiteX0" fmla="*/ -1 w 979343"/>
+                <a:gd name="connsiteY0" fmla="*/ -1 h 141091"/>
+                <a:gd name="connsiteX1" fmla="*/ 979343 w 979343"/>
+                <a:gd name="connsiteY1" fmla="*/ -1 h 141091"/>
+                <a:gd name="connsiteX2" fmla="*/ 979343 w 979343"/>
+                <a:gd name="connsiteY2" fmla="*/ 141091 h 141091"/>
+                <a:gd name="connsiteX3" fmla="*/ -1 w 979343"/>
+                <a:gd name="connsiteY3" fmla="*/ 141091 h 141091"/>
+              </a:gdLst>
+              <a:ahLst/>
+              <a:cxnLst>
+                <a:cxn ang="0">
+                  <a:pos x="connsiteX0" y="connsiteY0"/>
+                </a:cxn>
+                <a:cxn ang="0">
+                  <a:pos x="connsiteX1" y="connsiteY1"/>
+                </a:cxn>
+                <a:cxn ang="0">
+                  <a:pos x="connsiteX2" y="connsiteY2"/>
+                </a:cxn>
+                <a:cxn ang="0">
+                  <a:pos x="connsiteX3" y="connsiteY3"/>
+                </a:cxn>
+              </a:cxnLst>
+              <a:rect l="l" t="t" r="r" b="b"/>
+              <a:pathLst>
+                <a:path w="979343" h="141091">
+                  <a:moveTo>
+                    <a:pt x="-1" y="-1"/>
+                  </a:moveTo>
+                  <a:lnTo>
+                    <a:pt x="979343" y="-1"/>
+                  </a:lnTo>
+                  <a:lnTo>
+                    <a:pt x="979343" y="141091"/>
+                  </a:lnTo>
+                  <a:lnTo>
+                    <a:pt x="-1" y="141091"/>
+                  </a:lnTo>
+                  <a:close/>
+                </a:path>
+              </a:pathLst>
+            </a:custGeom>
+          </p:spPr>
+        </p:pic>
+      </p:grpSp>
+      <p:grpSp>
+        <p:nvGrpSpPr>
+          <p:cNvPr id="54" name="Elemento grafico 6">
+            <a:extLst>
+              <a:ext uri="{FF2B5EF4-FFF2-40B4-BE49-F238E27FC236}">
+                <a16:creationId xmlns:a16="http://schemas.microsoft.com/office/drawing/2014/main" id="{E4572841-4E9F-4249-BCF4-F033207B91F5}"/>
+              </a:ext>
+            </a:extLst>
+          </p:cNvPr>
+          <p:cNvGrpSpPr/>
+          <p:nvPr/>
+        </p:nvGrpSpPr>
+        <p:grpSpPr>
+          <a:xfrm>
+            <a:off x="10955371" y="2333462"/>
+            <a:ext cx="995942" cy="663961"/>
+            <a:chOff x="10955371" y="2333462"/>
+            <a:chExt cx="995942" cy="663961"/>
+          </a:xfrm>
+          <a:solidFill>
+            <a:srgbClr val="FFFFFF"/>
+          </a:solidFill>
+        </p:grpSpPr>
+        <p:sp>
+          <p:nvSpPr>
+            <p:cNvPr id="55" name="Figura a mano libera: forma 54">
+              <a:extLst>
+                <a:ext uri="{FF2B5EF4-FFF2-40B4-BE49-F238E27FC236}">
+                  <a16:creationId xmlns:a16="http://schemas.microsoft.com/office/drawing/2014/main" id="{8DE85678-7DDD-40C2-95F3-B74D67166D6A}"/>
+                </a:ext>
+              </a:extLst>
+            </p:cNvPr>
+            <p:cNvSpPr/>
+            <p:nvPr/>
+          </p:nvSpPr>
+          <p:spPr>
+            <a:xfrm>
+              <a:off x="10955371" y="2333462"/>
+              <a:ext cx="995942" cy="663961"/>
+            </a:xfrm>
+            <a:custGeom>
+              <a:avLst/>
+              <a:gdLst>
+                <a:gd name="connsiteX0" fmla="*/ 0 w 995942"/>
+                <a:gd name="connsiteY0" fmla="*/ 0 h 663961"/>
+                <a:gd name="connsiteX1" fmla="*/ 829952 w 995942"/>
+                <a:gd name="connsiteY1" fmla="*/ 0 h 663961"/>
+                <a:gd name="connsiteX2" fmla="*/ 995943 w 995942"/>
+                <a:gd name="connsiteY2" fmla="*/ 331981 h 663961"/>
+                <a:gd name="connsiteX3" fmla="*/ 829952 w 995942"/>
+                <a:gd name="connsiteY3" fmla="*/ 663962 h 663961"/>
+                <a:gd name="connsiteX4" fmla="*/ 0 w 995942"/>
+                <a:gd name="connsiteY4" fmla="*/ 663962 h 663961"/>
+                <a:gd name="connsiteX5" fmla="*/ 165990 w 995942"/>
+                <a:gd name="connsiteY5" fmla="*/ 331981 h 663961"/>
+              </a:gdLst>
+              <a:ahLst/>
+              <a:cxnLst>
+                <a:cxn ang="0">
+                  <a:pos x="connsiteX0" y="connsiteY0"/>
+                </a:cxn>
+                <a:cxn ang="0">
+                  <a:pos x="connsiteX1" y="connsiteY1"/>
+                </a:cxn>
+                <a:cxn ang="0">
+                  <a:pos x="connsiteX2" y="connsiteY2"/>
+                </a:cxn>
+                <a:cxn ang="0">
+                  <a:pos x="connsiteX3" y="connsiteY3"/>
+                </a:cxn>
+                <a:cxn ang="0">
+                  <a:pos x="connsiteX4" y="connsiteY4"/>
+                </a:cxn>
+                <a:cxn ang="0">
+                  <a:pos x="connsiteX5" y="connsiteY5"/>
+                </a:cxn>
+              </a:cxnLst>
+              <a:rect l="l" t="t" r="r" b="b"/>
+              <a:pathLst>
+                <a:path w="995942" h="663961">
+                  <a:moveTo>
+                    <a:pt x="0" y="0"/>
+                  </a:moveTo>
+                  <a:lnTo>
+                    <a:pt x="829952" y="0"/>
+                  </a:lnTo>
+                  <a:lnTo>
+                    <a:pt x="995943" y="331981"/>
+                  </a:lnTo>
+                  <a:lnTo>
+                    <a:pt x="829952" y="663962"/>
+                  </a:lnTo>
+                  <a:lnTo>
+                    <a:pt x="0" y="663962"/>
+                  </a:lnTo>
+                  <a:lnTo>
+                    <a:pt x="165990" y="331981"/>
+                  </a:lnTo>
+                  <a:close/>
+                </a:path>
+              </a:pathLst>
+            </a:custGeom>
+            <a:solidFill>
+              <a:srgbClr val="FFFFFF"/>
+            </a:solidFill>
+            <a:ln w="8300" cap="flat">
+              <a:solidFill>
+                <a:srgbClr val="000000"/>
+              </a:solidFill>
+              <a:prstDash val="solid"/>
+              <a:miter/>
+            </a:ln>
+          </p:spPr>
+          <p:txBody>
+            <a:bodyPr rtlCol="0" anchor="ctr"/>
+            <a:lstStyle/>
+            <a:p>
+              <a:endParaRPr lang="it-IT">
+                <a:latin typeface="Helvetica" panose="020B0604020202020204" pitchFamily="34" charset="0"/>
+                <a:cs typeface="Helvetica" panose="020B0604020202020204" pitchFamily="34" charset="0"/>
+              </a:endParaRPr>
+            </a:p>
+          </p:txBody>
+        </p:sp>
+        <p:pic>
+          <p:nvPicPr>
+            <p:cNvPr id="56" name="Immagine 55">
+              <a:extLst>
+                <a:ext uri="{FF2B5EF4-FFF2-40B4-BE49-F238E27FC236}">
+                  <a16:creationId xmlns:a16="http://schemas.microsoft.com/office/drawing/2014/main" id="{4085C9A0-135F-4555-BEA8-E30A8F0FD699}"/>
+                </a:ext>
+              </a:extLst>
+            </p:cNvPr>
+            <p:cNvPicPr>
+              <a:picLocks noChangeAspect="1"/>
+            </p:cNvPicPr>
+            <p:nvPr/>
+          </p:nvPicPr>
+          <p:blipFill>
+            <a:blip r:embed="rId8"/>
+            <a:stretch>
+              <a:fillRect/>
+            </a:stretch>
+          </p:blipFill>
+          <p:spPr>
+            <a:xfrm>
+              <a:off x="10959520" y="2545100"/>
+              <a:ext cx="979343" cy="265584"/>
+            </a:xfrm>
+            <a:custGeom>
+              <a:avLst/>
+              <a:gdLst>
+                <a:gd name="connsiteX0" fmla="*/ -1 w 979343"/>
+                <a:gd name="connsiteY0" fmla="*/ -1 h 265584"/>
+                <a:gd name="connsiteX1" fmla="*/ 979343 w 979343"/>
+                <a:gd name="connsiteY1" fmla="*/ -1 h 265584"/>
+                <a:gd name="connsiteX2" fmla="*/ 979343 w 979343"/>
+                <a:gd name="connsiteY2" fmla="*/ 265584 h 265584"/>
+                <a:gd name="connsiteX3" fmla="*/ -1 w 979343"/>
+                <a:gd name="connsiteY3" fmla="*/ 265584 h 265584"/>
+              </a:gdLst>
+              <a:ahLst/>
+              <a:cxnLst>
+                <a:cxn ang="0">
+                  <a:pos x="connsiteX0" y="connsiteY0"/>
+                </a:cxn>
+                <a:cxn ang="0">
+                  <a:pos x="connsiteX1" y="connsiteY1"/>
+                </a:cxn>
+                <a:cxn ang="0">
+                  <a:pos x="connsiteX2" y="connsiteY2"/>
+                </a:cxn>
+                <a:cxn ang="0">
+                  <a:pos x="connsiteX3" y="connsiteY3"/>
+                </a:cxn>
+              </a:cxnLst>
+              <a:rect l="l" t="t" r="r" b="b"/>
+              <a:pathLst>
+                <a:path w="979343" h="265584">
+                  <a:moveTo>
+                    <a:pt x="-1" y="-1"/>
+                  </a:moveTo>
+                  <a:lnTo>
+                    <a:pt x="979343" y="-1"/>
+                  </a:lnTo>
+                  <a:lnTo>
+                    <a:pt x="979343" y="265584"/>
+                  </a:lnTo>
+                  <a:lnTo>
+                    <a:pt x="-1" y="265584"/>
+                  </a:lnTo>
+                  <a:close/>
+                </a:path>
+              </a:pathLst>
+            </a:custGeom>
+          </p:spPr>
+        </p:pic>
+      </p:grpSp>
+      <p:grpSp>
+        <p:nvGrpSpPr>
+          <p:cNvPr id="57" name="Elemento grafico 6">
+            <a:extLst>
+              <a:ext uri="{FF2B5EF4-FFF2-40B4-BE49-F238E27FC236}">
+                <a16:creationId xmlns:a16="http://schemas.microsoft.com/office/drawing/2014/main" id="{1A61289C-D90B-49E2-9B17-03EAA0A51B6D}"/>
+              </a:ext>
+            </a:extLst>
+          </p:cNvPr>
+          <p:cNvGrpSpPr/>
+          <p:nvPr/>
+        </p:nvGrpSpPr>
+        <p:grpSpPr>
+          <a:xfrm>
+            <a:off x="27115" y="1671084"/>
+            <a:ext cx="497971" cy="663961"/>
+            <a:chOff x="82995" y="1254524"/>
+            <a:chExt cx="497971" cy="663961"/>
+          </a:xfrm>
+        </p:grpSpPr>
+        <p:grpSp>
+          <p:nvGrpSpPr>
+            <p:cNvPr id="58" name="Elemento grafico 6">
+              <a:extLst>
+                <a:ext uri="{FF2B5EF4-FFF2-40B4-BE49-F238E27FC236}">
+                  <a16:creationId xmlns:a16="http://schemas.microsoft.com/office/drawing/2014/main" id="{0E074D11-DC88-40BC-A00D-BCEF9A310853}"/>
+                </a:ext>
+              </a:extLst>
+            </p:cNvPr>
+            <p:cNvGrpSpPr/>
+            <p:nvPr/>
+          </p:nvGrpSpPr>
+          <p:grpSpPr>
+            <a:xfrm>
+              <a:off x="82995" y="1254524"/>
+              <a:ext cx="497971" cy="663961"/>
+              <a:chOff x="82995" y="1254524"/>
+              <a:chExt cx="497971" cy="663961"/>
+            </a:xfrm>
+          </p:grpSpPr>
+          <p:sp>
+            <p:nvSpPr>
+              <p:cNvPr id="59" name="Figura a mano libera: forma 58">
+                <a:extLst>
+                  <a:ext uri="{FF2B5EF4-FFF2-40B4-BE49-F238E27FC236}">
+                    <a16:creationId xmlns:a16="http://schemas.microsoft.com/office/drawing/2014/main" id="{01DED75F-0F21-4CA6-9412-7027FBE95692}"/>
+                  </a:ext>
+                </a:extLst>
+              </p:cNvPr>
+              <p:cNvSpPr/>
+              <p:nvPr/>
+            </p:nvSpPr>
+            <p:spPr>
+              <a:xfrm>
+                <a:off x="82995" y="1254524"/>
+                <a:ext cx="497971" cy="663961"/>
+              </a:xfrm>
+              <a:custGeom>
+                <a:avLst/>
+                <a:gdLst>
+                  <a:gd name="connsiteX0" fmla="*/ 0 w 497971"/>
+                  <a:gd name="connsiteY0" fmla="*/ 124493 h 663961"/>
+                  <a:gd name="connsiteX1" fmla="*/ 248986 w 497971"/>
+                  <a:gd name="connsiteY1" fmla="*/ 0 h 663961"/>
+                  <a:gd name="connsiteX2" fmla="*/ 425019 w 497971"/>
+                  <a:gd name="connsiteY2" fmla="*/ 36435 h 663961"/>
+                  <a:gd name="connsiteX3" fmla="*/ 497971 w 497971"/>
+                  <a:gd name="connsiteY3" fmla="*/ 124493 h 663961"/>
+                  <a:gd name="connsiteX4" fmla="*/ 497971 w 497971"/>
+                  <a:gd name="connsiteY4" fmla="*/ 539469 h 663961"/>
+                  <a:gd name="connsiteX5" fmla="*/ 248986 w 497971"/>
+                  <a:gd name="connsiteY5" fmla="*/ 663962 h 663961"/>
+                  <a:gd name="connsiteX6" fmla="*/ 0 w 497971"/>
+                  <a:gd name="connsiteY6" fmla="*/ 539469 h 663961"/>
+                </a:gdLst>
+                <a:ahLst/>
+                <a:cxnLst>
+                  <a:cxn ang="0">
+                    <a:pos x="connsiteX0" y="connsiteY0"/>
+                  </a:cxn>
+                  <a:cxn ang="0">
+                    <a:pos x="connsiteX1" y="connsiteY1"/>
+                  </a:cxn>
+                  <a:cxn ang="0">
+                    <a:pos x="connsiteX2" y="connsiteY2"/>
+                  </a:cxn>
+                  <a:cxn ang="0">
+                    <a:pos x="connsiteX3" y="connsiteY3"/>
+                  </a:cxn>
+                  <a:cxn ang="0">
+                    <a:pos x="connsiteX4" y="connsiteY4"/>
+                  </a:cxn>
+                  <a:cxn ang="0">
+                    <a:pos x="connsiteX5" y="connsiteY5"/>
+                  </a:cxn>
+                  <a:cxn ang="0">
+                    <a:pos x="connsiteX6" y="connsiteY6"/>
+                  </a:cxn>
+                </a:cxnLst>
+                <a:rect l="l" t="t" r="r" b="b"/>
+                <a:pathLst>
+                  <a:path w="497971" h="663961">
+                    <a:moveTo>
+                      <a:pt x="0" y="124493"/>
+                    </a:moveTo>
+                    <a:cubicBezTo>
+                      <a:pt x="0" y="55773"/>
+                      <a:pt x="111463" y="0"/>
+                      <a:pt x="248986" y="0"/>
+                    </a:cubicBezTo>
+                    <a:cubicBezTo>
+                      <a:pt x="315050" y="0"/>
+                      <a:pt x="378375" y="13113"/>
+                      <a:pt x="425019" y="36435"/>
+                    </a:cubicBezTo>
+                    <a:cubicBezTo>
+                      <a:pt x="471745" y="59840"/>
+                      <a:pt x="497971" y="91461"/>
+                      <a:pt x="497971" y="124493"/>
+                    </a:cubicBezTo>
+                    <a:lnTo>
+                      <a:pt x="497971" y="539469"/>
+                    </a:lnTo>
+                    <a:cubicBezTo>
+                      <a:pt x="497971" y="608189"/>
+                      <a:pt x="386509" y="663962"/>
+                      <a:pt x="248986" y="663962"/>
+                    </a:cubicBezTo>
+                    <a:cubicBezTo>
+                      <a:pt x="111463" y="663962"/>
+                      <a:pt x="0" y="608189"/>
+                      <a:pt x="0" y="539469"/>
+                    </a:cubicBezTo>
+                    <a:close/>
+                  </a:path>
+                </a:pathLst>
+              </a:custGeom>
+              <a:solidFill>
+                <a:srgbClr val="FFFFFF"/>
+              </a:solidFill>
+              <a:ln w="8300" cap="flat">
+                <a:solidFill>
+                  <a:srgbClr val="000000"/>
+                </a:solidFill>
+                <a:prstDash val="solid"/>
+                <a:miter/>
+              </a:ln>
+            </p:spPr>
+            <p:txBody>
+              <a:bodyPr rtlCol="0" anchor="ctr"/>
+              <a:lstStyle/>
+              <a:p>
+                <a:endParaRPr lang="it-IT">
+                  <a:latin typeface="Helvetica" panose="020B0604020202020204" pitchFamily="34" charset="0"/>
+                  <a:cs typeface="Helvetica" panose="020B0604020202020204" pitchFamily="34" charset="0"/>
+                </a:endParaRPr>
+              </a:p>
+            </p:txBody>
+          </p:sp>
+          <p:sp>
+            <p:nvSpPr>
+              <p:cNvPr id="60" name="Figura a mano libera: forma 59">
+                <a:extLst>
+                  <a:ext uri="{FF2B5EF4-FFF2-40B4-BE49-F238E27FC236}">
+                    <a16:creationId xmlns:a16="http://schemas.microsoft.com/office/drawing/2014/main" id="{3A766CBD-2ADE-485C-9FBD-A96F0A4662DB}"/>
+                  </a:ext>
+                </a:extLst>
+              </p:cNvPr>
+              <p:cNvSpPr/>
+              <p:nvPr/>
+            </p:nvSpPr>
+            <p:spPr>
+              <a:xfrm>
+                <a:off x="82995" y="1379017"/>
+                <a:ext cx="497971" cy="124492"/>
+              </a:xfrm>
+              <a:custGeom>
+                <a:avLst/>
+                <a:gdLst>
+                  <a:gd name="connsiteX0" fmla="*/ 497971 w 497971"/>
+                  <a:gd name="connsiteY0" fmla="*/ 0 h 124492"/>
+                  <a:gd name="connsiteX1" fmla="*/ 248986 w 497971"/>
+                  <a:gd name="connsiteY1" fmla="*/ 124493 h 124492"/>
+                  <a:gd name="connsiteX2" fmla="*/ 0 w 497971"/>
+                  <a:gd name="connsiteY2" fmla="*/ 0 h 124492"/>
+                </a:gdLst>
+                <a:ahLst/>
+                <a:cxnLst>
+                  <a:cxn ang="0">
+                    <a:pos x="connsiteX0" y="connsiteY0"/>
+                  </a:cxn>
+                  <a:cxn ang="0">
+                    <a:pos x="connsiteX1" y="connsiteY1"/>
+                  </a:cxn>
+                  <a:cxn ang="0">
+                    <a:pos x="connsiteX2" y="connsiteY2"/>
+                  </a:cxn>
+                </a:cxnLst>
+                <a:rect l="l" t="t" r="r" b="b"/>
+                <a:pathLst>
+                  <a:path w="497971" h="124492">
+                    <a:moveTo>
+                      <a:pt x="497971" y="0"/>
+                    </a:moveTo>
+                    <a:cubicBezTo>
+                      <a:pt x="497971" y="68720"/>
+                      <a:pt x="386509" y="124493"/>
+                      <a:pt x="248986" y="124493"/>
+                    </a:cubicBezTo>
+                    <a:cubicBezTo>
+                      <a:pt x="111463" y="124493"/>
+                      <a:pt x="0" y="68720"/>
+                      <a:pt x="0" y="0"/>
+                    </a:cubicBezTo>
+                  </a:path>
+                </a:pathLst>
+              </a:custGeom>
+              <a:noFill/>
+              <a:ln w="8300" cap="flat">
+                <a:solidFill>
+                  <a:srgbClr val="000000"/>
+                </a:solidFill>
+                <a:prstDash val="solid"/>
+                <a:miter/>
+              </a:ln>
+            </p:spPr>
+            <p:txBody>
+              <a:bodyPr rtlCol="0" anchor="ctr"/>
+              <a:lstStyle/>
+              <a:p>
+                <a:endParaRPr lang="it-IT">
+                  <a:latin typeface="Helvetica" panose="020B0604020202020204" pitchFamily="34" charset="0"/>
+                  <a:cs typeface="Helvetica" panose="020B0604020202020204" pitchFamily="34" charset="0"/>
+                </a:endParaRPr>
+              </a:p>
+            </p:txBody>
+          </p:sp>
+        </p:grpSp>
+        <p:pic>
+          <p:nvPicPr>
+            <p:cNvPr id="61" name="Immagine 60">
+              <a:extLst>
+                <a:ext uri="{FF2B5EF4-FFF2-40B4-BE49-F238E27FC236}">
+                  <a16:creationId xmlns:a16="http://schemas.microsoft.com/office/drawing/2014/main" id="{60B20C85-7867-4126-8E24-B265C3E3E1DE}"/>
+                </a:ext>
+              </a:extLst>
+            </p:cNvPr>
+            <p:cNvPicPr>
+              <a:picLocks noChangeAspect="1"/>
+            </p:cNvPicPr>
+            <p:nvPr/>
+          </p:nvPicPr>
+          <p:blipFill>
+            <a:blip r:embed="rId3"/>
+            <a:stretch>
+              <a:fillRect/>
+            </a:stretch>
+          </p:blipFill>
+          <p:spPr>
+            <a:xfrm>
+              <a:off x="87144" y="1574056"/>
+              <a:ext cx="481372" cy="265584"/>
+            </a:xfrm>
+            <a:custGeom>
+              <a:avLst/>
+              <a:gdLst>
+                <a:gd name="connsiteX0" fmla="*/ -1 w 481372"/>
+                <a:gd name="connsiteY0" fmla="*/ -1 h 265584"/>
+                <a:gd name="connsiteX1" fmla="*/ 481372 w 481372"/>
+                <a:gd name="connsiteY1" fmla="*/ -1 h 265584"/>
+                <a:gd name="connsiteX2" fmla="*/ 481372 w 481372"/>
+                <a:gd name="connsiteY2" fmla="*/ 265584 h 265584"/>
+                <a:gd name="connsiteX3" fmla="*/ -1 w 481372"/>
+                <a:gd name="connsiteY3" fmla="*/ 265584 h 265584"/>
+              </a:gdLst>
+              <a:ahLst/>
+              <a:cxnLst>
+                <a:cxn ang="0">
+                  <a:pos x="connsiteX0" y="connsiteY0"/>
+                </a:cxn>
+                <a:cxn ang="0">
+                  <a:pos x="connsiteX1" y="connsiteY1"/>
+                </a:cxn>
+                <a:cxn ang="0">
+                  <a:pos x="connsiteX2" y="connsiteY2"/>
+                </a:cxn>
+                <a:cxn ang="0">
+                  <a:pos x="connsiteX3" y="connsiteY3"/>
+                </a:cxn>
+              </a:cxnLst>
+              <a:rect l="l" t="t" r="r" b="b"/>
+              <a:pathLst>
+                <a:path w="481372" h="265584">
+                  <a:moveTo>
+                    <a:pt x="-1" y="-1"/>
+                  </a:moveTo>
+                  <a:lnTo>
+                    <a:pt x="481372" y="-1"/>
+                  </a:lnTo>
+                  <a:lnTo>
+                    <a:pt x="481372" y="265584"/>
+                  </a:lnTo>
+                  <a:lnTo>
+                    <a:pt x="-1" y="265584"/>
+                  </a:lnTo>
+                  <a:close/>
+                </a:path>
+              </a:pathLst>
+            </a:custGeom>
+          </p:spPr>
+        </p:pic>
+      </p:grpSp>
+      <p:grpSp>
+        <p:nvGrpSpPr>
+          <p:cNvPr id="62" name="Elemento grafico 6">
+            <a:extLst>
+              <a:ext uri="{FF2B5EF4-FFF2-40B4-BE49-F238E27FC236}">
+                <a16:creationId xmlns:a16="http://schemas.microsoft.com/office/drawing/2014/main" id="{7DE49BF3-F11B-4CC9-B3DD-AB4A6192C282}"/>
+              </a:ext>
+            </a:extLst>
+          </p:cNvPr>
+          <p:cNvGrpSpPr/>
+          <p:nvPr/>
+        </p:nvGrpSpPr>
+        <p:grpSpPr>
+          <a:xfrm>
+            <a:off x="110110" y="1837075"/>
+            <a:ext cx="497971" cy="663961"/>
+            <a:chOff x="165990" y="1420515"/>
+            <a:chExt cx="497971" cy="663961"/>
+          </a:xfrm>
+        </p:grpSpPr>
+        <p:grpSp>
+          <p:nvGrpSpPr>
+            <p:cNvPr id="63" name="Elemento grafico 6">
+              <a:extLst>
+                <a:ext uri="{FF2B5EF4-FFF2-40B4-BE49-F238E27FC236}">
+                  <a16:creationId xmlns:a16="http://schemas.microsoft.com/office/drawing/2014/main" id="{F3F5232F-EA33-4383-A229-637B55C21FF2}"/>
+                </a:ext>
+              </a:extLst>
+            </p:cNvPr>
+            <p:cNvGrpSpPr/>
+            <p:nvPr/>
+          </p:nvGrpSpPr>
+          <p:grpSpPr>
+            <a:xfrm>
+              <a:off x="165990" y="1420515"/>
+              <a:ext cx="497971" cy="663961"/>
+              <a:chOff x="165990" y="1420515"/>
+              <a:chExt cx="497971" cy="663961"/>
+            </a:xfrm>
+          </p:grpSpPr>
+          <p:sp>
+            <p:nvSpPr>
+              <p:cNvPr id="64" name="Figura a mano libera: forma 63">
+                <a:extLst>
+                  <a:ext uri="{FF2B5EF4-FFF2-40B4-BE49-F238E27FC236}">
+                    <a16:creationId xmlns:a16="http://schemas.microsoft.com/office/drawing/2014/main" id="{C1957ECA-9618-45DC-A434-CB5121FA41E0}"/>
+                  </a:ext>
+                </a:extLst>
+              </p:cNvPr>
+              <p:cNvSpPr/>
+              <p:nvPr/>
+            </p:nvSpPr>
+            <p:spPr>
+              <a:xfrm>
+                <a:off x="165990" y="1420515"/>
+                <a:ext cx="497971" cy="663961"/>
+              </a:xfrm>
+              <a:custGeom>
+                <a:avLst/>
+                <a:gdLst>
+                  <a:gd name="connsiteX0" fmla="*/ 0 w 497971"/>
+                  <a:gd name="connsiteY0" fmla="*/ 124493 h 663961"/>
+                  <a:gd name="connsiteX1" fmla="*/ 248986 w 497971"/>
+                  <a:gd name="connsiteY1" fmla="*/ 0 h 663961"/>
+                  <a:gd name="connsiteX2" fmla="*/ 425019 w 497971"/>
+                  <a:gd name="connsiteY2" fmla="*/ 36435 h 663961"/>
+                  <a:gd name="connsiteX3" fmla="*/ 497971 w 497971"/>
+                  <a:gd name="connsiteY3" fmla="*/ 124493 h 663961"/>
+                  <a:gd name="connsiteX4" fmla="*/ 497971 w 497971"/>
+                  <a:gd name="connsiteY4" fmla="*/ 539469 h 663961"/>
+                  <a:gd name="connsiteX5" fmla="*/ 248986 w 497971"/>
+                  <a:gd name="connsiteY5" fmla="*/ 663962 h 663961"/>
+                  <a:gd name="connsiteX6" fmla="*/ 0 w 497971"/>
+                  <a:gd name="connsiteY6" fmla="*/ 539469 h 663961"/>
+                </a:gdLst>
+                <a:ahLst/>
+                <a:cxnLst>
+                  <a:cxn ang="0">
+                    <a:pos x="connsiteX0" y="connsiteY0"/>
+                  </a:cxn>
+                  <a:cxn ang="0">
+                    <a:pos x="connsiteX1" y="connsiteY1"/>
+                  </a:cxn>
+                  <a:cxn ang="0">
+                    <a:pos x="connsiteX2" y="connsiteY2"/>
+                  </a:cxn>
+                  <a:cxn ang="0">
+                    <a:pos x="connsiteX3" y="connsiteY3"/>
+                  </a:cxn>
+                  <a:cxn ang="0">
+                    <a:pos x="connsiteX4" y="connsiteY4"/>
+                  </a:cxn>
+                  <a:cxn ang="0">
+                    <a:pos x="connsiteX5" y="connsiteY5"/>
+                  </a:cxn>
+                  <a:cxn ang="0">
+                    <a:pos x="connsiteX6" y="connsiteY6"/>
+                  </a:cxn>
+                </a:cxnLst>
+                <a:rect l="l" t="t" r="r" b="b"/>
+                <a:pathLst>
+                  <a:path w="497971" h="663961">
+                    <a:moveTo>
+                      <a:pt x="0" y="124493"/>
+                    </a:moveTo>
+                    <a:cubicBezTo>
+                      <a:pt x="0" y="55773"/>
+                      <a:pt x="111463" y="0"/>
+                      <a:pt x="248986" y="0"/>
+                    </a:cubicBezTo>
+                    <a:cubicBezTo>
+                      <a:pt x="315050" y="0"/>
+                      <a:pt x="378375" y="13113"/>
+                      <a:pt x="425019" y="36435"/>
+                    </a:cubicBezTo>
+                    <a:cubicBezTo>
+                      <a:pt x="471745" y="59840"/>
+                      <a:pt x="497971" y="91461"/>
+                      <a:pt x="497971" y="124493"/>
+                    </a:cubicBezTo>
+                    <a:lnTo>
+                      <a:pt x="497971" y="539469"/>
+                    </a:lnTo>
+                    <a:cubicBezTo>
+                      <a:pt x="497971" y="608189"/>
+                      <a:pt x="386509" y="663962"/>
+                      <a:pt x="248986" y="663962"/>
+                    </a:cubicBezTo>
+                    <a:cubicBezTo>
+                      <a:pt x="111463" y="663962"/>
+                      <a:pt x="0" y="608189"/>
+                      <a:pt x="0" y="539469"/>
+                    </a:cubicBezTo>
+                    <a:close/>
+                  </a:path>
+                </a:pathLst>
+              </a:custGeom>
+              <a:solidFill>
+                <a:srgbClr val="FFFFFF"/>
+              </a:solidFill>
+              <a:ln w="8300" cap="flat">
+                <a:solidFill>
+                  <a:srgbClr val="000000"/>
+                </a:solidFill>
+                <a:prstDash val="solid"/>
+                <a:miter/>
+              </a:ln>
+            </p:spPr>
+            <p:txBody>
+              <a:bodyPr rtlCol="0" anchor="ctr"/>
+              <a:lstStyle/>
+              <a:p>
+                <a:endParaRPr lang="it-IT">
+                  <a:latin typeface="Helvetica" panose="020B0604020202020204" pitchFamily="34" charset="0"/>
+                  <a:cs typeface="Helvetica" panose="020B0604020202020204" pitchFamily="34" charset="0"/>
+                </a:endParaRPr>
+              </a:p>
+            </p:txBody>
+          </p:sp>
+          <p:sp>
+            <p:nvSpPr>
+              <p:cNvPr id="65" name="Figura a mano libera: forma 64">
+                <a:extLst>
+                  <a:ext uri="{FF2B5EF4-FFF2-40B4-BE49-F238E27FC236}">
+                    <a16:creationId xmlns:a16="http://schemas.microsoft.com/office/drawing/2014/main" id="{26EA561C-2A66-43C8-AFBF-FD934F22E47A}"/>
+                  </a:ext>
+                </a:extLst>
+              </p:cNvPr>
+              <p:cNvSpPr/>
+              <p:nvPr/>
+            </p:nvSpPr>
+            <p:spPr>
+              <a:xfrm>
+                <a:off x="165990" y="1545008"/>
+                <a:ext cx="497971" cy="124492"/>
+              </a:xfrm>
+              <a:custGeom>
+                <a:avLst/>
+                <a:gdLst>
+                  <a:gd name="connsiteX0" fmla="*/ 497971 w 497971"/>
+                  <a:gd name="connsiteY0" fmla="*/ 0 h 124492"/>
+                  <a:gd name="connsiteX1" fmla="*/ 248986 w 497971"/>
+                  <a:gd name="connsiteY1" fmla="*/ 124493 h 124492"/>
+                  <a:gd name="connsiteX2" fmla="*/ 0 w 497971"/>
+                  <a:gd name="connsiteY2" fmla="*/ 0 h 124492"/>
+                </a:gdLst>
+                <a:ahLst/>
+                <a:cxnLst>
+                  <a:cxn ang="0">
+                    <a:pos x="connsiteX0" y="connsiteY0"/>
+                  </a:cxn>
+                  <a:cxn ang="0">
+                    <a:pos x="connsiteX1" y="connsiteY1"/>
+                  </a:cxn>
+                  <a:cxn ang="0">
+                    <a:pos x="connsiteX2" y="connsiteY2"/>
+                  </a:cxn>
+                </a:cxnLst>
+                <a:rect l="l" t="t" r="r" b="b"/>
+                <a:pathLst>
+                  <a:path w="497971" h="124492">
+                    <a:moveTo>
+                      <a:pt x="497971" y="0"/>
+                    </a:moveTo>
+                    <a:cubicBezTo>
+                      <a:pt x="497971" y="68720"/>
+                      <a:pt x="386509" y="124493"/>
+                      <a:pt x="248986" y="124493"/>
+                    </a:cubicBezTo>
+                    <a:cubicBezTo>
+                      <a:pt x="111463" y="124493"/>
+                      <a:pt x="0" y="68720"/>
+                      <a:pt x="0" y="0"/>
+                    </a:cubicBezTo>
+                  </a:path>
+                </a:pathLst>
+              </a:custGeom>
+              <a:noFill/>
+              <a:ln w="8300" cap="flat">
+                <a:solidFill>
+                  <a:srgbClr val="000000"/>
+                </a:solidFill>
+                <a:prstDash val="solid"/>
+                <a:miter/>
+              </a:ln>
+            </p:spPr>
+            <p:txBody>
+              <a:bodyPr rtlCol="0" anchor="ctr"/>
+              <a:lstStyle/>
+              <a:p>
+                <a:endParaRPr lang="it-IT">
+                  <a:latin typeface="Helvetica" panose="020B0604020202020204" pitchFamily="34" charset="0"/>
+                  <a:cs typeface="Helvetica" panose="020B0604020202020204" pitchFamily="34" charset="0"/>
+                </a:endParaRPr>
+              </a:p>
+            </p:txBody>
+          </p:sp>
+        </p:grpSp>
+        <p:pic>
+          <p:nvPicPr>
+            <p:cNvPr id="66" name="Immagine 65">
+              <a:extLst>
+                <a:ext uri="{FF2B5EF4-FFF2-40B4-BE49-F238E27FC236}">
+                  <a16:creationId xmlns:a16="http://schemas.microsoft.com/office/drawing/2014/main" id="{964815D5-9F18-4B90-B0AF-64106FC71572}"/>
+                </a:ext>
+              </a:extLst>
+            </p:cNvPr>
+            <p:cNvPicPr>
+              <a:picLocks noChangeAspect="1"/>
+            </p:cNvPicPr>
+            <p:nvPr/>
+          </p:nvPicPr>
+          <p:blipFill>
+            <a:blip r:embed="rId3"/>
+            <a:stretch>
+              <a:fillRect/>
+            </a:stretch>
+          </p:blipFill>
+          <p:spPr>
+            <a:xfrm>
+              <a:off x="170140" y="1740047"/>
+              <a:ext cx="481372" cy="265584"/>
+            </a:xfrm>
+            <a:custGeom>
+              <a:avLst/>
+              <a:gdLst>
+                <a:gd name="connsiteX0" fmla="*/ -1 w 481372"/>
+                <a:gd name="connsiteY0" fmla="*/ -1 h 265584"/>
+                <a:gd name="connsiteX1" fmla="*/ 481372 w 481372"/>
+                <a:gd name="connsiteY1" fmla="*/ -1 h 265584"/>
+                <a:gd name="connsiteX2" fmla="*/ 481372 w 481372"/>
+                <a:gd name="connsiteY2" fmla="*/ 265584 h 265584"/>
+                <a:gd name="connsiteX3" fmla="*/ -1 w 481372"/>
+                <a:gd name="connsiteY3" fmla="*/ 265584 h 265584"/>
+              </a:gdLst>
+              <a:ahLst/>
+              <a:cxnLst>
+                <a:cxn ang="0">
+                  <a:pos x="connsiteX0" y="connsiteY0"/>
+                </a:cxn>
+                <a:cxn ang="0">
+                  <a:pos x="connsiteX1" y="connsiteY1"/>
+                </a:cxn>
+                <a:cxn ang="0">
+                  <a:pos x="connsiteX2" y="connsiteY2"/>
+                </a:cxn>
+                <a:cxn ang="0">
+                  <a:pos x="connsiteX3" y="connsiteY3"/>
+                </a:cxn>
+              </a:cxnLst>
+              <a:rect l="l" t="t" r="r" b="b"/>
+              <a:pathLst>
+                <a:path w="481372" h="265584">
+                  <a:moveTo>
+                    <a:pt x="-1" y="-1"/>
+                  </a:moveTo>
+                  <a:lnTo>
+                    <a:pt x="481372" y="-1"/>
+                  </a:lnTo>
+                  <a:lnTo>
+                    <a:pt x="481372" y="265584"/>
+                  </a:lnTo>
+                  <a:lnTo>
+                    <a:pt x="-1" y="265584"/>
+                  </a:lnTo>
+                  <a:close/>
+                </a:path>
+              </a:pathLst>
+            </a:custGeom>
+          </p:spPr>
+        </p:pic>
+      </p:grpSp>
+      <p:grpSp>
+        <p:nvGrpSpPr>
+          <p:cNvPr id="67" name="Elemento grafico 6">
+            <a:extLst>
+              <a:ext uri="{FF2B5EF4-FFF2-40B4-BE49-F238E27FC236}">
+                <a16:creationId xmlns:a16="http://schemas.microsoft.com/office/drawing/2014/main" id="{E677BACD-EC1A-4931-BBAB-CA6462F05B58}"/>
+              </a:ext>
+            </a:extLst>
+          </p:cNvPr>
+          <p:cNvGrpSpPr/>
+          <p:nvPr/>
+        </p:nvGrpSpPr>
+        <p:grpSpPr>
+          <a:xfrm>
+            <a:off x="193105" y="2003065"/>
+            <a:ext cx="497971" cy="663961"/>
+            <a:chOff x="248985" y="1586505"/>
+            <a:chExt cx="497971" cy="663961"/>
+          </a:xfrm>
+        </p:grpSpPr>
+        <p:grpSp>
+          <p:nvGrpSpPr>
+            <p:cNvPr id="68" name="Elemento grafico 6">
+              <a:extLst>
+                <a:ext uri="{FF2B5EF4-FFF2-40B4-BE49-F238E27FC236}">
+                  <a16:creationId xmlns:a16="http://schemas.microsoft.com/office/drawing/2014/main" id="{68F6DF64-8791-4DF3-822D-02FCECF4AD99}"/>
+                </a:ext>
+              </a:extLst>
+            </p:cNvPr>
+            <p:cNvGrpSpPr/>
+            <p:nvPr/>
+          </p:nvGrpSpPr>
+          <p:grpSpPr>
+            <a:xfrm>
+              <a:off x="248985" y="1586505"/>
+              <a:ext cx="497971" cy="663961"/>
+              <a:chOff x="248985" y="1586505"/>
+              <a:chExt cx="497971" cy="663961"/>
+            </a:xfrm>
+          </p:grpSpPr>
+          <p:sp>
+            <p:nvSpPr>
+              <p:cNvPr id="69" name="Figura a mano libera: forma 68">
+                <a:extLst>
+                  <a:ext uri="{FF2B5EF4-FFF2-40B4-BE49-F238E27FC236}">
+                    <a16:creationId xmlns:a16="http://schemas.microsoft.com/office/drawing/2014/main" id="{DC91A805-4452-45A1-ACF3-92B724C629DB}"/>
+                  </a:ext>
+                </a:extLst>
+              </p:cNvPr>
+              <p:cNvSpPr/>
+              <p:nvPr/>
+            </p:nvSpPr>
+            <p:spPr>
+              <a:xfrm>
+                <a:off x="248985" y="1586505"/>
+                <a:ext cx="497971" cy="663961"/>
+              </a:xfrm>
+              <a:custGeom>
+                <a:avLst/>
+                <a:gdLst>
+                  <a:gd name="connsiteX0" fmla="*/ 0 w 497971"/>
+                  <a:gd name="connsiteY0" fmla="*/ 124493 h 663961"/>
+                  <a:gd name="connsiteX1" fmla="*/ 248986 w 497971"/>
+                  <a:gd name="connsiteY1" fmla="*/ 0 h 663961"/>
+                  <a:gd name="connsiteX2" fmla="*/ 425019 w 497971"/>
+                  <a:gd name="connsiteY2" fmla="*/ 36435 h 663961"/>
+                  <a:gd name="connsiteX3" fmla="*/ 497971 w 497971"/>
+                  <a:gd name="connsiteY3" fmla="*/ 124493 h 663961"/>
+                  <a:gd name="connsiteX4" fmla="*/ 497971 w 497971"/>
+                  <a:gd name="connsiteY4" fmla="*/ 539469 h 663961"/>
+                  <a:gd name="connsiteX5" fmla="*/ 248986 w 497971"/>
+                  <a:gd name="connsiteY5" fmla="*/ 663962 h 663961"/>
+                  <a:gd name="connsiteX6" fmla="*/ 0 w 497971"/>
+                  <a:gd name="connsiteY6" fmla="*/ 539469 h 663961"/>
+                </a:gdLst>
+                <a:ahLst/>
+                <a:cxnLst>
+                  <a:cxn ang="0">
+                    <a:pos x="connsiteX0" y="connsiteY0"/>
+                  </a:cxn>
+                  <a:cxn ang="0">
+                    <a:pos x="connsiteX1" y="connsiteY1"/>
+                  </a:cxn>
+                  <a:cxn ang="0">
+                    <a:pos x="connsiteX2" y="connsiteY2"/>
+                  </a:cxn>
+                  <a:cxn ang="0">
+                    <a:pos x="connsiteX3" y="connsiteY3"/>
+                  </a:cxn>
+                  <a:cxn ang="0">
+                    <a:pos x="connsiteX4" y="connsiteY4"/>
+                  </a:cxn>
+                  <a:cxn ang="0">
+                    <a:pos x="connsiteX5" y="connsiteY5"/>
+                  </a:cxn>
+                  <a:cxn ang="0">
+                    <a:pos x="connsiteX6" y="connsiteY6"/>
+                  </a:cxn>
+                </a:cxnLst>
+                <a:rect l="l" t="t" r="r" b="b"/>
+                <a:pathLst>
+                  <a:path w="497971" h="663961">
+                    <a:moveTo>
+                      <a:pt x="0" y="124493"/>
+                    </a:moveTo>
+                    <a:cubicBezTo>
+                      <a:pt x="0" y="55773"/>
+                      <a:pt x="111463" y="0"/>
+                      <a:pt x="248986" y="0"/>
+                    </a:cubicBezTo>
+                    <a:cubicBezTo>
+                      <a:pt x="315050" y="0"/>
+                      <a:pt x="378375" y="13113"/>
+                      <a:pt x="425019" y="36435"/>
+                    </a:cubicBezTo>
+                    <a:cubicBezTo>
+                      <a:pt x="471745" y="59840"/>
+                      <a:pt x="497971" y="91461"/>
+                      <a:pt x="497971" y="124493"/>
+                    </a:cubicBezTo>
+                    <a:lnTo>
+                      <a:pt x="497971" y="539469"/>
+                    </a:lnTo>
+                    <a:cubicBezTo>
+                      <a:pt x="497971" y="608189"/>
+                      <a:pt x="386509" y="663962"/>
+                      <a:pt x="248986" y="663962"/>
+                    </a:cubicBezTo>
+                    <a:cubicBezTo>
+                      <a:pt x="111463" y="663962"/>
+                      <a:pt x="0" y="608189"/>
+                      <a:pt x="0" y="539469"/>
+                    </a:cubicBezTo>
+                    <a:close/>
+                  </a:path>
+                </a:pathLst>
+              </a:custGeom>
+              <a:solidFill>
+                <a:srgbClr val="FFFFFF"/>
+              </a:solidFill>
+              <a:ln w="8300" cap="flat">
+                <a:solidFill>
+                  <a:srgbClr val="000000"/>
+                </a:solidFill>
+                <a:prstDash val="solid"/>
+                <a:miter/>
+              </a:ln>
+            </p:spPr>
+            <p:txBody>
+              <a:bodyPr rtlCol="0" anchor="ctr"/>
+              <a:lstStyle/>
+              <a:p>
+                <a:endParaRPr lang="it-IT">
+                  <a:latin typeface="Helvetica" panose="020B0604020202020204" pitchFamily="34" charset="0"/>
+                  <a:cs typeface="Helvetica" panose="020B0604020202020204" pitchFamily="34" charset="0"/>
+                </a:endParaRPr>
+              </a:p>
+            </p:txBody>
+          </p:sp>
+          <p:sp>
+            <p:nvSpPr>
+              <p:cNvPr id="70" name="Figura a mano libera: forma 69">
+                <a:extLst>
+                  <a:ext uri="{FF2B5EF4-FFF2-40B4-BE49-F238E27FC236}">
+                    <a16:creationId xmlns:a16="http://schemas.microsoft.com/office/drawing/2014/main" id="{14D5ADF9-6C94-484E-8641-71200AFFFB0C}"/>
+                  </a:ext>
+                </a:extLst>
+              </p:cNvPr>
+              <p:cNvSpPr/>
+              <p:nvPr/>
+            </p:nvSpPr>
+            <p:spPr>
+              <a:xfrm>
+                <a:off x="248985" y="1710998"/>
+                <a:ext cx="497971" cy="124492"/>
+              </a:xfrm>
+              <a:custGeom>
+                <a:avLst/>
+                <a:gdLst>
+                  <a:gd name="connsiteX0" fmla="*/ 497971 w 497971"/>
+                  <a:gd name="connsiteY0" fmla="*/ 0 h 124492"/>
+                  <a:gd name="connsiteX1" fmla="*/ 248986 w 497971"/>
+                  <a:gd name="connsiteY1" fmla="*/ 124493 h 124492"/>
+                  <a:gd name="connsiteX2" fmla="*/ 0 w 497971"/>
+                  <a:gd name="connsiteY2" fmla="*/ 0 h 124492"/>
+                </a:gdLst>
+                <a:ahLst/>
+                <a:cxnLst>
+                  <a:cxn ang="0">
+                    <a:pos x="connsiteX0" y="connsiteY0"/>
+                  </a:cxn>
+                  <a:cxn ang="0">
+                    <a:pos x="connsiteX1" y="connsiteY1"/>
+                  </a:cxn>
+                  <a:cxn ang="0">
+                    <a:pos x="connsiteX2" y="connsiteY2"/>
+                  </a:cxn>
+                </a:cxnLst>
+                <a:rect l="l" t="t" r="r" b="b"/>
+                <a:pathLst>
+                  <a:path w="497971" h="124492">
+                    <a:moveTo>
+                      <a:pt x="497971" y="0"/>
+                    </a:moveTo>
+                    <a:cubicBezTo>
+                      <a:pt x="497971" y="68720"/>
+                      <a:pt x="386509" y="124493"/>
+                      <a:pt x="248986" y="124493"/>
+                    </a:cubicBezTo>
+                    <a:cubicBezTo>
+                      <a:pt x="111463" y="124493"/>
+                      <a:pt x="0" y="68720"/>
+                      <a:pt x="0" y="0"/>
+                    </a:cubicBezTo>
+                  </a:path>
+                </a:pathLst>
+              </a:custGeom>
+              <a:noFill/>
+              <a:ln w="8300" cap="flat">
+                <a:solidFill>
+                  <a:srgbClr val="000000"/>
+                </a:solidFill>
+                <a:prstDash val="solid"/>
+                <a:miter/>
+              </a:ln>
+            </p:spPr>
+            <p:txBody>
+              <a:bodyPr rtlCol="0" anchor="ctr"/>
+              <a:lstStyle/>
+              <a:p>
+                <a:endParaRPr lang="it-IT">
+                  <a:latin typeface="Helvetica" panose="020B0604020202020204" pitchFamily="34" charset="0"/>
+                  <a:cs typeface="Helvetica" panose="020B0604020202020204" pitchFamily="34" charset="0"/>
+                </a:endParaRPr>
+              </a:p>
+            </p:txBody>
+          </p:sp>
+        </p:grpSp>
+        <p:pic>
+          <p:nvPicPr>
+            <p:cNvPr id="71" name="Immagine 70">
+              <a:extLst>
+                <a:ext uri="{FF2B5EF4-FFF2-40B4-BE49-F238E27FC236}">
+                  <a16:creationId xmlns:a16="http://schemas.microsoft.com/office/drawing/2014/main" id="{92C10020-3A94-495D-BDDE-27B91D3F2731}"/>
+                </a:ext>
+              </a:extLst>
+            </p:cNvPr>
+            <p:cNvPicPr>
+              <a:picLocks noChangeAspect="1"/>
+            </p:cNvPicPr>
+            <p:nvPr/>
+          </p:nvPicPr>
+          <p:blipFill>
+            <a:blip r:embed="rId3"/>
+            <a:stretch>
+              <a:fillRect/>
+            </a:stretch>
+          </p:blipFill>
+          <p:spPr>
+            <a:xfrm>
+              <a:off x="253135" y="1906037"/>
+              <a:ext cx="481372" cy="265584"/>
+            </a:xfrm>
+            <a:custGeom>
+              <a:avLst/>
+              <a:gdLst>
+                <a:gd name="connsiteX0" fmla="*/ -1 w 481372"/>
+                <a:gd name="connsiteY0" fmla="*/ -1 h 265584"/>
+                <a:gd name="connsiteX1" fmla="*/ 481372 w 481372"/>
+                <a:gd name="connsiteY1" fmla="*/ -1 h 265584"/>
+                <a:gd name="connsiteX2" fmla="*/ 481372 w 481372"/>
+                <a:gd name="connsiteY2" fmla="*/ 265584 h 265584"/>
+                <a:gd name="connsiteX3" fmla="*/ -1 w 481372"/>
+                <a:gd name="connsiteY3" fmla="*/ 265584 h 265584"/>
+              </a:gdLst>
+              <a:ahLst/>
+              <a:cxnLst>
+                <a:cxn ang="0">
+                  <a:pos x="connsiteX0" y="connsiteY0"/>
+                </a:cxn>
+                <a:cxn ang="0">
+                  <a:pos x="connsiteX1" y="connsiteY1"/>
+                </a:cxn>
+                <a:cxn ang="0">
+                  <a:pos x="connsiteX2" y="connsiteY2"/>
+                </a:cxn>
+                <a:cxn ang="0">
+                  <a:pos x="connsiteX3" y="connsiteY3"/>
+                </a:cxn>
+              </a:cxnLst>
+              <a:rect l="l" t="t" r="r" b="b"/>
+              <a:pathLst>
+                <a:path w="481372" h="265584">
+                  <a:moveTo>
+                    <a:pt x="-1" y="-1"/>
+                  </a:moveTo>
+                  <a:lnTo>
+                    <a:pt x="481372" y="-1"/>
+                  </a:lnTo>
+                  <a:lnTo>
+                    <a:pt x="481372" y="265584"/>
+                  </a:lnTo>
+                  <a:lnTo>
+                    <a:pt x="-1" y="265584"/>
+                  </a:lnTo>
+                  <a:close/>
+                </a:path>
+              </a:pathLst>
+            </a:custGeom>
+          </p:spPr>
+        </p:pic>
+      </p:grpSp>
+      <p:grpSp>
+        <p:nvGrpSpPr>
+          <p:cNvPr id="72" name="Elemento grafico 6">
+            <a:extLst>
+              <a:ext uri="{FF2B5EF4-FFF2-40B4-BE49-F238E27FC236}">
+                <a16:creationId xmlns:a16="http://schemas.microsoft.com/office/drawing/2014/main" id="{28C50968-6E96-4AAC-878E-BE0C1B67E115}"/>
+              </a:ext>
+            </a:extLst>
+          </p:cNvPr>
+          <p:cNvGrpSpPr/>
+          <p:nvPr/>
+        </p:nvGrpSpPr>
+        <p:grpSpPr>
+          <a:xfrm>
+            <a:off x="1235599" y="2477445"/>
+            <a:ext cx="2700592" cy="2419675"/>
+            <a:chOff x="1281013" y="2709555"/>
+            <a:chExt cx="3121651" cy="3121651"/>
+          </a:xfrm>
+          <a:solidFill>
+            <a:srgbClr val="FFFFFF"/>
+          </a:solidFill>
+        </p:grpSpPr>
+        <p:sp>
+          <p:nvSpPr>
+            <p:cNvPr id="73" name="Figura a mano libera: forma 72">
+              <a:extLst>
+                <a:ext uri="{FF2B5EF4-FFF2-40B4-BE49-F238E27FC236}">
+                  <a16:creationId xmlns:a16="http://schemas.microsoft.com/office/drawing/2014/main" id="{D8378B40-08C1-4AA4-B414-A333F8983ACD}"/>
+                </a:ext>
+              </a:extLst>
+            </p:cNvPr>
+            <p:cNvSpPr/>
+            <p:nvPr/>
+          </p:nvSpPr>
+          <p:spPr>
+            <a:xfrm rot="2700000">
+              <a:off x="828499" y="4076380"/>
+              <a:ext cx="4026679" cy="388002"/>
+            </a:xfrm>
+            <a:custGeom>
+              <a:avLst/>
+              <a:gdLst>
+                <a:gd name="connsiteX0" fmla="*/ 0 w 4026679"/>
+                <a:gd name="connsiteY0" fmla="*/ 0 h 388002"/>
+                <a:gd name="connsiteX1" fmla="*/ 3860689 w 4026679"/>
+                <a:gd name="connsiteY1" fmla="*/ 0 h 388002"/>
+                <a:gd name="connsiteX2" fmla="*/ 4026680 w 4026679"/>
+                <a:gd name="connsiteY2" fmla="*/ 193960 h 388002"/>
+                <a:gd name="connsiteX3" fmla="*/ 3860689 w 4026679"/>
+                <a:gd name="connsiteY3" fmla="*/ 388003 h 388002"/>
+                <a:gd name="connsiteX4" fmla="*/ 0 w 4026679"/>
+                <a:gd name="connsiteY4" fmla="*/ 388003 h 388002"/>
+                <a:gd name="connsiteX5" fmla="*/ 165990 w 4026679"/>
+                <a:gd name="connsiteY5" fmla="*/ 193960 h 388002"/>
+              </a:gdLst>
+              <a:ahLst/>
+              <a:cxnLst>
+                <a:cxn ang="0">
+                  <a:pos x="connsiteX0" y="connsiteY0"/>
+                </a:cxn>
+                <a:cxn ang="0">
+                  <a:pos x="connsiteX1" y="connsiteY1"/>
+                </a:cxn>
+                <a:cxn ang="0">
+                  <a:pos x="connsiteX2" y="connsiteY2"/>
+                </a:cxn>
+                <a:cxn ang="0">
+                  <a:pos x="connsiteX3" y="connsiteY3"/>
+                </a:cxn>
+                <a:cxn ang="0">
+                  <a:pos x="connsiteX4" y="connsiteY4"/>
+                </a:cxn>
+                <a:cxn ang="0">
+                  <a:pos x="connsiteX5" y="connsiteY5"/>
+                </a:cxn>
+              </a:cxnLst>
+              <a:rect l="l" t="t" r="r" b="b"/>
+              <a:pathLst>
+                <a:path w="4026679" h="388002">
+                  <a:moveTo>
+                    <a:pt x="0" y="0"/>
+                  </a:moveTo>
+                  <a:lnTo>
+                    <a:pt x="3860689" y="0"/>
+                  </a:lnTo>
+                  <a:lnTo>
+                    <a:pt x="4026680" y="193960"/>
+                  </a:lnTo>
+                  <a:lnTo>
+                    <a:pt x="3860689" y="388003"/>
+                  </a:lnTo>
+                  <a:lnTo>
+                    <a:pt x="0" y="388003"/>
+                  </a:lnTo>
+                  <a:lnTo>
+                    <a:pt x="165990" y="193960"/>
+                  </a:lnTo>
+                  <a:close/>
+                </a:path>
+              </a:pathLst>
+            </a:custGeom>
+            <a:solidFill>
+              <a:srgbClr val="FFFFFF"/>
+            </a:solidFill>
+            <a:ln w="8300" cap="flat">
+              <a:solidFill>
+                <a:srgbClr val="000000"/>
+              </a:solidFill>
+              <a:prstDash val="solid"/>
+              <a:miter/>
+            </a:ln>
+          </p:spPr>
+          <p:txBody>
+            <a:bodyPr rtlCol="0" anchor="ctr"/>
+            <a:lstStyle/>
+            <a:p>
+              <a:endParaRPr lang="it-IT">
+                <a:latin typeface="Helvetica" panose="020B0604020202020204" pitchFamily="34" charset="0"/>
+                <a:cs typeface="Helvetica" panose="020B0604020202020204" pitchFamily="34" charset="0"/>
+              </a:endParaRPr>
+            </a:p>
+          </p:txBody>
+        </p:sp>
+        <p:pic>
+          <p:nvPicPr>
+            <p:cNvPr id="74" name="Immagine 73">
+              <a:extLst>
+                <a:ext uri="{FF2B5EF4-FFF2-40B4-BE49-F238E27FC236}">
+                  <a16:creationId xmlns:a16="http://schemas.microsoft.com/office/drawing/2014/main" id="{38110B98-3F86-44DA-BFFB-FF8960C46EE9}"/>
+                </a:ext>
+              </a:extLst>
+            </p:cNvPr>
+            <p:cNvPicPr>
+              <a:picLocks noChangeAspect="1"/>
+            </p:cNvPicPr>
+            <p:nvPr/>
+          </p:nvPicPr>
+          <p:blipFill>
+            <a:blip r:embed="rId9"/>
+            <a:stretch>
+              <a:fillRect/>
+            </a:stretch>
+          </p:blipFill>
+          <p:spPr>
+            <a:xfrm rot="2700000">
+              <a:off x="824358" y="4143457"/>
+              <a:ext cx="4008669" cy="265584"/>
+            </a:xfrm>
+            <a:custGeom>
+              <a:avLst/>
+              <a:gdLst>
+                <a:gd name="connsiteX0" fmla="*/ -2 w 4008669"/>
+                <a:gd name="connsiteY0" fmla="*/ -1 h 265584"/>
+                <a:gd name="connsiteX1" fmla="*/ 4008668 w 4008669"/>
+                <a:gd name="connsiteY1" fmla="*/ -1 h 265584"/>
+                <a:gd name="connsiteX2" fmla="*/ 4008668 w 4008669"/>
+                <a:gd name="connsiteY2" fmla="*/ 265584 h 265584"/>
+                <a:gd name="connsiteX3" fmla="*/ -2 w 4008669"/>
+                <a:gd name="connsiteY3" fmla="*/ 265584 h 265584"/>
+              </a:gdLst>
+              <a:ahLst/>
+              <a:cxnLst>
+                <a:cxn ang="0">
+                  <a:pos x="connsiteX0" y="connsiteY0"/>
+                </a:cxn>
+                <a:cxn ang="0">
+                  <a:pos x="connsiteX1" y="connsiteY1"/>
+                </a:cxn>
+                <a:cxn ang="0">
+                  <a:pos x="connsiteX2" y="connsiteY2"/>
+                </a:cxn>
+                <a:cxn ang="0">
+                  <a:pos x="connsiteX3" y="connsiteY3"/>
+                </a:cxn>
+              </a:cxnLst>
+              <a:rect l="l" t="t" r="r" b="b"/>
+              <a:pathLst>
+                <a:path w="4008669" h="265584">
+                  <a:moveTo>
+                    <a:pt x="-2" y="-1"/>
+                  </a:moveTo>
+                  <a:lnTo>
+                    <a:pt x="4008668" y="-1"/>
+                  </a:lnTo>
+                  <a:lnTo>
+                    <a:pt x="4008668" y="265584"/>
+                  </a:lnTo>
+                  <a:lnTo>
+                    <a:pt x="-2" y="265584"/>
+                  </a:lnTo>
+                  <a:close/>
+                </a:path>
+              </a:pathLst>
+            </a:custGeom>
+          </p:spPr>
+        </p:pic>
+      </p:grpSp>
+      <p:grpSp>
+        <p:nvGrpSpPr>
+          <p:cNvPr id="75" name="Elemento grafico 6">
+            <a:extLst>
+              <a:ext uri="{FF2B5EF4-FFF2-40B4-BE49-F238E27FC236}">
+                <a16:creationId xmlns:a16="http://schemas.microsoft.com/office/drawing/2014/main" id="{7B4ADCF1-1F95-46A3-A0A8-1F4F221345ED}"/>
+              </a:ext>
+            </a:extLst>
+          </p:cNvPr>
+          <p:cNvGrpSpPr/>
+          <p:nvPr/>
+        </p:nvGrpSpPr>
+        <p:grpSpPr>
+          <a:xfrm>
+            <a:off x="2199371" y="1473459"/>
+            <a:ext cx="746957" cy="912947"/>
+            <a:chOff x="2406861" y="1918486"/>
+            <a:chExt cx="746957" cy="912947"/>
+          </a:xfrm>
+        </p:grpSpPr>
+        <p:grpSp>
+          <p:nvGrpSpPr>
+            <p:cNvPr id="76" name="Elemento grafico 6">
+              <a:extLst>
+                <a:ext uri="{FF2B5EF4-FFF2-40B4-BE49-F238E27FC236}">
+                  <a16:creationId xmlns:a16="http://schemas.microsoft.com/office/drawing/2014/main" id="{2221B4EC-A58D-443F-8D81-550289218479}"/>
+                </a:ext>
+              </a:extLst>
+            </p:cNvPr>
+            <p:cNvGrpSpPr/>
+            <p:nvPr/>
+          </p:nvGrpSpPr>
+          <p:grpSpPr>
+            <a:xfrm>
+              <a:off x="2406861" y="1918486"/>
+              <a:ext cx="746957" cy="912947"/>
+              <a:chOff x="2406861" y="1918486"/>
+              <a:chExt cx="746957" cy="912947"/>
+            </a:xfrm>
+          </p:grpSpPr>
+          <p:sp>
+            <p:nvSpPr>
+              <p:cNvPr id="77" name="Figura a mano libera: forma 76">
+                <a:extLst>
+                  <a:ext uri="{FF2B5EF4-FFF2-40B4-BE49-F238E27FC236}">
+                    <a16:creationId xmlns:a16="http://schemas.microsoft.com/office/drawing/2014/main" id="{59630903-8748-4AB7-864E-A1F8F64F7A89}"/>
+                  </a:ext>
+                </a:extLst>
+              </p:cNvPr>
+              <p:cNvSpPr/>
+              <p:nvPr/>
+            </p:nvSpPr>
+            <p:spPr>
+              <a:xfrm>
+                <a:off x="2406861" y="1918486"/>
+                <a:ext cx="746957" cy="912947"/>
+              </a:xfrm>
+              <a:custGeom>
+                <a:avLst/>
+                <a:gdLst>
+                  <a:gd name="connsiteX0" fmla="*/ 0 w 746957"/>
+                  <a:gd name="connsiteY0" fmla="*/ 124493 h 912947"/>
+                  <a:gd name="connsiteX1" fmla="*/ 373479 w 746957"/>
+                  <a:gd name="connsiteY1" fmla="*/ 0 h 912947"/>
+                  <a:gd name="connsiteX2" fmla="*/ 637569 w 746957"/>
+                  <a:gd name="connsiteY2" fmla="*/ 36435 h 912947"/>
+                  <a:gd name="connsiteX3" fmla="*/ 746957 w 746957"/>
+                  <a:gd name="connsiteY3" fmla="*/ 124493 h 912947"/>
+                  <a:gd name="connsiteX4" fmla="*/ 746957 w 746957"/>
+                  <a:gd name="connsiteY4" fmla="*/ 788455 h 912947"/>
+                  <a:gd name="connsiteX5" fmla="*/ 373479 w 746957"/>
+                  <a:gd name="connsiteY5" fmla="*/ 912948 h 912947"/>
+                  <a:gd name="connsiteX6" fmla="*/ 0 w 746957"/>
+                  <a:gd name="connsiteY6" fmla="*/ 788455 h 912947"/>
+                </a:gdLst>
+                <a:ahLst/>
+                <a:cxnLst>
+                  <a:cxn ang="0">
+                    <a:pos x="connsiteX0" y="connsiteY0"/>
+                  </a:cxn>
+                  <a:cxn ang="0">
+                    <a:pos x="connsiteX1" y="connsiteY1"/>
+                  </a:cxn>
+                  <a:cxn ang="0">
+                    <a:pos x="connsiteX2" y="connsiteY2"/>
+                  </a:cxn>
+                  <a:cxn ang="0">
+                    <a:pos x="connsiteX3" y="connsiteY3"/>
+                  </a:cxn>
+                  <a:cxn ang="0">
+                    <a:pos x="connsiteX4" y="connsiteY4"/>
+                  </a:cxn>
+                  <a:cxn ang="0">
+                    <a:pos x="connsiteX5" y="connsiteY5"/>
+                  </a:cxn>
+                  <a:cxn ang="0">
+                    <a:pos x="connsiteX6" y="connsiteY6"/>
+                  </a:cxn>
+                </a:cxnLst>
+                <a:rect l="l" t="t" r="r" b="b"/>
+                <a:pathLst>
+                  <a:path w="746957" h="912947">
+                    <a:moveTo>
+                      <a:pt x="0" y="124493"/>
+                    </a:moveTo>
+                    <a:cubicBezTo>
+                      <a:pt x="0" y="55773"/>
+                      <a:pt x="167235" y="0"/>
+                      <a:pt x="373479" y="0"/>
+                    </a:cubicBezTo>
+                    <a:cubicBezTo>
+                      <a:pt x="472492" y="0"/>
+                      <a:pt x="567521" y="13113"/>
+                      <a:pt x="637569" y="36435"/>
+                    </a:cubicBezTo>
+                    <a:cubicBezTo>
+                      <a:pt x="707617" y="59840"/>
+                      <a:pt x="746957" y="91461"/>
+                      <a:pt x="746957" y="124493"/>
+                    </a:cubicBezTo>
+                    <a:lnTo>
+                      <a:pt x="746957" y="788455"/>
+                    </a:lnTo>
+                    <a:cubicBezTo>
+                      <a:pt x="746957" y="857175"/>
+                      <a:pt x="579722" y="912948"/>
+                      <a:pt x="373479" y="912948"/>
+                    </a:cubicBezTo>
+                    <a:cubicBezTo>
+                      <a:pt x="167235" y="912948"/>
+                      <a:pt x="0" y="857175"/>
+                      <a:pt x="0" y="788455"/>
+                    </a:cubicBezTo>
+                    <a:close/>
+                  </a:path>
+                </a:pathLst>
+              </a:custGeom>
+              <a:solidFill>
+                <a:srgbClr val="FFFFFF"/>
+              </a:solidFill>
+              <a:ln w="8300" cap="flat">
+                <a:solidFill>
+                  <a:srgbClr val="000000"/>
+                </a:solidFill>
+                <a:prstDash val="solid"/>
+                <a:miter/>
+              </a:ln>
+            </p:spPr>
+            <p:txBody>
+              <a:bodyPr rtlCol="0" anchor="ctr"/>
+              <a:lstStyle/>
+              <a:p>
+                <a:endParaRPr lang="it-IT">
+                  <a:latin typeface="Helvetica" panose="020B0604020202020204" pitchFamily="34" charset="0"/>
+                  <a:cs typeface="Helvetica" panose="020B0604020202020204" pitchFamily="34" charset="0"/>
+                </a:endParaRPr>
+              </a:p>
+            </p:txBody>
+          </p:sp>
+          <p:sp>
+            <p:nvSpPr>
+              <p:cNvPr id="78" name="Figura a mano libera: forma 77">
+                <a:extLst>
+                  <a:ext uri="{FF2B5EF4-FFF2-40B4-BE49-F238E27FC236}">
+                    <a16:creationId xmlns:a16="http://schemas.microsoft.com/office/drawing/2014/main" id="{A784AB42-EE99-4392-8531-6E46A6899986}"/>
+                  </a:ext>
+                </a:extLst>
+              </p:cNvPr>
+              <p:cNvSpPr/>
+              <p:nvPr/>
+            </p:nvSpPr>
+            <p:spPr>
+              <a:xfrm>
+                <a:off x="2406861" y="2042979"/>
+                <a:ext cx="746957" cy="124492"/>
+              </a:xfrm>
+              <a:custGeom>
+                <a:avLst/>
+                <a:gdLst>
+                  <a:gd name="connsiteX0" fmla="*/ 746957 w 746957"/>
+                  <a:gd name="connsiteY0" fmla="*/ 0 h 124492"/>
+                  <a:gd name="connsiteX1" fmla="*/ 373479 w 746957"/>
+                  <a:gd name="connsiteY1" fmla="*/ 124493 h 124492"/>
+                  <a:gd name="connsiteX2" fmla="*/ 0 w 746957"/>
+                  <a:gd name="connsiteY2" fmla="*/ 0 h 124492"/>
+                </a:gdLst>
+                <a:ahLst/>
+                <a:cxnLst>
+                  <a:cxn ang="0">
+                    <a:pos x="connsiteX0" y="connsiteY0"/>
+                  </a:cxn>
+                  <a:cxn ang="0">
+                    <a:pos x="connsiteX1" y="connsiteY1"/>
+                  </a:cxn>
+                  <a:cxn ang="0">
+                    <a:pos x="connsiteX2" y="connsiteY2"/>
+                  </a:cxn>
+                </a:cxnLst>
+                <a:rect l="l" t="t" r="r" b="b"/>
+                <a:pathLst>
+                  <a:path w="746957" h="124492">
+                    <a:moveTo>
+                      <a:pt x="746957" y="0"/>
+                    </a:moveTo>
+                    <a:cubicBezTo>
+                      <a:pt x="746957" y="68720"/>
+                      <a:pt x="579722" y="124493"/>
+                      <a:pt x="373479" y="124493"/>
+                    </a:cubicBezTo>
+                    <a:cubicBezTo>
+                      <a:pt x="167235" y="124493"/>
+                      <a:pt x="0" y="68720"/>
+                      <a:pt x="0" y="0"/>
+                    </a:cubicBezTo>
+                  </a:path>
+                </a:pathLst>
+              </a:custGeom>
+              <a:noFill/>
+              <a:ln w="8300" cap="flat">
+                <a:solidFill>
+                  <a:srgbClr val="000000"/>
+                </a:solidFill>
+                <a:prstDash val="solid"/>
+                <a:miter/>
+              </a:ln>
+            </p:spPr>
+            <p:txBody>
+              <a:bodyPr rtlCol="0" anchor="ctr"/>
+              <a:lstStyle/>
+              <a:p>
+                <a:endParaRPr lang="it-IT">
+                  <a:latin typeface="Helvetica" panose="020B0604020202020204" pitchFamily="34" charset="0"/>
+                  <a:cs typeface="Helvetica" panose="020B0604020202020204" pitchFamily="34" charset="0"/>
+                </a:endParaRPr>
+              </a:p>
+            </p:txBody>
+          </p:sp>
+        </p:grpSp>
+        <p:pic>
+          <p:nvPicPr>
+            <p:cNvPr id="79" name="Immagine 78">
+              <a:extLst>
+                <a:ext uri="{FF2B5EF4-FFF2-40B4-BE49-F238E27FC236}">
+                  <a16:creationId xmlns:a16="http://schemas.microsoft.com/office/drawing/2014/main" id="{D871145E-4248-45EA-8544-D5E51B90F702}"/>
+                </a:ext>
+              </a:extLst>
+            </p:cNvPr>
+            <p:cNvPicPr>
+              <a:picLocks noChangeAspect="1"/>
+            </p:cNvPicPr>
+            <p:nvPr/>
+          </p:nvPicPr>
+          <p:blipFill>
+            <a:blip r:embed="rId10"/>
+            <a:stretch>
+              <a:fillRect/>
+            </a:stretch>
+          </p:blipFill>
+          <p:spPr>
+            <a:xfrm>
+              <a:off x="2411011" y="2304414"/>
+              <a:ext cx="730358" cy="381778"/>
+            </a:xfrm>
+            <a:custGeom>
+              <a:avLst/>
+              <a:gdLst>
+                <a:gd name="connsiteX0" fmla="*/ -1 w 730358"/>
+                <a:gd name="connsiteY0" fmla="*/ -1 h 381778"/>
+                <a:gd name="connsiteX1" fmla="*/ 730358 w 730358"/>
+                <a:gd name="connsiteY1" fmla="*/ -1 h 381778"/>
+                <a:gd name="connsiteX2" fmla="*/ 730358 w 730358"/>
+                <a:gd name="connsiteY2" fmla="*/ 381778 h 381778"/>
+                <a:gd name="connsiteX3" fmla="*/ -1 w 730358"/>
+                <a:gd name="connsiteY3" fmla="*/ 381778 h 381778"/>
+              </a:gdLst>
+              <a:ahLst/>
+              <a:cxnLst>
+                <a:cxn ang="0">
+                  <a:pos x="connsiteX0" y="connsiteY0"/>
+                </a:cxn>
+                <a:cxn ang="0">
+                  <a:pos x="connsiteX1" y="connsiteY1"/>
+                </a:cxn>
+                <a:cxn ang="0">
+                  <a:pos x="connsiteX2" y="connsiteY2"/>
+                </a:cxn>
+                <a:cxn ang="0">
+                  <a:pos x="connsiteX3" y="connsiteY3"/>
+                </a:cxn>
+              </a:cxnLst>
+              <a:rect l="l" t="t" r="r" b="b"/>
+              <a:pathLst>
+                <a:path w="730358" h="381778">
+                  <a:moveTo>
+                    <a:pt x="-1" y="-1"/>
+                  </a:moveTo>
+                  <a:lnTo>
+                    <a:pt x="730358" y="-1"/>
+                  </a:lnTo>
+                  <a:lnTo>
+                    <a:pt x="730358" y="381778"/>
+                  </a:lnTo>
+                  <a:lnTo>
+                    <a:pt x="-1" y="381778"/>
+                  </a:lnTo>
+                  <a:close/>
+                </a:path>
+              </a:pathLst>
+            </a:custGeom>
+          </p:spPr>
+        </p:pic>
+      </p:grpSp>
+      <p:grpSp>
+        <p:nvGrpSpPr>
+          <p:cNvPr id="80" name="Elemento grafico 6">
+            <a:extLst>
+              <a:ext uri="{FF2B5EF4-FFF2-40B4-BE49-F238E27FC236}">
+                <a16:creationId xmlns:a16="http://schemas.microsoft.com/office/drawing/2014/main" id="{5405B6C6-2023-4974-A1A5-1D7C7742411B}"/>
+              </a:ext>
+            </a:extLst>
+          </p:cNvPr>
+          <p:cNvGrpSpPr/>
+          <p:nvPr/>
+        </p:nvGrpSpPr>
+        <p:grpSpPr>
+          <a:xfrm>
+            <a:off x="2319714" y="960324"/>
+            <a:ext cx="497971" cy="489671"/>
+            <a:chOff x="2323866" y="3246410"/>
+            <a:chExt cx="497971" cy="489671"/>
+          </a:xfrm>
+          <a:noFill/>
+        </p:grpSpPr>
+        <p:sp>
+          <p:nvSpPr>
+            <p:cNvPr id="81" name="Figura a mano libera: forma 80">
+              <a:extLst>
+                <a:ext uri="{FF2B5EF4-FFF2-40B4-BE49-F238E27FC236}">
+                  <a16:creationId xmlns:a16="http://schemas.microsoft.com/office/drawing/2014/main" id="{C2770C52-4806-4DDB-8A14-6DBC01E5707C}"/>
+                </a:ext>
+              </a:extLst>
+            </p:cNvPr>
+            <p:cNvSpPr/>
+            <p:nvPr/>
+          </p:nvSpPr>
+          <p:spPr>
+            <a:xfrm>
+              <a:off x="2323866" y="3246410"/>
+              <a:ext cx="497971" cy="489671"/>
+            </a:xfrm>
+            <a:custGeom>
+              <a:avLst/>
+              <a:gdLst>
+                <a:gd name="connsiteX0" fmla="*/ 0 w 497971"/>
+                <a:gd name="connsiteY0" fmla="*/ 0 h 489671"/>
+                <a:gd name="connsiteX1" fmla="*/ 497971 w 497971"/>
+                <a:gd name="connsiteY1" fmla="*/ 0 h 489671"/>
+                <a:gd name="connsiteX2" fmla="*/ 497971 w 497971"/>
+                <a:gd name="connsiteY2" fmla="*/ 489672 h 489671"/>
+                <a:gd name="connsiteX3" fmla="*/ 0 w 497971"/>
+                <a:gd name="connsiteY3" fmla="*/ 489672 h 489671"/>
+              </a:gdLst>
+              <a:ahLst/>
+              <a:cxnLst>
+                <a:cxn ang="0">
+                  <a:pos x="connsiteX0" y="connsiteY0"/>
+                </a:cxn>
+                <a:cxn ang="0">
+                  <a:pos x="connsiteX1" y="connsiteY1"/>
+                </a:cxn>
+                <a:cxn ang="0">
+                  <a:pos x="connsiteX2" y="connsiteY2"/>
+                </a:cxn>
+                <a:cxn ang="0">
+                  <a:pos x="connsiteX3" y="connsiteY3"/>
+                </a:cxn>
+              </a:cxnLst>
+              <a:rect l="l" t="t" r="r" b="b"/>
+              <a:pathLst>
+                <a:path w="497971" h="489671">
+                  <a:moveTo>
+                    <a:pt x="0" y="0"/>
+                  </a:moveTo>
+                  <a:lnTo>
+                    <a:pt x="497971" y="0"/>
+                  </a:lnTo>
+                  <a:lnTo>
+                    <a:pt x="497971" y="489672"/>
+                  </a:lnTo>
+                  <a:lnTo>
+                    <a:pt x="0" y="489672"/>
+                  </a:lnTo>
+                  <a:close/>
+                </a:path>
+              </a:pathLst>
+            </a:custGeom>
+            <a:noFill/>
+            <a:ln w="8300" cap="flat">
+              <a:noFill/>
+              <a:prstDash val="solid"/>
+              <a:miter/>
+            </a:ln>
+          </p:spPr>
+          <p:txBody>
+            <a:bodyPr rtlCol="0" anchor="ctr"/>
+            <a:lstStyle/>
+            <a:p>
+              <a:endParaRPr lang="it-IT">
+                <a:latin typeface="Helvetica" panose="020B0604020202020204" pitchFamily="34" charset="0"/>
+                <a:cs typeface="Helvetica" panose="020B0604020202020204" pitchFamily="34" charset="0"/>
+              </a:endParaRPr>
+            </a:p>
+          </p:txBody>
+        </p:sp>
+        <p:pic>
+          <p:nvPicPr>
+            <p:cNvPr id="82" name="Immagine 81">
+              <a:extLst>
+                <a:ext uri="{FF2B5EF4-FFF2-40B4-BE49-F238E27FC236}">
+                  <a16:creationId xmlns:a16="http://schemas.microsoft.com/office/drawing/2014/main" id="{F26CEA65-9246-4DA7-B011-21D2C7A8CCF2}"/>
+                </a:ext>
+              </a:extLst>
+            </p:cNvPr>
+            <p:cNvPicPr>
+              <a:picLocks noChangeAspect="1"/>
+            </p:cNvPicPr>
+            <p:nvPr/>
+          </p:nvPicPr>
+          <p:blipFill>
+            <a:blip r:embed="rId11"/>
+            <a:stretch>
+              <a:fillRect/>
+            </a:stretch>
+          </p:blipFill>
+          <p:spPr>
+            <a:xfrm>
+              <a:off x="2328016" y="3316956"/>
+              <a:ext cx="481372" cy="381778"/>
+            </a:xfrm>
+            <a:custGeom>
+              <a:avLst/>
+              <a:gdLst>
+                <a:gd name="connsiteX0" fmla="*/ -1 w 481372"/>
+                <a:gd name="connsiteY0" fmla="*/ -1 h 381778"/>
+                <a:gd name="connsiteX1" fmla="*/ 481372 w 481372"/>
+                <a:gd name="connsiteY1" fmla="*/ -1 h 381778"/>
+                <a:gd name="connsiteX2" fmla="*/ 481372 w 481372"/>
+                <a:gd name="connsiteY2" fmla="*/ 381778 h 381778"/>
+                <a:gd name="connsiteX3" fmla="*/ -1 w 481372"/>
+                <a:gd name="connsiteY3" fmla="*/ 381778 h 381778"/>
+              </a:gdLst>
+              <a:ahLst/>
+              <a:cxnLst>
+                <a:cxn ang="0">
+                  <a:pos x="connsiteX0" y="connsiteY0"/>
+                </a:cxn>
+                <a:cxn ang="0">
+                  <a:pos x="connsiteX1" y="connsiteY1"/>
+                </a:cxn>
+                <a:cxn ang="0">
+                  <a:pos x="connsiteX2" y="connsiteY2"/>
+                </a:cxn>
+                <a:cxn ang="0">
+                  <a:pos x="connsiteX3" y="connsiteY3"/>
+                </a:cxn>
+              </a:cxnLst>
+              <a:rect l="l" t="t" r="r" b="b"/>
+              <a:pathLst>
+                <a:path w="481372" h="381778">
+                  <a:moveTo>
+                    <a:pt x="-1" y="-1"/>
+                  </a:moveTo>
+                  <a:lnTo>
+                    <a:pt x="481372" y="-1"/>
+                  </a:lnTo>
+                  <a:lnTo>
+                    <a:pt x="481372" y="381778"/>
+                  </a:lnTo>
+                  <a:lnTo>
+                    <a:pt x="-1" y="381778"/>
+                  </a:lnTo>
+                  <a:close/>
+                </a:path>
+              </a:pathLst>
+            </a:custGeom>
+          </p:spPr>
+        </p:pic>
+      </p:grpSp>
+      <p:grpSp>
+        <p:nvGrpSpPr>
+          <p:cNvPr id="83" name="Elemento grafico 6">
+            <a:extLst>
+              <a:ext uri="{FF2B5EF4-FFF2-40B4-BE49-F238E27FC236}">
+                <a16:creationId xmlns:a16="http://schemas.microsoft.com/office/drawing/2014/main" id="{D6BF2D32-A14B-4B15-BF90-5D1316781190}"/>
+              </a:ext>
+            </a:extLst>
+          </p:cNvPr>
+          <p:cNvGrpSpPr/>
+          <p:nvPr/>
+        </p:nvGrpSpPr>
+        <p:grpSpPr>
+          <a:xfrm>
+            <a:off x="5124955" y="2237519"/>
+            <a:ext cx="497971" cy="489671"/>
+            <a:chOff x="5187202" y="2914429"/>
+            <a:chExt cx="497971" cy="489671"/>
+          </a:xfrm>
+          <a:noFill/>
+        </p:grpSpPr>
+        <p:sp>
+          <p:nvSpPr>
+            <p:cNvPr id="84" name="Figura a mano libera: forma 83">
+              <a:extLst>
+                <a:ext uri="{FF2B5EF4-FFF2-40B4-BE49-F238E27FC236}">
+                  <a16:creationId xmlns:a16="http://schemas.microsoft.com/office/drawing/2014/main" id="{20168C60-5754-4F3E-A56B-17DFB098D1A0}"/>
+                </a:ext>
+              </a:extLst>
+            </p:cNvPr>
+            <p:cNvSpPr/>
+            <p:nvPr/>
+          </p:nvSpPr>
+          <p:spPr>
+            <a:xfrm>
+              <a:off x="5187202" y="2914429"/>
+              <a:ext cx="497971" cy="489671"/>
+            </a:xfrm>
+            <a:custGeom>
+              <a:avLst/>
+              <a:gdLst>
+                <a:gd name="connsiteX0" fmla="*/ 0 w 497971"/>
+                <a:gd name="connsiteY0" fmla="*/ 0 h 489671"/>
+                <a:gd name="connsiteX1" fmla="*/ 497971 w 497971"/>
+                <a:gd name="connsiteY1" fmla="*/ 0 h 489671"/>
+                <a:gd name="connsiteX2" fmla="*/ 497971 w 497971"/>
+                <a:gd name="connsiteY2" fmla="*/ 489672 h 489671"/>
+                <a:gd name="connsiteX3" fmla="*/ 0 w 497971"/>
+                <a:gd name="connsiteY3" fmla="*/ 489672 h 489671"/>
+              </a:gdLst>
+              <a:ahLst/>
+              <a:cxnLst>
+                <a:cxn ang="0">
+                  <a:pos x="connsiteX0" y="connsiteY0"/>
+                </a:cxn>
+                <a:cxn ang="0">
+                  <a:pos x="connsiteX1" y="connsiteY1"/>
+                </a:cxn>
+                <a:cxn ang="0">
+                  <a:pos x="connsiteX2" y="connsiteY2"/>
+                </a:cxn>
+                <a:cxn ang="0">
+                  <a:pos x="connsiteX3" y="connsiteY3"/>
+                </a:cxn>
+              </a:cxnLst>
+              <a:rect l="l" t="t" r="r" b="b"/>
+              <a:pathLst>
+                <a:path w="497971" h="489671">
+                  <a:moveTo>
+                    <a:pt x="0" y="0"/>
+                  </a:moveTo>
+                  <a:lnTo>
+                    <a:pt x="497971" y="0"/>
+                  </a:lnTo>
+                  <a:lnTo>
+                    <a:pt x="497971" y="489672"/>
+                  </a:lnTo>
+                  <a:lnTo>
+                    <a:pt x="0" y="489672"/>
+                  </a:lnTo>
+                  <a:close/>
+                </a:path>
+              </a:pathLst>
+            </a:custGeom>
+            <a:noFill/>
+            <a:ln w="8300" cap="flat">
+              <a:noFill/>
+              <a:prstDash val="solid"/>
+              <a:miter/>
+            </a:ln>
+          </p:spPr>
+          <p:txBody>
+            <a:bodyPr rtlCol="0" anchor="ctr"/>
+            <a:lstStyle/>
+            <a:p>
+              <a:endParaRPr lang="it-IT">
+                <a:latin typeface="Helvetica" panose="020B0604020202020204" pitchFamily="34" charset="0"/>
+                <a:cs typeface="Helvetica" panose="020B0604020202020204" pitchFamily="34" charset="0"/>
+              </a:endParaRPr>
+            </a:p>
+          </p:txBody>
+        </p:sp>
+        <p:pic>
+          <p:nvPicPr>
+            <p:cNvPr id="85" name="Immagine 84">
+              <a:extLst>
+                <a:ext uri="{FF2B5EF4-FFF2-40B4-BE49-F238E27FC236}">
+                  <a16:creationId xmlns:a16="http://schemas.microsoft.com/office/drawing/2014/main" id="{481367BD-7391-4F7B-94F3-218FB5846C76}"/>
+                </a:ext>
+              </a:extLst>
+            </p:cNvPr>
+            <p:cNvPicPr>
+              <a:picLocks noChangeAspect="1"/>
+            </p:cNvPicPr>
+            <p:nvPr/>
+          </p:nvPicPr>
+          <p:blipFill>
+            <a:blip r:embed="rId12"/>
+            <a:stretch>
+              <a:fillRect/>
+            </a:stretch>
+          </p:blipFill>
+          <p:spPr>
+            <a:xfrm>
+              <a:off x="5191351" y="3105318"/>
+              <a:ext cx="481372" cy="141091"/>
+            </a:xfrm>
+            <a:custGeom>
+              <a:avLst/>
+              <a:gdLst>
+                <a:gd name="connsiteX0" fmla="*/ -1 w 481372"/>
+                <a:gd name="connsiteY0" fmla="*/ -1 h 141091"/>
+                <a:gd name="connsiteX1" fmla="*/ 481372 w 481372"/>
+                <a:gd name="connsiteY1" fmla="*/ -1 h 141091"/>
+                <a:gd name="connsiteX2" fmla="*/ 481372 w 481372"/>
+                <a:gd name="connsiteY2" fmla="*/ 141091 h 141091"/>
+                <a:gd name="connsiteX3" fmla="*/ -1 w 481372"/>
+                <a:gd name="connsiteY3" fmla="*/ 141091 h 141091"/>
+              </a:gdLst>
+              <a:ahLst/>
+              <a:cxnLst>
+                <a:cxn ang="0">
+                  <a:pos x="connsiteX0" y="connsiteY0"/>
+                </a:cxn>
+                <a:cxn ang="0">
+                  <a:pos x="connsiteX1" y="connsiteY1"/>
+                </a:cxn>
+                <a:cxn ang="0">
+                  <a:pos x="connsiteX2" y="connsiteY2"/>
+                </a:cxn>
+                <a:cxn ang="0">
+                  <a:pos x="connsiteX3" y="connsiteY3"/>
+                </a:cxn>
+              </a:cxnLst>
+              <a:rect l="l" t="t" r="r" b="b"/>
+              <a:pathLst>
+                <a:path w="481372" h="141091">
+                  <a:moveTo>
+                    <a:pt x="-1" y="-1"/>
+                  </a:moveTo>
+                  <a:lnTo>
+                    <a:pt x="481372" y="-1"/>
+                  </a:lnTo>
+                  <a:lnTo>
+                    <a:pt x="481372" y="141091"/>
+                  </a:lnTo>
+                  <a:lnTo>
+                    <a:pt x="-1" y="141091"/>
+                  </a:lnTo>
+                  <a:close/>
+                </a:path>
+              </a:pathLst>
+            </a:custGeom>
+          </p:spPr>
+        </p:pic>
+      </p:grpSp>
+      <p:grpSp>
+        <p:nvGrpSpPr>
+          <p:cNvPr id="86" name="Elemento grafico 6">
+            <a:extLst>
+              <a:ext uri="{FF2B5EF4-FFF2-40B4-BE49-F238E27FC236}">
+                <a16:creationId xmlns:a16="http://schemas.microsoft.com/office/drawing/2014/main" id="{49991AEE-0437-4647-ABE5-FF7483B78BD8}"/>
+              </a:ext>
+            </a:extLst>
+          </p:cNvPr>
+          <p:cNvGrpSpPr/>
+          <p:nvPr/>
+        </p:nvGrpSpPr>
+        <p:grpSpPr>
+          <a:xfrm>
+            <a:off x="10955371" y="1597952"/>
+            <a:ext cx="995942" cy="663961"/>
+            <a:chOff x="10955371" y="1586505"/>
+            <a:chExt cx="995942" cy="663961"/>
+          </a:xfrm>
+          <a:solidFill>
+            <a:srgbClr val="FFFFFF"/>
+          </a:solidFill>
+        </p:grpSpPr>
+        <p:sp>
+          <p:nvSpPr>
+            <p:cNvPr id="87" name="Figura a mano libera: forma 86">
+              <a:extLst>
+                <a:ext uri="{FF2B5EF4-FFF2-40B4-BE49-F238E27FC236}">
+                  <a16:creationId xmlns:a16="http://schemas.microsoft.com/office/drawing/2014/main" id="{11112A6F-8801-44F9-AC6C-B2F632B3C960}"/>
+                </a:ext>
+              </a:extLst>
+            </p:cNvPr>
+            <p:cNvSpPr/>
+            <p:nvPr/>
+          </p:nvSpPr>
+          <p:spPr>
+            <a:xfrm>
+              <a:off x="10955371" y="1586505"/>
+              <a:ext cx="995942" cy="663961"/>
+            </a:xfrm>
+            <a:custGeom>
+              <a:avLst/>
+              <a:gdLst>
+                <a:gd name="connsiteX0" fmla="*/ 0 w 995942"/>
+                <a:gd name="connsiteY0" fmla="*/ 0 h 663961"/>
+                <a:gd name="connsiteX1" fmla="*/ 829952 w 995942"/>
+                <a:gd name="connsiteY1" fmla="*/ 0 h 663961"/>
+                <a:gd name="connsiteX2" fmla="*/ 995943 w 995942"/>
+                <a:gd name="connsiteY2" fmla="*/ 331981 h 663961"/>
+                <a:gd name="connsiteX3" fmla="*/ 829952 w 995942"/>
+                <a:gd name="connsiteY3" fmla="*/ 663962 h 663961"/>
+                <a:gd name="connsiteX4" fmla="*/ 0 w 995942"/>
+                <a:gd name="connsiteY4" fmla="*/ 663962 h 663961"/>
+                <a:gd name="connsiteX5" fmla="*/ 165990 w 995942"/>
+                <a:gd name="connsiteY5" fmla="*/ 331981 h 663961"/>
+              </a:gdLst>
+              <a:ahLst/>
+              <a:cxnLst>
+                <a:cxn ang="0">
+                  <a:pos x="connsiteX0" y="connsiteY0"/>
+                </a:cxn>
+                <a:cxn ang="0">
+                  <a:pos x="connsiteX1" y="connsiteY1"/>
+                </a:cxn>
+                <a:cxn ang="0">
+                  <a:pos x="connsiteX2" y="connsiteY2"/>
+                </a:cxn>
+                <a:cxn ang="0">
+                  <a:pos x="connsiteX3" y="connsiteY3"/>
+                </a:cxn>
+                <a:cxn ang="0">
+                  <a:pos x="connsiteX4" y="connsiteY4"/>
+                </a:cxn>
+                <a:cxn ang="0">
+                  <a:pos x="connsiteX5" y="connsiteY5"/>
+                </a:cxn>
+              </a:cxnLst>
+              <a:rect l="l" t="t" r="r" b="b"/>
+              <a:pathLst>
+                <a:path w="995942" h="663961">
+                  <a:moveTo>
+                    <a:pt x="0" y="0"/>
+                  </a:moveTo>
+                  <a:lnTo>
+                    <a:pt x="829952" y="0"/>
+                  </a:lnTo>
+                  <a:lnTo>
+                    <a:pt x="995943" y="331981"/>
+                  </a:lnTo>
+                  <a:lnTo>
+                    <a:pt x="829952" y="663962"/>
+                  </a:lnTo>
+                  <a:lnTo>
+                    <a:pt x="0" y="663962"/>
+                  </a:lnTo>
+                  <a:lnTo>
+                    <a:pt x="165990" y="331981"/>
+                  </a:lnTo>
+                  <a:close/>
+                </a:path>
+              </a:pathLst>
+            </a:custGeom>
+            <a:solidFill>
+              <a:srgbClr val="FFFFFF"/>
+            </a:solidFill>
+            <a:ln w="8300" cap="flat">
+              <a:solidFill>
+                <a:srgbClr val="000000"/>
+              </a:solidFill>
+              <a:prstDash val="solid"/>
+              <a:miter/>
+            </a:ln>
+          </p:spPr>
+          <p:txBody>
+            <a:bodyPr rtlCol="0" anchor="ctr"/>
+            <a:lstStyle/>
+            <a:p>
+              <a:endParaRPr lang="it-IT">
+                <a:latin typeface="Helvetica" panose="020B0604020202020204" pitchFamily="34" charset="0"/>
+                <a:cs typeface="Helvetica" panose="020B0604020202020204" pitchFamily="34" charset="0"/>
+              </a:endParaRPr>
+            </a:p>
+          </p:txBody>
+        </p:sp>
+        <p:pic>
+          <p:nvPicPr>
+            <p:cNvPr id="88" name="Immagine 87">
+              <a:extLst>
+                <a:ext uri="{FF2B5EF4-FFF2-40B4-BE49-F238E27FC236}">
+                  <a16:creationId xmlns:a16="http://schemas.microsoft.com/office/drawing/2014/main" id="{4FE95AD0-D2F7-47F3-852C-60C82F756B0F}"/>
+                </a:ext>
+              </a:extLst>
+            </p:cNvPr>
+            <p:cNvPicPr>
+              <a:picLocks noChangeAspect="1"/>
+            </p:cNvPicPr>
+            <p:nvPr/>
+          </p:nvPicPr>
+          <p:blipFill>
+            <a:blip r:embed="rId13"/>
+            <a:stretch>
+              <a:fillRect/>
+            </a:stretch>
+          </p:blipFill>
+          <p:spPr>
+            <a:xfrm>
+              <a:off x="10959520" y="1860390"/>
+              <a:ext cx="979343" cy="141091"/>
+            </a:xfrm>
+            <a:custGeom>
+              <a:avLst/>
+              <a:gdLst>
+                <a:gd name="connsiteX0" fmla="*/ -1 w 979343"/>
+                <a:gd name="connsiteY0" fmla="*/ -1 h 141091"/>
+                <a:gd name="connsiteX1" fmla="*/ 979343 w 979343"/>
+                <a:gd name="connsiteY1" fmla="*/ -1 h 141091"/>
+                <a:gd name="connsiteX2" fmla="*/ 979343 w 979343"/>
+                <a:gd name="connsiteY2" fmla="*/ 141091 h 141091"/>
+                <a:gd name="connsiteX3" fmla="*/ -1 w 979343"/>
+                <a:gd name="connsiteY3" fmla="*/ 141091 h 141091"/>
+              </a:gdLst>
+              <a:ahLst/>
+              <a:cxnLst>
+                <a:cxn ang="0">
+                  <a:pos x="connsiteX0" y="connsiteY0"/>
+                </a:cxn>
+                <a:cxn ang="0">
+                  <a:pos x="connsiteX1" y="connsiteY1"/>
+                </a:cxn>
+                <a:cxn ang="0">
+                  <a:pos x="connsiteX2" y="connsiteY2"/>
+                </a:cxn>
+                <a:cxn ang="0">
+                  <a:pos x="connsiteX3" y="connsiteY3"/>
+                </a:cxn>
+              </a:cxnLst>
+              <a:rect l="l" t="t" r="r" b="b"/>
+              <a:pathLst>
+                <a:path w="979343" h="141091">
+                  <a:moveTo>
+                    <a:pt x="-1" y="-1"/>
+                  </a:moveTo>
+                  <a:lnTo>
+                    <a:pt x="979343" y="-1"/>
+                  </a:lnTo>
+                  <a:lnTo>
+                    <a:pt x="979343" y="141091"/>
+                  </a:lnTo>
+                  <a:lnTo>
+                    <a:pt x="-1" y="141091"/>
+                  </a:lnTo>
+                  <a:close/>
+                </a:path>
+              </a:pathLst>
+            </a:custGeom>
+          </p:spPr>
+        </p:pic>
+      </p:grpSp>
+      <p:grpSp>
+        <p:nvGrpSpPr>
+          <p:cNvPr id="89" name="Elemento grafico 6">
+            <a:extLst>
+              <a:ext uri="{FF2B5EF4-FFF2-40B4-BE49-F238E27FC236}">
+                <a16:creationId xmlns:a16="http://schemas.microsoft.com/office/drawing/2014/main" id="{97ECF057-FAF8-406F-9B21-3FECA81A923F}"/>
+              </a:ext>
+            </a:extLst>
+          </p:cNvPr>
+          <p:cNvGrpSpPr/>
+          <p:nvPr/>
+        </p:nvGrpSpPr>
+        <p:grpSpPr>
+          <a:xfrm>
+            <a:off x="7441905" y="2210042"/>
+            <a:ext cx="497971" cy="489671"/>
+            <a:chOff x="6888604" y="3246410"/>
+            <a:chExt cx="497971" cy="489671"/>
+          </a:xfrm>
+          <a:noFill/>
+        </p:grpSpPr>
+        <p:sp>
+          <p:nvSpPr>
+            <p:cNvPr id="90" name="Figura a mano libera: forma 89">
+              <a:extLst>
+                <a:ext uri="{FF2B5EF4-FFF2-40B4-BE49-F238E27FC236}">
+                  <a16:creationId xmlns:a16="http://schemas.microsoft.com/office/drawing/2014/main" id="{5C0E6F12-8A13-477D-8912-40A770A86EAD}"/>
+                </a:ext>
+              </a:extLst>
+            </p:cNvPr>
+            <p:cNvSpPr/>
+            <p:nvPr/>
+          </p:nvSpPr>
+          <p:spPr>
+            <a:xfrm>
+              <a:off x="6888604" y="3246410"/>
+              <a:ext cx="497971" cy="489671"/>
+            </a:xfrm>
+            <a:custGeom>
+              <a:avLst/>
+              <a:gdLst>
+                <a:gd name="connsiteX0" fmla="*/ 0 w 497971"/>
+                <a:gd name="connsiteY0" fmla="*/ 0 h 489671"/>
+                <a:gd name="connsiteX1" fmla="*/ 497971 w 497971"/>
+                <a:gd name="connsiteY1" fmla="*/ 0 h 489671"/>
+                <a:gd name="connsiteX2" fmla="*/ 497971 w 497971"/>
+                <a:gd name="connsiteY2" fmla="*/ 489672 h 489671"/>
+                <a:gd name="connsiteX3" fmla="*/ 0 w 497971"/>
+                <a:gd name="connsiteY3" fmla="*/ 489672 h 489671"/>
+              </a:gdLst>
+              <a:ahLst/>
+              <a:cxnLst>
+                <a:cxn ang="0">
+                  <a:pos x="connsiteX0" y="connsiteY0"/>
+                </a:cxn>
+                <a:cxn ang="0">
+                  <a:pos x="connsiteX1" y="connsiteY1"/>
+                </a:cxn>
+                <a:cxn ang="0">
+                  <a:pos x="connsiteX2" y="connsiteY2"/>
+                </a:cxn>
+                <a:cxn ang="0">
+                  <a:pos x="connsiteX3" y="connsiteY3"/>
+                </a:cxn>
+              </a:cxnLst>
+              <a:rect l="l" t="t" r="r" b="b"/>
+              <a:pathLst>
+                <a:path w="497971" h="489671">
+                  <a:moveTo>
+                    <a:pt x="0" y="0"/>
+                  </a:moveTo>
+                  <a:lnTo>
+                    <a:pt x="497971" y="0"/>
+                  </a:lnTo>
+                  <a:lnTo>
+                    <a:pt x="497971" y="489672"/>
+                  </a:lnTo>
+                  <a:lnTo>
+                    <a:pt x="0" y="489672"/>
+                  </a:lnTo>
+                  <a:close/>
+                </a:path>
+              </a:pathLst>
+            </a:custGeom>
+            <a:noFill/>
+            <a:ln w="8300" cap="flat">
+              <a:noFill/>
+              <a:prstDash val="solid"/>
+              <a:miter/>
+            </a:ln>
+          </p:spPr>
+          <p:txBody>
+            <a:bodyPr rtlCol="0" anchor="ctr"/>
+            <a:lstStyle/>
+            <a:p>
+              <a:endParaRPr lang="it-IT">
+                <a:latin typeface="Helvetica" panose="020B0604020202020204" pitchFamily="34" charset="0"/>
+                <a:cs typeface="Helvetica" panose="020B0604020202020204" pitchFamily="34" charset="0"/>
+              </a:endParaRPr>
+            </a:p>
+          </p:txBody>
+        </p:sp>
+        <p:pic>
+          <p:nvPicPr>
+            <p:cNvPr id="91" name="Immagine 90">
+              <a:extLst>
+                <a:ext uri="{FF2B5EF4-FFF2-40B4-BE49-F238E27FC236}">
+                  <a16:creationId xmlns:a16="http://schemas.microsoft.com/office/drawing/2014/main" id="{57B1236E-2204-4293-81E5-AC18101FFBF5}"/>
+                </a:ext>
+              </a:extLst>
+            </p:cNvPr>
+            <p:cNvPicPr>
+              <a:picLocks noChangeAspect="1"/>
+            </p:cNvPicPr>
+            <p:nvPr/>
+          </p:nvPicPr>
+          <p:blipFill>
+            <a:blip r:embed="rId12"/>
+            <a:stretch>
+              <a:fillRect/>
+            </a:stretch>
+          </p:blipFill>
+          <p:spPr>
+            <a:xfrm>
+              <a:off x="6892754" y="3437299"/>
+              <a:ext cx="481372" cy="141091"/>
+            </a:xfrm>
+            <a:custGeom>
+              <a:avLst/>
+              <a:gdLst>
+                <a:gd name="connsiteX0" fmla="*/ -1 w 481372"/>
+                <a:gd name="connsiteY0" fmla="*/ -1 h 141091"/>
+                <a:gd name="connsiteX1" fmla="*/ 481372 w 481372"/>
+                <a:gd name="connsiteY1" fmla="*/ -1 h 141091"/>
+                <a:gd name="connsiteX2" fmla="*/ 481372 w 481372"/>
+                <a:gd name="connsiteY2" fmla="*/ 141091 h 141091"/>
+                <a:gd name="connsiteX3" fmla="*/ -1 w 481372"/>
+                <a:gd name="connsiteY3" fmla="*/ 141091 h 141091"/>
+              </a:gdLst>
+              <a:ahLst/>
+              <a:cxnLst>
+                <a:cxn ang="0">
+                  <a:pos x="connsiteX0" y="connsiteY0"/>
+                </a:cxn>
+                <a:cxn ang="0">
+                  <a:pos x="connsiteX1" y="connsiteY1"/>
+                </a:cxn>
+                <a:cxn ang="0">
+                  <a:pos x="connsiteX2" y="connsiteY2"/>
+                </a:cxn>
+                <a:cxn ang="0">
+                  <a:pos x="connsiteX3" y="connsiteY3"/>
+                </a:cxn>
+              </a:cxnLst>
+              <a:rect l="l" t="t" r="r" b="b"/>
+              <a:pathLst>
+                <a:path w="481372" h="141091">
+                  <a:moveTo>
+                    <a:pt x="-1" y="-1"/>
+                  </a:moveTo>
+                  <a:lnTo>
+                    <a:pt x="481372" y="-1"/>
+                  </a:lnTo>
+                  <a:lnTo>
+                    <a:pt x="481372" y="141091"/>
+                  </a:lnTo>
+                  <a:lnTo>
+                    <a:pt x="-1" y="141091"/>
+                  </a:lnTo>
+                  <a:close/>
+                </a:path>
+              </a:pathLst>
+            </a:custGeom>
+          </p:spPr>
+        </p:pic>
+      </p:grpSp>
+      <p:grpSp>
+        <p:nvGrpSpPr>
+          <p:cNvPr id="92" name="Elemento grafico 6">
+            <a:extLst>
+              <a:ext uri="{FF2B5EF4-FFF2-40B4-BE49-F238E27FC236}">
+                <a16:creationId xmlns:a16="http://schemas.microsoft.com/office/drawing/2014/main" id="{59CFB8AC-36BA-47C9-8C2A-00FF03C5A39A}"/>
+              </a:ext>
+            </a:extLst>
+          </p:cNvPr>
+          <p:cNvGrpSpPr/>
+          <p:nvPr/>
+        </p:nvGrpSpPr>
+        <p:grpSpPr>
+          <a:xfrm>
+            <a:off x="9751938" y="2237518"/>
+            <a:ext cx="497971" cy="489671"/>
+            <a:chOff x="9751940" y="3246410"/>
+            <a:chExt cx="497971" cy="489671"/>
+          </a:xfrm>
+          <a:noFill/>
+        </p:grpSpPr>
+        <p:sp>
+          <p:nvSpPr>
+            <p:cNvPr id="93" name="Figura a mano libera: forma 92">
+              <a:extLst>
+                <a:ext uri="{FF2B5EF4-FFF2-40B4-BE49-F238E27FC236}">
+                  <a16:creationId xmlns:a16="http://schemas.microsoft.com/office/drawing/2014/main" id="{32E249E6-2EB8-4201-A413-0B69A2ACB3E2}"/>
+                </a:ext>
+              </a:extLst>
+            </p:cNvPr>
+            <p:cNvSpPr/>
+            <p:nvPr/>
+          </p:nvSpPr>
+          <p:spPr>
+            <a:xfrm>
+              <a:off x="9751940" y="3246410"/>
+              <a:ext cx="497971" cy="489671"/>
+            </a:xfrm>
+            <a:custGeom>
+              <a:avLst/>
+              <a:gdLst>
+                <a:gd name="connsiteX0" fmla="*/ 0 w 497971"/>
+                <a:gd name="connsiteY0" fmla="*/ 0 h 489671"/>
+                <a:gd name="connsiteX1" fmla="*/ 497971 w 497971"/>
+                <a:gd name="connsiteY1" fmla="*/ 0 h 489671"/>
+                <a:gd name="connsiteX2" fmla="*/ 497971 w 497971"/>
+                <a:gd name="connsiteY2" fmla="*/ 489672 h 489671"/>
+                <a:gd name="connsiteX3" fmla="*/ 0 w 497971"/>
+                <a:gd name="connsiteY3" fmla="*/ 489672 h 489671"/>
+              </a:gdLst>
+              <a:ahLst/>
+              <a:cxnLst>
+                <a:cxn ang="0">
+                  <a:pos x="connsiteX0" y="connsiteY0"/>
+                </a:cxn>
+                <a:cxn ang="0">
+                  <a:pos x="connsiteX1" y="connsiteY1"/>
+                </a:cxn>
+                <a:cxn ang="0">
+                  <a:pos x="connsiteX2" y="connsiteY2"/>
+                </a:cxn>
+                <a:cxn ang="0">
+                  <a:pos x="connsiteX3" y="connsiteY3"/>
+                </a:cxn>
+              </a:cxnLst>
+              <a:rect l="l" t="t" r="r" b="b"/>
+              <a:pathLst>
+                <a:path w="497971" h="489671">
+                  <a:moveTo>
+                    <a:pt x="0" y="0"/>
+                  </a:moveTo>
+                  <a:lnTo>
+                    <a:pt x="497971" y="0"/>
+                  </a:lnTo>
+                  <a:lnTo>
+                    <a:pt x="497971" y="489672"/>
+                  </a:lnTo>
+                  <a:lnTo>
+                    <a:pt x="0" y="489672"/>
+                  </a:lnTo>
+                  <a:close/>
+                </a:path>
+              </a:pathLst>
+            </a:custGeom>
+            <a:noFill/>
+            <a:ln w="8300" cap="flat">
+              <a:noFill/>
+              <a:prstDash val="solid"/>
+              <a:miter/>
+            </a:ln>
+          </p:spPr>
+          <p:txBody>
+            <a:bodyPr rtlCol="0" anchor="ctr"/>
+            <a:lstStyle/>
+            <a:p>
+              <a:endParaRPr lang="it-IT">
+                <a:latin typeface="Helvetica" panose="020B0604020202020204" pitchFamily="34" charset="0"/>
+                <a:cs typeface="Helvetica" panose="020B0604020202020204" pitchFamily="34" charset="0"/>
+              </a:endParaRPr>
+            </a:p>
+          </p:txBody>
+        </p:sp>
+        <p:pic>
+          <p:nvPicPr>
+            <p:cNvPr id="94" name="Immagine 93">
+              <a:extLst>
+                <a:ext uri="{FF2B5EF4-FFF2-40B4-BE49-F238E27FC236}">
+                  <a16:creationId xmlns:a16="http://schemas.microsoft.com/office/drawing/2014/main" id="{75A4FACE-BEDC-46E1-A74F-95E970567F7C}"/>
+                </a:ext>
+              </a:extLst>
+            </p:cNvPr>
+            <p:cNvPicPr>
+              <a:picLocks noChangeAspect="1"/>
+            </p:cNvPicPr>
+            <p:nvPr/>
+          </p:nvPicPr>
+          <p:blipFill>
+            <a:blip r:embed="rId12"/>
+            <a:stretch>
+              <a:fillRect/>
+            </a:stretch>
+          </p:blipFill>
+          <p:spPr>
+            <a:xfrm>
+              <a:off x="9756089" y="3437299"/>
+              <a:ext cx="481372" cy="141091"/>
+            </a:xfrm>
+            <a:custGeom>
+              <a:avLst/>
+              <a:gdLst>
+                <a:gd name="connsiteX0" fmla="*/ -1 w 481372"/>
+                <a:gd name="connsiteY0" fmla="*/ -1 h 141091"/>
+                <a:gd name="connsiteX1" fmla="*/ 481372 w 481372"/>
+                <a:gd name="connsiteY1" fmla="*/ -1 h 141091"/>
+                <a:gd name="connsiteX2" fmla="*/ 481372 w 481372"/>
+                <a:gd name="connsiteY2" fmla="*/ 141091 h 141091"/>
+                <a:gd name="connsiteX3" fmla="*/ -1 w 481372"/>
+                <a:gd name="connsiteY3" fmla="*/ 141091 h 141091"/>
+              </a:gdLst>
+              <a:ahLst/>
+              <a:cxnLst>
+                <a:cxn ang="0">
+                  <a:pos x="connsiteX0" y="connsiteY0"/>
+                </a:cxn>
+                <a:cxn ang="0">
+                  <a:pos x="connsiteX1" y="connsiteY1"/>
+                </a:cxn>
+                <a:cxn ang="0">
+                  <a:pos x="connsiteX2" y="connsiteY2"/>
+                </a:cxn>
+                <a:cxn ang="0">
+                  <a:pos x="connsiteX3" y="connsiteY3"/>
+                </a:cxn>
+              </a:cxnLst>
+              <a:rect l="l" t="t" r="r" b="b"/>
+              <a:pathLst>
+                <a:path w="481372" h="141091">
+                  <a:moveTo>
+                    <a:pt x="-1" y="-1"/>
+                  </a:moveTo>
+                  <a:lnTo>
+                    <a:pt x="481372" y="-1"/>
+                  </a:lnTo>
+                  <a:lnTo>
+                    <a:pt x="481372" y="141091"/>
+                  </a:lnTo>
+                  <a:lnTo>
+                    <a:pt x="-1" y="141091"/>
+                  </a:lnTo>
+                  <a:close/>
+                </a:path>
+              </a:pathLst>
+            </a:custGeom>
+          </p:spPr>
+        </p:pic>
+      </p:grpSp>
+      <p:sp>
+        <p:nvSpPr>
+          <p:cNvPr id="95" name="Figura a mano libera: forma 94">
+            <a:extLst>
+              <a:ext uri="{FF2B5EF4-FFF2-40B4-BE49-F238E27FC236}">
+                <a16:creationId xmlns:a16="http://schemas.microsoft.com/office/drawing/2014/main" id="{5341FE33-9C6C-4272-9CE0-C4527F38589C}"/>
+              </a:ext>
+            </a:extLst>
+          </p:cNvPr>
+          <p:cNvSpPr/>
+          <p:nvPr/>
+        </p:nvSpPr>
+        <p:spPr>
+          <a:xfrm>
+            <a:off x="4274253" y="3478797"/>
+            <a:ext cx="1467633" cy="422743"/>
+          </a:xfrm>
+          <a:custGeom>
+            <a:avLst/>
+            <a:gdLst>
+              <a:gd name="connsiteX0" fmla="*/ 0 w 2074880"/>
+              <a:gd name="connsiteY0" fmla="*/ 0 h 1170232"/>
+              <a:gd name="connsiteX1" fmla="*/ 2074881 w 2074880"/>
+              <a:gd name="connsiteY1" fmla="*/ 0 h 1170232"/>
+              <a:gd name="connsiteX2" fmla="*/ 2074881 w 2074880"/>
+              <a:gd name="connsiteY2" fmla="*/ 1170233 h 1170232"/>
+              <a:gd name="connsiteX3" fmla="*/ 0 w 2074880"/>
+              <a:gd name="connsiteY3" fmla="*/ 1170233 h 1170232"/>
+            </a:gdLst>
+            <a:ahLst/>
+            <a:cxnLst>
+              <a:cxn ang="0">
+                <a:pos x="connsiteX0" y="connsiteY0"/>
+              </a:cxn>
+              <a:cxn ang="0">
+                <a:pos x="connsiteX1" y="connsiteY1"/>
+              </a:cxn>
+              <a:cxn ang="0">
+                <a:pos x="connsiteX2" y="connsiteY2"/>
+              </a:cxn>
+              <a:cxn ang="0">
+                <a:pos x="connsiteX3" y="connsiteY3"/>
+              </a:cxn>
+            </a:cxnLst>
+            <a:rect l="l" t="t" r="r" b="b"/>
+            <a:pathLst>
+              <a:path w="2074880" h="1170232">
+                <a:moveTo>
+                  <a:pt x="0" y="0"/>
+                </a:moveTo>
+                <a:lnTo>
+                  <a:pt x="2074881" y="0"/>
+                </a:lnTo>
+                <a:lnTo>
+                  <a:pt x="2074881" y="1170233"/>
+                </a:lnTo>
+                <a:lnTo>
+                  <a:pt x="0" y="1170233"/>
+                </a:lnTo>
+                <a:close/>
+              </a:path>
+            </a:pathLst>
+          </a:custGeom>
+          <a:solidFill>
+            <a:schemeClr val="bg1"/>
+          </a:solidFill>
+          <a:ln w="8300" cap="flat">
+            <a:solidFill>
+              <a:schemeClr val="tx1"/>
+            </a:solidFill>
+            <a:prstDash val="solid"/>
+            <a:miter/>
+          </a:ln>
+        </p:spPr>
+        <p:txBody>
+          <a:bodyPr rtlCol="0" anchor="ctr"/>
+          <a:lstStyle/>
+          <a:p>
+            <a:pPr algn="ctr"/>
+            <a:r>
+              <a:rPr lang="it-IT" sz="1200" dirty="0" err="1">
+                <a:latin typeface="Helvetica" panose="020B0604020202020204" pitchFamily="34" charset="0"/>
+                <a:cs typeface="Helvetica" panose="020B0604020202020204" pitchFamily="34" charset="0"/>
+              </a:rPr>
+              <a:t>Other</a:t>
+            </a:r>
+            <a:r>
+              <a:rPr lang="it-IT" sz="1200" dirty="0">
+                <a:latin typeface="Helvetica" panose="020B0604020202020204" pitchFamily="34" charset="0"/>
+                <a:cs typeface="Helvetica" panose="020B0604020202020204" pitchFamily="34" charset="0"/>
+              </a:rPr>
+              <a:t> </a:t>
+            </a:r>
+            <a:r>
+              <a:rPr lang="it-IT" sz="1200" dirty="0" err="1">
+                <a:latin typeface="Helvetica" panose="020B0604020202020204" pitchFamily="34" charset="0"/>
+                <a:cs typeface="Helvetica" panose="020B0604020202020204" pitchFamily="34" charset="0"/>
+              </a:rPr>
+              <a:t>applications</a:t>
+            </a:r>
+            <a:endParaRPr lang="it-IT" sz="1200" dirty="0">
+              <a:latin typeface="Helvetica" panose="020B0604020202020204" pitchFamily="34" charset="0"/>
+              <a:cs typeface="Helvetica" panose="020B0604020202020204" pitchFamily="34" charset="0"/>
+            </a:endParaRPr>
+          </a:p>
+        </p:txBody>
+      </p:sp>
+      <p:grpSp>
+        <p:nvGrpSpPr>
+          <p:cNvPr id="96" name="Elemento grafico 6">
+            <a:extLst>
+              <a:ext uri="{FF2B5EF4-FFF2-40B4-BE49-F238E27FC236}">
+                <a16:creationId xmlns:a16="http://schemas.microsoft.com/office/drawing/2014/main" id="{AB7412B0-0F4B-44C1-BEB2-201FE37C65E8}"/>
+              </a:ext>
+            </a:extLst>
+          </p:cNvPr>
+          <p:cNvGrpSpPr/>
+          <p:nvPr/>
+        </p:nvGrpSpPr>
+        <p:grpSpPr>
+          <a:xfrm>
+            <a:off x="688860" y="92591"/>
+            <a:ext cx="11428443" cy="1078938"/>
+            <a:chOff x="688860" y="92591"/>
+            <a:chExt cx="11428443" cy="1078938"/>
+          </a:xfrm>
+        </p:grpSpPr>
+        <p:sp>
+          <p:nvSpPr>
+            <p:cNvPr id="97" name="Figura a mano libera: forma 96">
+              <a:extLst>
+                <a:ext uri="{FF2B5EF4-FFF2-40B4-BE49-F238E27FC236}">
+                  <a16:creationId xmlns:a16="http://schemas.microsoft.com/office/drawing/2014/main" id="{56546BE4-F8CF-428C-8C9F-D4740229AFD9}"/>
+                </a:ext>
+              </a:extLst>
+            </p:cNvPr>
+            <p:cNvSpPr/>
+            <p:nvPr/>
+          </p:nvSpPr>
+          <p:spPr>
+            <a:xfrm>
+              <a:off x="688860" y="92591"/>
+              <a:ext cx="11428443" cy="1078938"/>
+            </a:xfrm>
+            <a:custGeom>
+              <a:avLst/>
+              <a:gdLst>
+                <a:gd name="connsiteX0" fmla="*/ 11262453 w 11428443"/>
+                <a:gd name="connsiteY0" fmla="*/ 1078938 h 1078938"/>
+                <a:gd name="connsiteX1" fmla="*/ 11428444 w 11428443"/>
+                <a:gd name="connsiteY1" fmla="*/ 1078938 h 1078938"/>
+                <a:gd name="connsiteX2" fmla="*/ 11428444 w 11428443"/>
+                <a:gd name="connsiteY2" fmla="*/ 0 h 1078938"/>
+                <a:gd name="connsiteX3" fmla="*/ 0 w 11428443"/>
+                <a:gd name="connsiteY3" fmla="*/ 0 h 1078938"/>
+                <a:gd name="connsiteX4" fmla="*/ 0 w 11428443"/>
+                <a:gd name="connsiteY4" fmla="*/ 995943 h 1078938"/>
+                <a:gd name="connsiteX5" fmla="*/ 171219 w 11428443"/>
+                <a:gd name="connsiteY5" fmla="*/ 995943 h 1078938"/>
+              </a:gdLst>
+              <a:ahLst/>
+              <a:cxnLst>
+                <a:cxn ang="0">
+                  <a:pos x="connsiteX0" y="connsiteY0"/>
+                </a:cxn>
+                <a:cxn ang="0">
+                  <a:pos x="connsiteX1" y="connsiteY1"/>
+                </a:cxn>
+                <a:cxn ang="0">
+                  <a:pos x="connsiteX2" y="connsiteY2"/>
+                </a:cxn>
+                <a:cxn ang="0">
+                  <a:pos x="connsiteX3" y="connsiteY3"/>
+                </a:cxn>
+                <a:cxn ang="0">
+                  <a:pos x="connsiteX4" y="connsiteY4"/>
+                </a:cxn>
+                <a:cxn ang="0">
+                  <a:pos x="connsiteX5" y="connsiteY5"/>
+                </a:cxn>
+              </a:cxnLst>
+              <a:rect l="l" t="t" r="r" b="b"/>
+              <a:pathLst>
+                <a:path w="11428443" h="1078938">
+                  <a:moveTo>
+                    <a:pt x="11262453" y="1078938"/>
+                  </a:moveTo>
+                  <a:lnTo>
+                    <a:pt x="11428444" y="1078938"/>
+                  </a:lnTo>
+                  <a:lnTo>
+                    <a:pt x="11428444" y="0"/>
+                  </a:lnTo>
+                  <a:lnTo>
+                    <a:pt x="0" y="0"/>
+                  </a:lnTo>
+                  <a:lnTo>
+                    <a:pt x="0" y="995943"/>
+                  </a:lnTo>
+                  <a:lnTo>
+                    <a:pt x="171219" y="995943"/>
+                  </a:lnTo>
+                </a:path>
+              </a:pathLst>
+            </a:custGeom>
+            <a:noFill/>
+            <a:ln w="8300" cap="flat">
+              <a:solidFill>
+                <a:srgbClr val="000000"/>
+              </a:solidFill>
+              <a:prstDash val="solid"/>
+              <a:miter/>
+            </a:ln>
+          </p:spPr>
+          <p:txBody>
+            <a:bodyPr rtlCol="0" anchor="ctr"/>
+            <a:lstStyle/>
+            <a:p>
+              <a:endParaRPr lang="it-IT">
+                <a:latin typeface="Helvetica" panose="020B0604020202020204" pitchFamily="34" charset="0"/>
+                <a:cs typeface="Helvetica" panose="020B0604020202020204" pitchFamily="34" charset="0"/>
+              </a:endParaRPr>
+            </a:p>
+          </p:txBody>
+        </p:sp>
+        <p:sp>
+          <p:nvSpPr>
+            <p:cNvPr id="98" name="Figura a mano libera: forma 97">
+              <a:extLst>
+                <a:ext uri="{FF2B5EF4-FFF2-40B4-BE49-F238E27FC236}">
+                  <a16:creationId xmlns:a16="http://schemas.microsoft.com/office/drawing/2014/main" id="{ACA454BD-A0B9-4E86-AC87-2DA1537143CD}"/>
+                </a:ext>
+              </a:extLst>
+            </p:cNvPr>
+            <p:cNvSpPr/>
+            <p:nvPr/>
+          </p:nvSpPr>
+          <p:spPr>
+            <a:xfrm>
+              <a:off x="845555" y="1059486"/>
+              <a:ext cx="58096" cy="58096"/>
+            </a:xfrm>
+            <a:custGeom>
+              <a:avLst/>
+              <a:gdLst>
+                <a:gd name="connsiteX0" fmla="*/ 58097 w 58096"/>
+                <a:gd name="connsiteY0" fmla="*/ 29048 h 58096"/>
+                <a:gd name="connsiteX1" fmla="*/ 0 w 58096"/>
+                <a:gd name="connsiteY1" fmla="*/ 58097 h 58096"/>
+                <a:gd name="connsiteX2" fmla="*/ 14524 w 58096"/>
+                <a:gd name="connsiteY2" fmla="*/ 29048 h 58096"/>
+                <a:gd name="connsiteX3" fmla="*/ 0 w 58096"/>
+                <a:gd name="connsiteY3" fmla="*/ 0 h 58096"/>
+              </a:gdLst>
+              <a:ahLst/>
+              <a:cxnLst>
+                <a:cxn ang="0">
+                  <a:pos x="connsiteX0" y="connsiteY0"/>
+                </a:cxn>
+                <a:cxn ang="0">
+                  <a:pos x="connsiteX1" y="connsiteY1"/>
+                </a:cxn>
+                <a:cxn ang="0">
+                  <a:pos x="connsiteX2" y="connsiteY2"/>
+                </a:cxn>
+                <a:cxn ang="0">
+                  <a:pos x="connsiteX3" y="connsiteY3"/>
+                </a:cxn>
+              </a:cxnLst>
+              <a:rect l="l" t="t" r="r" b="b"/>
+              <a:pathLst>
+                <a:path w="58096" h="58096">
+                  <a:moveTo>
+                    <a:pt x="58097" y="29048"/>
+                  </a:moveTo>
+                  <a:lnTo>
+                    <a:pt x="0" y="58097"/>
+                  </a:lnTo>
+                  <a:lnTo>
+                    <a:pt x="14524" y="29048"/>
+                  </a:lnTo>
+                  <a:lnTo>
+                    <a:pt x="0" y="0"/>
+                  </a:lnTo>
+                  <a:close/>
+                </a:path>
+              </a:pathLst>
+            </a:custGeom>
+            <a:solidFill>
+              <a:srgbClr val="000000"/>
+            </a:solidFill>
+            <a:ln w="8300" cap="flat">
+              <a:solidFill>
+                <a:srgbClr val="000000"/>
+              </a:solidFill>
+              <a:prstDash val="solid"/>
+              <a:miter/>
+            </a:ln>
+          </p:spPr>
+          <p:txBody>
+            <a:bodyPr rtlCol="0" anchor="ctr"/>
+            <a:lstStyle/>
+            <a:p>
+              <a:endParaRPr lang="it-IT">
+                <a:latin typeface="Helvetica" panose="020B0604020202020204" pitchFamily="34" charset="0"/>
+                <a:cs typeface="Helvetica" panose="020B0604020202020204" pitchFamily="34" charset="0"/>
+              </a:endParaRPr>
+            </a:p>
+          </p:txBody>
+        </p:sp>
+      </p:grpSp>
+      <p:grpSp>
+        <p:nvGrpSpPr>
+          <p:cNvPr id="100" name="Elemento grafico 6">
+            <a:extLst>
+              <a:ext uri="{FF2B5EF4-FFF2-40B4-BE49-F238E27FC236}">
+                <a16:creationId xmlns:a16="http://schemas.microsoft.com/office/drawing/2014/main" id="{DADE3712-3C72-457B-97E7-0490A28399E6}"/>
+              </a:ext>
+            </a:extLst>
+          </p:cNvPr>
+          <p:cNvGrpSpPr/>
+          <p:nvPr/>
+        </p:nvGrpSpPr>
+        <p:grpSpPr>
+          <a:xfrm>
+            <a:off x="3956852" y="4616122"/>
+            <a:ext cx="497971" cy="663961"/>
+            <a:chOff x="4855221" y="6151243"/>
+            <a:chExt cx="497971" cy="663961"/>
+          </a:xfrm>
+        </p:grpSpPr>
+        <p:sp>
+          <p:nvSpPr>
+            <p:cNvPr id="101" name="Figura a mano libera: forma 100">
+              <a:extLst>
+                <a:ext uri="{FF2B5EF4-FFF2-40B4-BE49-F238E27FC236}">
+                  <a16:creationId xmlns:a16="http://schemas.microsoft.com/office/drawing/2014/main" id="{E5E3D9C9-59A7-44DE-8B07-901CF2C80DD4}"/>
+                </a:ext>
+              </a:extLst>
+            </p:cNvPr>
+            <p:cNvSpPr/>
+            <p:nvPr/>
+          </p:nvSpPr>
+          <p:spPr>
+            <a:xfrm>
+              <a:off x="4855221" y="6151243"/>
+              <a:ext cx="497971" cy="663961"/>
+            </a:xfrm>
+            <a:custGeom>
+              <a:avLst/>
+              <a:gdLst>
+                <a:gd name="connsiteX0" fmla="*/ 0 w 497971"/>
+                <a:gd name="connsiteY0" fmla="*/ 124493 h 663961"/>
+                <a:gd name="connsiteX1" fmla="*/ 248986 w 497971"/>
+                <a:gd name="connsiteY1" fmla="*/ 0 h 663961"/>
+                <a:gd name="connsiteX2" fmla="*/ 425019 w 497971"/>
+                <a:gd name="connsiteY2" fmla="*/ 36435 h 663961"/>
+                <a:gd name="connsiteX3" fmla="*/ 497971 w 497971"/>
+                <a:gd name="connsiteY3" fmla="*/ 124493 h 663961"/>
+                <a:gd name="connsiteX4" fmla="*/ 497971 w 497971"/>
+                <a:gd name="connsiteY4" fmla="*/ 539469 h 663961"/>
+                <a:gd name="connsiteX5" fmla="*/ 248986 w 497971"/>
+                <a:gd name="connsiteY5" fmla="*/ 663962 h 663961"/>
+                <a:gd name="connsiteX6" fmla="*/ 0 w 497971"/>
+                <a:gd name="connsiteY6" fmla="*/ 539469 h 663961"/>
+              </a:gdLst>
+              <a:ahLst/>
+              <a:cxnLst>
+                <a:cxn ang="0">
+                  <a:pos x="connsiteX0" y="connsiteY0"/>
+                </a:cxn>
+                <a:cxn ang="0">
+                  <a:pos x="connsiteX1" y="connsiteY1"/>
+                </a:cxn>
+                <a:cxn ang="0">
+                  <a:pos x="connsiteX2" y="connsiteY2"/>
+                </a:cxn>
+                <a:cxn ang="0">
+                  <a:pos x="connsiteX3" y="connsiteY3"/>
+                </a:cxn>
+                <a:cxn ang="0">
+                  <a:pos x="connsiteX4" y="connsiteY4"/>
+                </a:cxn>
+                <a:cxn ang="0">
+                  <a:pos x="connsiteX5" y="connsiteY5"/>
+                </a:cxn>
+                <a:cxn ang="0">
+                  <a:pos x="connsiteX6" y="connsiteY6"/>
+                </a:cxn>
+              </a:cxnLst>
+              <a:rect l="l" t="t" r="r" b="b"/>
+              <a:pathLst>
+                <a:path w="497971" h="663961">
+                  <a:moveTo>
+                    <a:pt x="0" y="124493"/>
+                  </a:moveTo>
+                  <a:cubicBezTo>
+                    <a:pt x="0" y="55773"/>
+                    <a:pt x="111463" y="0"/>
+                    <a:pt x="248986" y="0"/>
+                  </a:cubicBezTo>
+                  <a:cubicBezTo>
+                    <a:pt x="315050" y="0"/>
+                    <a:pt x="378376" y="13113"/>
+                    <a:pt x="425019" y="36435"/>
+                  </a:cubicBezTo>
+                  <a:cubicBezTo>
+                    <a:pt x="471745" y="59840"/>
+                    <a:pt x="497971" y="91461"/>
+                    <a:pt x="497971" y="124493"/>
+                  </a:cubicBezTo>
+                  <a:lnTo>
+                    <a:pt x="497971" y="539469"/>
+                  </a:lnTo>
+                  <a:cubicBezTo>
+                    <a:pt x="497971" y="608189"/>
+                    <a:pt x="386509" y="663962"/>
+                    <a:pt x="248986" y="663962"/>
+                  </a:cubicBezTo>
+                  <a:cubicBezTo>
+                    <a:pt x="111463" y="663962"/>
+                    <a:pt x="0" y="608189"/>
+                    <a:pt x="0" y="539469"/>
+                  </a:cubicBezTo>
+                  <a:close/>
+                </a:path>
+              </a:pathLst>
+            </a:custGeom>
+            <a:solidFill>
+              <a:srgbClr val="FFFFFF"/>
+            </a:solidFill>
+            <a:ln w="8300" cap="flat">
+              <a:solidFill>
+                <a:srgbClr val="000000"/>
+              </a:solidFill>
+              <a:prstDash val="solid"/>
+              <a:miter/>
+            </a:ln>
+          </p:spPr>
+          <p:txBody>
+            <a:bodyPr rtlCol="0" anchor="ctr"/>
+            <a:lstStyle/>
+            <a:p>
+              <a:endParaRPr lang="it-IT">
+                <a:latin typeface="Helvetica" panose="020B0604020202020204" pitchFamily="34" charset="0"/>
+                <a:cs typeface="Helvetica" panose="020B0604020202020204" pitchFamily="34" charset="0"/>
+              </a:endParaRPr>
+            </a:p>
+          </p:txBody>
+        </p:sp>
+        <p:sp>
+          <p:nvSpPr>
+            <p:cNvPr id="102" name="Figura a mano libera: forma 101">
+              <a:extLst>
+                <a:ext uri="{FF2B5EF4-FFF2-40B4-BE49-F238E27FC236}">
+                  <a16:creationId xmlns:a16="http://schemas.microsoft.com/office/drawing/2014/main" id="{9EAEE185-40BC-4B45-B462-119A451A41F3}"/>
+                </a:ext>
+              </a:extLst>
+            </p:cNvPr>
+            <p:cNvSpPr/>
+            <p:nvPr/>
+          </p:nvSpPr>
+          <p:spPr>
+            <a:xfrm>
+              <a:off x="4855221" y="6275736"/>
+              <a:ext cx="497971" cy="124492"/>
+            </a:xfrm>
+            <a:custGeom>
+              <a:avLst/>
+              <a:gdLst>
+                <a:gd name="connsiteX0" fmla="*/ 497971 w 497971"/>
+                <a:gd name="connsiteY0" fmla="*/ 0 h 124492"/>
+                <a:gd name="connsiteX1" fmla="*/ 248986 w 497971"/>
+                <a:gd name="connsiteY1" fmla="*/ 124493 h 124492"/>
+                <a:gd name="connsiteX2" fmla="*/ 0 w 497971"/>
+                <a:gd name="connsiteY2" fmla="*/ 0 h 124492"/>
+              </a:gdLst>
+              <a:ahLst/>
+              <a:cxnLst>
+                <a:cxn ang="0">
+                  <a:pos x="connsiteX0" y="connsiteY0"/>
+                </a:cxn>
+                <a:cxn ang="0">
+                  <a:pos x="connsiteX1" y="connsiteY1"/>
+                </a:cxn>
+                <a:cxn ang="0">
+                  <a:pos x="connsiteX2" y="connsiteY2"/>
+                </a:cxn>
+              </a:cxnLst>
+              <a:rect l="l" t="t" r="r" b="b"/>
+              <a:pathLst>
+                <a:path w="497971" h="124492">
+                  <a:moveTo>
+                    <a:pt x="497971" y="0"/>
+                  </a:moveTo>
+                  <a:cubicBezTo>
+                    <a:pt x="497971" y="68720"/>
+                    <a:pt x="386509" y="124493"/>
+                    <a:pt x="248986" y="124493"/>
+                  </a:cubicBezTo>
+                  <a:cubicBezTo>
+                    <a:pt x="111463" y="124493"/>
+                    <a:pt x="0" y="68720"/>
+                    <a:pt x="0" y="0"/>
+                  </a:cubicBezTo>
+                </a:path>
+              </a:pathLst>
+            </a:custGeom>
+            <a:noFill/>
+            <a:ln w="8300" cap="flat">
+              <a:solidFill>
+                <a:srgbClr val="000000"/>
+              </a:solidFill>
+              <a:prstDash val="solid"/>
+              <a:miter/>
+            </a:ln>
+          </p:spPr>
+          <p:txBody>
+            <a:bodyPr rtlCol="0" anchor="ctr"/>
+            <a:lstStyle/>
+            <a:p>
+              <a:endParaRPr lang="it-IT">
+                <a:latin typeface="Helvetica" panose="020B0604020202020204" pitchFamily="34" charset="0"/>
+                <a:cs typeface="Helvetica" panose="020B0604020202020204" pitchFamily="34" charset="0"/>
+              </a:endParaRPr>
+            </a:p>
+          </p:txBody>
+        </p:sp>
+      </p:grpSp>
+      <p:grpSp>
+        <p:nvGrpSpPr>
+          <p:cNvPr id="104" name="Elemento grafico 6">
+            <a:extLst>
+              <a:ext uri="{FF2B5EF4-FFF2-40B4-BE49-F238E27FC236}">
+                <a16:creationId xmlns:a16="http://schemas.microsoft.com/office/drawing/2014/main" id="{B1B73002-C846-4F4A-A088-C1CABE06CF58}"/>
+              </a:ext>
+            </a:extLst>
+          </p:cNvPr>
+          <p:cNvGrpSpPr/>
+          <p:nvPr/>
+        </p:nvGrpSpPr>
+        <p:grpSpPr>
+          <a:xfrm rot="965279">
+            <a:off x="3040766" y="2559455"/>
+            <a:ext cx="1338244" cy="1155974"/>
+            <a:chOff x="3007566" y="2917408"/>
+            <a:chExt cx="1338244" cy="1155974"/>
+          </a:xfrm>
+          <a:solidFill>
+            <a:srgbClr val="FFFFFF"/>
+          </a:solidFill>
+        </p:grpSpPr>
+        <p:sp>
+          <p:nvSpPr>
+            <p:cNvPr id="105" name="Figura a mano libera: forma 104">
+              <a:extLst>
+                <a:ext uri="{FF2B5EF4-FFF2-40B4-BE49-F238E27FC236}">
+                  <a16:creationId xmlns:a16="http://schemas.microsoft.com/office/drawing/2014/main" id="{0656E898-BABE-4720-8A47-846C650CBFFA}"/>
+                </a:ext>
+              </a:extLst>
+            </p:cNvPr>
+            <p:cNvSpPr/>
+            <p:nvPr/>
+          </p:nvSpPr>
+          <p:spPr>
+            <a:xfrm rot="1800000">
+              <a:off x="3095722" y="3163415"/>
+              <a:ext cx="1161933" cy="663961"/>
+            </a:xfrm>
+            <a:custGeom>
+              <a:avLst/>
+              <a:gdLst>
+                <a:gd name="connsiteX0" fmla="*/ 0 w 1161933"/>
+                <a:gd name="connsiteY0" fmla="*/ 0 h 663961"/>
+                <a:gd name="connsiteX1" fmla="*/ 995943 w 1161933"/>
+                <a:gd name="connsiteY1" fmla="*/ 0 h 663961"/>
+                <a:gd name="connsiteX2" fmla="*/ 1161933 w 1161933"/>
+                <a:gd name="connsiteY2" fmla="*/ 331981 h 663961"/>
+                <a:gd name="connsiteX3" fmla="*/ 995943 w 1161933"/>
+                <a:gd name="connsiteY3" fmla="*/ 663962 h 663961"/>
+                <a:gd name="connsiteX4" fmla="*/ 0 w 1161933"/>
+                <a:gd name="connsiteY4" fmla="*/ 663962 h 663961"/>
+                <a:gd name="connsiteX5" fmla="*/ 165990 w 1161933"/>
+                <a:gd name="connsiteY5" fmla="*/ 331981 h 663961"/>
+              </a:gdLst>
+              <a:ahLst/>
+              <a:cxnLst>
+                <a:cxn ang="0">
+                  <a:pos x="connsiteX0" y="connsiteY0"/>
+                </a:cxn>
+                <a:cxn ang="0">
+                  <a:pos x="connsiteX1" y="connsiteY1"/>
+                </a:cxn>
+                <a:cxn ang="0">
+                  <a:pos x="connsiteX2" y="connsiteY2"/>
+                </a:cxn>
+                <a:cxn ang="0">
+                  <a:pos x="connsiteX3" y="connsiteY3"/>
+                </a:cxn>
+                <a:cxn ang="0">
+                  <a:pos x="connsiteX4" y="connsiteY4"/>
+                </a:cxn>
+                <a:cxn ang="0">
+                  <a:pos x="connsiteX5" y="connsiteY5"/>
+                </a:cxn>
+              </a:cxnLst>
+              <a:rect l="l" t="t" r="r" b="b"/>
+              <a:pathLst>
+                <a:path w="1161933" h="663961">
+                  <a:moveTo>
+                    <a:pt x="0" y="0"/>
+                  </a:moveTo>
+                  <a:lnTo>
+                    <a:pt x="995943" y="0"/>
+                  </a:lnTo>
+                  <a:lnTo>
+                    <a:pt x="1161933" y="331981"/>
+                  </a:lnTo>
+                  <a:lnTo>
+                    <a:pt x="995943" y="663962"/>
+                  </a:lnTo>
+                  <a:lnTo>
+                    <a:pt x="0" y="663962"/>
+                  </a:lnTo>
+                  <a:lnTo>
+                    <a:pt x="165990" y="331981"/>
+                  </a:lnTo>
+                  <a:close/>
+                </a:path>
+              </a:pathLst>
+            </a:custGeom>
+            <a:solidFill>
+              <a:srgbClr val="FFFFFF"/>
+            </a:solidFill>
+            <a:ln w="8300" cap="flat">
+              <a:solidFill>
+                <a:srgbClr val="000000"/>
+              </a:solidFill>
+              <a:prstDash val="solid"/>
+              <a:miter/>
+            </a:ln>
+          </p:spPr>
+          <p:txBody>
+            <a:bodyPr rtlCol="0" anchor="ctr"/>
+            <a:lstStyle/>
+            <a:p>
+              <a:endParaRPr lang="it-IT">
+                <a:latin typeface="Helvetica" panose="020B0604020202020204" pitchFamily="34" charset="0"/>
+                <a:cs typeface="Helvetica" panose="020B0604020202020204" pitchFamily="34" charset="0"/>
+              </a:endParaRPr>
+            </a:p>
+          </p:txBody>
+        </p:sp>
+        <p:pic>
+          <p:nvPicPr>
+            <p:cNvPr id="106" name="Immagine 105">
+              <a:extLst>
+                <a:ext uri="{FF2B5EF4-FFF2-40B4-BE49-F238E27FC236}">
+                  <a16:creationId xmlns:a16="http://schemas.microsoft.com/office/drawing/2014/main" id="{499145D4-15F2-403A-95C8-93E900EA4ED0}"/>
+                </a:ext>
+              </a:extLst>
+            </p:cNvPr>
+            <p:cNvPicPr>
+              <a:picLocks noChangeAspect="1"/>
+            </p:cNvPicPr>
+            <p:nvPr/>
+          </p:nvPicPr>
+          <p:blipFill>
+            <a:blip r:embed="rId2"/>
+            <a:stretch>
+              <a:fillRect/>
+            </a:stretch>
+          </p:blipFill>
+          <p:spPr>
+            <a:xfrm rot="1800000">
+              <a:off x="3091572" y="3372829"/>
+              <a:ext cx="1145334" cy="265584"/>
+            </a:xfrm>
+            <a:custGeom>
+              <a:avLst/>
+              <a:gdLst>
+                <a:gd name="connsiteX0" fmla="*/ -2 w 1145334"/>
+                <a:gd name="connsiteY0" fmla="*/ -1 h 265584"/>
+                <a:gd name="connsiteX1" fmla="*/ 1145333 w 1145334"/>
+                <a:gd name="connsiteY1" fmla="*/ -1 h 265584"/>
+                <a:gd name="connsiteX2" fmla="*/ 1145333 w 1145334"/>
+                <a:gd name="connsiteY2" fmla="*/ 265584 h 265584"/>
+                <a:gd name="connsiteX3" fmla="*/ -2 w 1145334"/>
+                <a:gd name="connsiteY3" fmla="*/ 265584 h 265584"/>
+              </a:gdLst>
+              <a:ahLst/>
+              <a:cxnLst>
+                <a:cxn ang="0">
+                  <a:pos x="connsiteX0" y="connsiteY0"/>
+                </a:cxn>
+                <a:cxn ang="0">
+                  <a:pos x="connsiteX1" y="connsiteY1"/>
+                </a:cxn>
+                <a:cxn ang="0">
+                  <a:pos x="connsiteX2" y="connsiteY2"/>
+                </a:cxn>
+                <a:cxn ang="0">
+                  <a:pos x="connsiteX3" y="connsiteY3"/>
+                </a:cxn>
+              </a:cxnLst>
+              <a:rect l="l" t="t" r="r" b="b"/>
+              <a:pathLst>
+                <a:path w="1145334" h="265584">
+                  <a:moveTo>
+                    <a:pt x="-2" y="-1"/>
+                  </a:moveTo>
+                  <a:lnTo>
+                    <a:pt x="1145333" y="-1"/>
+                  </a:lnTo>
+                  <a:lnTo>
+                    <a:pt x="1145333" y="265584"/>
+                  </a:lnTo>
+                  <a:lnTo>
+                    <a:pt x="-2" y="265584"/>
+                  </a:lnTo>
+                  <a:close/>
+                </a:path>
+              </a:pathLst>
+            </a:custGeom>
+          </p:spPr>
+        </p:pic>
+      </p:grpSp>
+      <p:sp>
+        <p:nvSpPr>
+          <p:cNvPr id="110" name="Figura a mano libera: forma 109">
+            <a:extLst>
+              <a:ext uri="{FF2B5EF4-FFF2-40B4-BE49-F238E27FC236}">
+                <a16:creationId xmlns:a16="http://schemas.microsoft.com/office/drawing/2014/main" id="{842ACBC5-A855-429A-86EA-CCB1C594F7B7}"/>
+              </a:ext>
+            </a:extLst>
+          </p:cNvPr>
+          <p:cNvSpPr/>
+          <p:nvPr/>
+        </p:nvSpPr>
+        <p:spPr>
+          <a:xfrm>
+            <a:off x="7452972" y="2938899"/>
+            <a:ext cx="257285" cy="518720"/>
+          </a:xfrm>
+          <a:custGeom>
+            <a:avLst/>
+            <a:gdLst>
+              <a:gd name="connsiteX0" fmla="*/ 170140 w 257285"/>
+              <a:gd name="connsiteY0" fmla="*/ 857922 h 1015612"/>
+              <a:gd name="connsiteX1" fmla="*/ 257285 w 257285"/>
+              <a:gd name="connsiteY1" fmla="*/ 857922 h 1015612"/>
+              <a:gd name="connsiteX2" fmla="*/ 128643 w 257285"/>
+              <a:gd name="connsiteY2" fmla="*/ 1015613 h 1015612"/>
+              <a:gd name="connsiteX3" fmla="*/ 0 w 257285"/>
+              <a:gd name="connsiteY3" fmla="*/ 857922 h 1015612"/>
+              <a:gd name="connsiteX4" fmla="*/ 87145 w 257285"/>
+              <a:gd name="connsiteY4" fmla="*/ 857922 h 1015612"/>
+              <a:gd name="connsiteX5" fmla="*/ 87145 w 257285"/>
+              <a:gd name="connsiteY5" fmla="*/ 157691 h 1015612"/>
+              <a:gd name="connsiteX6" fmla="*/ 0 w 257285"/>
+              <a:gd name="connsiteY6" fmla="*/ 157691 h 1015612"/>
+              <a:gd name="connsiteX7" fmla="*/ 128643 w 257285"/>
+              <a:gd name="connsiteY7" fmla="*/ 0 h 1015612"/>
+              <a:gd name="connsiteX8" fmla="*/ 257285 w 257285"/>
+              <a:gd name="connsiteY8" fmla="*/ 157691 h 1015612"/>
+              <a:gd name="connsiteX9" fmla="*/ 170140 w 257285"/>
+              <a:gd name="connsiteY9" fmla="*/ 157691 h 1015612"/>
+            </a:gdLst>
+            <a:ahLst/>
+            <a:cxnLst>
+              <a:cxn ang="0">
+                <a:pos x="connsiteX0" y="connsiteY0"/>
+              </a:cxn>
+              <a:cxn ang="0">
+                <a:pos x="connsiteX1" y="connsiteY1"/>
+              </a:cxn>
+              <a:cxn ang="0">
+                <a:pos x="connsiteX2" y="connsiteY2"/>
+              </a:cxn>
+              <a:cxn ang="0">
+                <a:pos x="connsiteX3" y="connsiteY3"/>
+              </a:cxn>
+              <a:cxn ang="0">
+                <a:pos x="connsiteX4" y="connsiteY4"/>
+              </a:cxn>
+              <a:cxn ang="0">
+                <a:pos x="connsiteX5" y="connsiteY5"/>
+              </a:cxn>
+              <a:cxn ang="0">
+                <a:pos x="connsiteX6" y="connsiteY6"/>
+              </a:cxn>
+              <a:cxn ang="0">
+                <a:pos x="connsiteX7" y="connsiteY7"/>
+              </a:cxn>
+              <a:cxn ang="0">
+                <a:pos x="connsiteX8" y="connsiteY8"/>
+              </a:cxn>
+              <a:cxn ang="0">
+                <a:pos x="connsiteX9" y="connsiteY9"/>
+              </a:cxn>
+            </a:cxnLst>
+            <a:rect l="l" t="t" r="r" b="b"/>
+            <a:pathLst>
+              <a:path w="257285" h="1015612">
+                <a:moveTo>
+                  <a:pt x="170140" y="857922"/>
+                </a:moveTo>
+                <a:lnTo>
+                  <a:pt x="257285" y="857922"/>
+                </a:lnTo>
+                <a:lnTo>
+                  <a:pt x="128643" y="1015613"/>
+                </a:lnTo>
+                <a:lnTo>
+                  <a:pt x="0" y="857922"/>
+                </a:lnTo>
+                <a:lnTo>
+                  <a:pt x="87145" y="857922"/>
+                </a:lnTo>
+                <a:lnTo>
+                  <a:pt x="87145" y="157691"/>
+                </a:lnTo>
+                <a:lnTo>
+                  <a:pt x="0" y="157691"/>
+                </a:lnTo>
+                <a:lnTo>
+                  <a:pt x="128643" y="0"/>
+                </a:lnTo>
+                <a:lnTo>
+                  <a:pt x="257285" y="157691"/>
+                </a:lnTo>
+                <a:lnTo>
+                  <a:pt x="170140" y="157691"/>
+                </a:lnTo>
+                <a:close/>
+              </a:path>
+            </a:pathLst>
+          </a:custGeom>
+          <a:noFill/>
+          <a:ln w="8300" cap="flat">
+            <a:solidFill>
+              <a:srgbClr val="000000"/>
+            </a:solidFill>
+            <a:prstDash val="solid"/>
+            <a:miter/>
+          </a:ln>
+        </p:spPr>
+        <p:txBody>
+          <a:bodyPr rtlCol="0" anchor="ctr"/>
+          <a:lstStyle/>
+          <a:p>
+            <a:endParaRPr lang="it-IT">
+              <a:latin typeface="Helvetica" panose="020B0604020202020204" pitchFamily="34" charset="0"/>
+              <a:cs typeface="Helvetica" panose="020B0604020202020204" pitchFamily="34" charset="0"/>
+            </a:endParaRPr>
+          </a:p>
+        </p:txBody>
+      </p:sp>
+      <p:sp>
+        <p:nvSpPr>
+          <p:cNvPr id="135" name="Figura a mano libera: forma 134">
+            <a:extLst>
+              <a:ext uri="{FF2B5EF4-FFF2-40B4-BE49-F238E27FC236}">
+                <a16:creationId xmlns:a16="http://schemas.microsoft.com/office/drawing/2014/main" id="{9F4400B5-795B-441E-8865-FC0B6DF8D92D}"/>
+              </a:ext>
+            </a:extLst>
+          </p:cNvPr>
+          <p:cNvSpPr/>
+          <p:nvPr/>
+        </p:nvSpPr>
+        <p:spPr>
+          <a:xfrm>
+            <a:off x="6847796" y="3490479"/>
+            <a:ext cx="1467633" cy="422743"/>
+          </a:xfrm>
+          <a:custGeom>
+            <a:avLst/>
+            <a:gdLst>
+              <a:gd name="connsiteX0" fmla="*/ 0 w 2074880"/>
+              <a:gd name="connsiteY0" fmla="*/ 0 h 1170232"/>
+              <a:gd name="connsiteX1" fmla="*/ 2074881 w 2074880"/>
+              <a:gd name="connsiteY1" fmla="*/ 0 h 1170232"/>
+              <a:gd name="connsiteX2" fmla="*/ 2074881 w 2074880"/>
+              <a:gd name="connsiteY2" fmla="*/ 1170233 h 1170232"/>
+              <a:gd name="connsiteX3" fmla="*/ 0 w 2074880"/>
+              <a:gd name="connsiteY3" fmla="*/ 1170233 h 1170232"/>
+            </a:gdLst>
+            <a:ahLst/>
+            <a:cxnLst>
+              <a:cxn ang="0">
+                <a:pos x="connsiteX0" y="connsiteY0"/>
+              </a:cxn>
+              <a:cxn ang="0">
+                <a:pos x="connsiteX1" y="connsiteY1"/>
+              </a:cxn>
+              <a:cxn ang="0">
+                <a:pos x="connsiteX2" y="connsiteY2"/>
+              </a:cxn>
+              <a:cxn ang="0">
+                <a:pos x="connsiteX3" y="connsiteY3"/>
+              </a:cxn>
+            </a:cxnLst>
+            <a:rect l="l" t="t" r="r" b="b"/>
+            <a:pathLst>
+              <a:path w="2074880" h="1170232">
+                <a:moveTo>
+                  <a:pt x="0" y="0"/>
+                </a:moveTo>
+                <a:lnTo>
+                  <a:pt x="2074881" y="0"/>
+                </a:lnTo>
+                <a:lnTo>
+                  <a:pt x="2074881" y="1170233"/>
+                </a:lnTo>
+                <a:lnTo>
+                  <a:pt x="0" y="1170233"/>
+                </a:lnTo>
+                <a:close/>
+              </a:path>
+            </a:pathLst>
+          </a:custGeom>
+          <a:solidFill>
+            <a:schemeClr val="bg1"/>
+          </a:solidFill>
+          <a:ln w="8300" cap="flat">
+            <a:solidFill>
+              <a:schemeClr val="tx1"/>
+            </a:solidFill>
+            <a:prstDash val="solid"/>
+            <a:miter/>
+          </a:ln>
+        </p:spPr>
+        <p:txBody>
+          <a:bodyPr rtlCol="0" anchor="ctr"/>
+          <a:lstStyle/>
+          <a:p>
+            <a:pPr algn="ctr"/>
+            <a:r>
+              <a:rPr lang="it-IT" sz="1200" dirty="0">
+                <a:latin typeface="Helvetica" panose="020B0604020202020204" pitchFamily="34" charset="0"/>
+                <a:cs typeface="Helvetica" panose="020B0604020202020204" pitchFamily="34" charset="0"/>
+              </a:rPr>
+              <a:t>ML</a:t>
+            </a:r>
+          </a:p>
+        </p:txBody>
+      </p:sp>
+      <p:sp>
+        <p:nvSpPr>
+          <p:cNvPr id="137" name="Figura a mano libera: forma 136">
+            <a:extLst>
+              <a:ext uri="{FF2B5EF4-FFF2-40B4-BE49-F238E27FC236}">
+                <a16:creationId xmlns:a16="http://schemas.microsoft.com/office/drawing/2014/main" id="{9AB47202-0F8F-4AD4-9B93-02480CBE3557}"/>
+              </a:ext>
+            </a:extLst>
+          </p:cNvPr>
+          <p:cNvSpPr/>
+          <p:nvPr/>
+        </p:nvSpPr>
+        <p:spPr>
+          <a:xfrm>
+            <a:off x="6010213" y="1599694"/>
+            <a:ext cx="995942" cy="663961"/>
+          </a:xfrm>
+          <a:custGeom>
+            <a:avLst/>
+            <a:gdLst>
+              <a:gd name="connsiteX0" fmla="*/ 0 w 995942"/>
+              <a:gd name="connsiteY0" fmla="*/ 0 h 663961"/>
+              <a:gd name="connsiteX1" fmla="*/ 829952 w 995942"/>
+              <a:gd name="connsiteY1" fmla="*/ 0 h 663961"/>
+              <a:gd name="connsiteX2" fmla="*/ 995943 w 995942"/>
+              <a:gd name="connsiteY2" fmla="*/ 331981 h 663961"/>
+              <a:gd name="connsiteX3" fmla="*/ 829952 w 995942"/>
+              <a:gd name="connsiteY3" fmla="*/ 663962 h 663961"/>
+              <a:gd name="connsiteX4" fmla="*/ 0 w 995942"/>
+              <a:gd name="connsiteY4" fmla="*/ 663962 h 663961"/>
+              <a:gd name="connsiteX5" fmla="*/ 165990 w 995942"/>
+              <a:gd name="connsiteY5" fmla="*/ 331981 h 663961"/>
+            </a:gdLst>
+            <a:ahLst/>
+            <a:cxnLst>
+              <a:cxn ang="0">
+                <a:pos x="connsiteX0" y="connsiteY0"/>
+              </a:cxn>
+              <a:cxn ang="0">
+                <a:pos x="connsiteX1" y="connsiteY1"/>
+              </a:cxn>
+              <a:cxn ang="0">
+                <a:pos x="connsiteX2" y="connsiteY2"/>
+              </a:cxn>
+              <a:cxn ang="0">
+                <a:pos x="connsiteX3" y="connsiteY3"/>
+              </a:cxn>
+              <a:cxn ang="0">
+                <a:pos x="connsiteX4" y="connsiteY4"/>
+              </a:cxn>
+              <a:cxn ang="0">
+                <a:pos x="connsiteX5" y="connsiteY5"/>
+              </a:cxn>
+            </a:cxnLst>
+            <a:rect l="l" t="t" r="r" b="b"/>
+            <a:pathLst>
+              <a:path w="995942" h="663961">
+                <a:moveTo>
+                  <a:pt x="0" y="0"/>
+                </a:moveTo>
+                <a:lnTo>
+                  <a:pt x="829952" y="0"/>
+                </a:lnTo>
+                <a:lnTo>
+                  <a:pt x="995943" y="331981"/>
+                </a:lnTo>
+                <a:lnTo>
+                  <a:pt x="829952" y="663962"/>
+                </a:lnTo>
+                <a:lnTo>
+                  <a:pt x="0" y="663962"/>
+                </a:lnTo>
+                <a:lnTo>
+                  <a:pt x="165990" y="331981"/>
+                </a:lnTo>
+                <a:close/>
+              </a:path>
+            </a:pathLst>
+          </a:custGeom>
+          <a:solidFill>
+            <a:srgbClr val="FFFFFF"/>
+          </a:solidFill>
+          <a:ln w="8300" cap="flat">
+            <a:solidFill>
+              <a:srgbClr val="000000"/>
+            </a:solidFill>
+            <a:prstDash val="solid"/>
+            <a:miter/>
+          </a:ln>
+        </p:spPr>
+        <p:txBody>
+          <a:bodyPr rtlCol="0" anchor="ctr"/>
+          <a:lstStyle/>
+          <a:p>
+            <a:endParaRPr lang="it-IT">
+              <a:latin typeface="Helvetica" panose="020B0604020202020204" pitchFamily="34" charset="0"/>
+              <a:cs typeface="Helvetica" panose="020B0604020202020204" pitchFamily="34" charset="0"/>
+            </a:endParaRPr>
+          </a:p>
+        </p:txBody>
+      </p:sp>
+      <p:pic>
+        <p:nvPicPr>
+          <p:cNvPr id="138" name="Immagine 137">
+            <a:extLst>
+              <a:ext uri="{FF2B5EF4-FFF2-40B4-BE49-F238E27FC236}">
+                <a16:creationId xmlns:a16="http://schemas.microsoft.com/office/drawing/2014/main" id="{E3081473-0459-4607-A695-F8FE8D057164}"/>
+              </a:ext>
+            </a:extLst>
+          </p:cNvPr>
+          <p:cNvPicPr>
+            <a:picLocks noChangeAspect="1"/>
+          </p:cNvPicPr>
+          <p:nvPr/>
+        </p:nvPicPr>
+        <p:blipFill>
+          <a:blip r:embed="rId5"/>
+          <a:stretch>
+            <a:fillRect/>
+          </a:stretch>
+        </p:blipFill>
+        <p:spPr>
+          <a:xfrm>
+            <a:off x="6014363" y="1873578"/>
+            <a:ext cx="979343" cy="141091"/>
+          </a:xfrm>
+          <a:custGeom>
+            <a:avLst/>
+            <a:gdLst>
+              <a:gd name="connsiteX0" fmla="*/ -1 w 979343"/>
+              <a:gd name="connsiteY0" fmla="*/ -1 h 141091"/>
+              <a:gd name="connsiteX1" fmla="*/ 979343 w 979343"/>
+              <a:gd name="connsiteY1" fmla="*/ -1 h 141091"/>
+              <a:gd name="connsiteX2" fmla="*/ 979343 w 979343"/>
+              <a:gd name="connsiteY2" fmla="*/ 141091 h 141091"/>
+              <a:gd name="connsiteX3" fmla="*/ -1 w 979343"/>
+              <a:gd name="connsiteY3" fmla="*/ 141091 h 141091"/>
+            </a:gdLst>
+            <a:ahLst/>
+            <a:cxnLst>
+              <a:cxn ang="0">
+                <a:pos x="connsiteX0" y="connsiteY0"/>
+              </a:cxn>
+              <a:cxn ang="0">
+                <a:pos x="connsiteX1" y="connsiteY1"/>
+              </a:cxn>
+              <a:cxn ang="0">
+                <a:pos x="connsiteX2" y="connsiteY2"/>
+              </a:cxn>
+              <a:cxn ang="0">
+                <a:pos x="connsiteX3" y="connsiteY3"/>
+              </a:cxn>
+            </a:cxnLst>
+            <a:rect l="l" t="t" r="r" b="b"/>
+            <a:pathLst>
+              <a:path w="979343" h="141091">
+                <a:moveTo>
+                  <a:pt x="-1" y="-1"/>
+                </a:moveTo>
+                <a:lnTo>
+                  <a:pt x="979343" y="-1"/>
+                </a:lnTo>
+                <a:lnTo>
+                  <a:pt x="979343" y="141091"/>
+                </a:lnTo>
+                <a:lnTo>
+                  <a:pt x="-1" y="141091"/>
+                </a:lnTo>
+                <a:close/>
+              </a:path>
+            </a:pathLst>
+          </a:custGeom>
+        </p:spPr>
+      </p:pic>
+      <p:sp>
+        <p:nvSpPr>
+          <p:cNvPr id="139" name="CasellaDiTesto 138">
+            <a:extLst>
+              <a:ext uri="{FF2B5EF4-FFF2-40B4-BE49-F238E27FC236}">
+                <a16:creationId xmlns:a16="http://schemas.microsoft.com/office/drawing/2014/main" id="{0F808CDE-3FFC-4B5A-BC9C-6BCEC9C99999}"/>
+              </a:ext>
+            </a:extLst>
+          </p:cNvPr>
+          <p:cNvSpPr txBox="1"/>
+          <p:nvPr/>
+        </p:nvSpPr>
+        <p:spPr>
+          <a:xfrm>
+            <a:off x="874603" y="433118"/>
+            <a:ext cx="1822487" cy="276999"/>
+          </a:xfrm>
+          <a:prstGeom prst="rect">
+            <a:avLst/>
+          </a:prstGeom>
+          <a:noFill/>
+        </p:spPr>
+        <p:txBody>
+          <a:bodyPr wrap="none" rtlCol="0">
+            <a:spAutoFit/>
+          </a:bodyPr>
+          <a:lstStyle/>
+          <a:p>
+            <a:r>
+              <a:rPr lang="it-IT" sz="1200" dirty="0">
+                <a:latin typeface="Helvetica" panose="020B0604020202020204" pitchFamily="34" charset="0"/>
+                <a:cs typeface="Helvetica" panose="020B0604020202020204" pitchFamily="34" charset="0"/>
+              </a:rPr>
+              <a:t>A Company Department</a:t>
+            </a:r>
+          </a:p>
+        </p:txBody>
+      </p:sp>
+      <p:sp>
+        <p:nvSpPr>
+          <p:cNvPr id="140" name="CasellaDiTesto 139">
+            <a:extLst>
+              <a:ext uri="{FF2B5EF4-FFF2-40B4-BE49-F238E27FC236}">
+                <a16:creationId xmlns:a16="http://schemas.microsoft.com/office/drawing/2014/main" id="{929C9CFE-6B57-458B-9565-A18DE4DB0A4C}"/>
+              </a:ext>
+            </a:extLst>
+          </p:cNvPr>
+          <p:cNvSpPr txBox="1"/>
+          <p:nvPr/>
+        </p:nvSpPr>
+        <p:spPr>
+          <a:xfrm>
+            <a:off x="3972702" y="398290"/>
+            <a:ext cx="2265364" cy="276999"/>
+          </a:xfrm>
+          <a:prstGeom prst="rect">
+            <a:avLst/>
+          </a:prstGeom>
+          <a:noFill/>
+        </p:spPr>
+        <p:txBody>
+          <a:bodyPr wrap="none" rtlCol="0">
+            <a:spAutoFit/>
+          </a:bodyPr>
+          <a:lstStyle/>
+          <a:p>
+            <a:r>
+              <a:rPr lang="it-IT" sz="1200" dirty="0" err="1">
+                <a:latin typeface="Helvetica" panose="020B0604020202020204" pitchFamily="34" charset="0"/>
+                <a:cs typeface="Helvetica" panose="020B0604020202020204" pitchFamily="34" charset="0"/>
+              </a:rPr>
+              <a:t>Another</a:t>
+            </a:r>
+            <a:r>
+              <a:rPr lang="it-IT" sz="1200" dirty="0">
+                <a:latin typeface="Helvetica" panose="020B0604020202020204" pitchFamily="34" charset="0"/>
+                <a:cs typeface="Helvetica" panose="020B0604020202020204" pitchFamily="34" charset="0"/>
+              </a:rPr>
+              <a:t> Company Department</a:t>
+            </a:r>
+          </a:p>
+        </p:txBody>
+      </p:sp>
+    </p:spTree>
+    <p:extLst>
+      <p:ext uri="{BB962C8B-B14F-4D97-AF65-F5344CB8AC3E}">
+        <p14:creationId xmlns:p14="http://schemas.microsoft.com/office/powerpoint/2010/main" val="2694379406"/>
       </p:ext>
     </p:extLst>
   </p:cSld>
